--- a/models/モデルシートHOMMAv3.pptx
+++ b/models/モデルシートHOMMAv3.pptx
@@ -27668,11 +27668,11 @@
           <c:showPercent val="0"/>
           <c:showBubbleSize val="0"/>
         </c:dLbls>
-        <c:axId val="78351360"/>
-        <c:axId val="81298176"/>
+        <c:axId val="39178624"/>
+        <c:axId val="39180160"/>
       </c:scatterChart>
       <c:valAx>
-        <c:axId val="78351360"/>
+        <c:axId val="39178624"/>
         <c:scaling>
           <c:orientation val="minMax"/>
         </c:scaling>
@@ -27682,12 +27682,12 @@
         <c:majorTickMark val="out"/>
         <c:minorTickMark val="none"/>
         <c:tickLblPos val="nextTo"/>
-        <c:crossAx val="81298176"/>
+        <c:crossAx val="39180160"/>
         <c:crosses val="autoZero"/>
         <c:crossBetween val="midCat"/>
       </c:valAx>
       <c:valAx>
-        <c:axId val="81298176"/>
+        <c:axId val="39180160"/>
         <c:scaling>
           <c:orientation val="minMax"/>
         </c:scaling>
@@ -27697,7 +27697,7 @@
         <c:majorTickMark val="out"/>
         <c:minorTickMark val="none"/>
         <c:tickLblPos val="nextTo"/>
-        <c:crossAx val="78351360"/>
+        <c:crossAx val="39178624"/>
         <c:crosses val="autoZero"/>
         <c:crossBetween val="midCat"/>
       </c:valAx>
@@ -27920,11 +27920,11 @@
         </c:dLbls>
         <c:marker val="1"/>
         <c:smooth val="0"/>
-        <c:axId val="82882560"/>
-        <c:axId val="82884096"/>
+        <c:axId val="114279552"/>
+        <c:axId val="114281088"/>
       </c:lineChart>
       <c:catAx>
-        <c:axId val="82882560"/>
+        <c:axId val="114279552"/>
         <c:scaling>
           <c:orientation val="minMax"/>
         </c:scaling>
@@ -27933,7 +27933,7 @@
         <c:majorTickMark val="out"/>
         <c:minorTickMark val="none"/>
         <c:tickLblPos val="nextTo"/>
-        <c:crossAx val="82884096"/>
+        <c:crossAx val="114281088"/>
         <c:crosses val="autoZero"/>
         <c:auto val="1"/>
         <c:lblAlgn val="ctr"/>
@@ -27941,7 +27941,7 @@
         <c:noMultiLvlLbl val="0"/>
       </c:catAx>
       <c:valAx>
-        <c:axId val="82884096"/>
+        <c:axId val="114281088"/>
         <c:scaling>
           <c:orientation val="minMax"/>
         </c:scaling>
@@ -27952,7 +27952,7 @@
         <c:majorTickMark val="out"/>
         <c:minorTickMark val="none"/>
         <c:tickLblPos val="nextTo"/>
-        <c:crossAx val="82882560"/>
+        <c:crossAx val="114279552"/>
         <c:crosses val="autoZero"/>
         <c:crossBetween val="between"/>
       </c:valAx>
@@ -28646,7 +28646,7 @@
           <a:p>
             <a:fld id="{813C8227-C5FA-4F90-9691-3E218BF9FA91}" type="datetimeFigureOut">
               <a:rPr kumimoji="1" lang="ja-JP" altLang="en-US" smtClean="0"/>
-              <a:t>2012/9/9</a:t>
+              <a:t>2012/9/10</a:t>
             </a:fld>
             <a:endParaRPr kumimoji="1" lang="ja-JP" altLang="en-US"/>
           </a:p>
@@ -29318,7 +29318,7 @@
           <a:p>
             <a:fld id="{C474B4CA-5347-4033-9CF6-D10F59E92A5D}" type="datetimeFigureOut">
               <a:rPr kumimoji="1" lang="ja-JP" altLang="en-US" smtClean="0"/>
-              <a:t>2012/9/9</a:t>
+              <a:t>2012/9/10</a:t>
             </a:fld>
             <a:endParaRPr kumimoji="1" lang="ja-JP" altLang="en-US"/>
           </a:p>
@@ -30218,7 +30218,7 @@
           <a:p>
             <a:fld id="{C474B4CA-5347-4033-9CF6-D10F59E92A5D}" type="datetimeFigureOut">
               <a:rPr kumimoji="1" lang="ja-JP" altLang="en-US" smtClean="0"/>
-              <a:t>2012/9/9</a:t>
+              <a:t>2012/9/10</a:t>
             </a:fld>
             <a:endParaRPr kumimoji="1" lang="ja-JP" altLang="en-US"/>
           </a:p>
@@ -30433,7 +30433,7 @@
           <a:p>
             <a:fld id="{C474B4CA-5347-4033-9CF6-D10F59E92A5D}" type="datetimeFigureOut">
               <a:rPr kumimoji="1" lang="ja-JP" altLang="en-US" smtClean="0"/>
-              <a:t>2012/9/9</a:t>
+              <a:t>2012/9/10</a:t>
             </a:fld>
             <a:endParaRPr kumimoji="1" lang="ja-JP" altLang="en-US"/>
           </a:p>
@@ -30643,7 +30643,7 @@
           <a:p>
             <a:fld id="{C474B4CA-5347-4033-9CF6-D10F59E92A5D}" type="datetimeFigureOut">
               <a:rPr kumimoji="1" lang="ja-JP" altLang="en-US" smtClean="0"/>
-              <a:t>2012/9/9</a:t>
+              <a:t>2012/9/10</a:t>
             </a:fld>
             <a:endParaRPr kumimoji="1" lang="ja-JP" altLang="en-US"/>
           </a:p>
@@ -30892,7 +30892,7 @@
           <a:p>
             <a:fld id="{C474B4CA-5347-4033-9CF6-D10F59E92A5D}" type="datetimeFigureOut">
               <a:rPr kumimoji="1" lang="ja-JP" altLang="en-US" smtClean="0"/>
-              <a:t>2012/9/9</a:t>
+              <a:t>2012/9/10</a:t>
             </a:fld>
             <a:endParaRPr kumimoji="1" lang="ja-JP" altLang="en-US"/>
           </a:p>
@@ -31252,7 +31252,7 @@
           <a:p>
             <a:fld id="{C474B4CA-5347-4033-9CF6-D10F59E92A5D}" type="datetimeFigureOut">
               <a:rPr kumimoji="1" lang="ja-JP" altLang="en-US" smtClean="0"/>
-              <a:t>2012/9/9</a:t>
+              <a:t>2012/9/10</a:t>
             </a:fld>
             <a:endParaRPr kumimoji="1" lang="ja-JP" altLang="en-US"/>
           </a:p>
@@ -31746,7 +31746,7 @@
           <a:p>
             <a:fld id="{C474B4CA-5347-4033-9CF6-D10F59E92A5D}" type="datetimeFigureOut">
               <a:rPr kumimoji="1" lang="ja-JP" altLang="en-US" smtClean="0"/>
-              <a:t>2012/9/9</a:t>
+              <a:t>2012/9/10</a:t>
             </a:fld>
             <a:endParaRPr kumimoji="1" lang="ja-JP" altLang="en-US"/>
           </a:p>
@@ -31872,7 +31872,7 @@
           <a:p>
             <a:fld id="{C474B4CA-5347-4033-9CF6-D10F59E92A5D}" type="datetimeFigureOut">
               <a:rPr kumimoji="1" lang="ja-JP" altLang="en-US" smtClean="0"/>
-              <a:t>2012/9/9</a:t>
+              <a:t>2012/9/10</a:t>
             </a:fld>
             <a:endParaRPr kumimoji="1" lang="ja-JP" altLang="en-US"/>
           </a:p>
@@ -31974,7 +31974,7 @@
           <a:p>
             <a:fld id="{C474B4CA-5347-4033-9CF6-D10F59E92A5D}" type="datetimeFigureOut">
               <a:rPr kumimoji="1" lang="ja-JP" altLang="en-US" smtClean="0"/>
-              <a:t>2012/9/9</a:t>
+              <a:t>2012/9/10</a:t>
             </a:fld>
             <a:endParaRPr kumimoji="1" lang="ja-JP" altLang="en-US"/>
           </a:p>
@@ -32286,7 +32286,7 @@
           <a:p>
             <a:fld id="{C474B4CA-5347-4033-9CF6-D10F59E92A5D}" type="datetimeFigureOut">
               <a:rPr kumimoji="1" lang="ja-JP" altLang="en-US" smtClean="0"/>
-              <a:t>2012/9/9</a:t>
+              <a:t>2012/9/10</a:t>
             </a:fld>
             <a:endParaRPr kumimoji="1" lang="ja-JP" altLang="en-US"/>
           </a:p>
@@ -32542,7 +32542,7 @@
           <a:p>
             <a:fld id="{C474B4CA-5347-4033-9CF6-D10F59E92A5D}" type="datetimeFigureOut">
               <a:rPr kumimoji="1" lang="ja-JP" altLang="en-US" smtClean="0"/>
-              <a:t>2012/9/9</a:t>
+              <a:t>2012/9/10</a:t>
             </a:fld>
             <a:endParaRPr kumimoji="1" lang="ja-JP" altLang="en-US"/>
           </a:p>
@@ -32754,7 +32754,7 @@
           <a:p>
             <a:fld id="{C474B4CA-5347-4033-9CF6-D10F59E92A5D}" type="datetimeFigureOut">
               <a:rPr kumimoji="1" lang="ja-JP" altLang="en-US" smtClean="0"/>
-              <a:t>2012/9/9</a:t>
+              <a:t>2012/9/10</a:t>
             </a:fld>
             <a:endParaRPr kumimoji="1" lang="ja-JP" altLang="en-US"/>
           </a:p>
@@ -33726,11 +33726,7 @@
             </a:r>
             <a:r>
               <a:rPr lang="ja-JP" altLang="en-US" sz="1200" dirty="0" smtClean="0"/>
-              <a:t>構造を</a:t>
-            </a:r>
-            <a:r>
-              <a:rPr lang="ja-JP" altLang="en-US" sz="1200" dirty="0" smtClean="0"/>
-              <a:t>参照。要求とパッケージ構成にもとづいてクラスを抽出しました。システムの機能である区間の切り替えと駆動という</a:t>
+              <a:t>構造を参照。要求とパッケージ構成にもとづいてクラスを抽出しました。システムの機能である区間の切り替えと駆動という</a:t>
             </a:r>
             <a:r>
               <a:rPr lang="en-US" altLang="ja-JP" sz="1200" dirty="0" smtClean="0"/>
@@ -33836,15 +33832,7 @@
             </a:r>
             <a:r>
               <a:rPr lang="ja-JP" altLang="en-US" sz="1200" dirty="0" smtClean="0"/>
-              <a:t>パッケージ</a:t>
-            </a:r>
-            <a:r>
-              <a:rPr lang="ja-JP" altLang="en-US" sz="1200" dirty="0" smtClean="0"/>
-              <a:t>分けを開発の初期に行い</a:t>
-            </a:r>
-            <a:r>
-              <a:rPr lang="ja-JP" altLang="en-US" sz="1200" dirty="0" smtClean="0"/>
-              <a:t>、責務が分散しないように意識することにより</a:t>
+              <a:t>パッケージ分けを開発の初期に行い、責務が分散しないように意識することにより</a:t>
             </a:r>
             <a:r>
               <a:rPr lang="ja-JP" altLang="en-US" sz="1200" dirty="0"/>
@@ -33852,11 +33840,7 @@
             </a:r>
             <a:r>
               <a:rPr lang="ja-JP" altLang="en-US" sz="1200" dirty="0" smtClean="0"/>
-              <a:t>モデル</a:t>
-            </a:r>
-            <a:r>
-              <a:rPr lang="ja-JP" altLang="en-US" sz="1200" dirty="0" smtClean="0"/>
-              <a:t>に</a:t>
+              <a:t>モデルに</a:t>
             </a:r>
             <a:r>
               <a:rPr lang="ja-JP" altLang="en-US" sz="1200" dirty="0"/>
@@ -33864,11 +33848,7 @@
             </a:r>
             <a:r>
               <a:rPr lang="ja-JP" altLang="en-US" sz="1200" dirty="0" smtClean="0"/>
-              <a:t>持たせました</a:t>
-            </a:r>
-            <a:r>
-              <a:rPr lang="ja-JP" altLang="en-US" sz="1200" dirty="0" smtClean="0"/>
-              <a:t>．双方向の関連を禁止しました</a:t>
+              <a:t>持たせました．双方向の関連を禁止しました</a:t>
             </a:r>
             <a:r>
               <a:rPr lang="en-US" altLang="ja-JP" sz="1200" dirty="0" smtClean="0"/>
@@ -33884,19 +33864,7 @@
             </a:r>
             <a:r>
               <a:rPr lang="ja-JP" altLang="en-US" sz="1200" dirty="0" smtClean="0"/>
-              <a:t>パターンを拡張した構成を用い</a:t>
-            </a:r>
-            <a:r>
-              <a:rPr lang="ja-JP" altLang="en-US" sz="1200" dirty="0" smtClean="0"/>
-              <a:t>ることで</a:t>
-            </a:r>
-            <a:r>
-              <a:rPr lang="ja-JP" altLang="en-US" sz="1200" dirty="0" smtClean="0"/>
-              <a:t>双方向の関連を避けました。</a:t>
-            </a:r>
-            <a:r>
-              <a:rPr lang="ja-JP" altLang="en-US" sz="1200" dirty="0" smtClean="0"/>
-              <a:t>区間ごとにチームで分担して開発することにより開発スピードを上げ、結合は区間をつなげることのみで行えるので容易になりました。</a:t>
+              <a:t>パターンを拡張した構成を用いることで双方向の関連を避けました。区間ごとにチームで分担して開発することにより開発スピードを上げ、結合は区間をつなげることのみで行えるので容易になりました。</a:t>
             </a:r>
             <a:endParaRPr lang="en-US" altLang="ja-JP" sz="1200" dirty="0"/>
           </a:p>
@@ -34029,11 +33997,7 @@
             </a:r>
             <a:r>
               <a:rPr lang="ja-JP" altLang="en-US" sz="1400" dirty="0" smtClean="0"/>
-              <a:t>並行性設計</a:t>
-            </a:r>
-            <a:r>
-              <a:rPr lang="ja-JP" altLang="en-US" sz="1400" dirty="0" smtClean="0"/>
-              <a:t>について</a:t>
+              <a:t>並行性設計について</a:t>
             </a:r>
             <a:endParaRPr lang="en-US" altLang="ja-JP" sz="1400" dirty="0" smtClean="0"/>
           </a:p>
@@ -34059,23 +34023,7 @@
                 <a:ea typeface="メイリオ" pitchFamily="50" charset="-128"/>
                 <a:cs typeface="メイリオ" pitchFamily="50" charset="-128"/>
               </a:rPr>
-              <a:t>走行体のバランス動作などのモータの駆動が一番優先するべきことである</a:t>
-            </a:r>
-            <a:r>
-              <a:rPr lang="ja-JP" altLang="en-US" sz="1200" dirty="0" smtClean="0">
-                <a:latin typeface="メイリオ" pitchFamily="50" charset="-128"/>
-                <a:ea typeface="メイリオ" pitchFamily="50" charset="-128"/>
-                <a:cs typeface="メイリオ" pitchFamily="50" charset="-128"/>
-              </a:rPr>
-              <a:t>。それ</a:t>
-            </a:r>
-            <a:r>
-              <a:rPr lang="ja-JP" altLang="en-US" sz="1200" dirty="0" smtClean="0">
-                <a:latin typeface="メイリオ" pitchFamily="50" charset="-128"/>
-                <a:ea typeface="メイリオ" pitchFamily="50" charset="-128"/>
-                <a:cs typeface="メイリオ" pitchFamily="50" charset="-128"/>
-              </a:rPr>
-              <a:t>に対して</a:t>
+              <a:t>走行体のバランス動作などのモータの駆動が一番優先するべきことである。それに対して</a:t>
             </a:r>
             <a:r>
               <a:rPr lang="en-US" altLang="ja-JP" sz="1200" dirty="0" smtClean="0">
@@ -34123,15 +34071,7 @@
                 <a:ea typeface="メイリオ" pitchFamily="50" charset="-128"/>
                 <a:cs typeface="メイリオ" pitchFamily="50" charset="-128"/>
               </a:rPr>
-              <a:t>行われるように設計した。詳細</a:t>
-            </a:r>
-            <a:r>
-              <a:rPr lang="ja-JP" altLang="en-US" sz="1200" dirty="0" smtClean="0">
-                <a:latin typeface="メイリオ" pitchFamily="50" charset="-128"/>
-                <a:ea typeface="メイリオ" pitchFamily="50" charset="-128"/>
-                <a:cs typeface="メイリオ" pitchFamily="50" charset="-128"/>
-              </a:rPr>
-              <a:t>は</a:t>
+              <a:t>行われるように設計した。詳細は</a:t>
             </a:r>
             <a:r>
               <a:rPr lang="en-US" altLang="ja-JP" sz="1200" dirty="0" smtClean="0">
@@ -34197,15 +34137,7 @@
                 <a:ea typeface="メイリオ" pitchFamily="50" charset="-128"/>
                 <a:cs typeface="メイリオ" pitchFamily="50" charset="-128"/>
               </a:rPr>
-              <a:t>RT</a:t>
-            </a:r>
-            <a:r>
-              <a:rPr lang="en-US" altLang="ja-JP" sz="1200" dirty="0" smtClean="0">
-                <a:latin typeface="メイリオ" pitchFamily="50" charset="-128"/>
-                <a:ea typeface="メイリオ" pitchFamily="50" charset="-128"/>
-                <a:cs typeface="メイリオ" pitchFamily="50" charset="-128"/>
-              </a:rPr>
-              <a:t>OS</a:t>
+              <a:t>RTOS</a:t>
             </a:r>
             <a:r>
               <a:rPr lang="ja-JP" altLang="en-US" sz="1200" dirty="0" err="1" smtClean="0">
@@ -34245,23 +34177,7 @@
                 <a:ea typeface="メイリオ" pitchFamily="50" charset="-128"/>
                 <a:cs typeface="メイリオ" pitchFamily="50" charset="-128"/>
               </a:rPr>
-              <a:t>ひとつ</a:t>
-            </a:r>
-            <a:r>
-              <a:rPr lang="ja-JP" altLang="en-US" sz="1200" dirty="0" smtClean="0">
-                <a:latin typeface="メイリオ" pitchFamily="50" charset="-128"/>
-                <a:ea typeface="メイリオ" pitchFamily="50" charset="-128"/>
-                <a:cs typeface="メイリオ" pitchFamily="50" charset="-128"/>
-              </a:rPr>
-              <a:t>ひとつ</a:t>
-            </a:r>
-            <a:r>
-              <a:rPr lang="ja-JP" altLang="en-US" sz="1200" dirty="0" smtClean="0">
-                <a:latin typeface="メイリオ" pitchFamily="50" charset="-128"/>
-                <a:ea typeface="メイリオ" pitchFamily="50" charset="-128"/>
-                <a:cs typeface="メイリオ" pitchFamily="50" charset="-128"/>
-              </a:rPr>
-              <a:t>のタスクを</a:t>
+              <a:t>ひとつひとつのタスクを</a:t>
             </a:r>
             <a:r>
               <a:rPr lang="en-US" altLang="ja-JP" sz="1200" dirty="0" smtClean="0">
@@ -34341,15 +34257,7 @@
                 <a:ea typeface="メイリオ" pitchFamily="50" charset="-128"/>
                 <a:cs typeface="メイリオ" pitchFamily="50" charset="-128"/>
               </a:rPr>
-              <a:t>の要求図を使って分析しました。そこから機能要件、非機能要件を洗い出して、構造、</a:t>
-            </a:r>
-            <a:r>
-              <a:rPr lang="ja-JP" altLang="en-US" sz="1200" dirty="0" smtClean="0">
-                <a:latin typeface="メイリオ" pitchFamily="50" charset="-128"/>
-                <a:ea typeface="メイリオ" pitchFamily="50" charset="-128"/>
-                <a:cs typeface="メイリオ" pitchFamily="50" charset="-128"/>
-              </a:rPr>
-              <a:t>振る舞い、走行戦略で使われる技術要素を導きだしました。</a:t>
+              <a:t>の要求図を使って分析しました。そこから機能要件、非機能要件を洗い出して、構造、振る舞い、走行戦略で使われる技術要素を導きだしました。</a:t>
             </a:r>
             <a:endParaRPr lang="en-US" altLang="ja-JP" sz="1200" dirty="0" smtClean="0">
               <a:latin typeface="メイリオ" pitchFamily="50" charset="-128"/>
@@ -34455,23 +34363,7 @@
             </a:r>
             <a:r>
               <a:rPr lang="ja-JP" altLang="en-US" sz="1600" dirty="0" smtClean="0"/>
-              <a:t>高専の３年生から７年生（専攻科２年生）７名で</a:t>
-            </a:r>
-            <a:r>
-              <a:rPr lang="ja-JP" altLang="en-US" sz="1600" dirty="0" smtClean="0"/>
-              <a:t>構成幅広い年代のチーム</a:t>
-            </a:r>
-            <a:r>
-              <a:rPr lang="ja-JP" altLang="en-US" sz="1600" dirty="0" smtClean="0"/>
-              <a:t>です</a:t>
-            </a:r>
-            <a:r>
-              <a:rPr lang="ja-JP" altLang="en-US" sz="1600" dirty="0" smtClean="0"/>
-              <a:t>。メンバー</a:t>
-            </a:r>
-            <a:r>
-              <a:rPr lang="ja-JP" altLang="en-US" sz="1600" dirty="0" smtClean="0"/>
-              <a:t>が入院するといったトラブルに見みまわわれながらも、お互いをカバーし合いながら取り組んできました。この大会を通して技術的な面だけで無く</a:t>
+              <a:t>高専の３年生から７年生（専攻科２年生）７名で構成幅広い年代のチームです。メンバーが入院するといったトラブルに見みまわわれながらも、お互いをカバーし合いながら取り組んできました。この大会を通して技術的な面だけで無く</a:t>
             </a:r>
             <a:r>
               <a:rPr lang="ja-JP" altLang="en-US" sz="1600" dirty="0"/>
@@ -34538,11 +34430,7 @@
             </a:r>
             <a:r>
               <a:rPr lang="ja-JP" altLang="en-US" sz="1600" dirty="0" smtClean="0"/>
-              <a:t>がどんどん出てくるこの分野でも廃れることなく常に通用する技術です</a:t>
-            </a:r>
-            <a:r>
-              <a:rPr lang="ja-JP" altLang="en-US" sz="1600" dirty="0" smtClean="0"/>
-              <a:t>。組込みシステム</a:t>
+              <a:t>がどんどん出てくるこの分野でも廃れることなく常に通用する技術です。組込みシステム</a:t>
             </a:r>
             <a:r>
               <a:rPr lang="ja-JP" altLang="en-US" sz="1600" dirty="0"/>
@@ -34550,23 +34438,7 @@
             </a:r>
             <a:r>
               <a:rPr lang="ja-JP" altLang="en-US" sz="1600" dirty="0" smtClean="0"/>
-              <a:t>昨今、この</a:t>
-            </a:r>
-            <a:r>
-              <a:rPr lang="ja-JP" altLang="en-US" sz="1600" dirty="0" smtClean="0"/>
-              <a:t>技術を手に入れることは、当然の流れと言えます。若手社会人</a:t>
-            </a:r>
-            <a:r>
-              <a:rPr lang="ja-JP" altLang="en-US" sz="1600" dirty="0" smtClean="0"/>
-              <a:t>や学生が参加するこのコンテストを通してこの武器が広く日本に</a:t>
-            </a:r>
-            <a:r>
-              <a:rPr lang="ja-JP" altLang="en-US" sz="1600" dirty="0" smtClean="0"/>
-              <a:t>普及すれば、</a:t>
-            </a:r>
-            <a:r>
-              <a:rPr lang="ja-JP" altLang="en-US" sz="1600" dirty="0" smtClean="0"/>
-              <a:t>組み込み業界だけ</a:t>
+              <a:t>昨今、この技術を手に入れることは、当然の流れと言えます。若手社会人や学生が参加するこのコンテストを通してこの武器が広く日本に普及すれば、組み込み業界だけ</a:t>
             </a:r>
             <a:r>
               <a:rPr lang="ja-JP" altLang="en-US" sz="1600" dirty="0"/>
@@ -34574,11 +34446,7 @@
             </a:r>
             <a:r>
               <a:rPr lang="ja-JP" altLang="en-US" sz="1600" dirty="0" smtClean="0"/>
-              <a:t>ハッピーに</a:t>
-            </a:r>
-            <a:r>
-              <a:rPr lang="ja-JP" altLang="en-US" sz="1600" dirty="0" smtClean="0"/>
-              <a:t>なれる</a:t>
+              <a:t>ハッピーになれる</a:t>
             </a:r>
             <a:r>
               <a:rPr lang="ja-JP" altLang="en-US" sz="1600" dirty="0"/>
@@ -34616,11 +34484,7 @@
             </a:r>
             <a:r>
               <a:rPr lang="ja-JP" altLang="en-US" sz="1800" b="1" dirty="0" smtClean="0"/>
-              <a:t>意気込み，</a:t>
-            </a:r>
-            <a:r>
-              <a:rPr lang="ja-JP" altLang="en-US" sz="1800" b="1" dirty="0" smtClean="0"/>
-              <a:t>アピール</a:t>
+              <a:t>意気込み，アピール</a:t>
             </a:r>
             <a:endParaRPr lang="en-US" altLang="ja-JP" sz="1800" b="1" dirty="0" smtClean="0"/>
           </a:p>
@@ -34746,14 +34610,7 @@
                 <a:latin typeface="+mj-ea"/>
                 <a:ea typeface="+mj-ea"/>
               </a:rPr>
-              <a:t>をお見せ</a:t>
-            </a:r>
-            <a:r>
-              <a:rPr lang="ja-JP" altLang="en-US" sz="1600" dirty="0" smtClean="0">
-                <a:latin typeface="+mj-ea"/>
-                <a:ea typeface="+mj-ea"/>
-              </a:rPr>
-              <a:t>します</a:t>
+              <a:t>をお見せします</a:t>
             </a:r>
             <a:r>
               <a:rPr lang="ja-JP" altLang="en-US" sz="1600" dirty="0">
@@ -38262,25 +38119,12 @@
           <a:p>
             <a:r>
               <a:rPr lang="ja-JP" altLang="en-US" sz="900" dirty="0" smtClean="0"/>
-              <a:t>曲率を用いた旋回量算出を行う．</a:t>
-            </a:r>
-            <a:r>
-              <a:rPr lang="ja-JP" altLang="en-US" sz="900" dirty="0" smtClean="0"/>
-              <a:t>詳しくはｐ５</a:t>
-            </a:r>
-            <a:r>
-              <a:rPr lang="ja-JP" altLang="en-US" sz="900" dirty="0" smtClean="0"/>
-              <a:t>要素</a:t>
-            </a:r>
-            <a:r>
-              <a:rPr lang="ja-JP" altLang="en-US" sz="900" dirty="0" smtClean="0"/>
-              <a:t>技術</a:t>
+              <a:t>曲率を用いた旋回量算出を行う．詳しくはｐ５要素技術</a:t>
             </a:r>
             <a:r>
               <a:rPr lang="ja-JP" altLang="en-US" sz="900" dirty="0"/>
               <a:t>参照</a:t>
             </a:r>
-            <a:endParaRPr lang="ja-JP" altLang="en-US" sz="900" dirty="0"/>
           </a:p>
         </p:txBody>
       </p:sp>
@@ -43047,7 +42891,7 @@
           <p:nvPr>
             <p:extLst>
               <p:ext uri="{D42A27DB-BD31-4B8C-83A1-F6EECF244321}">
-                <p14:modId xmlns:p14="http://schemas.microsoft.com/office/powerpoint/2010/main" val="333935942"/>
+                <p14:modId xmlns:p14="http://schemas.microsoft.com/office/powerpoint/2010/main" val="2493521598"/>
               </p:ext>
             </p:extLst>
           </p:nvPr>
@@ -43255,7 +43099,7 @@
                       <a:pPr algn="ctr"/>
                       <a:r>
                         <a:rPr kumimoji="1" lang="ja-JP" altLang="en-US" sz="1050" dirty="0" smtClean="0"/>
-                        <a:t>外部状況監視タスク</a:t>
+                        <a:t>区間切替監視タスク</a:t>
                       </a:r>
                       <a:endParaRPr kumimoji="1" lang="ja-JP" altLang="en-US" sz="1050" dirty="0"/>
                     </a:p>
@@ -44516,15 +44360,7 @@
                   <a:schemeClr val="tx1"/>
                 </a:solidFill>
               </a:rPr>
-              <a:t>外部</a:t>
-            </a:r>
-            <a:r>
-              <a:rPr lang="ja-JP" altLang="en-US" sz="1050" dirty="0" smtClean="0">
-                <a:solidFill>
-                  <a:schemeClr val="tx1"/>
-                </a:solidFill>
-              </a:rPr>
-              <a:t>状況監視</a:t>
+              <a:t>外部状況監視</a:t>
             </a:r>
             <a:r>
               <a:rPr lang="en-US" altLang="ja-JP" sz="1050" dirty="0" smtClean="0">

--- a/models/モデルシートHOMMAv3.pptx
+++ b/models/モデルシートHOMMAv3.pptx
@@ -27668,11 +27668,11 @@
           <c:showPercent val="0"/>
           <c:showBubbleSize val="0"/>
         </c:dLbls>
-        <c:axId val="39178624"/>
-        <c:axId val="39180160"/>
+        <c:axId val="95760384"/>
+        <c:axId val="95761920"/>
       </c:scatterChart>
       <c:valAx>
-        <c:axId val="39178624"/>
+        <c:axId val="95760384"/>
         <c:scaling>
           <c:orientation val="minMax"/>
         </c:scaling>
@@ -27682,12 +27682,12 @@
         <c:majorTickMark val="out"/>
         <c:minorTickMark val="none"/>
         <c:tickLblPos val="nextTo"/>
-        <c:crossAx val="39180160"/>
+        <c:crossAx val="95761920"/>
         <c:crosses val="autoZero"/>
         <c:crossBetween val="midCat"/>
       </c:valAx>
       <c:valAx>
-        <c:axId val="39180160"/>
+        <c:axId val="95761920"/>
         <c:scaling>
           <c:orientation val="minMax"/>
         </c:scaling>
@@ -27697,7 +27697,7 @@
         <c:majorTickMark val="out"/>
         <c:minorTickMark val="none"/>
         <c:tickLblPos val="nextTo"/>
-        <c:crossAx val="39178624"/>
+        <c:crossAx val="95760384"/>
         <c:crosses val="autoZero"/>
         <c:crossBetween val="midCat"/>
       </c:valAx>
@@ -27920,11 +27920,11 @@
         </c:dLbls>
         <c:marker val="1"/>
         <c:smooth val="0"/>
-        <c:axId val="114279552"/>
-        <c:axId val="114281088"/>
+        <c:axId val="105149184"/>
+        <c:axId val="105150720"/>
       </c:lineChart>
       <c:catAx>
-        <c:axId val="114279552"/>
+        <c:axId val="105149184"/>
         <c:scaling>
           <c:orientation val="minMax"/>
         </c:scaling>
@@ -27933,7 +27933,7 @@
         <c:majorTickMark val="out"/>
         <c:minorTickMark val="none"/>
         <c:tickLblPos val="nextTo"/>
-        <c:crossAx val="114281088"/>
+        <c:crossAx val="105150720"/>
         <c:crosses val="autoZero"/>
         <c:auto val="1"/>
         <c:lblAlgn val="ctr"/>
@@ -27941,7 +27941,7 @@
         <c:noMultiLvlLbl val="0"/>
       </c:catAx>
       <c:valAx>
-        <c:axId val="114281088"/>
+        <c:axId val="105150720"/>
         <c:scaling>
           <c:orientation val="minMax"/>
         </c:scaling>
@@ -27952,7 +27952,7 @@
         <c:majorTickMark val="out"/>
         <c:minorTickMark val="none"/>
         <c:tickLblPos val="nextTo"/>
-        <c:crossAx val="114279552"/>
+        <c:crossAx val="105149184"/>
         <c:crosses val="autoZero"/>
         <c:crossBetween val="between"/>
       </c:valAx>
@@ -33652,7 +33652,7 @@
         </p:nvSpPr>
         <p:spPr bwMode="auto">
           <a:xfrm>
-            <a:off x="7364486" y="1533798"/>
+            <a:off x="7368183" y="1533798"/>
             <a:ext cx="5548313" cy="7659290"/>
           </a:xfrm>
           <a:prstGeom prst="rect">
@@ -33695,9 +33695,20 @@
               </a:spcBef>
             </a:pPr>
             <a:r>
-              <a:rPr lang="ja-JP" altLang="en-US" sz="1600" b="1" dirty="0"/>
-              <a:t>☆モデルの概要</a:t>
-            </a:r>
+              <a:rPr lang="ja-JP" altLang="en-US" sz="1400" b="1" dirty="0">
+                <a:latin typeface="+mn-ea"/>
+              </a:rPr>
+              <a:t>☆モデルの</a:t>
+            </a:r>
+            <a:r>
+              <a:rPr lang="ja-JP" altLang="en-US" sz="1400" b="1" dirty="0" smtClean="0">
+                <a:latin typeface="+mn-ea"/>
+              </a:rPr>
+              <a:t>概要</a:t>
+            </a:r>
+            <a:endParaRPr lang="en-US" altLang="ja-JP" sz="1400" b="1" dirty="0" smtClean="0">
+              <a:latin typeface="+mn-ea"/>
+            </a:endParaRPr>
           </a:p>
           <a:p>
             <a:pPr marL="481013" indent="-481013" defTabSz="1279525">
@@ -33709,46 +33720,284 @@
               </a:spcBef>
             </a:pPr>
             <a:r>
-              <a:rPr lang="ja-JP" altLang="en-US" sz="1400" dirty="0"/>
-              <a:t>　　</a:t>
-            </a:r>
-            <a:r>
-              <a:rPr lang="ja-JP" altLang="en-US" sz="1400" dirty="0" smtClean="0"/>
+              <a:rPr lang="ja-JP" altLang="en-US" sz="1200" dirty="0" smtClean="0">
+                <a:latin typeface="+mn-ea"/>
+              </a:rPr>
+              <a:t>  </a:t>
+            </a:r>
+            <a:r>
+              <a:rPr lang="en-US" altLang="ja-JP" sz="1200" dirty="0" smtClean="0">
+                <a:latin typeface="+mn-ea"/>
+              </a:rPr>
+              <a:t>	</a:t>
+            </a:r>
+            <a:r>
+              <a:rPr lang="ja-JP" altLang="en-US" sz="1200" dirty="0" smtClean="0">
+                <a:latin typeface="+mn-ea"/>
+              </a:rPr>
               <a:t>　</a:t>
             </a:r>
             <a:r>
-              <a:rPr lang="ja-JP" altLang="en-US" sz="1200" dirty="0" smtClean="0"/>
-              <a:t>大会における目標に対して要求図を用いて要素を抽出しました。要素の一つとして上がった区間について詳細なドメイン分析を行うことで、下図のパッケージ構成が導き出されました。詳細は</a:t>
-            </a:r>
-            <a:r>
-              <a:rPr lang="en-US" altLang="ja-JP" sz="1200" dirty="0" smtClean="0"/>
-              <a:t>P2</a:t>
-            </a:r>
-            <a:r>
-              <a:rPr lang="ja-JP" altLang="en-US" sz="1200" dirty="0" smtClean="0"/>
-              <a:t>構造を参照。要求とパッケージ構成にもとづいてクラスを抽出しました。システムの機能である区間の切り替えと駆動という</a:t>
-            </a:r>
-            <a:r>
-              <a:rPr lang="en-US" altLang="ja-JP" sz="1200" dirty="0" smtClean="0"/>
-              <a:t>2</a:t>
-            </a:r>
-            <a:r>
-              <a:rPr lang="ja-JP" altLang="en-US" sz="1200" dirty="0" err="1" smtClean="0"/>
-              <a:t>つの</a:t>
-            </a:r>
-            <a:r>
-              <a:rPr lang="ja-JP" altLang="en-US" sz="1200" dirty="0" smtClean="0"/>
-              <a:t>振る舞いについて並行性設計を踏まえながら分析を行うことで実現可能性を検証しました。詳細はｐ３振る舞い参照。走行戦略においては難所の各区間において、どのような振る舞いをするのかを示し、そこで使われている主な要素技術について、</a:t>
-            </a:r>
-            <a:r>
-              <a:rPr lang="en-US" altLang="ja-JP" sz="1200" dirty="0" smtClean="0"/>
+              <a:rPr lang="en-US" altLang="ja-JP" sz="1200" dirty="0" smtClean="0">
+                <a:latin typeface="+mn-ea"/>
+              </a:rPr>
+              <a:t>UML</a:t>
+            </a:r>
+            <a:r>
+              <a:rPr lang="ja-JP" altLang="en-US" sz="1200" dirty="0" smtClean="0">
+                <a:latin typeface="+mn-ea"/>
+              </a:rPr>
+              <a:t>と</a:t>
+            </a:r>
+            <a:r>
+              <a:rPr lang="en-US" altLang="ja-JP" sz="1200" dirty="0" err="1" smtClean="0">
+                <a:latin typeface="+mn-ea"/>
+              </a:rPr>
+              <a:t>SysML</a:t>
+            </a:r>
+            <a:r>
+              <a:rPr lang="ja-JP" altLang="en-US" sz="1200" dirty="0" smtClean="0">
+                <a:latin typeface="+mn-ea"/>
+              </a:rPr>
+              <a:t>を用いてモデルを構成しました</a:t>
+            </a:r>
+            <a:r>
+              <a:rPr lang="en-US" altLang="ja-JP" sz="1200" dirty="0" smtClean="0">
+                <a:latin typeface="+mn-ea"/>
+              </a:rPr>
+              <a:t>.</a:t>
+            </a:r>
+            <a:r>
+              <a:rPr lang="ja-JP" altLang="en-US" sz="1200" dirty="0" smtClean="0">
+                <a:latin typeface="+mn-ea"/>
+              </a:rPr>
+              <a:t>大会</a:t>
+            </a:r>
+            <a:r>
+              <a:rPr lang="ja-JP" altLang="en-US" sz="1200" dirty="0" smtClean="0">
+                <a:latin typeface="+mn-ea"/>
+              </a:rPr>
+              <a:t>における目標に対して要求図を用いて要素を抽出しました。要素の</a:t>
+            </a:r>
+            <a:r>
+              <a:rPr lang="ja-JP" altLang="en-US" sz="1200" dirty="0" smtClean="0">
+                <a:latin typeface="+mn-ea"/>
+              </a:rPr>
+              <a:t>一つである区間</a:t>
+            </a:r>
+            <a:r>
+              <a:rPr lang="ja-JP" altLang="en-US" sz="1200" dirty="0" smtClean="0">
+                <a:latin typeface="+mn-ea"/>
+              </a:rPr>
+              <a:t>について詳細</a:t>
+            </a:r>
+            <a:r>
+              <a:rPr lang="ja-JP" altLang="en-US" sz="1200" dirty="0" smtClean="0">
+                <a:latin typeface="+mn-ea"/>
+              </a:rPr>
+              <a:t>な分析を</a:t>
+            </a:r>
+            <a:r>
+              <a:rPr lang="en-US" altLang="ja-JP" sz="1200" dirty="0" smtClean="0">
+                <a:latin typeface="+mn-ea"/>
+              </a:rPr>
+              <a:t>P.2</a:t>
+            </a:r>
+            <a:r>
+              <a:rPr lang="ja-JP" altLang="en-US" sz="1200" dirty="0" smtClean="0">
+                <a:latin typeface="+mn-ea"/>
+              </a:rPr>
+              <a:t>で行い</a:t>
+            </a:r>
+            <a:r>
+              <a:rPr lang="en-US" altLang="ja-JP" sz="1200" dirty="0" smtClean="0">
+                <a:latin typeface="+mn-ea"/>
+              </a:rPr>
+              <a:t>,</a:t>
+            </a:r>
+            <a:r>
+              <a:rPr lang="ja-JP" altLang="en-US" sz="1200" dirty="0" smtClean="0">
+                <a:latin typeface="+mn-ea"/>
+              </a:rPr>
+              <a:t>下図</a:t>
+            </a:r>
+            <a:r>
+              <a:rPr lang="ja-JP" altLang="en-US" sz="1200" dirty="0" smtClean="0">
+                <a:latin typeface="+mn-ea"/>
+              </a:rPr>
+              <a:t>のパッケージ構成が導き出されました</a:t>
+            </a:r>
+            <a:r>
+              <a:rPr lang="ja-JP" altLang="en-US" sz="1200" dirty="0" smtClean="0">
+                <a:latin typeface="+mn-ea"/>
+              </a:rPr>
+              <a:t>。パッケージ分けの詳細は</a:t>
+            </a:r>
+            <a:r>
+              <a:rPr lang="en-US" altLang="ja-JP" sz="1200" dirty="0" smtClean="0">
+                <a:latin typeface="+mn-ea"/>
+              </a:rPr>
+              <a:t>P2.</a:t>
+            </a:r>
+            <a:r>
+              <a:rPr lang="ja-JP" altLang="en-US" sz="1200" dirty="0" smtClean="0">
+                <a:latin typeface="+mn-ea"/>
+              </a:rPr>
+              <a:t>構造</a:t>
+            </a:r>
+            <a:r>
+              <a:rPr lang="ja-JP" altLang="en-US" sz="1200" dirty="0" smtClean="0">
+                <a:latin typeface="+mn-ea"/>
+              </a:rPr>
+              <a:t>を</a:t>
+            </a:r>
+            <a:r>
+              <a:rPr lang="ja-JP" altLang="en-US" sz="1200" dirty="0" smtClean="0">
+                <a:latin typeface="+mn-ea"/>
+              </a:rPr>
+              <a:t>参照</a:t>
+            </a:r>
+            <a:r>
+              <a:rPr lang="en-US" altLang="ja-JP" sz="1200" dirty="0" smtClean="0">
+                <a:latin typeface="+mn-ea"/>
+              </a:rPr>
+              <a:t>.</a:t>
+            </a:r>
+            <a:r>
+              <a:rPr lang="ja-JP" altLang="en-US" sz="1200" dirty="0" smtClean="0">
+                <a:latin typeface="+mn-ea"/>
+              </a:rPr>
+              <a:t>要求</a:t>
+            </a:r>
+            <a:r>
+              <a:rPr lang="ja-JP" altLang="en-US" sz="1200" dirty="0" smtClean="0">
+                <a:latin typeface="+mn-ea"/>
+              </a:rPr>
+              <a:t>とパッケージ構成</a:t>
+            </a:r>
+            <a:r>
+              <a:rPr lang="ja-JP" altLang="en-US" sz="1200" dirty="0" smtClean="0">
+                <a:latin typeface="+mn-ea"/>
+              </a:rPr>
+              <a:t>に</a:t>
+            </a:r>
+            <a:r>
+              <a:rPr lang="ja-JP" altLang="en-US" sz="1200" dirty="0" smtClean="0">
+                <a:latin typeface="+mn-ea"/>
+              </a:rPr>
+              <a:t>基づいて構造を分析しました</a:t>
+            </a:r>
+            <a:r>
+              <a:rPr lang="en-US" altLang="ja-JP" sz="1200" dirty="0" smtClean="0">
+                <a:latin typeface="+mn-ea"/>
+              </a:rPr>
+              <a:t>.</a:t>
+            </a:r>
+            <a:r>
+              <a:rPr lang="ja-JP" altLang="en-US" sz="1200" dirty="0" smtClean="0">
+                <a:latin typeface="+mn-ea"/>
+              </a:rPr>
+              <a:t>区間</a:t>
+            </a:r>
+            <a:r>
+              <a:rPr lang="ja-JP" altLang="en-US" sz="1200" dirty="0" smtClean="0">
+                <a:latin typeface="+mn-ea"/>
+              </a:rPr>
+              <a:t>の</a:t>
+            </a:r>
+            <a:r>
+              <a:rPr lang="ja-JP" altLang="en-US" sz="1200" dirty="0" smtClean="0">
+                <a:latin typeface="+mn-ea"/>
+              </a:rPr>
+              <a:t>切り替え</a:t>
+            </a:r>
+            <a:r>
+              <a:rPr lang="ja-JP" altLang="en-US" sz="1200" dirty="0" smtClean="0">
+                <a:latin typeface="+mn-ea"/>
+              </a:rPr>
+              <a:t>と</a:t>
+            </a:r>
+            <a:r>
+              <a:rPr lang="ja-JP" altLang="en-US" sz="1200" dirty="0" smtClean="0">
+                <a:latin typeface="+mn-ea"/>
+              </a:rPr>
+              <a:t>駆動の振る舞い</a:t>
+            </a:r>
+            <a:r>
+              <a:rPr lang="ja-JP" altLang="en-US" sz="1200" dirty="0" smtClean="0">
+                <a:latin typeface="+mn-ea"/>
+              </a:rPr>
+              <a:t>について並行性設計を踏まえながら分析を行うことで実現可能性を検証しました。詳細</a:t>
+            </a:r>
+            <a:r>
+              <a:rPr lang="ja-JP" altLang="en-US" sz="1200" dirty="0" smtClean="0">
+                <a:latin typeface="+mn-ea"/>
+              </a:rPr>
+              <a:t>は</a:t>
+            </a:r>
+            <a:r>
+              <a:rPr lang="en-US" altLang="ja-JP" sz="1200" dirty="0" smtClean="0">
+                <a:latin typeface="+mn-ea"/>
+              </a:rPr>
+              <a:t>P.</a:t>
+            </a:r>
+            <a:r>
+              <a:rPr lang="ja-JP" altLang="en-US" sz="1200" dirty="0" smtClean="0">
+                <a:latin typeface="+mn-ea"/>
+              </a:rPr>
+              <a:t>３振る舞い参照。難所</a:t>
+            </a:r>
+            <a:r>
+              <a:rPr lang="ja-JP" altLang="en-US" sz="1200" dirty="0">
+                <a:latin typeface="+mn-ea"/>
+              </a:rPr>
+              <a:t>を</a:t>
+            </a:r>
+            <a:r>
+              <a:rPr lang="ja-JP" altLang="en-US" sz="1200" dirty="0" smtClean="0">
+                <a:latin typeface="+mn-ea"/>
+              </a:rPr>
+              <a:t>どのように攻略すべきかを</a:t>
+            </a:r>
+            <a:r>
+              <a:rPr lang="en-US" altLang="ja-JP" sz="1200" dirty="0" smtClean="0">
+                <a:latin typeface="+mn-ea"/>
+              </a:rPr>
+              <a:t>4P.</a:t>
+            </a:r>
+            <a:r>
+              <a:rPr lang="ja-JP" altLang="en-US" sz="1200" dirty="0" smtClean="0">
+                <a:latin typeface="+mn-ea"/>
+              </a:rPr>
+              <a:t>に示し</a:t>
+            </a:r>
+            <a:r>
+              <a:rPr lang="ja-JP" altLang="en-US" sz="1200" dirty="0" smtClean="0">
+                <a:latin typeface="+mn-ea"/>
+              </a:rPr>
+              <a:t>、そこで使われている主な要素技術について、</a:t>
+            </a:r>
+            <a:r>
+              <a:rPr lang="en-US" altLang="ja-JP" sz="1200" dirty="0" smtClean="0">
+                <a:latin typeface="+mn-ea"/>
+              </a:rPr>
               <a:t>P.5</a:t>
             </a:r>
             <a:r>
-              <a:rPr lang="ja-JP" altLang="en-US" sz="1200" dirty="0" smtClean="0"/>
-              <a:t>で示しました。</a:t>
-            </a:r>
-            <a:endParaRPr lang="en-US" altLang="ja-JP" sz="1200" dirty="0" smtClean="0"/>
+              <a:rPr lang="ja-JP" altLang="en-US" sz="1200" dirty="0" smtClean="0">
+                <a:latin typeface="+mn-ea"/>
+              </a:rPr>
+              <a:t>要素技術で示しました</a:t>
+            </a:r>
+            <a:r>
+              <a:rPr lang="en-US" altLang="ja-JP" sz="1200" dirty="0">
+                <a:latin typeface="+mn-ea"/>
+              </a:rPr>
+              <a:t>.</a:t>
+            </a:r>
+            <a:endParaRPr lang="en-US" altLang="ja-JP" sz="1200" dirty="0" smtClean="0">
+              <a:latin typeface="+mn-ea"/>
+            </a:endParaRPr>
           </a:p>
           <a:p>
             <a:pPr marL="481013" indent="-481013" defTabSz="1279525">
@@ -33759,7 +34008,9 @@
                 <a:spcPct val="20000"/>
               </a:spcBef>
             </a:pPr>
-            <a:endParaRPr lang="en-US" altLang="ja-JP" sz="1200" dirty="0" smtClean="0"/>
+            <a:endParaRPr lang="en-US" altLang="ja-JP" sz="1200" dirty="0" smtClean="0">
+              <a:latin typeface="+mn-ea"/>
+            </a:endParaRPr>
           </a:p>
           <a:p>
             <a:pPr marL="481013" indent="-481013" defTabSz="1279525">
@@ -33770,7 +34021,9 @@
                 <a:spcPct val="20000"/>
               </a:spcBef>
             </a:pPr>
-            <a:endParaRPr lang="en-US" altLang="ja-JP" sz="1200" dirty="0"/>
+            <a:endParaRPr lang="en-US" altLang="ja-JP" sz="1200" dirty="0">
+              <a:latin typeface="+mn-ea"/>
+            </a:endParaRPr>
           </a:p>
           <a:p>
             <a:pPr marL="481013" indent="-481013" defTabSz="1279525">
@@ -33781,7 +34034,9 @@
                 <a:spcPct val="20000"/>
               </a:spcBef>
             </a:pPr>
-            <a:endParaRPr lang="en-US" altLang="ja-JP" sz="1200" dirty="0" smtClean="0"/>
+            <a:endParaRPr lang="en-US" altLang="ja-JP" sz="1200" dirty="0" smtClean="0">
+              <a:latin typeface="+mn-ea"/>
+            </a:endParaRPr>
           </a:p>
           <a:p>
             <a:pPr marL="481013" indent="-481013" defTabSz="1279525">
@@ -33792,7 +34047,9 @@
                 <a:spcPct val="20000"/>
               </a:spcBef>
             </a:pPr>
-            <a:endParaRPr lang="en-US" altLang="ja-JP" sz="1200" dirty="0" smtClean="0"/>
+            <a:endParaRPr lang="en-US" altLang="ja-JP" sz="1200" dirty="0" smtClean="0">
+              <a:latin typeface="+mn-ea"/>
+            </a:endParaRPr>
           </a:p>
           <a:p>
             <a:pPr marL="481013" indent="-481013" defTabSz="1279525">
@@ -33804,18 +34061,26 @@
               </a:spcBef>
             </a:pPr>
             <a:r>
-              <a:rPr lang="ja-JP" altLang="en-US" sz="1400" b="1" dirty="0" smtClean="0"/>
+              <a:rPr lang="ja-JP" altLang="en-US" sz="1400" b="1" dirty="0" smtClean="0">
+                <a:latin typeface="+mn-ea"/>
+              </a:rPr>
               <a:t>☆</a:t>
             </a:r>
             <a:r>
-              <a:rPr lang="ja-JP" altLang="en-US" sz="1400" b="1" dirty="0"/>
+              <a:rPr lang="ja-JP" altLang="en-US" sz="1400" b="1" dirty="0">
+                <a:latin typeface="+mn-ea"/>
+              </a:rPr>
               <a:t>設計</a:t>
             </a:r>
             <a:r>
-              <a:rPr lang="ja-JP" altLang="en-US" sz="1400" b="1" dirty="0" smtClean="0"/>
+              <a:rPr lang="ja-JP" altLang="en-US" sz="1400" b="1" dirty="0" smtClean="0">
+                <a:latin typeface="+mn-ea"/>
+              </a:rPr>
               <a:t>思想</a:t>
             </a:r>
-            <a:endParaRPr lang="en-US" altLang="ja-JP" sz="1400" b="1" dirty="0"/>
+            <a:endParaRPr lang="en-US" altLang="ja-JP" sz="1400" b="1" dirty="0">
+              <a:latin typeface="+mn-ea"/>
+            </a:endParaRPr>
           </a:p>
           <a:p>
             <a:pPr marL="481013" indent="-481013" defTabSz="1279525">
@@ -33827,46 +34092,74 @@
               </a:spcBef>
             </a:pPr>
             <a:r>
-              <a:rPr lang="en-US" altLang="ja-JP" sz="1600" b="1" dirty="0"/>
+              <a:rPr lang="en-US" altLang="ja-JP" sz="1600" b="1" dirty="0">
+                <a:latin typeface="+mn-ea"/>
+              </a:rPr>
               <a:t>	</a:t>
             </a:r>
             <a:r>
-              <a:rPr lang="ja-JP" altLang="en-US" sz="1200" dirty="0" smtClean="0"/>
+              <a:rPr lang="ja-JP" altLang="en-US" sz="1200" dirty="0" smtClean="0">
+                <a:latin typeface="+mn-ea"/>
+              </a:rPr>
               <a:t>パッケージ分けを開発の初期に行い、責務が分散しないように意識することにより</a:t>
             </a:r>
             <a:r>
-              <a:rPr lang="ja-JP" altLang="en-US" sz="1200" dirty="0"/>
+              <a:rPr lang="ja-JP" altLang="en-US" sz="1200" dirty="0">
+                <a:latin typeface="+mn-ea"/>
+              </a:rPr>
               <a:t>、</a:t>
             </a:r>
             <a:r>
-              <a:rPr lang="ja-JP" altLang="en-US" sz="1200" dirty="0" smtClean="0"/>
+              <a:rPr lang="ja-JP" altLang="en-US" sz="1200" dirty="0" smtClean="0">
+                <a:latin typeface="+mn-ea"/>
+              </a:rPr>
               <a:t>モデルに</a:t>
             </a:r>
             <a:r>
-              <a:rPr lang="ja-JP" altLang="en-US" sz="1200" dirty="0"/>
+              <a:rPr lang="ja-JP" altLang="en-US" sz="1200" dirty="0">
+                <a:latin typeface="+mn-ea"/>
+              </a:rPr>
               <a:t>一貫性を</a:t>
             </a:r>
             <a:r>
-              <a:rPr lang="ja-JP" altLang="en-US" sz="1200" dirty="0" smtClean="0"/>
+              <a:rPr lang="ja-JP" altLang="en-US" sz="1200" dirty="0" smtClean="0">
+                <a:latin typeface="+mn-ea"/>
+              </a:rPr>
               <a:t>持たせました．双方向の関連を禁止しました</a:t>
             </a:r>
             <a:r>
-              <a:rPr lang="en-US" altLang="ja-JP" sz="1200" dirty="0" smtClean="0"/>
+              <a:rPr lang="en-US" altLang="ja-JP" sz="1200" dirty="0" smtClean="0">
+                <a:latin typeface="+mn-ea"/>
+              </a:rPr>
               <a:t>.</a:t>
             </a:r>
             <a:r>
-              <a:rPr lang="ja-JP" altLang="en-US" sz="1200" dirty="0" smtClean="0"/>
+              <a:rPr lang="ja-JP" altLang="en-US" sz="1200" dirty="0" smtClean="0">
+                <a:latin typeface="+mn-ea"/>
+              </a:rPr>
               <a:t>区間の切り替え通知はデザインパターンである</a:t>
             </a:r>
             <a:r>
-              <a:rPr lang="en-US" altLang="ja-JP" sz="1200" dirty="0" smtClean="0"/>
+              <a:rPr lang="en-US" altLang="ja-JP" sz="1200" dirty="0" smtClean="0">
+                <a:latin typeface="+mn-ea"/>
+              </a:rPr>
               <a:t>Observer</a:t>
             </a:r>
             <a:r>
-              <a:rPr lang="ja-JP" altLang="en-US" sz="1200" dirty="0" smtClean="0"/>
-              <a:t>パターンを拡張した構成を用いることで双方向の関連を避けました。区間ごとにチームで分担して開発することにより開発スピードを上げ、結合は区間をつなげることのみで行えるので容易になりました。</a:t>
-            </a:r>
-            <a:endParaRPr lang="en-US" altLang="ja-JP" sz="1200" dirty="0"/>
+              <a:rPr lang="ja-JP" altLang="en-US" sz="1200" dirty="0" smtClean="0">
+                <a:latin typeface="+mn-ea"/>
+              </a:rPr>
+              <a:t>パターンを拡張した構成を用いることで双方向の関連を避けました。区間ごとにチームで分担して開発することにより開発スピードを上げ、結合は区間をつなげることのみで行えるので容易になりました</a:t>
+            </a:r>
+            <a:r>
+              <a:rPr lang="ja-JP" altLang="en-US" sz="1200" dirty="0" smtClean="0">
+                <a:latin typeface="+mn-ea"/>
+              </a:rPr>
+              <a:t>。</a:t>
+            </a:r>
+            <a:endParaRPr lang="en-US" altLang="ja-JP" sz="1200" dirty="0" smtClean="0">
+              <a:latin typeface="+mn-ea"/>
+            </a:endParaRPr>
           </a:p>
           <a:p>
             <a:pPr marL="481013" indent="-481013" defTabSz="1279525">
@@ -33877,14 +34170,9 @@
                 <a:spcPct val="20000"/>
               </a:spcBef>
             </a:pPr>
-            <a:r>
-              <a:rPr lang="ja-JP" altLang="en-US" sz="1400" b="1" dirty="0" smtClean="0"/>
-              <a:t>☆</a:t>
-            </a:r>
-            <a:r>
-              <a:rPr lang="ja-JP" altLang="en-US" sz="1400" b="1" dirty="0"/>
-              <a:t>モデルのここに注目！</a:t>
-            </a:r>
+            <a:endParaRPr lang="en-US" altLang="ja-JP" sz="1200" dirty="0">
+              <a:latin typeface="+mn-ea"/>
+            </a:endParaRPr>
           </a:p>
           <a:p>
             <a:pPr marL="481013" indent="-481013" defTabSz="1279525">
@@ -33896,49 +34184,17 @@
               </a:spcBef>
             </a:pPr>
             <a:r>
-              <a:rPr lang="ja-JP" altLang="en-US" sz="1200" dirty="0"/>
-              <a:t>	</a:t>
-            </a:r>
-            <a:r>
-              <a:rPr lang="ja-JP" altLang="en-US" sz="1200" dirty="0" smtClean="0"/>
-              <a:t>　</a:t>
-            </a:r>
-            <a:r>
-              <a:rPr lang="en-US" altLang="ja-JP" sz="1200" dirty="0" smtClean="0"/>
-              <a:t>ET</a:t>
-            </a:r>
-            <a:r>
-              <a:rPr lang="ja-JP" altLang="en-US" sz="1200" dirty="0"/>
-              <a:t>ロボコンはコースを分割した区間の</a:t>
-            </a:r>
-            <a:r>
-              <a:rPr lang="ja-JP" altLang="en-US" sz="1200" dirty="0" smtClean="0"/>
-              <a:t>連続．その</a:t>
-            </a:r>
-            <a:r>
-              <a:rPr lang="ja-JP" altLang="en-US" sz="1200" dirty="0"/>
-              <a:t>区間に応じたパラメータを設計すれば完走することが</a:t>
-            </a:r>
-            <a:r>
-              <a:rPr lang="ja-JP" altLang="en-US" sz="1200" dirty="0" smtClean="0"/>
-              <a:t>できる．その</a:t>
-            </a:r>
-            <a:r>
-              <a:rPr lang="ja-JP" altLang="en-US" sz="1200" dirty="0"/>
-              <a:t>流れを取り出してモデルに</a:t>
-            </a:r>
-            <a:r>
-              <a:rPr lang="ja-JP" altLang="en-US" sz="1200" dirty="0" smtClean="0"/>
-              <a:t>しました．</a:t>
-            </a:r>
-            <a:r>
-              <a:rPr lang="en-US" altLang="ja-JP" sz="1800" dirty="0"/>
-              <a:t/>
-            </a:r>
-            <a:br>
-              <a:rPr lang="en-US" altLang="ja-JP" sz="1800" dirty="0"/>
-            </a:br>
-            <a:endParaRPr lang="en-US" altLang="ja-JP" sz="1600" dirty="0"/>
+              <a:rPr lang="ja-JP" altLang="en-US" sz="1400" b="1" dirty="0" smtClean="0">
+                <a:latin typeface="+mn-ea"/>
+              </a:rPr>
+              <a:t>☆</a:t>
+            </a:r>
+            <a:r>
+              <a:rPr lang="ja-JP" altLang="en-US" sz="1400" b="1" dirty="0">
+                <a:latin typeface="+mn-ea"/>
+              </a:rPr>
+              <a:t>モデルのここに注目！</a:t>
+            </a:r>
           </a:p>
           <a:p>
             <a:pPr marL="481013" indent="-481013" defTabSz="1279525">
@@ -33950,14 +34206,121 @@
               </a:spcBef>
             </a:pPr>
             <a:r>
-              <a:rPr lang="ja-JP" altLang="en-US" sz="1600" b="1" dirty="0"/>
-              <a:t>☆追加課題への</a:t>
-            </a:r>
-            <a:r>
-              <a:rPr lang="ja-JP" altLang="en-US" sz="1600" b="1" dirty="0" smtClean="0"/>
-              <a:t>取り組み</a:t>
-            </a:r>
-            <a:endParaRPr lang="en-US" altLang="ja-JP" sz="1600" b="1" dirty="0" smtClean="0"/>
+              <a:rPr lang="ja-JP" altLang="en-US" sz="1200" dirty="0">
+                <a:latin typeface="+mn-ea"/>
+              </a:rPr>
+              <a:t>	</a:t>
+            </a:r>
+            <a:r>
+              <a:rPr lang="ja-JP" altLang="en-US" sz="1200" dirty="0" smtClean="0">
+                <a:latin typeface="+mn-ea"/>
+              </a:rPr>
+              <a:t>　</a:t>
+            </a:r>
+            <a:r>
+              <a:rPr lang="en-US" altLang="ja-JP" sz="1200" dirty="0" smtClean="0">
+                <a:latin typeface="+mn-ea"/>
+              </a:rPr>
+              <a:t>ET</a:t>
+            </a:r>
+            <a:r>
+              <a:rPr lang="ja-JP" altLang="en-US" sz="1200" dirty="0">
+                <a:latin typeface="+mn-ea"/>
+              </a:rPr>
+              <a:t>ロボコンはコースを分割した区間の</a:t>
+            </a:r>
+            <a:r>
+              <a:rPr lang="ja-JP" altLang="en-US" sz="1200" dirty="0" smtClean="0">
+                <a:latin typeface="+mn-ea"/>
+              </a:rPr>
+              <a:t>連続．その</a:t>
+            </a:r>
+            <a:r>
+              <a:rPr lang="ja-JP" altLang="en-US" sz="1200" dirty="0">
+                <a:latin typeface="+mn-ea"/>
+              </a:rPr>
+              <a:t>区間に応じた</a:t>
+            </a:r>
+            <a:r>
+              <a:rPr lang="ja-JP" altLang="en-US" sz="1200" dirty="0" smtClean="0">
+                <a:latin typeface="+mn-ea"/>
+              </a:rPr>
+              <a:t>パラメータ</a:t>
+            </a:r>
+            <a:r>
+              <a:rPr lang="ja-JP" altLang="en-US" sz="1200" dirty="0" smtClean="0">
+                <a:latin typeface="+mn-ea"/>
+              </a:rPr>
+              <a:t>と区間切替条件</a:t>
+            </a:r>
+            <a:r>
+              <a:rPr lang="ja-JP" altLang="en-US" sz="1200" dirty="0" smtClean="0">
+                <a:latin typeface="+mn-ea"/>
+              </a:rPr>
+              <a:t>を</a:t>
+            </a:r>
+            <a:r>
+              <a:rPr lang="ja-JP" altLang="en-US" sz="1200" dirty="0">
+                <a:latin typeface="+mn-ea"/>
+              </a:rPr>
+              <a:t>設計すれば完走することが</a:t>
+            </a:r>
+            <a:r>
+              <a:rPr lang="ja-JP" altLang="en-US" sz="1200" dirty="0" smtClean="0">
+                <a:latin typeface="+mn-ea"/>
+              </a:rPr>
+              <a:t>できる</a:t>
+            </a:r>
+            <a:r>
+              <a:rPr lang="ja-JP" altLang="en-US" sz="1200" dirty="0" smtClean="0">
+                <a:latin typeface="+mn-ea"/>
+              </a:rPr>
+              <a:t>．</a:t>
+            </a:r>
+            <a:r>
+              <a:rPr lang="ja-JP" altLang="en-US" sz="1200" dirty="0" smtClean="0">
+                <a:latin typeface="+mn-ea"/>
+              </a:rPr>
+              <a:t>このコンセプトが読み取れる構造</a:t>
+            </a:r>
+            <a:r>
+              <a:rPr lang="en-US" altLang="ja-JP" sz="1200" dirty="0">
+                <a:latin typeface="+mn-ea"/>
+              </a:rPr>
+              <a:t>,</a:t>
+            </a:r>
+            <a:r>
+              <a:rPr lang="ja-JP" altLang="en-US" sz="1200" dirty="0" smtClean="0">
+                <a:latin typeface="+mn-ea"/>
+              </a:rPr>
+              <a:t>振る舞いになっています</a:t>
+            </a:r>
+            <a:r>
+              <a:rPr lang="en-US" altLang="ja-JP" sz="1200" dirty="0" smtClean="0">
+                <a:latin typeface="+mn-ea"/>
+              </a:rPr>
+              <a:t>.</a:t>
+            </a:r>
+            <a:r>
+              <a:rPr lang="ja-JP" altLang="en-US" sz="1200" dirty="0" smtClean="0">
+                <a:latin typeface="+mn-ea"/>
+              </a:rPr>
+              <a:t>そして、責務が明確に別れた単方向・疎結合な構造にご注目ください。</a:t>
+            </a:r>
+            <a:r>
+              <a:rPr lang="en-US" altLang="ja-JP" sz="1800" dirty="0">
+                <a:latin typeface="+mn-ea"/>
+              </a:rPr>
+              <a:t/>
+            </a:r>
+            <a:br>
+              <a:rPr lang="en-US" altLang="ja-JP" sz="1800" dirty="0">
+                <a:latin typeface="+mn-ea"/>
+              </a:rPr>
+            </a:br>
+            <a:endParaRPr lang="en-US" altLang="ja-JP" sz="1600" dirty="0">
+              <a:latin typeface="+mn-ea"/>
+            </a:endParaRPr>
           </a:p>
           <a:p>
             <a:pPr marL="481013" indent="-481013" defTabSz="1279525">
@@ -33969,18 +34332,20 @@
               </a:spcBef>
             </a:pPr>
             <a:r>
-              <a:rPr lang="ja-JP" altLang="en-US" sz="1600" dirty="0"/>
-              <a:t>並行性</a:t>
-            </a:r>
-            <a:r>
-              <a:rPr lang="ja-JP" altLang="en-US" sz="1600" dirty="0" smtClean="0"/>
-              <a:t>設計・要求モデルについて取り組みました。</a:t>
-            </a:r>
-            <a:r>
-              <a:rPr lang="ja-JP" altLang="en-US" sz="1600" b="1" dirty="0"/>
-              <a:t>　</a:t>
-            </a:r>
-            <a:endParaRPr lang="en-US" altLang="ja-JP" sz="1600" b="1" dirty="0" smtClean="0"/>
+              <a:rPr lang="ja-JP" altLang="en-US" sz="1400" b="1" dirty="0">
+                <a:latin typeface="+mn-ea"/>
+              </a:rPr>
+              <a:t>☆追加課題への</a:t>
+            </a:r>
+            <a:r>
+              <a:rPr lang="ja-JP" altLang="en-US" sz="1400" b="1" dirty="0" smtClean="0">
+                <a:latin typeface="+mn-ea"/>
+              </a:rPr>
+              <a:t>取り組み</a:t>
+            </a:r>
+            <a:endParaRPr lang="en-US" altLang="ja-JP" sz="1400" b="1" dirty="0" smtClean="0">
+              <a:latin typeface="+mn-ea"/>
+            </a:endParaRPr>
           </a:p>
           <a:p>
             <a:pPr marL="481013" indent="-481013" defTabSz="1279525">
@@ -33992,276 +34357,431 @@
               </a:spcBef>
             </a:pPr>
             <a:r>
-              <a:rPr lang="ja-JP" altLang="en-US" sz="1600" b="1" dirty="0" smtClean="0"/>
-              <a:t>・</a:t>
-            </a:r>
-            <a:r>
-              <a:rPr lang="ja-JP" altLang="en-US" sz="1400" dirty="0" smtClean="0"/>
-              <a:t>並行性設計について</a:t>
-            </a:r>
-            <a:endParaRPr lang="en-US" altLang="ja-JP" sz="1400" dirty="0" smtClean="0"/>
+              <a:rPr lang="ja-JP" altLang="en-US" sz="1600" dirty="0">
+                <a:latin typeface="+mn-ea"/>
+              </a:rPr>
+              <a:t>並行性</a:t>
+            </a:r>
+            <a:r>
+              <a:rPr lang="ja-JP" altLang="en-US" sz="1600" dirty="0" smtClean="0">
+                <a:latin typeface="+mn-ea"/>
+              </a:rPr>
+              <a:t>設計・要求モデルについて取り組みました。</a:t>
+            </a:r>
+            <a:r>
+              <a:rPr lang="ja-JP" altLang="en-US" sz="1600" b="1" dirty="0">
+                <a:latin typeface="+mn-ea"/>
+              </a:rPr>
+              <a:t>　</a:t>
+            </a:r>
+            <a:endParaRPr lang="en-US" altLang="ja-JP" sz="1600" b="1" dirty="0" smtClean="0">
+              <a:latin typeface="+mn-ea"/>
+            </a:endParaRPr>
           </a:p>
           <a:p>
+            <a:pPr marL="481013" indent="-481013" defTabSz="1279525">
+              <a:lnSpc>
+                <a:spcPct val="80000"/>
+              </a:lnSpc>
+              <a:spcBef>
+                <a:spcPct val="20000"/>
+              </a:spcBef>
+            </a:pPr>
+            <a:r>
+              <a:rPr lang="ja-JP" altLang="en-US" sz="1600" b="1" dirty="0" smtClean="0">
+                <a:latin typeface="+mn-ea"/>
+              </a:rPr>
+              <a:t>・</a:t>
+            </a:r>
+            <a:r>
+              <a:rPr lang="ja-JP" altLang="en-US" sz="1400" dirty="0" smtClean="0">
+                <a:latin typeface="+mn-ea"/>
+              </a:rPr>
+              <a:t>並行性設計について</a:t>
+            </a:r>
+            <a:endParaRPr lang="en-US" altLang="ja-JP" sz="1400" dirty="0" smtClean="0">
+              <a:latin typeface="+mn-ea"/>
+            </a:endParaRPr>
+          </a:p>
+          <a:p>
             <a:r>
               <a:rPr lang="ja-JP" altLang="en-US" sz="1200" dirty="0" smtClean="0">
-                <a:latin typeface="メイリオ" pitchFamily="50" charset="-128"/>
-                <a:ea typeface="メイリオ" pitchFamily="50" charset="-128"/>
+                <a:latin typeface="+mn-ea"/>
                 <a:cs typeface="メイリオ" pitchFamily="50" charset="-128"/>
               </a:rPr>
-              <a:t>・設計指針</a:t>
+              <a:t>設計</a:t>
+            </a:r>
+            <a:r>
+              <a:rPr lang="ja-JP" altLang="en-US" sz="1200" dirty="0" smtClean="0">
+                <a:latin typeface="+mn-ea"/>
+                <a:cs typeface="メイリオ" pitchFamily="50" charset="-128"/>
+              </a:rPr>
+              <a:t>指針</a:t>
             </a:r>
             <a:endParaRPr lang="en-US" altLang="ja-JP" sz="1200" dirty="0" smtClean="0">
-              <a:latin typeface="メイリオ" pitchFamily="50" charset="-128"/>
-              <a:ea typeface="メイリオ" pitchFamily="50" charset="-128"/>
+              <a:latin typeface="+mn-ea"/>
               <a:cs typeface="メイリオ" pitchFamily="50" charset="-128"/>
             </a:endParaRPr>
           </a:p>
           <a:p>
             <a:r>
               <a:rPr lang="ja-JP" altLang="en-US" sz="1200" dirty="0" smtClean="0">
-                <a:latin typeface="メイリオ" pitchFamily="50" charset="-128"/>
-                <a:ea typeface="メイリオ" pitchFamily="50" charset="-128"/>
+                <a:latin typeface="+mn-ea"/>
                 <a:cs typeface="メイリオ" pitchFamily="50" charset="-128"/>
               </a:rPr>
-              <a:t>走行体のバランス動作などのモータの駆動が一番優先するべきことである。それに対して</a:t>
+              <a:t>走行体のバランス動作などのモータの駆動が一番優先するべきこと</a:t>
+            </a:r>
+            <a:r>
+              <a:rPr lang="ja-JP" altLang="en-US" sz="1200" dirty="0" smtClean="0">
+                <a:latin typeface="+mn-ea"/>
+                <a:cs typeface="メイリオ" pitchFamily="50" charset="-128"/>
+              </a:rPr>
+              <a:t>で</a:t>
+            </a:r>
+            <a:r>
+              <a:rPr lang="ja-JP" altLang="en-US" sz="1200" dirty="0" smtClean="0">
+                <a:latin typeface="+mn-ea"/>
+                <a:cs typeface="メイリオ" pitchFamily="50" charset="-128"/>
+              </a:rPr>
+              <a:t>す</a:t>
+            </a:r>
+            <a:r>
+              <a:rPr lang="en-US" altLang="ja-JP" sz="1200" dirty="0">
+                <a:latin typeface="+mn-ea"/>
+                <a:cs typeface="メイリオ" pitchFamily="50" charset="-128"/>
+              </a:rPr>
+              <a:t>.</a:t>
+            </a:r>
+            <a:r>
+              <a:rPr lang="ja-JP" altLang="en-US" sz="1200" dirty="0" smtClean="0">
+                <a:latin typeface="+mn-ea"/>
+                <a:cs typeface="メイリオ" pitchFamily="50" charset="-128"/>
+              </a:rPr>
+              <a:t>それ</a:t>
+            </a:r>
+            <a:r>
+              <a:rPr lang="ja-JP" altLang="en-US" sz="1200" dirty="0" smtClean="0">
+                <a:latin typeface="+mn-ea"/>
+                <a:cs typeface="メイリオ" pitchFamily="50" charset="-128"/>
+              </a:rPr>
+              <a:t>に対して</a:t>
             </a:r>
             <a:r>
               <a:rPr lang="en-US" altLang="ja-JP" sz="1200" dirty="0" smtClean="0">
-                <a:latin typeface="メイリオ" pitchFamily="50" charset="-128"/>
-                <a:ea typeface="メイリオ" pitchFamily="50" charset="-128"/>
+                <a:latin typeface="+mn-ea"/>
                 <a:cs typeface="メイリオ" pitchFamily="50" charset="-128"/>
               </a:rPr>
               <a:t>,</a:t>
             </a:r>
             <a:r>
               <a:rPr lang="ja-JP" altLang="en-US" sz="1200" dirty="0" smtClean="0">
-                <a:latin typeface="メイリオ" pitchFamily="50" charset="-128"/>
-                <a:ea typeface="メイリオ" pitchFamily="50" charset="-128"/>
+                <a:latin typeface="+mn-ea"/>
                 <a:cs typeface="メイリオ" pitchFamily="50" charset="-128"/>
               </a:rPr>
-              <a:t>区間の切替ははるかに遅い周期でも十分に性能は得られると考えた</a:t>
+              <a:t>区間の切替ははるかに遅い周期でも十分に性能は得られると</a:t>
+            </a:r>
+            <a:r>
+              <a:rPr lang="ja-JP" altLang="en-US" sz="1200" dirty="0" smtClean="0">
+                <a:latin typeface="+mn-ea"/>
+                <a:cs typeface="メイリオ" pitchFamily="50" charset="-128"/>
+              </a:rPr>
+              <a:t>考えました</a:t>
             </a:r>
             <a:r>
               <a:rPr lang="en-US" altLang="ja-JP" sz="1200" dirty="0" smtClean="0">
-                <a:latin typeface="メイリオ" pitchFamily="50" charset="-128"/>
-                <a:ea typeface="メイリオ" pitchFamily="50" charset="-128"/>
+                <a:latin typeface="+mn-ea"/>
                 <a:cs typeface="メイリオ" pitchFamily="50" charset="-128"/>
               </a:rPr>
               <a:t>.</a:t>
             </a:r>
             <a:r>
               <a:rPr lang="ja-JP" altLang="en-US" sz="1200" dirty="0" smtClean="0">
-                <a:latin typeface="メイリオ" pitchFamily="50" charset="-128"/>
-                <a:ea typeface="メイリオ" pitchFamily="50" charset="-128"/>
+                <a:latin typeface="+mn-ea"/>
                 <a:cs typeface="メイリオ" pitchFamily="50" charset="-128"/>
               </a:rPr>
-              <a:t>よって駆動関連を一番高い優先度のタスクとし、それ以外は駆動よりも優先度が低いタスクとすることで、駆動が確実に必要な周期で</a:t>
-            </a:r>
-            <a:r>
-              <a:rPr lang="ja-JP" altLang="en-US" sz="1200" dirty="0" err="1" smtClean="0">
-                <a:latin typeface="メイリオ" pitchFamily="50" charset="-128"/>
-                <a:ea typeface="メイリオ" pitchFamily="50" charset="-128"/>
+              <a:t>その根拠の詳細は</a:t>
+            </a:r>
+            <a:r>
+              <a:rPr lang="en-US" altLang="ja-JP" sz="1200" dirty="0" smtClean="0">
+                <a:latin typeface="+mn-ea"/>
                 <a:cs typeface="メイリオ" pitchFamily="50" charset="-128"/>
               </a:rPr>
-              <a:t>に</a:t>
+              <a:t>P3.</a:t>
             </a:r>
             <a:r>
               <a:rPr lang="ja-JP" altLang="en-US" sz="1200" dirty="0" smtClean="0">
-                <a:latin typeface="メイリオ" pitchFamily="50" charset="-128"/>
-                <a:ea typeface="メイリオ" pitchFamily="50" charset="-128"/>
+                <a:latin typeface="+mn-ea"/>
                 <a:cs typeface="メイリオ" pitchFamily="50" charset="-128"/>
               </a:rPr>
-              <a:t>行われるように設計した。詳細は</a:t>
+              <a:t>振る舞い参照</a:t>
             </a:r>
             <a:r>
               <a:rPr lang="en-US" altLang="ja-JP" sz="1200" dirty="0" smtClean="0">
-                <a:latin typeface="メイリオ" pitchFamily="50" charset="-128"/>
-                <a:ea typeface="メイリオ" pitchFamily="50" charset="-128"/>
+                <a:latin typeface="+mn-ea"/>
                 <a:cs typeface="メイリオ" pitchFamily="50" charset="-128"/>
               </a:rPr>
-              <a:t>P.3</a:t>
+              <a:t>.</a:t>
             </a:r>
             <a:r>
               <a:rPr lang="ja-JP" altLang="en-US" sz="1200" dirty="0" smtClean="0">
-                <a:latin typeface="メイリオ" pitchFamily="50" charset="-128"/>
-                <a:ea typeface="メイリオ" pitchFamily="50" charset="-128"/>
+                <a:latin typeface="+mn-ea"/>
                 <a:cs typeface="メイリオ" pitchFamily="50" charset="-128"/>
               </a:rPr>
-              <a:t>並行性設計参照</a:t>
+              <a:t>よって</a:t>
+            </a:r>
+            <a:r>
+              <a:rPr lang="ja-JP" altLang="en-US" sz="1200" dirty="0" smtClean="0">
+                <a:latin typeface="+mn-ea"/>
+                <a:cs typeface="メイリオ" pitchFamily="50" charset="-128"/>
+              </a:rPr>
+              <a:t>駆動関連を一番高い優先度のタスクと</a:t>
+            </a:r>
+            <a:r>
+              <a:rPr lang="ja-JP" altLang="en-US" sz="1200" dirty="0" smtClean="0">
+                <a:latin typeface="+mn-ea"/>
+                <a:cs typeface="メイリオ" pitchFamily="50" charset="-128"/>
+              </a:rPr>
+              <a:t>し</a:t>
             </a:r>
             <a:r>
               <a:rPr lang="en-US" altLang="ja-JP" sz="1200" dirty="0" smtClean="0">
-                <a:latin typeface="メイリオ" pitchFamily="50" charset="-128"/>
-                <a:ea typeface="メイリオ" pitchFamily="50" charset="-128"/>
+                <a:latin typeface="+mn-ea"/>
                 <a:cs typeface="メイリオ" pitchFamily="50" charset="-128"/>
               </a:rPr>
-              <a:t>.</a:t>
-            </a:r>
-          </a:p>
-          <a:p>
+              <a:t>,</a:t>
+            </a:r>
+            <a:r>
+              <a:rPr lang="ja-JP" altLang="en-US" sz="1200" dirty="0" smtClean="0">
+                <a:latin typeface="+mn-ea"/>
+                <a:cs typeface="メイリオ" pitchFamily="50" charset="-128"/>
+              </a:rPr>
+              <a:t>それ</a:t>
+            </a:r>
+            <a:r>
+              <a:rPr lang="ja-JP" altLang="en-US" sz="1200" dirty="0" smtClean="0">
+                <a:latin typeface="+mn-ea"/>
+                <a:cs typeface="メイリオ" pitchFamily="50" charset="-128"/>
+              </a:rPr>
+              <a:t>以外は駆動よりも優先度が低いタスクとすること</a:t>
+            </a:r>
+            <a:r>
+              <a:rPr lang="ja-JP" altLang="en-US" sz="1200" dirty="0" smtClean="0">
+                <a:latin typeface="+mn-ea"/>
+                <a:cs typeface="メイリオ" pitchFamily="50" charset="-128"/>
+              </a:rPr>
+              <a:t>で</a:t>
+            </a:r>
+            <a:r>
+              <a:rPr lang="en-US" altLang="ja-JP" sz="1200" dirty="0">
+                <a:latin typeface="+mn-ea"/>
+                <a:cs typeface="メイリオ" pitchFamily="50" charset="-128"/>
+              </a:rPr>
+              <a:t>,</a:t>
+            </a:r>
+            <a:r>
+              <a:rPr lang="ja-JP" altLang="en-US" sz="1200" dirty="0" smtClean="0">
+                <a:latin typeface="+mn-ea"/>
+                <a:cs typeface="メイリオ" pitchFamily="50" charset="-128"/>
+              </a:rPr>
+              <a:t>駆動</a:t>
+            </a:r>
             <a:r>
               <a:rPr lang="ja-JP" altLang="en-US" sz="1200" dirty="0">
-                <a:latin typeface="メイリオ" pitchFamily="50" charset="-128"/>
-                <a:ea typeface="メイリオ" pitchFamily="50" charset="-128"/>
+                <a:latin typeface="+mn-ea"/>
                 <a:cs typeface="メイリオ" pitchFamily="50" charset="-128"/>
               </a:rPr>
-              <a:t>タスク</a:t>
+              <a:t>が求められる</a:t>
             </a:r>
             <a:r>
               <a:rPr lang="ja-JP" altLang="en-US" sz="1200" dirty="0" smtClean="0">
-                <a:latin typeface="メイリオ" pitchFamily="50" charset="-128"/>
-                <a:ea typeface="メイリオ" pitchFamily="50" charset="-128"/>
+                <a:latin typeface="+mn-ea"/>
                 <a:cs typeface="メイリオ" pitchFamily="50" charset="-128"/>
               </a:rPr>
-              <a:t>の構造を示すために２つのステレオタイプを用いた</a:t>
-            </a:r>
-            <a:r>
-              <a:rPr lang="en-US" altLang="ja-JP" sz="1200" dirty="0" smtClean="0">
-                <a:latin typeface="メイリオ" pitchFamily="50" charset="-128"/>
-                <a:ea typeface="メイリオ" pitchFamily="50" charset="-128"/>
+              <a:t>周期で確実に</a:t>
+            </a:r>
+            <a:r>
+              <a:rPr lang="ja-JP" altLang="en-US" sz="1200" dirty="0" smtClean="0">
+                <a:latin typeface="+mn-ea"/>
                 <a:cs typeface="メイリオ" pitchFamily="50" charset="-128"/>
               </a:rPr>
-              <a:t>.</a:t>
+              <a:t>行われる</a:t>
             </a:r>
             <a:r>
               <a:rPr lang="ja-JP" altLang="en-US" sz="1200" dirty="0" smtClean="0">
-                <a:latin typeface="メイリオ" pitchFamily="50" charset="-128"/>
-                <a:ea typeface="メイリオ" pitchFamily="50" charset="-128"/>
+                <a:latin typeface="+mn-ea"/>
                 <a:cs typeface="メイリオ" pitchFamily="50" charset="-128"/>
               </a:rPr>
-              <a:t>採用する</a:t>
-            </a:r>
-            <a:r>
-              <a:rPr lang="en-US" altLang="ja-JP" sz="1200" dirty="0" smtClean="0">
-                <a:latin typeface="メイリオ" pitchFamily="50" charset="-128"/>
-                <a:ea typeface="メイリオ" pitchFamily="50" charset="-128"/>
+              <a:t>ように設計した</a:t>
+            </a:r>
+            <a:r>
+              <a:rPr lang="ja-JP" altLang="en-US" sz="1200" dirty="0" smtClean="0">
+                <a:latin typeface="+mn-ea"/>
                 <a:cs typeface="メイリオ" pitchFamily="50" charset="-128"/>
               </a:rPr>
-              <a:t>RTOS</a:t>
-            </a:r>
-            <a:r>
-              <a:rPr lang="ja-JP" altLang="en-US" sz="1200" dirty="0" err="1" smtClean="0">
-                <a:latin typeface="メイリオ" pitchFamily="50" charset="-128"/>
-                <a:ea typeface="メイリオ" pitchFamily="50" charset="-128"/>
-                <a:cs typeface="メイリオ" pitchFamily="50" charset="-128"/>
-              </a:rPr>
-              <a:t>の提</a:t>
-            </a:r>
-            <a:r>
-              <a:rPr lang="ja-JP" altLang="en-US" sz="1200" dirty="0" smtClean="0">
-                <a:latin typeface="メイリオ" pitchFamily="50" charset="-128"/>
-                <a:ea typeface="メイリオ" pitchFamily="50" charset="-128"/>
-                <a:cs typeface="メイリオ" pitchFamily="50" charset="-128"/>
-              </a:rPr>
-              <a:t>供する機能を</a:t>
-            </a:r>
-            <a:r>
-              <a:rPr lang="en-US" altLang="ja-JP" sz="1200" dirty="0" err="1" smtClean="0">
-                <a:latin typeface="メイリオ" pitchFamily="50" charset="-128"/>
-                <a:ea typeface="メイリオ" pitchFamily="50" charset="-128"/>
-                <a:cs typeface="メイリオ" pitchFamily="50" charset="-128"/>
-              </a:rPr>
-              <a:t>nxtOSEK</a:t>
-            </a:r>
-            <a:r>
-              <a:rPr lang="en-US" altLang="ja-JP" sz="1200" dirty="0" smtClean="0">
-                <a:latin typeface="メイリオ" pitchFamily="50" charset="-128"/>
-                <a:ea typeface="メイリオ" pitchFamily="50" charset="-128"/>
-                <a:cs typeface="メイリオ" pitchFamily="50" charset="-128"/>
-              </a:rPr>
-              <a:t>,</a:t>
-            </a:r>
-            <a:r>
-              <a:rPr lang="ja-JP" altLang="en-US" sz="1200" dirty="0" smtClean="0">
-                <a:latin typeface="メイリオ" pitchFamily="50" charset="-128"/>
-                <a:ea typeface="メイリオ" pitchFamily="50" charset="-128"/>
-                <a:cs typeface="メイリオ" pitchFamily="50" charset="-128"/>
-              </a:rPr>
-              <a:t>ひとつひとつのタスクを</a:t>
-            </a:r>
-            <a:r>
-              <a:rPr lang="en-US" altLang="ja-JP" sz="1200" dirty="0" smtClean="0">
-                <a:latin typeface="メイリオ" pitchFamily="50" charset="-128"/>
-                <a:ea typeface="メイリオ" pitchFamily="50" charset="-128"/>
-                <a:cs typeface="メイリオ" pitchFamily="50" charset="-128"/>
-              </a:rPr>
-              <a:t>TASK</a:t>
-            </a:r>
-            <a:r>
-              <a:rPr lang="ja-JP" altLang="en-US" sz="1200" dirty="0" smtClean="0">
-                <a:latin typeface="メイリオ" pitchFamily="50" charset="-128"/>
-                <a:ea typeface="メイリオ" pitchFamily="50" charset="-128"/>
-                <a:cs typeface="メイリオ" pitchFamily="50" charset="-128"/>
-              </a:rPr>
-              <a:t>としました</a:t>
-            </a:r>
-            <a:r>
-              <a:rPr lang="en-US" altLang="ja-JP" sz="1200" dirty="0" smtClean="0">
-                <a:latin typeface="メイリオ" pitchFamily="50" charset="-128"/>
-                <a:ea typeface="メイリオ" pitchFamily="50" charset="-128"/>
-                <a:cs typeface="メイリオ" pitchFamily="50" charset="-128"/>
-              </a:rPr>
-              <a:t>.</a:t>
-            </a:r>
-          </a:p>
-          <a:p>
-            <a:endParaRPr lang="en-US" altLang="ja-JP" sz="1200" dirty="0">
-              <a:latin typeface="メイリオ" pitchFamily="50" charset="-128"/>
-              <a:ea typeface="メイリオ" pitchFamily="50" charset="-128"/>
+              <a:t>。</a:t>
+            </a:r>
+            <a:endParaRPr lang="en-US" altLang="ja-JP" sz="1200" dirty="0" smtClean="0">
+              <a:latin typeface="+mn-ea"/>
               <a:cs typeface="メイリオ" pitchFamily="50" charset="-128"/>
             </a:endParaRPr>
           </a:p>
           <a:p>
             <a:r>
               <a:rPr lang="ja-JP" altLang="en-US" sz="1200" dirty="0" smtClean="0">
-                <a:latin typeface="メイリオ" pitchFamily="50" charset="-128"/>
-                <a:ea typeface="メイリオ" pitchFamily="50" charset="-128"/>
+                <a:latin typeface="+mn-ea"/>
                 <a:cs typeface="メイリオ" pitchFamily="50" charset="-128"/>
               </a:rPr>
-              <a:t>・</a:t>
-            </a:r>
-            <a:r>
-              <a:rPr lang="ja-JP" altLang="en-US" sz="1400" dirty="0" smtClean="0">
-                <a:latin typeface="メイリオ" pitchFamily="50" charset="-128"/>
-                <a:ea typeface="メイリオ" pitchFamily="50" charset="-128"/>
+              <a:t>なお</a:t>
+            </a:r>
+            <a:r>
+              <a:rPr lang="en-US" altLang="ja-JP" sz="1200" dirty="0" smtClean="0">
+                <a:latin typeface="+mn-ea"/>
                 <a:cs typeface="メイリオ" pitchFamily="50" charset="-128"/>
               </a:rPr>
-              <a:t>要求モデルについて</a:t>
-            </a:r>
-            <a:endParaRPr lang="en-US" altLang="ja-JP" sz="1400" dirty="0" smtClean="0">
-              <a:latin typeface="メイリオ" pitchFamily="50" charset="-128"/>
-              <a:ea typeface="メイリオ" pitchFamily="50" charset="-128"/>
+              <a:t>,</a:t>
+            </a:r>
+            <a:r>
+              <a:rPr lang="ja-JP" altLang="en-US" sz="1200" dirty="0" smtClean="0">
+                <a:latin typeface="+mn-ea"/>
+                <a:cs typeface="メイリオ" pitchFamily="50" charset="-128"/>
+              </a:rPr>
+              <a:t>タスク</a:t>
+            </a:r>
+            <a:r>
+              <a:rPr lang="ja-JP" altLang="en-US" sz="1200" dirty="0" smtClean="0">
+                <a:latin typeface="+mn-ea"/>
+                <a:cs typeface="メイリオ" pitchFamily="50" charset="-128"/>
+              </a:rPr>
+              <a:t>の構造を示すために２つのステレオタイプを用いた</a:t>
+            </a:r>
+            <a:r>
+              <a:rPr lang="en-US" altLang="ja-JP" sz="1200" dirty="0" smtClean="0">
+                <a:latin typeface="+mn-ea"/>
+                <a:cs typeface="メイリオ" pitchFamily="50" charset="-128"/>
+              </a:rPr>
+              <a:t>.</a:t>
+            </a:r>
+            <a:r>
+              <a:rPr lang="ja-JP" altLang="en-US" sz="1200" dirty="0" smtClean="0">
+                <a:latin typeface="+mn-ea"/>
+                <a:cs typeface="メイリオ" pitchFamily="50" charset="-128"/>
+              </a:rPr>
+              <a:t>採用する</a:t>
+            </a:r>
+            <a:r>
+              <a:rPr lang="en-US" altLang="ja-JP" sz="1200" dirty="0" smtClean="0">
+                <a:latin typeface="+mn-ea"/>
+                <a:cs typeface="メイリオ" pitchFamily="50" charset="-128"/>
+              </a:rPr>
+              <a:t>RTOS</a:t>
+            </a:r>
+            <a:r>
+              <a:rPr lang="ja-JP" altLang="en-US" sz="1200" dirty="0" err="1" smtClean="0">
+                <a:latin typeface="+mn-ea"/>
+                <a:cs typeface="メイリオ" pitchFamily="50" charset="-128"/>
+              </a:rPr>
+              <a:t>の提</a:t>
+            </a:r>
+            <a:r>
+              <a:rPr lang="ja-JP" altLang="en-US" sz="1200" dirty="0" smtClean="0">
+                <a:latin typeface="+mn-ea"/>
+                <a:cs typeface="メイリオ" pitchFamily="50" charset="-128"/>
+              </a:rPr>
+              <a:t>供する機能を</a:t>
+            </a:r>
+            <a:r>
+              <a:rPr lang="en-US" altLang="ja-JP" sz="1200" dirty="0" err="1" smtClean="0">
+                <a:latin typeface="+mn-ea"/>
+                <a:cs typeface="メイリオ" pitchFamily="50" charset="-128"/>
+              </a:rPr>
+              <a:t>nxtOSEK</a:t>
+            </a:r>
+            <a:r>
+              <a:rPr lang="en-US" altLang="ja-JP" sz="1200" dirty="0" smtClean="0">
+                <a:latin typeface="+mn-ea"/>
+                <a:cs typeface="メイリオ" pitchFamily="50" charset="-128"/>
+              </a:rPr>
+              <a:t>,</a:t>
+            </a:r>
+            <a:r>
+              <a:rPr lang="ja-JP" altLang="en-US" sz="1200" dirty="0" smtClean="0">
+                <a:latin typeface="+mn-ea"/>
+                <a:cs typeface="メイリオ" pitchFamily="50" charset="-128"/>
+              </a:rPr>
+              <a:t>ひとつひとつのタスクを</a:t>
+            </a:r>
+            <a:r>
+              <a:rPr lang="en-US" altLang="ja-JP" sz="1200" dirty="0" smtClean="0">
+                <a:latin typeface="+mn-ea"/>
+                <a:cs typeface="メイリオ" pitchFamily="50" charset="-128"/>
+              </a:rPr>
+              <a:t>TASK</a:t>
+            </a:r>
+            <a:r>
+              <a:rPr lang="ja-JP" altLang="en-US" sz="1200" dirty="0" smtClean="0">
+                <a:latin typeface="+mn-ea"/>
+                <a:cs typeface="メイリオ" pitchFamily="50" charset="-128"/>
+              </a:rPr>
+              <a:t>としました</a:t>
+            </a:r>
+            <a:r>
+              <a:rPr lang="en-US" altLang="ja-JP" sz="1200" dirty="0" smtClean="0">
+                <a:latin typeface="+mn-ea"/>
+                <a:cs typeface="メイリオ" pitchFamily="50" charset="-128"/>
+              </a:rPr>
+              <a:t>.</a:t>
+            </a:r>
+          </a:p>
+          <a:p>
+            <a:endParaRPr lang="en-US" altLang="ja-JP" sz="1200" dirty="0">
+              <a:latin typeface="+mn-ea"/>
               <a:cs typeface="メイリオ" pitchFamily="50" charset="-128"/>
             </a:endParaRPr>
           </a:p>
           <a:p>
             <a:r>
               <a:rPr lang="ja-JP" altLang="en-US" sz="1200" dirty="0" smtClean="0">
-                <a:latin typeface="メイリオ" pitchFamily="50" charset="-128"/>
-                <a:ea typeface="メイリオ" pitchFamily="50" charset="-128"/>
+                <a:latin typeface="+mn-ea"/>
                 <a:cs typeface="メイリオ" pitchFamily="50" charset="-128"/>
               </a:rPr>
+              <a:t>・</a:t>
+            </a:r>
+            <a:r>
+              <a:rPr lang="ja-JP" altLang="en-US" sz="1400" dirty="0" smtClean="0">
+                <a:latin typeface="+mn-ea"/>
+                <a:cs typeface="メイリオ" pitchFamily="50" charset="-128"/>
+              </a:rPr>
+              <a:t>要求モデルについて</a:t>
+            </a:r>
+            <a:endParaRPr lang="en-US" altLang="ja-JP" sz="1400" dirty="0" smtClean="0">
+              <a:latin typeface="+mn-ea"/>
+              <a:cs typeface="メイリオ" pitchFamily="50" charset="-128"/>
+            </a:endParaRPr>
+          </a:p>
+          <a:p>
+            <a:r>
+              <a:rPr lang="ja-JP" altLang="en-US" sz="1200" dirty="0" smtClean="0">
+                <a:latin typeface="+mn-ea"/>
+                <a:cs typeface="メイリオ" pitchFamily="50" charset="-128"/>
+              </a:rPr>
               <a:t>大会における目標について</a:t>
             </a:r>
             <a:r>
               <a:rPr lang="en-US" altLang="ja-JP" sz="1200" dirty="0" err="1" smtClean="0">
-                <a:latin typeface="メイリオ" pitchFamily="50" charset="-128"/>
-                <a:ea typeface="メイリオ" pitchFamily="50" charset="-128"/>
+                <a:latin typeface="+mn-ea"/>
                 <a:cs typeface="メイリオ" pitchFamily="50" charset="-128"/>
               </a:rPr>
               <a:t>SysML</a:t>
             </a:r>
             <a:r>
               <a:rPr lang="ja-JP" altLang="en-US" sz="1200" dirty="0" smtClean="0">
-                <a:latin typeface="メイリオ" pitchFamily="50" charset="-128"/>
-                <a:ea typeface="メイリオ" pitchFamily="50" charset="-128"/>
+                <a:latin typeface="+mn-ea"/>
                 <a:cs typeface="メイリオ" pitchFamily="50" charset="-128"/>
               </a:rPr>
               <a:t>の要求図を使って分析しました。そこから機能要件、非機能要件を洗い出して、構造、振る舞い、走行戦略で使われる技術要素を導きだしました。</a:t>
             </a:r>
             <a:endParaRPr lang="en-US" altLang="ja-JP" sz="1200" dirty="0" smtClean="0">
-              <a:latin typeface="メイリオ" pitchFamily="50" charset="-128"/>
-              <a:ea typeface="メイリオ" pitchFamily="50" charset="-128"/>
+              <a:latin typeface="+mn-ea"/>
               <a:cs typeface="メイリオ" pitchFamily="50" charset="-128"/>
             </a:endParaRPr>
           </a:p>
@@ -34320,18 +34840,26 @@
               </a:spcBef>
             </a:pPr>
             <a:r>
-              <a:rPr lang="en-US" altLang="ja-JP" sz="2000" b="1" dirty="0"/>
+              <a:rPr lang="en-US" altLang="ja-JP" sz="2000" b="1" dirty="0">
+                <a:latin typeface="+mn-ea"/>
+              </a:rPr>
               <a:t>☆</a:t>
             </a:r>
             <a:r>
-              <a:rPr lang="ja-JP" altLang="en-US" sz="2000" b="1" dirty="0"/>
+              <a:rPr lang="ja-JP" altLang="en-US" sz="2000" b="1" dirty="0">
+                <a:latin typeface="+mn-ea"/>
+              </a:rPr>
               <a:t>チーム</a:t>
             </a:r>
             <a:r>
-              <a:rPr lang="ja-JP" altLang="en-US" sz="2000" b="1" dirty="0" smtClean="0"/>
+              <a:rPr lang="ja-JP" altLang="en-US" sz="2000" b="1" dirty="0" smtClean="0">
+                <a:latin typeface="+mn-ea"/>
+              </a:rPr>
               <a:t>紹介</a:t>
             </a:r>
-            <a:endParaRPr lang="en-US" altLang="ja-JP" sz="1800" b="1" dirty="0"/>
+            <a:endParaRPr lang="en-US" altLang="ja-JP" sz="1800" b="1" dirty="0">
+              <a:latin typeface="+mn-ea"/>
+            </a:endParaRPr>
           </a:p>
           <a:p>
             <a:pPr marL="481013" indent="-481013" defTabSz="1279525">
@@ -34342,7 +34870,9 @@
                 <a:spcPct val="20000"/>
               </a:spcBef>
             </a:pPr>
-            <a:endParaRPr lang="en-US" altLang="ja-JP" sz="1100" b="1" dirty="0"/>
+            <a:endParaRPr lang="en-US" altLang="ja-JP" sz="1100" b="1" dirty="0">
+              <a:latin typeface="+mn-ea"/>
+            </a:endParaRPr>
           </a:p>
           <a:p>
             <a:pPr marL="481013" indent="-481013" defTabSz="1279525">
@@ -34354,26 +34884,38 @@
               </a:spcBef>
             </a:pPr>
             <a:r>
-              <a:rPr lang="ja-JP" altLang="en-US" sz="1100" b="1" dirty="0" smtClean="0"/>
+              <a:rPr lang="ja-JP" altLang="en-US" sz="1100" b="1" dirty="0" smtClean="0">
+                <a:latin typeface="+mn-ea"/>
+              </a:rPr>
               <a:t>　　　</a:t>
             </a:r>
             <a:r>
-              <a:rPr lang="ja-JP" altLang="en-US" sz="1600" b="1" dirty="0" smtClean="0"/>
+              <a:rPr lang="ja-JP" altLang="en-US" sz="1600" b="1" dirty="0" smtClean="0">
+                <a:latin typeface="+mn-ea"/>
+              </a:rPr>
               <a:t>　</a:t>
             </a:r>
             <a:r>
-              <a:rPr lang="ja-JP" altLang="en-US" sz="1600" dirty="0" smtClean="0"/>
+              <a:rPr lang="ja-JP" altLang="en-US" sz="1600" dirty="0" smtClean="0">
+                <a:latin typeface="+mn-ea"/>
+              </a:rPr>
               <a:t>高専の３年生から７年生（専攻科２年生）７名で構成幅広い年代のチームです。メンバーが入院するといったトラブルに見みまわわれながらも、お互いをカバーし合いながら取り組んできました。この大会を通して技術的な面だけで無く</a:t>
             </a:r>
             <a:r>
-              <a:rPr lang="ja-JP" altLang="en-US" sz="1600" dirty="0"/>
+              <a:rPr lang="ja-JP" altLang="en-US" sz="1600" dirty="0">
+                <a:latin typeface="+mn-ea"/>
+              </a:rPr>
               <a:t>常に</a:t>
             </a:r>
             <a:r>
-              <a:rPr lang="ja-JP" altLang="en-US" sz="1600" dirty="0" smtClean="0"/>
+              <a:rPr lang="ja-JP" altLang="en-US" sz="1600" dirty="0" smtClean="0">
+                <a:latin typeface="+mn-ea"/>
+              </a:rPr>
               <a:t>なにか得ようと、自らを向上させようという姿勢がありました。こんなチームで大会に望みます。</a:t>
             </a:r>
-            <a:endParaRPr lang="en-US" altLang="ja-JP" sz="1100" dirty="0"/>
+            <a:endParaRPr lang="en-US" altLang="ja-JP" sz="1100" dirty="0">
+              <a:latin typeface="+mn-ea"/>
+            </a:endParaRPr>
           </a:p>
           <a:p>
             <a:pPr marL="481013" indent="-481013" defTabSz="1279525">
@@ -34385,7 +34927,9 @@
               </a:spcBef>
             </a:pPr>
             <a:r>
-              <a:rPr lang="en-US" altLang="ja-JP" sz="1800" dirty="0" smtClean="0"/>
+              <a:rPr lang="en-US" altLang="ja-JP" sz="1800" dirty="0" smtClean="0">
+                <a:latin typeface="+mn-ea"/>
+              </a:rPr>
               <a:t>	</a:t>
             </a:r>
           </a:p>
@@ -34399,11 +34943,15 @@
               </a:spcBef>
             </a:pPr>
             <a:r>
-              <a:rPr lang="ja-JP" altLang="en-US" sz="1800" b="1" dirty="0" smtClean="0"/>
+              <a:rPr lang="ja-JP" altLang="en-US" sz="1800" b="1" dirty="0" smtClean="0">
+                <a:latin typeface="+mn-ea"/>
+              </a:rPr>
               <a:t>☆組込み，そして</a:t>
             </a:r>
             <a:r>
-              <a:rPr lang="ja-JP" altLang="en-US" sz="1800" b="1" dirty="0"/>
+              <a:rPr lang="ja-JP" altLang="en-US" sz="1800" b="1" dirty="0">
+                <a:latin typeface="+mn-ea"/>
+              </a:rPr>
               <a:t>モデリングの未来へ一言</a:t>
             </a:r>
           </a:p>
@@ -34417,46 +34965,98 @@
               </a:spcBef>
             </a:pPr>
             <a:r>
-              <a:rPr lang="en-US" altLang="ja-JP" sz="1600" dirty="0"/>
+              <a:rPr lang="en-US" altLang="ja-JP" sz="1600" dirty="0">
+                <a:latin typeface="+mn-ea"/>
+              </a:rPr>
               <a:t>	</a:t>
             </a:r>
             <a:r>
-              <a:rPr lang="ja-JP" altLang="en-US" sz="1600" dirty="0" smtClean="0"/>
+              <a:rPr lang="ja-JP" altLang="en-US" sz="1600" dirty="0" smtClean="0">
+                <a:latin typeface="+mn-ea"/>
+              </a:rPr>
               <a:t>　モデリングの根底に流れる重要な考え方のひとつは「抽象化思考」です。これは新しい</a:t>
             </a:r>
             <a:r>
-              <a:rPr lang="ja-JP" altLang="en-US" sz="1600" dirty="0"/>
+              <a:rPr lang="ja-JP" altLang="en-US" sz="1600" dirty="0">
+                <a:latin typeface="+mn-ea"/>
+              </a:rPr>
               <a:t>技術</a:t>
             </a:r>
             <a:r>
-              <a:rPr lang="ja-JP" altLang="en-US" sz="1600" dirty="0" smtClean="0"/>
-              <a:t>がどんどん出てくるこの分野でも廃れることなく常に通用する技術です。組込みシステム</a:t>
-            </a:r>
-            <a:r>
-              <a:rPr lang="ja-JP" altLang="en-US" sz="1600" dirty="0"/>
+              <a:rPr lang="ja-JP" altLang="en-US" sz="1600" dirty="0" smtClean="0">
+                <a:latin typeface="+mn-ea"/>
+              </a:rPr>
+              <a:t>が</a:t>
+            </a:r>
+            <a:r>
+              <a:rPr lang="ja-JP" altLang="en-US" sz="1600" dirty="0" smtClean="0">
+                <a:latin typeface="+mn-ea"/>
+              </a:rPr>
+              <a:t>どんどん登場しても廃れる</a:t>
+            </a:r>
+            <a:r>
+              <a:rPr lang="ja-JP" altLang="en-US" sz="1600" dirty="0" smtClean="0">
+                <a:latin typeface="+mn-ea"/>
+              </a:rPr>
+              <a:t>ことなく常に通用する技術です。組込みシステム</a:t>
+            </a:r>
+            <a:r>
+              <a:rPr lang="ja-JP" altLang="en-US" sz="1600" dirty="0">
+                <a:latin typeface="+mn-ea"/>
+              </a:rPr>
               <a:t>が肥大化する</a:t>
             </a:r>
             <a:r>
-              <a:rPr lang="ja-JP" altLang="en-US" sz="1600" dirty="0" smtClean="0"/>
+              <a:rPr lang="ja-JP" altLang="en-US" sz="1600" dirty="0" smtClean="0">
+                <a:latin typeface="+mn-ea"/>
+              </a:rPr>
               <a:t>昨今、この技術を手に入れることは、当然の流れと言えます。若手社会人や学生が参加するこのコンテストを通してこの武器が広く日本に普及すれば、組み込み業界だけ</a:t>
             </a:r>
             <a:r>
-              <a:rPr lang="ja-JP" altLang="en-US" sz="1600" dirty="0"/>
+              <a:rPr lang="ja-JP" altLang="en-US" sz="1600" dirty="0">
+                <a:latin typeface="+mn-ea"/>
+              </a:rPr>
               <a:t>でなく、すべてのエンジニアが</a:t>
             </a:r>
             <a:r>
-              <a:rPr lang="ja-JP" altLang="en-US" sz="1600" dirty="0" smtClean="0"/>
+              <a:rPr lang="ja-JP" altLang="en-US" sz="1600" dirty="0" smtClean="0">
+                <a:latin typeface="+mn-ea"/>
+              </a:rPr>
               <a:t>ハッピーになれる</a:t>
             </a:r>
             <a:r>
-              <a:rPr lang="ja-JP" altLang="en-US" sz="1600" dirty="0"/>
+              <a:rPr lang="ja-JP" altLang="en-US" sz="1600" dirty="0">
+                <a:latin typeface="+mn-ea"/>
+              </a:rPr>
               <a:t>未来</a:t>
             </a:r>
             <a:r>
-              <a:rPr lang="ja-JP" altLang="en-US" sz="1600" dirty="0" smtClean="0"/>
-              <a:t>が待っていると信じております。</a:t>
-            </a:r>
-            <a:endParaRPr lang="ja-JP" altLang="en-US" sz="1600" b="1" dirty="0"/>
+              <a:rPr lang="ja-JP" altLang="en-US" sz="1600" dirty="0" smtClean="0">
+                <a:latin typeface="+mn-ea"/>
+              </a:rPr>
+              <a:t>が待って</a:t>
+            </a:r>
+            <a:r>
+              <a:rPr lang="ja-JP" altLang="en-US" sz="1600" dirty="0" smtClean="0">
+                <a:latin typeface="+mn-ea"/>
+              </a:rPr>
+              <a:t>いる</a:t>
+            </a:r>
+            <a:r>
+              <a:rPr lang="ja-JP" altLang="en-US" sz="1600" dirty="0">
+                <a:latin typeface="+mn-ea"/>
+              </a:rPr>
+              <a:t>はず</a:t>
+            </a:r>
+            <a:r>
+              <a:rPr lang="ja-JP" altLang="en-US" sz="1600" dirty="0" smtClean="0">
+                <a:latin typeface="+mn-ea"/>
+              </a:rPr>
+              <a:t>です。</a:t>
+            </a:r>
+            <a:endParaRPr lang="ja-JP" altLang="en-US" sz="1600" b="1" dirty="0">
+              <a:latin typeface="+mn-ea"/>
+            </a:endParaRPr>
           </a:p>
           <a:p>
             <a:pPr marL="481013" indent="-481013" defTabSz="1279525">
@@ -34467,7 +35067,9 @@
                 <a:spcPct val="20000"/>
               </a:spcBef>
             </a:pPr>
-            <a:endParaRPr lang="ja-JP" altLang="en-US" sz="1600" b="1" dirty="0"/>
+            <a:endParaRPr lang="ja-JP" altLang="en-US" sz="1600" b="1" dirty="0">
+              <a:latin typeface="+mn-ea"/>
+            </a:endParaRPr>
           </a:p>
           <a:p>
             <a:pPr marL="481013" indent="-481013" defTabSz="1279525">
@@ -34479,14 +35081,20 @@
               </a:spcBef>
             </a:pPr>
             <a:r>
-              <a:rPr lang="ja-JP" altLang="en-US" sz="1800" b="1" dirty="0"/>
+              <a:rPr lang="ja-JP" altLang="en-US" sz="1800" b="1" dirty="0">
+                <a:latin typeface="+mn-ea"/>
+              </a:rPr>
               <a:t>☆コンテストにかける</a:t>
             </a:r>
             <a:r>
-              <a:rPr lang="ja-JP" altLang="en-US" sz="1800" b="1" dirty="0" smtClean="0"/>
+              <a:rPr lang="ja-JP" altLang="en-US" sz="1800" b="1" dirty="0" smtClean="0">
+                <a:latin typeface="+mn-ea"/>
+              </a:rPr>
               <a:t>意気込み，アピール</a:t>
             </a:r>
-            <a:endParaRPr lang="en-US" altLang="ja-JP" sz="1800" b="1" dirty="0" smtClean="0"/>
+            <a:endParaRPr lang="en-US" altLang="ja-JP" sz="1800" b="1" dirty="0" smtClean="0">
+              <a:latin typeface="+mn-ea"/>
+            </a:endParaRPr>
           </a:p>
           <a:p>
             <a:pPr marL="481013" indent="-481013" defTabSz="1279525">
@@ -34497,7 +35105,9 @@
                 <a:spcPct val="20000"/>
               </a:spcBef>
             </a:pPr>
-            <a:endParaRPr lang="ja-JP" altLang="en-US" sz="1800" b="1" dirty="0"/>
+            <a:endParaRPr lang="ja-JP" altLang="en-US" sz="1800" b="1" dirty="0">
+              <a:latin typeface="+mn-ea"/>
+            </a:endParaRPr>
           </a:p>
           <a:p>
             <a:pPr marL="481013" indent="-481013" defTabSz="1279525">
@@ -34509,117 +35119,114 @@
               </a:spcBef>
             </a:pPr>
             <a:r>
-              <a:rPr lang="en-US" altLang="ja-JP" sz="1800" dirty="0"/>
+              <a:rPr lang="en-US" altLang="ja-JP" sz="1800" dirty="0">
+                <a:latin typeface="+mn-ea"/>
+              </a:rPr>
               <a:t>	</a:t>
             </a:r>
             <a:r>
-              <a:rPr lang="ja-JP" altLang="en-US" sz="1800" dirty="0" smtClean="0"/>
+              <a:rPr lang="ja-JP" altLang="en-US" sz="1800" dirty="0" smtClean="0">
+                <a:latin typeface="+mn-ea"/>
+              </a:rPr>
               <a:t>　</a:t>
             </a:r>
             <a:r>
               <a:rPr lang="ja-JP" altLang="en-US" sz="1600" dirty="0" smtClean="0">
-                <a:latin typeface="+mj-ea"/>
-                <a:ea typeface="+mj-ea"/>
+                <a:latin typeface="+mn-ea"/>
               </a:rPr>
               <a:t>昨年</a:t>
             </a:r>
             <a:r>
               <a:rPr lang="ja-JP" altLang="en-US" sz="1600" dirty="0">
-                <a:latin typeface="+mj-ea"/>
-                <a:ea typeface="+mj-ea"/>
+                <a:latin typeface="+mn-ea"/>
               </a:rPr>
               <a:t>果たせなかった悲願の全国大会出場</a:t>
             </a:r>
             <a:r>
               <a:rPr lang="ja-JP" altLang="en-US" sz="1600" dirty="0" smtClean="0">
-                <a:latin typeface="+mj-ea"/>
-                <a:ea typeface="+mj-ea"/>
+                <a:latin typeface="+mn-ea"/>
               </a:rPr>
               <a:t>を</a:t>
             </a:r>
             <a:r>
               <a:rPr lang="en-US" altLang="ja-JP" sz="1600" dirty="0" smtClean="0">
-                <a:latin typeface="+mj-ea"/>
-                <a:ea typeface="+mj-ea"/>
+                <a:latin typeface="+mn-ea"/>
               </a:rPr>
               <a:t/>
             </a:r>
             <a:br>
               <a:rPr lang="en-US" altLang="ja-JP" sz="1600" dirty="0" smtClean="0">
-                <a:latin typeface="+mj-ea"/>
-                <a:ea typeface="+mj-ea"/>
+                <a:latin typeface="+mn-ea"/>
               </a:rPr>
             </a:br>
             <a:r>
               <a:rPr lang="ja-JP" altLang="en-US" sz="1600" dirty="0">
-                <a:latin typeface="+mj-ea"/>
-                <a:ea typeface="+mj-ea"/>
+                <a:latin typeface="+mn-ea"/>
               </a:rPr>
               <a:t>果たします</a:t>
             </a:r>
             <a:r>
               <a:rPr lang="ja-JP" altLang="en-US" sz="1600" dirty="0" smtClean="0">
-                <a:latin typeface="+mj-ea"/>
-                <a:ea typeface="+mj-ea"/>
+                <a:latin typeface="+mn-ea"/>
               </a:rPr>
               <a:t>！！</a:t>
             </a:r>
             <a:r>
               <a:rPr lang="en-US" altLang="ja-JP" sz="1600" dirty="0" smtClean="0">
-                <a:latin typeface="+mj-ea"/>
-                <a:ea typeface="+mj-ea"/>
+                <a:latin typeface="+mn-ea"/>
               </a:rPr>
               <a:t/>
             </a:r>
             <a:br>
               <a:rPr lang="en-US" altLang="ja-JP" sz="1600" dirty="0" smtClean="0">
-                <a:latin typeface="+mj-ea"/>
-                <a:ea typeface="+mj-ea"/>
+                <a:latin typeface="+mn-ea"/>
               </a:rPr>
             </a:br>
             <a:r>
               <a:rPr lang="ja-JP" altLang="en-US" sz="1600" dirty="0" smtClean="0">
-                <a:latin typeface="+mj-ea"/>
-                <a:ea typeface="+mj-ea"/>
-              </a:rPr>
-              <a:t>高専で</a:t>
+                <a:latin typeface="+mn-ea"/>
+              </a:rPr>
+              <a:t>　高専</a:t>
+            </a:r>
+            <a:r>
+              <a:rPr lang="ja-JP" altLang="en-US" sz="1600" dirty="0" smtClean="0">
+                <a:latin typeface="+mn-ea"/>
+              </a:rPr>
+              <a:t>で</a:t>
             </a:r>
             <a:r>
               <a:rPr lang="en-US" altLang="ja-JP" sz="1600" dirty="0" smtClean="0">
-                <a:latin typeface="+mj-ea"/>
-                <a:ea typeface="+mj-ea"/>
+                <a:latin typeface="+mn-ea"/>
               </a:rPr>
               <a:t>15</a:t>
             </a:r>
             <a:r>
               <a:rPr lang="ja-JP" altLang="en-US" sz="1600" dirty="0" smtClean="0">
-                <a:latin typeface="+mj-ea"/>
-                <a:ea typeface="+mj-ea"/>
+                <a:latin typeface="+mn-ea"/>
               </a:rPr>
               <a:t>歳から受けた教育をベースにした高専生</a:t>
             </a:r>
             <a:r>
               <a:rPr lang="ja-JP" altLang="en-US" sz="1600" dirty="0">
-                <a:latin typeface="+mj-ea"/>
-                <a:ea typeface="+mj-ea"/>
+                <a:latin typeface="+mn-ea"/>
               </a:rPr>
               <a:t>の実力</a:t>
             </a:r>
             <a:r>
               <a:rPr lang="ja-JP" altLang="en-US" sz="1600" dirty="0" smtClean="0">
-                <a:latin typeface="+mj-ea"/>
-                <a:ea typeface="+mj-ea"/>
+                <a:latin typeface="+mn-ea"/>
               </a:rPr>
               <a:t>をお見せします</a:t>
             </a:r>
             <a:r>
               <a:rPr lang="ja-JP" altLang="en-US" sz="1600" dirty="0">
-                <a:latin typeface="+mj-ea"/>
-                <a:ea typeface="+mj-ea"/>
+                <a:latin typeface="+mn-ea"/>
               </a:rPr>
               <a:t>！</a:t>
             </a:r>
-            <a:endParaRPr lang="en-US" altLang="ja-JP" sz="1900" dirty="0"/>
+            <a:endParaRPr lang="en-US" altLang="ja-JP" sz="1900" dirty="0">
+              <a:latin typeface="+mn-ea"/>
+            </a:endParaRPr>
           </a:p>
         </p:txBody>
       </p:sp>
@@ -34706,7 +35313,7 @@
         </p:blipFill>
         <p:spPr bwMode="auto">
           <a:xfrm>
-            <a:off x="10752559" y="3000400"/>
+            <a:off x="11065149" y="2904024"/>
             <a:ext cx="1851347" cy="1177502"/>
           </a:xfrm>
           <a:prstGeom prst="rect">
@@ -42891,7 +43498,7 @@
           <p:nvPr>
             <p:extLst>
               <p:ext uri="{D42A27DB-BD31-4B8C-83A1-F6EECF244321}">
-                <p14:modId xmlns:p14="http://schemas.microsoft.com/office/powerpoint/2010/main" val="2493521598"/>
+                <p14:modId xmlns:p14="http://schemas.microsoft.com/office/powerpoint/2010/main" val="2665334506"/>
               </p:ext>
             </p:extLst>
           </p:nvPr>
@@ -43059,15 +43666,23 @@
                       <a:pPr algn="l"/>
                       <a:r>
                         <a:rPr kumimoji="1" lang="ja-JP" altLang="en-US" sz="900" dirty="0" smtClean="0"/>
-                        <a:t>制約条件より，バランサーとそれに関連する</a:t>
-                      </a:r>
-                      <a:r>
-                        <a:rPr kumimoji="1" lang="en-US" altLang="ja-JP" sz="900" dirty="0" err="1" smtClean="0"/>
-                        <a:t>ku</a:t>
+                        <a:t>制約条件より，</a:t>
                       </a:r>
                       <a:r>
                         <a:rPr kumimoji="1" lang="ja-JP" altLang="en-US" sz="900" dirty="0" smtClean="0"/>
-                        <a:t>処理は</a:t>
+                        <a:t>バランサーと</a:t>
+                      </a:r>
+                      <a:r>
+                        <a:rPr kumimoji="1" lang="ja-JP" altLang="en-US" sz="900" dirty="0" smtClean="0"/>
+                        <a:t>それに関連</a:t>
+                      </a:r>
+                      <a:r>
+                        <a:rPr kumimoji="1" lang="ja-JP" altLang="en-US" sz="900" dirty="0" smtClean="0"/>
+                        <a:t>する処理</a:t>
+                      </a:r>
+                      <a:r>
+                        <a:rPr kumimoji="1" lang="ja-JP" altLang="en-US" sz="900" dirty="0" smtClean="0"/>
+                        <a:t>は</a:t>
                       </a:r>
                       <a:r>
                         <a:rPr kumimoji="1" lang="en-US" altLang="ja-JP" sz="900" dirty="0" smtClean="0"/>

--- a/models/モデルシートHOMMAv3.pptx
+++ b/models/モデルシートHOMMAv3.pptx
@@ -27668,11 +27668,11 @@
           <c:showPercent val="0"/>
           <c:showBubbleSize val="0"/>
         </c:dLbls>
-        <c:axId val="83977344"/>
-        <c:axId val="83979072"/>
+        <c:axId val="67107008"/>
+        <c:axId val="93233152"/>
       </c:scatterChart>
       <c:valAx>
-        <c:axId val="83977344"/>
+        <c:axId val="67107008"/>
         <c:scaling>
           <c:orientation val="minMax"/>
         </c:scaling>
@@ -27682,12 +27682,12 @@
         <c:majorTickMark val="out"/>
         <c:minorTickMark val="none"/>
         <c:tickLblPos val="nextTo"/>
-        <c:crossAx val="83979072"/>
+        <c:crossAx val="93233152"/>
         <c:crosses val="autoZero"/>
         <c:crossBetween val="midCat"/>
       </c:valAx>
       <c:valAx>
-        <c:axId val="83979072"/>
+        <c:axId val="93233152"/>
         <c:scaling>
           <c:orientation val="minMax"/>
         </c:scaling>
@@ -27697,7 +27697,7 @@
         <c:majorTickMark val="out"/>
         <c:minorTickMark val="none"/>
         <c:tickLblPos val="nextTo"/>
-        <c:crossAx val="83977344"/>
+        <c:crossAx val="67107008"/>
         <c:crosses val="autoZero"/>
         <c:crossBetween val="midCat"/>
       </c:valAx>
@@ -27920,11 +27920,11 @@
         </c:dLbls>
         <c:marker val="1"/>
         <c:smooth val="0"/>
-        <c:axId val="120310784"/>
-        <c:axId val="83980800"/>
+        <c:axId val="131629056"/>
+        <c:axId val="93237184"/>
       </c:lineChart>
       <c:catAx>
-        <c:axId val="120310784"/>
+        <c:axId val="131629056"/>
         <c:scaling>
           <c:orientation val="minMax"/>
         </c:scaling>
@@ -27933,7 +27933,7 @@
         <c:majorTickMark val="out"/>
         <c:minorTickMark val="none"/>
         <c:tickLblPos val="nextTo"/>
-        <c:crossAx val="83980800"/>
+        <c:crossAx val="93237184"/>
         <c:crosses val="autoZero"/>
         <c:auto val="1"/>
         <c:lblAlgn val="ctr"/>
@@ -27941,7 +27941,7 @@
         <c:noMultiLvlLbl val="0"/>
       </c:catAx>
       <c:valAx>
-        <c:axId val="83980800"/>
+        <c:axId val="93237184"/>
         <c:scaling>
           <c:orientation val="minMax"/>
         </c:scaling>
@@ -27952,7 +27952,7 @@
         <c:majorTickMark val="out"/>
         <c:minorTickMark val="none"/>
         <c:tickLblPos val="nextTo"/>
-        <c:crossAx val="120310784"/>
+        <c:crossAx val="131629056"/>
         <c:crosses val="autoZero"/>
         <c:crossBetween val="between"/>
       </c:valAx>
@@ -33855,163 +33855,103 @@
               <a:rPr lang="ja-JP" altLang="en-US" sz="1200" dirty="0" smtClean="0">
                 <a:latin typeface="+mn-ea"/>
               </a:rPr>
-              <a:t>大会における目標に対して要求図を用いて要素を抽出</a:t>
+              <a:t>大会における目標に対して要求図を用いて要素を抽出しました．要素の一つである区間について詳細な分析を</a:t>
+            </a:r>
+            <a:r>
+              <a:rPr lang="en-US" altLang="ja-JP" sz="1200" dirty="0" smtClean="0">
+                <a:latin typeface="+mn-ea"/>
+              </a:rPr>
+              <a:t>P.2</a:t>
             </a:r>
             <a:r>
               <a:rPr lang="ja-JP" altLang="en-US" sz="1200" dirty="0" smtClean="0">
                 <a:latin typeface="+mn-ea"/>
               </a:rPr>
-              <a:t>しました．要素</a:t>
+              <a:t>で行い</a:t>
+            </a:r>
+            <a:r>
+              <a:rPr lang="en-US" altLang="ja-JP" sz="1200" dirty="0" smtClean="0">
+                <a:latin typeface="+mn-ea"/>
+              </a:rPr>
+              <a:t>,</a:t>
             </a:r>
             <a:r>
               <a:rPr lang="ja-JP" altLang="en-US" sz="1200" dirty="0" smtClean="0">
                 <a:latin typeface="+mn-ea"/>
               </a:rPr>
-              <a:t>の一つである区間について詳細な分析を</a:t>
+              <a:t>下図のパッケージ構成が導き出されました．パッケージ分けの詳細は</a:t>
             </a:r>
             <a:r>
               <a:rPr lang="en-US" altLang="ja-JP" sz="1200" dirty="0" smtClean="0">
                 <a:latin typeface="+mn-ea"/>
               </a:rPr>
-              <a:t>P.2</a:t>
+              <a:t>P2.</a:t>
             </a:r>
             <a:r>
               <a:rPr lang="ja-JP" altLang="en-US" sz="1200" dirty="0" smtClean="0">
                 <a:latin typeface="+mn-ea"/>
               </a:rPr>
-              <a:t>で行い</a:t>
+              <a:t>構造を参照</a:t>
             </a:r>
             <a:r>
               <a:rPr lang="en-US" altLang="ja-JP" sz="1200" dirty="0" smtClean="0">
                 <a:latin typeface="+mn-ea"/>
               </a:rPr>
-              <a:t>,</a:t>
+              <a:t>.</a:t>
             </a:r>
             <a:r>
               <a:rPr lang="ja-JP" altLang="en-US" sz="1200" dirty="0" smtClean="0">
                 <a:latin typeface="+mn-ea"/>
               </a:rPr>
-              <a:t>下図のパッケージ構成が</a:t>
+              <a:t>要求とパッケージ構成に基づいて構造を分析しました</a:t>
+            </a:r>
+            <a:r>
+              <a:rPr lang="en-US" altLang="ja-JP" sz="1200" dirty="0" smtClean="0">
+                <a:latin typeface="+mn-ea"/>
+              </a:rPr>
+              <a:t>.</a:t>
             </a:r>
             <a:r>
               <a:rPr lang="ja-JP" altLang="en-US" sz="1200" dirty="0" smtClean="0">
                 <a:latin typeface="+mn-ea"/>
               </a:rPr>
-              <a:t>導き出されました．パッケージ</a:t>
+              <a:t>区間の切り替えと駆動の振る舞いについて並行性設計を踏まえながら分析を行うことで実現可能性を検証しました．詳細は</a:t>
+            </a:r>
+            <a:r>
+              <a:rPr lang="en-US" altLang="ja-JP" sz="1200" dirty="0" smtClean="0">
+                <a:latin typeface="+mn-ea"/>
+              </a:rPr>
+              <a:t>P.</a:t>
             </a:r>
             <a:r>
               <a:rPr lang="ja-JP" altLang="en-US" sz="1200" dirty="0" smtClean="0">
                 <a:latin typeface="+mn-ea"/>
               </a:rPr>
-              <a:t>分けの詳細は</a:t>
+              <a:t>３振る舞い参照．難所</a:t>
+            </a:r>
+            <a:r>
+              <a:rPr lang="ja-JP" altLang="en-US" sz="1200" dirty="0">
+                <a:latin typeface="+mn-ea"/>
+              </a:rPr>
+              <a:t>を</a:t>
+            </a:r>
+            <a:r>
+              <a:rPr lang="ja-JP" altLang="en-US" sz="1200" dirty="0" smtClean="0">
+                <a:latin typeface="+mn-ea"/>
+              </a:rPr>
+              <a:t>どのように攻略すべきかを</a:t>
             </a:r>
             <a:r>
               <a:rPr lang="en-US" altLang="ja-JP" sz="1200" dirty="0" smtClean="0">
                 <a:latin typeface="+mn-ea"/>
               </a:rPr>
-              <a:t>P2.</a:t>
+              <a:t>4P.</a:t>
             </a:r>
             <a:r>
               <a:rPr lang="ja-JP" altLang="en-US" sz="1200" dirty="0" smtClean="0">
                 <a:latin typeface="+mn-ea"/>
               </a:rPr>
-              <a:t>構造を参照</a:t>
-            </a:r>
-            <a:r>
-              <a:rPr lang="en-US" altLang="ja-JP" sz="1200" dirty="0" smtClean="0">
-                <a:latin typeface="+mn-ea"/>
-              </a:rPr>
-              <a:t>.</a:t>
-            </a:r>
-            <a:r>
-              <a:rPr lang="ja-JP" altLang="en-US" sz="1200" dirty="0" smtClean="0">
-                <a:latin typeface="+mn-ea"/>
-              </a:rPr>
-              <a:t>要求とパッケージ構成に基づいて構造を分析しました</a:t>
-            </a:r>
-            <a:r>
-              <a:rPr lang="en-US" altLang="ja-JP" sz="1200" dirty="0" smtClean="0">
-                <a:latin typeface="+mn-ea"/>
-              </a:rPr>
-              <a:t>.</a:t>
-            </a:r>
-            <a:r>
-              <a:rPr lang="ja-JP" altLang="en-US" sz="1200" dirty="0" smtClean="0">
-                <a:latin typeface="+mn-ea"/>
-              </a:rPr>
-              <a:t>区間の切り替えと駆動の振る舞いについて並行性設計を踏まえながら分析を行うことで実現可能性を検証</a:t>
-            </a:r>
-            <a:r>
-              <a:rPr lang="ja-JP" altLang="en-US" sz="1200" dirty="0" smtClean="0">
-                <a:latin typeface="+mn-ea"/>
-              </a:rPr>
-              <a:t>しました．詳細</a:t>
-            </a:r>
-            <a:r>
-              <a:rPr lang="ja-JP" altLang="en-US" sz="1200" dirty="0" smtClean="0">
-                <a:latin typeface="+mn-ea"/>
-              </a:rPr>
-              <a:t>は</a:t>
-            </a:r>
-            <a:r>
-              <a:rPr lang="en-US" altLang="ja-JP" sz="1200" dirty="0" smtClean="0">
-                <a:latin typeface="+mn-ea"/>
-              </a:rPr>
-              <a:t>P.</a:t>
-            </a:r>
-            <a:r>
-              <a:rPr lang="ja-JP" altLang="en-US" sz="1200" dirty="0" smtClean="0">
-                <a:latin typeface="+mn-ea"/>
-              </a:rPr>
-              <a:t>３振る舞い</a:t>
-            </a:r>
-            <a:r>
-              <a:rPr lang="ja-JP" altLang="en-US" sz="1200" dirty="0" smtClean="0">
-                <a:latin typeface="+mn-ea"/>
-              </a:rPr>
-              <a:t>参照．難所</a:t>
-            </a:r>
-            <a:r>
-              <a:rPr lang="ja-JP" altLang="en-US" sz="1200" dirty="0">
-                <a:latin typeface="+mn-ea"/>
-              </a:rPr>
-              <a:t>を</a:t>
-            </a:r>
-            <a:r>
-              <a:rPr lang="ja-JP" altLang="en-US" sz="1200" dirty="0" smtClean="0">
-                <a:latin typeface="+mn-ea"/>
-              </a:rPr>
-              <a:t>どのように攻略すべきかを</a:t>
-            </a:r>
-            <a:r>
-              <a:rPr lang="en-US" altLang="ja-JP" sz="1200" dirty="0" smtClean="0">
-                <a:latin typeface="+mn-ea"/>
-              </a:rPr>
-              <a:t>4P.</a:t>
-            </a:r>
-            <a:r>
-              <a:rPr lang="ja-JP" altLang="en-US" sz="1200" dirty="0" smtClean="0">
-                <a:latin typeface="+mn-ea"/>
-              </a:rPr>
-              <a:t>に</a:t>
-            </a:r>
-            <a:r>
-              <a:rPr lang="ja-JP" altLang="en-US" sz="1200" dirty="0" smtClean="0">
-                <a:latin typeface="+mn-ea"/>
-              </a:rPr>
-              <a:t>示し，そこ</a:t>
-            </a:r>
-            <a:r>
-              <a:rPr lang="ja-JP" altLang="en-US" sz="1200" dirty="0" smtClean="0">
-                <a:latin typeface="+mn-ea"/>
-              </a:rPr>
-              <a:t>で使われている主な要素技術に</a:t>
-            </a:r>
-            <a:r>
-              <a:rPr lang="ja-JP" altLang="en-US" sz="1200" dirty="0" smtClean="0">
-                <a:latin typeface="+mn-ea"/>
-              </a:rPr>
-              <a:t>ついて，</a:t>
+              <a:t>に示し，そこで使われている主な要素技術について，</a:t>
             </a:r>
             <a:r>
               <a:rPr lang="en-US" altLang="ja-JP" sz="1200" dirty="0" smtClean="0">
@@ -34137,97 +34077,43 @@
               <a:rPr lang="ja-JP" altLang="en-US" sz="1200" dirty="0" smtClean="0">
                 <a:latin typeface="+mn-ea"/>
               </a:rPr>
-              <a:t>パッケージ分けを開発の初期に</a:t>
+              <a:t>パッケージ分けを開発の初期に行い，責務が分散しないように意識することにより，モデルに</a:t>
+            </a:r>
+            <a:r>
+              <a:rPr lang="ja-JP" altLang="en-US" sz="1200" dirty="0">
+                <a:latin typeface="+mn-ea"/>
+              </a:rPr>
+              <a:t>一貫性を</a:t>
             </a:r>
             <a:r>
               <a:rPr lang="ja-JP" altLang="en-US" sz="1200" dirty="0" smtClean="0">
                 <a:latin typeface="+mn-ea"/>
               </a:rPr>
-              <a:t>行い，責務</a:t>
+              <a:t>持たせました．双方向の関連を禁止しました</a:t>
+            </a:r>
+            <a:r>
+              <a:rPr lang="en-US" altLang="ja-JP" sz="1200" dirty="0" smtClean="0">
+                <a:latin typeface="+mn-ea"/>
+              </a:rPr>
+              <a:t>.</a:t>
             </a:r>
             <a:r>
               <a:rPr lang="ja-JP" altLang="en-US" sz="1200" dirty="0" smtClean="0">
                 <a:latin typeface="+mn-ea"/>
               </a:rPr>
-              <a:t>が分散しないように意識することに</a:t>
+              <a:t>区間の切り替え通知はデザインパターンである</a:t>
+            </a:r>
+            <a:r>
+              <a:rPr lang="en-US" altLang="ja-JP" sz="1200" dirty="0" smtClean="0">
+                <a:latin typeface="+mn-ea"/>
+              </a:rPr>
+              <a:t>Observer</a:t>
             </a:r>
             <a:r>
               <a:rPr lang="ja-JP" altLang="en-US" sz="1200" dirty="0" smtClean="0">
                 <a:latin typeface="+mn-ea"/>
               </a:rPr>
-              <a:t>より，モデル</a:t>
-            </a:r>
-            <a:r>
-              <a:rPr lang="ja-JP" altLang="en-US" sz="1200" dirty="0" smtClean="0">
-                <a:latin typeface="+mn-ea"/>
-              </a:rPr>
-              <a:t>に</a:t>
-            </a:r>
-            <a:r>
-              <a:rPr lang="ja-JP" altLang="en-US" sz="1200" dirty="0">
-                <a:latin typeface="+mn-ea"/>
-              </a:rPr>
-              <a:t>一貫性を</a:t>
-            </a:r>
-            <a:r>
-              <a:rPr lang="ja-JP" altLang="en-US" sz="1200" dirty="0" smtClean="0">
-                <a:latin typeface="+mn-ea"/>
-              </a:rPr>
-              <a:t>持たせました．双方向の関連を禁止しました</a:t>
-            </a:r>
-            <a:r>
-              <a:rPr lang="en-US" altLang="ja-JP" sz="1200" dirty="0" smtClean="0">
-                <a:latin typeface="+mn-ea"/>
-              </a:rPr>
-              <a:t>.</a:t>
-            </a:r>
-            <a:r>
-              <a:rPr lang="ja-JP" altLang="en-US" sz="1200" dirty="0" smtClean="0">
-                <a:latin typeface="+mn-ea"/>
-              </a:rPr>
-              <a:t>区間の切り替え通知はデザインパターンである</a:t>
-            </a:r>
-            <a:r>
-              <a:rPr lang="en-US" altLang="ja-JP" sz="1200" dirty="0" smtClean="0">
-                <a:latin typeface="+mn-ea"/>
-              </a:rPr>
-              <a:t>Observer</a:t>
-            </a:r>
-            <a:r>
-              <a:rPr lang="ja-JP" altLang="en-US" sz="1200" dirty="0" smtClean="0">
-                <a:latin typeface="+mn-ea"/>
-              </a:rPr>
-              <a:t>パターンを拡張した構成を用いることで双方向の関連を</a:t>
-            </a:r>
-            <a:r>
-              <a:rPr lang="ja-JP" altLang="en-US" sz="1200" dirty="0" smtClean="0">
-                <a:latin typeface="+mn-ea"/>
-              </a:rPr>
-              <a:t>避けました．区間</a:t>
-            </a:r>
-            <a:r>
-              <a:rPr lang="ja-JP" altLang="en-US" sz="1200" dirty="0" smtClean="0">
-                <a:latin typeface="+mn-ea"/>
-              </a:rPr>
-              <a:t>ごとにチームで分担して開発することにより開発スピードを</a:t>
-            </a:r>
-            <a:r>
-              <a:rPr lang="ja-JP" altLang="en-US" sz="1200" dirty="0" smtClean="0">
-                <a:latin typeface="+mn-ea"/>
-              </a:rPr>
-              <a:t>上げ，結合</a:t>
-            </a:r>
-            <a:r>
-              <a:rPr lang="ja-JP" altLang="en-US" sz="1200" dirty="0" smtClean="0">
-                <a:latin typeface="+mn-ea"/>
-              </a:rPr>
-              <a:t>は区間をつなげることのみで行えるので容易に</a:t>
-            </a:r>
-            <a:r>
-              <a:rPr lang="ja-JP" altLang="en-US" sz="1200" dirty="0" smtClean="0">
-                <a:latin typeface="+mn-ea"/>
-              </a:rPr>
-              <a:t>なりました．</a:t>
+              <a:t>パターンを拡張した構成を用いることで双方向の関連を避けました．区間ごとにチームで分担して開発することにより開発スピードを上げ，結合は区間をつなげることのみで行えるので容易になりました．</a:t>
             </a:r>
             <a:endParaRPr lang="en-US" altLang="ja-JP" sz="1200" dirty="0" smtClean="0">
               <a:latin typeface="+mn-ea"/>
@@ -34353,19 +34239,7 @@
               <a:rPr lang="ja-JP" altLang="en-US" sz="1200" dirty="0" smtClean="0">
                 <a:latin typeface="+mn-ea"/>
               </a:rPr>
-              <a:t>そして，責務</a:t>
-            </a:r>
-            <a:r>
-              <a:rPr lang="ja-JP" altLang="en-US" sz="1200" dirty="0" smtClean="0">
-                <a:latin typeface="+mn-ea"/>
-              </a:rPr>
-              <a:t>が明確に別れた単方向・疎結合な構造にご注目</a:t>
-            </a:r>
-            <a:r>
-              <a:rPr lang="ja-JP" altLang="en-US" sz="1200" dirty="0" smtClean="0">
-                <a:latin typeface="+mn-ea"/>
-              </a:rPr>
-              <a:t>ください．</a:t>
+              <a:t>そして，責務が明確に別れた単方向・疎結合な構造にご注目ください．</a:t>
             </a:r>
             <a:r>
               <a:rPr lang="en-US" altLang="ja-JP" sz="1800" dirty="0">
@@ -34426,13 +34300,7 @@
               <a:rPr lang="ja-JP" altLang="en-US" sz="1600" dirty="0" smtClean="0">
                 <a:latin typeface="+mn-ea"/>
               </a:rPr>
-              <a:t>設計・要求モデルについて</a:t>
-            </a:r>
-            <a:r>
-              <a:rPr lang="ja-JP" altLang="en-US" sz="1600" dirty="0" smtClean="0">
-                <a:latin typeface="+mn-ea"/>
-              </a:rPr>
-              <a:t>取り組みました．</a:t>
+              <a:t>設計・要求モデルについて取り組みました．</a:t>
             </a:r>
             <a:r>
               <a:rPr lang="ja-JP" altLang="en-US" sz="1600" b="1" dirty="0">
@@ -34600,14 +34468,7 @@
                 <a:latin typeface="+mn-ea"/>
                 <a:cs typeface="メイリオ" pitchFamily="50" charset="-128"/>
               </a:rPr>
-              <a:t>周期で確実に行われるように設計</a:t>
-            </a:r>
-            <a:r>
-              <a:rPr lang="ja-JP" altLang="en-US" sz="1200" dirty="0" smtClean="0">
-                <a:latin typeface="+mn-ea"/>
-                <a:cs typeface="メイリオ" pitchFamily="50" charset="-128"/>
-              </a:rPr>
-              <a:t>しました．</a:t>
+              <a:t>周期で確実に行われるように設計しました．</a:t>
             </a:r>
             <a:endParaRPr lang="en-US" altLang="ja-JP" sz="1200" dirty="0" smtClean="0">
               <a:latin typeface="+mn-ea"/>
@@ -34634,14 +34495,7 @@
                 <a:latin typeface="+mn-ea"/>
                 <a:cs typeface="メイリオ" pitchFamily="50" charset="-128"/>
               </a:rPr>
-              <a:t>タスクの構造を示すために２つのステレオタイプを</a:t>
-            </a:r>
-            <a:r>
-              <a:rPr lang="ja-JP" altLang="en-US" sz="1200" dirty="0" smtClean="0">
-                <a:latin typeface="+mn-ea"/>
-                <a:cs typeface="メイリオ" pitchFamily="50" charset="-128"/>
-              </a:rPr>
-              <a:t>用いました</a:t>
+              <a:t>タスクの構造を示すために２つのステレオタイプを用いました</a:t>
             </a:r>
             <a:r>
               <a:rPr lang="en-US" altLang="ja-JP" sz="1200" dirty="0" smtClean="0">
@@ -34767,56 +34621,7 @@
                 <a:latin typeface="+mn-ea"/>
                 <a:cs typeface="メイリオ" pitchFamily="50" charset="-128"/>
               </a:rPr>
-              <a:t>の要求図を使って分析</a:t>
-            </a:r>
-            <a:r>
-              <a:rPr lang="ja-JP" altLang="en-US" sz="1200" dirty="0" smtClean="0">
-                <a:latin typeface="+mn-ea"/>
-                <a:cs typeface="メイリオ" pitchFamily="50" charset="-128"/>
-              </a:rPr>
-              <a:t>しました．そこ</a:t>
-            </a:r>
-            <a:r>
-              <a:rPr lang="ja-JP" altLang="en-US" sz="1200" dirty="0" smtClean="0">
-                <a:latin typeface="+mn-ea"/>
-                <a:cs typeface="メイリオ" pitchFamily="50" charset="-128"/>
-              </a:rPr>
-              <a:t>から機能</a:t>
-            </a:r>
-            <a:r>
-              <a:rPr lang="ja-JP" altLang="en-US" sz="1200" dirty="0" smtClean="0">
-                <a:latin typeface="+mn-ea"/>
-                <a:cs typeface="メイリオ" pitchFamily="50" charset="-128"/>
-              </a:rPr>
-              <a:t>要件，非機能</a:t>
-            </a:r>
-            <a:r>
-              <a:rPr lang="ja-JP" altLang="en-US" sz="1200" dirty="0" smtClean="0">
-                <a:latin typeface="+mn-ea"/>
-                <a:cs typeface="メイリオ" pitchFamily="50" charset="-128"/>
-              </a:rPr>
-              <a:t>要件を</a:t>
-            </a:r>
-            <a:r>
-              <a:rPr lang="ja-JP" altLang="en-US" sz="1200" dirty="0" smtClean="0">
-                <a:latin typeface="+mn-ea"/>
-                <a:cs typeface="メイリオ" pitchFamily="50" charset="-128"/>
-              </a:rPr>
-              <a:t>洗い出して，構造，振る舞い，走行</a:t>
-            </a:r>
-            <a:r>
-              <a:rPr lang="ja-JP" altLang="en-US" sz="1200" dirty="0" smtClean="0">
-                <a:latin typeface="+mn-ea"/>
-                <a:cs typeface="メイリオ" pitchFamily="50" charset="-128"/>
-              </a:rPr>
-              <a:t>戦略で使われる技術要素を</a:t>
-            </a:r>
-            <a:r>
-              <a:rPr lang="ja-JP" altLang="en-US" sz="1200" dirty="0" smtClean="0">
-                <a:latin typeface="+mn-ea"/>
-                <a:cs typeface="メイリオ" pitchFamily="50" charset="-128"/>
-              </a:rPr>
-              <a:t>導きだしました．</a:t>
+              <a:t>の要求図を使って分析しました．そこから機能要件，非機能要件を洗い出して，構造，振る舞い，走行戦略で使われる技術要素を導きだしました．</a:t>
             </a:r>
             <a:endParaRPr lang="en-US" altLang="ja-JP" sz="1200" dirty="0" smtClean="0">
               <a:latin typeface="+mn-ea"/>
@@ -34997,43 +34802,31 @@
               <a:rPr lang="ja-JP" altLang="en-US" sz="1600" dirty="0" smtClean="0">
                 <a:latin typeface="+mn-ea"/>
               </a:rPr>
-              <a:t>経験を</a:t>
+              <a:t>経験を活かし，モデル</a:t>
+            </a:r>
+            <a:r>
+              <a:rPr lang="en-US" altLang="ja-JP" sz="1600" dirty="0">
+                <a:latin typeface="+mn-ea"/>
+              </a:rPr>
+              <a:t>,</a:t>
             </a:r>
             <a:r>
               <a:rPr lang="ja-JP" altLang="en-US" sz="1600" dirty="0" smtClean="0">
                 <a:latin typeface="+mn-ea"/>
               </a:rPr>
-              <a:t>活かし，モデル</a:t>
-            </a:r>
-            <a:r>
-              <a:rPr lang="en-US" altLang="ja-JP" sz="1600" dirty="0">
+              <a:t>走行共にパワーアップしました</a:t>
+            </a:r>
+            <a:r>
+              <a:rPr lang="en-US" altLang="ja-JP" sz="1600" dirty="0" smtClean="0">
                 <a:latin typeface="+mn-ea"/>
               </a:rPr>
-              <a:t>,</a:t>
+              <a:t>.</a:t>
             </a:r>
             <a:r>
               <a:rPr lang="ja-JP" altLang="en-US" sz="1600" dirty="0" smtClean="0">
                 <a:latin typeface="+mn-ea"/>
               </a:rPr>
-              <a:t>走行共にパワーアップしました</a:t>
-            </a:r>
-            <a:r>
-              <a:rPr lang="en-US" altLang="ja-JP" sz="1600" dirty="0" smtClean="0">
-                <a:latin typeface="+mn-ea"/>
-              </a:rPr>
-              <a:t>.</a:t>
-            </a:r>
-            <a:r>
-              <a:rPr lang="ja-JP" altLang="en-US" sz="1600" dirty="0" smtClean="0">
-                <a:latin typeface="+mn-ea"/>
-              </a:rPr>
-              <a:t> チーム名の由来説明？こんなチームで大会に</a:t>
-            </a:r>
-            <a:r>
-              <a:rPr lang="ja-JP" altLang="en-US" sz="1600" dirty="0" smtClean="0">
-                <a:latin typeface="+mn-ea"/>
-              </a:rPr>
-              <a:t>望みます．</a:t>
+              <a:t> チーム名の由来説明？こんなチームで大会に望みます．</a:t>
             </a:r>
             <a:endParaRPr lang="en-US" altLang="ja-JP" sz="1100" dirty="0">
               <a:latin typeface="+mn-ea"/>
@@ -35096,97 +34889,31 @@
               <a:rPr lang="ja-JP" altLang="en-US" sz="1600" dirty="0" smtClean="0">
                 <a:latin typeface="+mn-ea"/>
               </a:rPr>
-              <a:t>　モデリングの根底に流れる重要な考え方のひとつは「抽象化思考」</a:t>
+              <a:t>　モデリングの根底に流れる重要な考え方のひとつは「抽象化思考」です．これは新しい</a:t>
+            </a:r>
+            <a:r>
+              <a:rPr lang="ja-JP" altLang="en-US" sz="1600" dirty="0">
+                <a:latin typeface="+mn-ea"/>
+              </a:rPr>
+              <a:t>技術</a:t>
             </a:r>
             <a:r>
               <a:rPr lang="ja-JP" altLang="en-US" sz="1600" dirty="0" smtClean="0">
                 <a:latin typeface="+mn-ea"/>
               </a:rPr>
-              <a:t>です．これ</a:t>
+              <a:t>がどんどん登場しても廃れることなく常に通用する技術です．組込みシステム</a:t>
+            </a:r>
+            <a:r>
+              <a:rPr lang="ja-JP" altLang="en-US" sz="1600" dirty="0">
+                <a:latin typeface="+mn-ea"/>
+              </a:rPr>
+              <a:t>が肥大化する</a:t>
             </a:r>
             <a:r>
               <a:rPr lang="ja-JP" altLang="en-US" sz="1600" dirty="0" smtClean="0">
                 <a:latin typeface="+mn-ea"/>
               </a:rPr>
-              <a:t>は新しい</a:t>
-            </a:r>
-            <a:r>
-              <a:rPr lang="ja-JP" altLang="en-US" sz="1600" dirty="0">
-                <a:latin typeface="+mn-ea"/>
-              </a:rPr>
-              <a:t>技術</a:t>
-            </a:r>
-            <a:r>
-              <a:rPr lang="ja-JP" altLang="en-US" sz="1600" dirty="0" smtClean="0">
-                <a:latin typeface="+mn-ea"/>
-              </a:rPr>
-              <a:t>がどんどん登場しても廃れることなく常に通用する技術</a:t>
-            </a:r>
-            <a:r>
-              <a:rPr lang="ja-JP" altLang="en-US" sz="1600" dirty="0" smtClean="0">
-                <a:latin typeface="+mn-ea"/>
-              </a:rPr>
-              <a:t>です．組込み</a:t>
-            </a:r>
-            <a:r>
-              <a:rPr lang="ja-JP" altLang="en-US" sz="1600" dirty="0" smtClean="0">
-                <a:latin typeface="+mn-ea"/>
-              </a:rPr>
-              <a:t>システム</a:t>
-            </a:r>
-            <a:r>
-              <a:rPr lang="ja-JP" altLang="en-US" sz="1600" dirty="0">
-                <a:latin typeface="+mn-ea"/>
-              </a:rPr>
-              <a:t>が肥大化する</a:t>
-            </a:r>
-            <a:r>
-              <a:rPr lang="ja-JP" altLang="en-US" sz="1600" dirty="0" smtClean="0">
-                <a:latin typeface="+mn-ea"/>
-              </a:rPr>
-              <a:t>昨今，この</a:t>
-            </a:r>
-            <a:r>
-              <a:rPr lang="ja-JP" altLang="en-US" sz="1600" dirty="0" smtClean="0">
-                <a:latin typeface="+mn-ea"/>
-              </a:rPr>
-              <a:t>技術を手に入れること</a:t>
-            </a:r>
-            <a:r>
-              <a:rPr lang="ja-JP" altLang="en-US" sz="1600" dirty="0" smtClean="0">
-                <a:latin typeface="+mn-ea"/>
-              </a:rPr>
-              <a:t>は，当然</a:t>
-            </a:r>
-            <a:r>
-              <a:rPr lang="ja-JP" altLang="en-US" sz="1600" dirty="0" smtClean="0">
-                <a:latin typeface="+mn-ea"/>
-              </a:rPr>
-              <a:t>の流れと</a:t>
-            </a:r>
-            <a:r>
-              <a:rPr lang="ja-JP" altLang="en-US" sz="1600" dirty="0" smtClean="0">
-                <a:latin typeface="+mn-ea"/>
-              </a:rPr>
-              <a:t>言えます．若手</a:t>
-            </a:r>
-            <a:r>
-              <a:rPr lang="ja-JP" altLang="en-US" sz="1600" dirty="0" smtClean="0">
-                <a:latin typeface="+mn-ea"/>
-              </a:rPr>
-              <a:t>社会人や学生が参加するこのコンテストを通してこの武器が広く日本に普及</a:t>
-            </a:r>
-            <a:r>
-              <a:rPr lang="ja-JP" altLang="en-US" sz="1600" dirty="0" smtClean="0">
-                <a:latin typeface="+mn-ea"/>
-              </a:rPr>
-              <a:t>すれば，組み込み</a:t>
-            </a:r>
-            <a:r>
-              <a:rPr lang="ja-JP" altLang="en-US" sz="1600" dirty="0" smtClean="0">
-                <a:latin typeface="+mn-ea"/>
-              </a:rPr>
-              <a:t>業界だけ</a:t>
+              <a:t>昨今，この技術を手に入れることは，当然の流れと言えます．若手社会人や学生が参加するこのコンテストを通してこの武器が広く日本に普及すれば，組み込み業界だけ</a:t>
             </a:r>
             <a:r>
               <a:rPr lang="ja-JP" altLang="en-US" sz="1600" dirty="0">
@@ -37551,7 +37278,7 @@
         </p:blipFill>
         <p:spPr bwMode="auto">
           <a:xfrm>
-            <a:off x="743447" y="5083084"/>
+            <a:off x="743447" y="5083083"/>
             <a:ext cx="12775624" cy="4326027"/>
           </a:xfrm>
           <a:prstGeom prst="rect">
@@ -38101,21 +37828,7 @@
                 <a:latin typeface="+mn-ea"/>
                 <a:cs typeface="メイリオ" pitchFamily="50" charset="-128"/>
               </a:rPr>
-              <a:t>指令部を除く各パッケージは互いを知らず，与えられた責務を実行し続ける</a:t>
-            </a:r>
-            <a:r>
-              <a:rPr lang="ja-JP" altLang="en-US" sz="1050" dirty="0" smtClean="0">
-                <a:latin typeface="+mn-ea"/>
-                <a:cs typeface="メイリオ" pitchFamily="50" charset="-128"/>
-              </a:rPr>
-              <a:t>．この</a:t>
-            </a:r>
-            <a:r>
-              <a:rPr lang="ja-JP" altLang="en-US" sz="1050" dirty="0" smtClean="0">
-                <a:latin typeface="+mn-ea"/>
-                <a:cs typeface="メイリオ" pitchFamily="50" charset="-128"/>
-              </a:rPr>
-              <a:t>構成により，開発者は区間の情報を設計することに専念でき，かつ，それらは他の</a:t>
+              <a:t>指令部を除く各パッケージは互いを知らず，与えられた責務を実行し続ける．この構成により，開発者は区間の情報を設計することに専念でき，かつ，それらは他の</a:t>
             </a:r>
             <a:r>
               <a:rPr lang="ja-JP" altLang="en-US" sz="1050" dirty="0">
@@ -38246,142 +37959,102 @@
                 <a:latin typeface="+mn-ea"/>
                 <a:cs typeface="メイリオ" pitchFamily="50" charset="-128"/>
               </a:rPr>
-              <a:t>各区間には，最適</a:t>
+              <a:t>各区間には，最適な前進量などの</a:t>
+            </a:r>
+            <a:r>
+              <a:rPr lang="ja-JP" altLang="en-US" sz="1050" u="sng" dirty="0" smtClean="0">
+                <a:latin typeface="+mn-ea"/>
+                <a:cs typeface="メイリオ" pitchFamily="50" charset="-128"/>
+              </a:rPr>
+              <a:t>目標駆動パラメータ</a:t>
             </a:r>
             <a:r>
               <a:rPr lang="ja-JP" altLang="en-US" sz="1050" dirty="0" smtClean="0">
                 <a:latin typeface="+mn-ea"/>
                 <a:cs typeface="メイリオ" pitchFamily="50" charset="-128"/>
               </a:rPr>
-              <a:t>な前進量などの</a:t>
+              <a:t>と</a:t>
             </a:r>
             <a:r>
               <a:rPr lang="ja-JP" altLang="en-US" sz="1050" u="sng" dirty="0" smtClean="0">
                 <a:latin typeface="+mn-ea"/>
                 <a:cs typeface="メイリオ" pitchFamily="50" charset="-128"/>
               </a:rPr>
-              <a:t>目標駆動パラメータ</a:t>
+              <a:t>区間の切替条件</a:t>
+            </a:r>
+            <a:r>
+              <a:rPr lang="ja-JP" altLang="en-US" sz="1050" dirty="0">
+                <a:latin typeface="+mn-ea"/>
+                <a:cs typeface="メイリオ" pitchFamily="50" charset="-128"/>
+              </a:rPr>
+              <a:t>がある</a:t>
             </a:r>
             <a:r>
               <a:rPr lang="ja-JP" altLang="en-US" sz="1050" dirty="0" smtClean="0">
                 <a:latin typeface="+mn-ea"/>
                 <a:cs typeface="メイリオ" pitchFamily="50" charset="-128"/>
               </a:rPr>
-              <a:t>と</a:t>
-            </a:r>
-            <a:r>
-              <a:rPr lang="ja-JP" altLang="en-US" sz="1050" u="sng" dirty="0" smtClean="0">
-                <a:latin typeface="+mn-ea"/>
-                <a:cs typeface="メイリオ" pitchFamily="50" charset="-128"/>
-              </a:rPr>
-              <a:t>区間の切替条件</a:t>
+              <a:t>．走行体は区間が切り替わるまで同一のパラメータを用いて走行する．区間切替に用いる情報をトリガーと称する．各区間</a:t>
             </a:r>
             <a:r>
               <a:rPr lang="ja-JP" altLang="en-US" sz="1050" dirty="0">
                 <a:latin typeface="+mn-ea"/>
                 <a:cs typeface="メイリオ" pitchFamily="50" charset="-128"/>
               </a:rPr>
-              <a:t>がある</a:t>
+              <a:t>クラス</a:t>
             </a:r>
             <a:r>
               <a:rPr lang="ja-JP" altLang="en-US" sz="1050" dirty="0" smtClean="0">
                 <a:latin typeface="+mn-ea"/>
                 <a:cs typeface="メイリオ" pitchFamily="50" charset="-128"/>
               </a:rPr>
-              <a:t>．走行体は区間が切り替わる</a:t>
+              <a:t>はトリガーの集合を区間</a:t>
+            </a:r>
+            <a:r>
+              <a:rPr lang="ja-JP" altLang="en-US" sz="1050" dirty="0">
+                <a:latin typeface="+mn-ea"/>
+                <a:cs typeface="メイリオ" pitchFamily="50" charset="-128"/>
+              </a:rPr>
+              <a:t>切替</a:t>
             </a:r>
             <a:r>
               <a:rPr lang="ja-JP" altLang="en-US" sz="1050" dirty="0" smtClean="0">
                 <a:latin typeface="+mn-ea"/>
                 <a:cs typeface="メイリオ" pitchFamily="50" charset="-128"/>
               </a:rPr>
-              <a:t>まで同一</a:t>
+              <a:t>条件</a:t>
+            </a:r>
+            <a:r>
+              <a:rPr lang="ja-JP" altLang="en-US" sz="1050" dirty="0">
+                <a:latin typeface="+mn-ea"/>
+                <a:cs typeface="メイリオ" pitchFamily="50" charset="-128"/>
+              </a:rPr>
+              <a:t>と</a:t>
             </a:r>
             <a:r>
               <a:rPr lang="ja-JP" altLang="en-US" sz="1050" dirty="0" smtClean="0">
                 <a:latin typeface="+mn-ea"/>
                 <a:cs typeface="メイリオ" pitchFamily="50" charset="-128"/>
               </a:rPr>
-              <a:t>のパラメータを</a:t>
+              <a:t>して持つ．</a:t>
             </a:r>
             <a:r>
               <a:rPr lang="ja-JP" altLang="en-US" sz="1050" dirty="0" smtClean="0">
                 <a:latin typeface="+mn-ea"/>
-                <a:cs typeface="メイリオ" pitchFamily="50" charset="-128"/>
-              </a:rPr>
-              <a:t>用いて走行する．区間切替に用いる情報をトリガーと称する．各区間</a:t>
+              </a:rPr>
+              <a:t>難所エリアには図示されているより詳細な区間</a:t>
             </a:r>
             <a:r>
               <a:rPr lang="ja-JP" altLang="en-US" sz="1050" dirty="0">
                 <a:latin typeface="+mn-ea"/>
-                <a:cs typeface="メイリオ" pitchFamily="50" charset="-128"/>
-              </a:rPr>
-              <a:t>クラス</a:t>
+              </a:rPr>
+              <a:t>が</a:t>
             </a:r>
             <a:r>
               <a:rPr lang="ja-JP" altLang="en-US" sz="1050" dirty="0" smtClean="0">
                 <a:latin typeface="+mn-ea"/>
-                <a:cs typeface="メイリオ" pitchFamily="50" charset="-128"/>
-              </a:rPr>
-              <a:t>はトリガーの集合を区間</a:t>
-            </a:r>
-            <a:r>
-              <a:rPr lang="ja-JP" altLang="en-US" sz="1050" dirty="0">
-                <a:latin typeface="+mn-ea"/>
-                <a:cs typeface="メイリオ" pitchFamily="50" charset="-128"/>
-              </a:rPr>
-              <a:t>切替</a:t>
-            </a:r>
-            <a:r>
-              <a:rPr lang="ja-JP" altLang="en-US" sz="1050" dirty="0" smtClean="0">
-                <a:latin typeface="+mn-ea"/>
-                <a:cs typeface="メイリオ" pitchFamily="50" charset="-128"/>
-              </a:rPr>
-              <a:t>条件</a:t>
-            </a:r>
-            <a:r>
-              <a:rPr lang="ja-JP" altLang="en-US" sz="1050" dirty="0">
-                <a:latin typeface="+mn-ea"/>
-                <a:cs typeface="メイリオ" pitchFamily="50" charset="-128"/>
-              </a:rPr>
-              <a:t>と</a:t>
-            </a:r>
-            <a:r>
-              <a:rPr lang="ja-JP" altLang="en-US" sz="1050" dirty="0" smtClean="0">
-                <a:latin typeface="+mn-ea"/>
-                <a:cs typeface="メイリオ" pitchFamily="50" charset="-128"/>
-              </a:rPr>
-              <a:t>して持つ．</a:t>
-            </a:r>
-            <a:r>
-              <a:rPr lang="ja-JP" altLang="en-US" sz="1050" dirty="0" smtClean="0">
-                <a:latin typeface="+mn-ea"/>
-              </a:rPr>
-              <a:t>難所エリアには</a:t>
-            </a:r>
-            <a:r>
-              <a:rPr lang="ja-JP" altLang="en-US" sz="1050" dirty="0" smtClean="0">
-                <a:latin typeface="+mn-ea"/>
-              </a:rPr>
-              <a:t>図示されているより詳細な区間</a:t>
-            </a:r>
-            <a:r>
-              <a:rPr lang="ja-JP" altLang="en-US" sz="1050" dirty="0">
-                <a:latin typeface="+mn-ea"/>
-              </a:rPr>
-              <a:t>が</a:t>
-            </a:r>
-            <a:r>
-              <a:rPr lang="ja-JP" altLang="en-US" sz="1050" dirty="0" smtClean="0">
-                <a:latin typeface="+mn-ea"/>
-              </a:rPr>
-              <a:t>存在する</a:t>
-            </a:r>
-            <a:r>
-              <a:rPr lang="ja-JP" altLang="en-US" sz="1050" dirty="0" smtClean="0">
-                <a:latin typeface="+mn-ea"/>
-              </a:rPr>
-              <a:t>．</a:t>
+              </a:rPr>
+              <a:t>存在する．</a:t>
             </a:r>
             <a:r>
               <a:rPr lang="en-US" altLang="ja-JP" sz="1050" dirty="0" smtClean="0">
@@ -38416,19 +38089,7 @@
               <a:rPr lang="ja-JP" altLang="en-US" sz="1050" dirty="0" smtClean="0">
                 <a:latin typeface="+mn-ea"/>
               </a:rPr>
-              <a:t>走行</a:t>
-            </a:r>
-            <a:r>
-              <a:rPr lang="ja-JP" altLang="en-US" sz="1050" dirty="0" smtClean="0">
-                <a:latin typeface="+mn-ea"/>
-              </a:rPr>
-              <a:t>戦略を参照</a:t>
-            </a:r>
-            <a:r>
-              <a:rPr lang="ja-JP" altLang="en-US" sz="1050" dirty="0" smtClean="0">
-                <a:latin typeface="+mn-ea"/>
-              </a:rPr>
-              <a:t>．</a:t>
+              <a:t>走行戦略を参照．</a:t>
             </a:r>
             <a:endParaRPr lang="ja-JP" altLang="en-US" sz="1050" dirty="0">
               <a:latin typeface="+mn-ea"/>
@@ -38553,15 +38214,7 @@
             </a:br>
             <a:r>
               <a:rPr lang="ja-JP" altLang="en-US" sz="800" dirty="0" smtClean="0"/>
-              <a:t>倒立走行・尻尾</a:t>
-            </a:r>
-            <a:r>
-              <a:rPr lang="ja-JP" altLang="en-US" sz="800" dirty="0" smtClean="0"/>
-              <a:t>走行を</a:t>
-            </a:r>
-            <a:r>
-              <a:rPr lang="ja-JP" altLang="en-US" sz="800" dirty="0" smtClean="0"/>
-              <a:t>表す</a:t>
+              <a:t>倒立走行・尻尾走行を表す</a:t>
             </a:r>
             <a:endParaRPr lang="ja-JP" altLang="en-US" sz="800" dirty="0"/>
           </a:p>
@@ -38758,11 +38411,7 @@
             <a:p>
               <a:r>
                 <a:rPr lang="ja-JP" altLang="en-US" sz="800" dirty="0" smtClean="0"/>
-                <a:t>目標</a:t>
-              </a:r>
-              <a:r>
-                <a:rPr lang="ja-JP" altLang="en-US" sz="800" dirty="0" smtClean="0"/>
-                <a:t>制</a:t>
+                <a:t>目標制</a:t>
               </a:r>
               <a:r>
                 <a:rPr lang="ja-JP" altLang="en-US" sz="800" dirty="0"/>
@@ -38770,11 +38419,7 @@
               </a:r>
               <a:r>
                 <a:rPr lang="ja-JP" altLang="en-US" sz="800" dirty="0" smtClean="0"/>
-                <a:t>方式（</a:t>
-              </a:r>
-              <a:r>
-                <a:rPr lang="ja-JP" altLang="en-US" sz="800" dirty="0" smtClean="0"/>
-                <a:t>輝度値</a:t>
+                <a:t>方式（輝度値</a:t>
               </a:r>
               <a:r>
                 <a:rPr lang="en-US" altLang="ja-JP" sz="800" dirty="0" smtClean="0"/>
@@ -38798,15 +38443,7 @@
               </a:r>
               <a:r>
                 <a:rPr lang="ja-JP" altLang="en-US" sz="800" dirty="0" smtClean="0"/>
-                <a:t>）にもとづいて旋回量を算出する．同時に高速</a:t>
-              </a:r>
-              <a:r>
-                <a:rPr lang="ja-JP" altLang="en-US" sz="800" dirty="0" smtClean="0"/>
-                <a:t>走行</a:t>
-              </a:r>
-              <a:r>
-                <a:rPr lang="ja-JP" altLang="en-US" sz="800" dirty="0" smtClean="0"/>
-                <a:t>時</a:t>
+                <a:t>）にもとづいて旋回量を算出する．同時に高速走行時</a:t>
               </a:r>
               <a:r>
                 <a:rPr lang="ja-JP" altLang="en-US" sz="800" dirty="0"/>
@@ -38814,11 +38451,7 @@
               </a:r>
               <a:r>
                 <a:rPr lang="ja-JP" altLang="en-US" sz="800" dirty="0" smtClean="0"/>
-                <a:t>旋回量</a:t>
-              </a:r>
-              <a:r>
-                <a:rPr lang="ja-JP" altLang="en-US" sz="800" dirty="0" smtClean="0"/>
-                <a:t>の確保も行なっている．</a:t>
+                <a:t>旋回量の確保も行なっている．</a:t>
               </a:r>
               <a:r>
                 <a:rPr lang="en-US" altLang="ja-JP" sz="800" dirty="0" smtClean="0"/>
@@ -43484,49 +43117,7 @@
                 <a:latin typeface="HGP創英角ﾎﾟｯﾌﾟ体" pitchFamily="50" charset="-128"/>
                 <a:ea typeface="HGP創英角ﾎﾟｯﾌﾟ体" pitchFamily="50" charset="-128"/>
               </a:rPr>
-              <a:t>ドメイン</a:t>
-            </a:r>
-            <a:r>
-              <a:rPr kumimoji="1" lang="ja-JP" altLang="en-US" sz="2000" dirty="0" smtClean="0">
-                <a:effectLst>
-                  <a:outerShdw blurRad="38100" dist="38100" dir="2700000" algn="tl">
-                    <a:srgbClr val="000000">
-                      <a:alpha val="43137"/>
-                    </a:srgbClr>
-                  </a:outerShdw>
-                </a:effectLst>
-                <a:latin typeface="HGP創英角ﾎﾟｯﾌﾟ体" pitchFamily="50" charset="-128"/>
-                <a:ea typeface="HGP創英角ﾎﾟｯﾌﾟ体" pitchFamily="50" charset="-128"/>
-              </a:rPr>
-              <a:t>分析（区間</a:t>
-            </a:r>
-            <a:r>
-              <a:rPr kumimoji="1" lang="ja-JP" altLang="en-US" sz="2000" dirty="0" smtClean="0">
-                <a:effectLst>
-                  <a:outerShdw blurRad="38100" dist="38100" dir="2700000" algn="tl">
-                    <a:srgbClr val="000000">
-                      <a:alpha val="43137"/>
-                    </a:srgbClr>
-                  </a:outerShdw>
-                </a:effectLst>
-                <a:latin typeface="HGP創英角ﾎﾟｯﾌﾟ体" pitchFamily="50" charset="-128"/>
-                <a:ea typeface="HGP創英角ﾎﾟｯﾌﾟ体" pitchFamily="50" charset="-128"/>
-              </a:rPr>
-              <a:t>に</a:t>
-            </a:r>
-            <a:r>
-              <a:rPr kumimoji="1" lang="ja-JP" altLang="en-US" sz="2000" dirty="0" smtClean="0">
-                <a:effectLst>
-                  <a:outerShdw blurRad="38100" dist="38100" dir="2700000" algn="tl">
-                    <a:srgbClr val="000000">
-                      <a:alpha val="43137"/>
-                    </a:srgbClr>
-                  </a:outerShdw>
-                </a:effectLst>
-                <a:latin typeface="HGP創英角ﾎﾟｯﾌﾟ体" pitchFamily="50" charset="-128"/>
-                <a:ea typeface="HGP創英角ﾎﾟｯﾌﾟ体" pitchFamily="50" charset="-128"/>
-              </a:rPr>
-              <a:t>ついて）</a:t>
+              <a:t>ドメイン分析（区間について）</a:t>
             </a:r>
             <a:endParaRPr kumimoji="1" lang="ja-JP" altLang="en-US" sz="2000" dirty="0">
               <a:effectLst>
@@ -43628,35 +43219,7 @@
                 <a:latin typeface="HGP創英角ﾎﾟｯﾌﾟ体" pitchFamily="50" charset="-128"/>
                 <a:ea typeface="HGP創英角ﾎﾟｯﾌﾟ体" pitchFamily="50" charset="-128"/>
               </a:rPr>
-              <a:t>図（</a:t>
-            </a:r>
-            <a:r>
-              <a:rPr lang="ja-JP" altLang="en-US" sz="2000" dirty="0" smtClean="0">
-                <a:effectLst>
-                  <a:outerShdw blurRad="38100" dist="38100" dir="2700000" algn="tl">
-                    <a:srgbClr val="000000">
-                      <a:alpha val="43137"/>
-                    </a:srgbClr>
-                  </a:outerShdw>
-                </a:effectLst>
-                <a:latin typeface="HGP創英角ﾎﾟｯﾌﾟ体" pitchFamily="50" charset="-128"/>
-                <a:ea typeface="HGP創英角ﾎﾟｯﾌﾟ体" pitchFamily="50" charset="-128"/>
-              </a:rPr>
-              <a:t>キャリブレーション関連</a:t>
-            </a:r>
-            <a:r>
-              <a:rPr lang="ja-JP" altLang="en-US" sz="2000" dirty="0" smtClean="0">
-                <a:effectLst>
-                  <a:outerShdw blurRad="38100" dist="38100" dir="2700000" algn="tl">
-                    <a:srgbClr val="000000">
-                      <a:alpha val="43137"/>
-                    </a:srgbClr>
-                  </a:outerShdw>
-                </a:effectLst>
-                <a:latin typeface="HGP創英角ﾎﾟｯﾌﾟ体" pitchFamily="50" charset="-128"/>
-                <a:ea typeface="HGP創英角ﾎﾟｯﾌﾟ体" pitchFamily="50" charset="-128"/>
-              </a:rPr>
-              <a:t>）</a:t>
+              <a:t>図（キャリブレーション関連）</a:t>
             </a:r>
             <a:endParaRPr kumimoji="1" lang="ja-JP" altLang="en-US" sz="2000" dirty="0">
               <a:effectLst>
@@ -43711,7 +43274,7 @@
       </p:grpSpPr>
       <p:pic>
         <p:nvPicPr>
-          <p:cNvPr id="3076" name="Picture 4"/>
+          <p:cNvPr id="1028" name="Picture 4"/>
           <p:cNvPicPr>
             <a:picLocks noChangeAspect="1" noChangeArrowheads="1"/>
           </p:cNvPicPr>
@@ -43732,72 +43295,8 @@
         </p:blipFill>
         <p:spPr bwMode="auto">
           <a:xfrm>
-            <a:off x="1068308" y="5998315"/>
-            <a:ext cx="5474600" cy="3334077"/>
-          </a:xfrm>
-          <a:prstGeom prst="rect">
-            <a:avLst/>
-          </a:prstGeom>
-          <a:noFill/>
-          <a:ln>
-            <a:noFill/>
-          </a:ln>
-          <a:effectLst/>
-          <a:extLst>
-            <a:ext uri="{909E8E84-426E-40DD-AFC4-6F175D3DCCD1}">
-              <a14:hiddenFill xmlns:a14="http://schemas.microsoft.com/office/drawing/2010/main">
-                <a:solidFill>
-                  <a:schemeClr val="accent1"/>
-                </a:solidFill>
-              </a14:hiddenFill>
-            </a:ext>
-            <a:ext uri="{91240B29-F687-4F45-9708-019B960494DF}">
-              <a14:hiddenLine xmlns:a14="http://schemas.microsoft.com/office/drawing/2010/main" w="9525">
-                <a:solidFill>
-                  <a:schemeClr val="tx1"/>
-                </a:solidFill>
-                <a:miter lim="800000"/>
-                <a:headEnd/>
-                <a:tailEnd/>
-              </a14:hiddenLine>
-            </a:ext>
-            <a:ext uri="{AF507438-7753-43E0-B8FC-AC1667EBCBE1}">
-              <a14:hiddenEffects xmlns:a14="http://schemas.microsoft.com/office/drawing/2010/main">
-                <a:effectLst>
-                  <a:outerShdw dist="35921" dir="2700000" algn="ctr" rotWithShape="0">
-                    <a:schemeClr val="bg2"/>
-                  </a:outerShdw>
-                </a:effectLst>
-              </a14:hiddenEffects>
-            </a:ext>
-          </a:extLst>
-        </p:spPr>
-      </p:pic>
-      <p:pic>
-        <p:nvPicPr>
-          <p:cNvPr id="3075" name="Picture 3"/>
-          <p:cNvPicPr>
-            <a:picLocks noChangeAspect="1" noChangeArrowheads="1"/>
-          </p:cNvPicPr>
-          <p:nvPr/>
-        </p:nvPicPr>
-        <p:blipFill>
-          <a:blip r:embed="rId3">
-            <a:extLst>
-              <a:ext uri="{28A0092B-C50C-407E-A947-70E740481C1C}">
-                <a14:useLocalDpi xmlns:a14="http://schemas.microsoft.com/office/drawing/2010/main" val="0"/>
-              </a:ext>
-            </a:extLst>
-          </a:blip>
-          <a:srcRect/>
-          <a:stretch>
-            <a:fillRect/>
-          </a:stretch>
-        </p:blipFill>
-        <p:spPr bwMode="auto">
-          <a:xfrm>
-            <a:off x="686150" y="2368201"/>
-            <a:ext cx="6507543" cy="2585586"/>
+            <a:off x="7458119" y="5858412"/>
+            <a:ext cx="5974872" cy="3552007"/>
           </a:xfrm>
           <a:prstGeom prst="rect">
             <a:avLst/>
@@ -43845,7 +43344,7 @@
         </p:nvCxnSpPr>
         <p:spPr>
           <a:xfrm>
-            <a:off x="7193693" y="1196694"/>
+            <a:off x="7082041" y="1166027"/>
             <a:ext cx="0" cy="4354653"/>
           </a:xfrm>
           <a:prstGeom prst="line">
@@ -43873,70 +43372,6 @@
           </a:fontRef>
         </p:style>
       </p:cxnSp>
-      <p:pic>
-        <p:nvPicPr>
-          <p:cNvPr id="1039" name="Picture 15"/>
-          <p:cNvPicPr>
-            <a:picLocks noChangeAspect="1" noChangeArrowheads="1"/>
-          </p:cNvPicPr>
-          <p:nvPr/>
-        </p:nvPicPr>
-        <p:blipFill>
-          <a:blip r:embed="rId4" cstate="print">
-            <a:extLst>
-              <a:ext uri="{28A0092B-C50C-407E-A947-70E740481C1C}">
-                <a14:useLocalDpi xmlns:a14="http://schemas.microsoft.com/office/drawing/2010/main" val="0"/>
-              </a:ext>
-            </a:extLst>
-          </a:blip>
-          <a:srcRect/>
-          <a:stretch>
-            <a:fillRect/>
-          </a:stretch>
-        </p:blipFill>
-        <p:spPr bwMode="auto">
-          <a:xfrm>
-            <a:off x="9794415" y="6256079"/>
-            <a:ext cx="3721678" cy="2885157"/>
-          </a:xfrm>
-          <a:prstGeom prst="rect">
-            <a:avLst/>
-          </a:prstGeom>
-          <a:noFill/>
-          <a:ln>
-            <a:noFill/>
-          </a:ln>
-          <a:effectLst/>
-          <a:extLst>
-            <a:ext uri="{909E8E84-426E-40DD-AFC4-6F175D3DCCD1}">
-              <a14:hiddenFill xmlns:a14="http://schemas.microsoft.com/office/drawing/2010/main">
-                <a:solidFill>
-                  <a:schemeClr val="accent1"/>
-                </a:solidFill>
-              </a14:hiddenFill>
-            </a:ext>
-            <a:ext uri="{91240B29-F687-4F45-9708-019B960494DF}">
-              <a14:hiddenLine xmlns:a14="http://schemas.microsoft.com/office/drawing/2010/main" w="9525">
-                <a:solidFill>
-                  <a:schemeClr val="tx1"/>
-                </a:solidFill>
-                <a:miter lim="800000"/>
-                <a:headEnd/>
-                <a:tailEnd/>
-              </a14:hiddenLine>
-            </a:ext>
-            <a:ext uri="{AF507438-7753-43E0-B8FC-AC1667EBCBE1}">
-              <a14:hiddenEffects xmlns:a14="http://schemas.microsoft.com/office/drawing/2010/main">
-                <a:effectLst>
-                  <a:outerShdw dist="35921" dir="2700000" algn="ctr" rotWithShape="0">
-                    <a:schemeClr val="bg2"/>
-                  </a:outerShdw>
-                </a:effectLst>
-              </a14:hiddenEffects>
-            </a:ext>
-          </a:extLst>
-        </p:spPr>
-      </p:pic>
       <p:sp>
         <p:nvSpPr>
           <p:cNvPr id="53" name="正方形/長方形 52"/>
@@ -43945,8 +43380,8 @@
         </p:nvSpPr>
         <p:spPr>
           <a:xfrm>
-            <a:off x="10476652" y="6600801"/>
-            <a:ext cx="1572051" cy="1097856"/>
+            <a:off x="10680551" y="6744817"/>
+            <a:ext cx="1296144" cy="1079392"/>
           </a:xfrm>
           <a:prstGeom prst="rect">
             <a:avLst/>
@@ -44006,89 +43441,14 @@
       </p:sp>
       <p:cxnSp>
         <p:nvCxnSpPr>
-          <p:cNvPr id="42" name="直線コネクタ 41"/>
-          <p:cNvCxnSpPr/>
-          <p:nvPr/>
-        </p:nvCxnSpPr>
-        <p:spPr>
-          <a:xfrm>
-            <a:off x="6783137" y="5337104"/>
-            <a:ext cx="8982" cy="4264096"/>
-          </a:xfrm>
-          <a:prstGeom prst="line">
-            <a:avLst/>
-          </a:prstGeom>
-          <a:ln w="25400">
-            <a:solidFill>
-              <a:schemeClr val="tx2"/>
-            </a:solidFill>
-            <a:prstDash val="dash"/>
-          </a:ln>
-        </p:spPr>
-        <p:style>
-          <a:lnRef idx="1">
-            <a:schemeClr val="accent1"/>
-          </a:lnRef>
-          <a:fillRef idx="0">
-            <a:schemeClr val="accent1"/>
-          </a:fillRef>
-          <a:effectRef idx="0">
-            <a:schemeClr val="accent1"/>
-          </a:effectRef>
-          <a:fontRef idx="minor">
-            <a:schemeClr val="tx1"/>
-          </a:fontRef>
-        </p:style>
-      </p:cxnSp>
-      <p:cxnSp>
-        <p:nvCxnSpPr>
           <p:cNvPr id="48" name="直線コネクタ 47"/>
           <p:cNvCxnSpPr/>
           <p:nvPr/>
         </p:nvCxnSpPr>
         <p:spPr>
-          <a:xfrm>
-            <a:off x="9744448" y="5520680"/>
-            <a:ext cx="1" cy="2448272"/>
-          </a:xfrm>
-          <a:prstGeom prst="line">
-            <a:avLst/>
-          </a:prstGeom>
-          <a:ln w="25400">
-            <a:solidFill>
-              <a:schemeClr val="tx2">
-                <a:lumMod val="60000"/>
-                <a:lumOff val="40000"/>
-              </a:schemeClr>
-            </a:solidFill>
-            <a:prstDash val="dash"/>
-          </a:ln>
-        </p:spPr>
-        <p:style>
-          <a:lnRef idx="1">
-            <a:schemeClr val="accent1"/>
-          </a:lnRef>
-          <a:fillRef idx="0">
-            <a:schemeClr val="accent1"/>
-          </a:fillRef>
-          <a:effectRef idx="0">
-            <a:schemeClr val="accent1"/>
-          </a:effectRef>
-          <a:fontRef idx="minor">
-            <a:schemeClr val="tx1"/>
-          </a:fontRef>
-        </p:style>
-      </p:cxnSp>
-      <p:cxnSp>
-        <p:nvCxnSpPr>
-          <p:cNvPr id="49" name="直線コネクタ 48"/>
-          <p:cNvCxnSpPr/>
-          <p:nvPr/>
-        </p:nvCxnSpPr>
-        <p:spPr>
-          <a:xfrm>
-            <a:off x="6792913" y="7968952"/>
-            <a:ext cx="2951535" cy="0"/>
+          <a:xfrm flipH="1">
+            <a:off x="3634097" y="5520680"/>
+            <a:ext cx="5436" cy="4080520"/>
           </a:xfrm>
           <a:prstGeom prst="line">
             <a:avLst/>
@@ -44192,197 +43552,6 @@
           </a:p>
         </p:txBody>
       </p:sp>
-      <p:sp>
-        <p:nvSpPr>
-          <p:cNvPr id="20" name="テキスト ボックス 19"/>
-          <p:cNvSpPr txBox="1"/>
-          <p:nvPr/>
-        </p:nvSpPr>
-        <p:spPr>
-          <a:xfrm>
-            <a:off x="682274" y="1594802"/>
-            <a:ext cx="6498907" cy="415498"/>
-          </a:xfrm>
-          <a:prstGeom prst="rect">
-            <a:avLst/>
-          </a:prstGeom>
-          <a:noFill/>
-          <a:ln>
-            <a:noFill/>
-          </a:ln>
-        </p:spPr>
-        <p:style>
-          <a:lnRef idx="2">
-            <a:schemeClr val="accent6"/>
-          </a:lnRef>
-          <a:fillRef idx="1">
-            <a:schemeClr val="lt1"/>
-          </a:fillRef>
-          <a:effectRef idx="0">
-            <a:schemeClr val="accent6"/>
-          </a:effectRef>
-          <a:fontRef idx="minor">
-            <a:schemeClr val="dk1"/>
-          </a:fontRef>
-        </p:style>
-        <p:txBody>
-          <a:bodyPr wrap="square" rtlCol="0">
-            <a:spAutoFit/>
-          </a:bodyPr>
-          <a:lstStyle/>
-          <a:p>
-            <a:r>
-              <a:rPr lang="ja-JP" altLang="en-US" sz="1050" dirty="0" smtClean="0">
-                <a:latin typeface="メイリオ" pitchFamily="50" charset="-128"/>
-                <a:ea typeface="メイリオ" pitchFamily="50" charset="-128"/>
-                <a:cs typeface="メイリオ" pitchFamily="50" charset="-128"/>
-              </a:rPr>
-              <a:t>走行中の振る舞い</a:t>
-            </a:r>
-            <a:r>
-              <a:rPr lang="ja-JP" altLang="en-US" sz="1050" dirty="0" smtClean="0">
-                <a:latin typeface="メイリオ" pitchFamily="50" charset="-128"/>
-                <a:ea typeface="メイリオ" pitchFamily="50" charset="-128"/>
-                <a:cs typeface="メイリオ" pitchFamily="50" charset="-128"/>
-              </a:rPr>
-              <a:t>．区間</a:t>
-            </a:r>
-            <a:r>
-              <a:rPr lang="ja-JP" altLang="en-US" sz="1050" dirty="0" smtClean="0">
-                <a:latin typeface="メイリオ" pitchFamily="50" charset="-128"/>
-                <a:ea typeface="メイリオ" pitchFamily="50" charset="-128"/>
-                <a:cs typeface="メイリオ" pitchFamily="50" charset="-128"/>
-              </a:rPr>
-              <a:t>切替時に設定されるパラメータを用いて旋回量を</a:t>
-            </a:r>
-            <a:r>
-              <a:rPr lang="ja-JP" altLang="en-US" sz="1050" dirty="0">
-                <a:latin typeface="メイリオ" pitchFamily="50" charset="-128"/>
-                <a:ea typeface="メイリオ" pitchFamily="50" charset="-128"/>
-                <a:cs typeface="メイリオ" pitchFamily="50" charset="-128"/>
-              </a:rPr>
-              <a:t>算出</a:t>
-            </a:r>
-            <a:r>
-              <a:rPr lang="ja-JP" altLang="en-US" sz="1050" dirty="0" smtClean="0">
-                <a:latin typeface="メイリオ" pitchFamily="50" charset="-128"/>
-                <a:ea typeface="メイリオ" pitchFamily="50" charset="-128"/>
-                <a:cs typeface="メイリオ" pitchFamily="50" charset="-128"/>
-              </a:rPr>
-              <a:t>し，モータを駆動する</a:t>
-            </a:r>
-            <a:r>
-              <a:rPr lang="ja-JP" altLang="en-US" sz="1050" dirty="0" smtClean="0">
-                <a:latin typeface="メイリオ" pitchFamily="50" charset="-128"/>
-                <a:ea typeface="メイリオ" pitchFamily="50" charset="-128"/>
-                <a:cs typeface="メイリオ" pitchFamily="50" charset="-128"/>
-              </a:rPr>
-              <a:t>．</a:t>
-            </a:r>
-            <a:r>
-              <a:rPr lang="en-US" altLang="ja-JP" sz="1050" dirty="0" smtClean="0">
-                <a:latin typeface="メイリオ" pitchFamily="50" charset="-128"/>
-                <a:ea typeface="メイリオ" pitchFamily="50" charset="-128"/>
-                <a:cs typeface="メイリオ" pitchFamily="50" charset="-128"/>
-              </a:rPr>
-              <a:t/>
-            </a:r>
-            <a:br>
-              <a:rPr lang="en-US" altLang="ja-JP" sz="1050" dirty="0" smtClean="0">
-                <a:latin typeface="メイリオ" pitchFamily="50" charset="-128"/>
-                <a:ea typeface="メイリオ" pitchFamily="50" charset="-128"/>
-                <a:cs typeface="メイリオ" pitchFamily="50" charset="-128"/>
-              </a:rPr>
-            </a:br>
-            <a:r>
-              <a:rPr lang="ja-JP" altLang="en-US" sz="1050" dirty="0" smtClean="0">
-                <a:latin typeface="メイリオ" pitchFamily="50" charset="-128"/>
-                <a:ea typeface="メイリオ" pitchFamily="50" charset="-128"/>
-                <a:cs typeface="メイリオ" pitchFamily="50" charset="-128"/>
-              </a:rPr>
-              <a:t>どの</a:t>
-            </a:r>
-            <a:r>
-              <a:rPr lang="ja-JP" altLang="en-US" sz="1050" dirty="0" smtClean="0">
-                <a:latin typeface="メイリオ" pitchFamily="50" charset="-128"/>
-                <a:ea typeface="メイリオ" pitchFamily="50" charset="-128"/>
-                <a:cs typeface="メイリオ" pitchFamily="50" charset="-128"/>
-              </a:rPr>
-              <a:t>区間でも同様</a:t>
-            </a:r>
-            <a:r>
-              <a:rPr lang="ja-JP" altLang="en-US" sz="1050" dirty="0">
-                <a:latin typeface="メイリオ" pitchFamily="50" charset="-128"/>
-                <a:ea typeface="メイリオ" pitchFamily="50" charset="-128"/>
-                <a:cs typeface="メイリオ" pitchFamily="50" charset="-128"/>
-              </a:rPr>
-              <a:t>に</a:t>
-            </a:r>
-            <a:r>
-              <a:rPr lang="ja-JP" altLang="en-US" sz="1050" dirty="0" smtClean="0">
-                <a:latin typeface="メイリオ" pitchFamily="50" charset="-128"/>
-                <a:ea typeface="メイリオ" pitchFamily="50" charset="-128"/>
-                <a:cs typeface="メイリオ" pitchFamily="50" charset="-128"/>
-              </a:rPr>
-              <a:t>振る舞い，走行することが可能．</a:t>
-            </a:r>
-            <a:endParaRPr lang="en-US" altLang="ja-JP" sz="1000" dirty="0" smtClean="0">
-              <a:latin typeface="メイリオ" pitchFamily="50" charset="-128"/>
-              <a:ea typeface="メイリオ" pitchFamily="50" charset="-128"/>
-              <a:cs typeface="メイリオ" pitchFamily="50" charset="-128"/>
-            </a:endParaRPr>
-          </a:p>
-        </p:txBody>
-      </p:sp>
-      <p:sp>
-        <p:nvSpPr>
-          <p:cNvPr id="23" name="テキスト ボックス 22"/>
-          <p:cNvSpPr txBox="1"/>
-          <p:nvPr/>
-        </p:nvSpPr>
-        <p:spPr>
-          <a:xfrm>
-            <a:off x="682275" y="5736705"/>
-            <a:ext cx="6102737" cy="261610"/>
-          </a:xfrm>
-          <a:prstGeom prst="rect">
-            <a:avLst/>
-          </a:prstGeom>
-          <a:noFill/>
-          <a:ln>
-            <a:noFill/>
-          </a:ln>
-        </p:spPr>
-        <p:txBody>
-          <a:bodyPr wrap="square" rtlCol="0">
-            <a:spAutoFit/>
-          </a:bodyPr>
-          <a:lstStyle/>
-          <a:p>
-            <a:r>
-              <a:rPr lang="ja-JP" altLang="en-US" sz="1050" dirty="0">
-                <a:latin typeface="メイリオ" pitchFamily="50" charset="-128"/>
-                <a:ea typeface="メイリオ" pitchFamily="50" charset="-128"/>
-                <a:cs typeface="メイリオ" pitchFamily="50" charset="-128"/>
-              </a:rPr>
-              <a:t>走行</a:t>
-            </a:r>
-            <a:r>
-              <a:rPr lang="ja-JP" altLang="en-US" sz="1050" dirty="0" smtClean="0">
-                <a:latin typeface="メイリオ" pitchFamily="50" charset="-128"/>
-                <a:ea typeface="メイリオ" pitchFamily="50" charset="-128"/>
-                <a:cs typeface="メイリオ" pitchFamily="50" charset="-128"/>
-              </a:rPr>
-              <a:t>区間を切り替え，駆動部に目標駆動パラメータを設定する振る舞い．</a:t>
-            </a:r>
-            <a:endParaRPr lang="en-US" altLang="ja-JP" sz="800" dirty="0" smtClean="0">
-              <a:latin typeface="メイリオ" pitchFamily="50" charset="-128"/>
-              <a:ea typeface="メイリオ" pitchFamily="50" charset="-128"/>
-              <a:cs typeface="メイリオ" pitchFamily="50" charset="-128"/>
-            </a:endParaRPr>
-          </a:p>
-        </p:txBody>
-      </p:sp>
       <p:graphicFrame>
         <p:nvGraphicFramePr>
           <p:cNvPr id="27" name="表 26"/>
@@ -44392,13 +43561,13 @@
           <p:nvPr>
             <p:extLst>
               <p:ext uri="{D42A27DB-BD31-4B8C-83A1-F6EECF244321}">
-                <p14:modId xmlns:p14="http://schemas.microsoft.com/office/powerpoint/2010/main" val="3472470232"/>
+                <p14:modId xmlns:p14="http://schemas.microsoft.com/office/powerpoint/2010/main" val="1517463319"/>
               </p:ext>
             </p:extLst>
           </p:nvPr>
         </p:nvGraphicFramePr>
         <p:xfrm>
-          <a:off x="7294143" y="2928392"/>
+          <a:off x="743447" y="2928392"/>
           <a:ext cx="6181745" cy="1035296"/>
         </p:xfrm>
         <a:graphic>
@@ -44568,15 +43737,7 @@
                       </a:r>
                       <a:r>
                         <a:rPr kumimoji="1" lang="ja-JP" altLang="en-US" sz="900" dirty="0" smtClean="0"/>
-                        <a:t>周期で実行される必要がある．加えて設計方針①と②より，それ</a:t>
-                      </a:r>
-                      <a:r>
-                        <a:rPr kumimoji="1" lang="ja-JP" altLang="en-US" sz="900" dirty="0" smtClean="0"/>
-                        <a:t>に関連</a:t>
-                      </a:r>
-                      <a:r>
-                        <a:rPr kumimoji="1" lang="ja-JP" altLang="en-US" sz="900" dirty="0" smtClean="0"/>
-                        <a:t>するモータ駆動処理は同じタスクで処理すべきであると考えた．</a:t>
+                        <a:t>周期で実行される必要がある．加えて設計方針①と②より，それに関連するモータ駆動処理は同じタスクで処理すべきであると考えた．</a:t>
                       </a:r>
                       <a:endParaRPr kumimoji="1" lang="en-US" altLang="ja-JP" sz="900" dirty="0" smtClean="0"/>
                     </a:p>
@@ -44646,15 +43807,7 @@
                       </a:r>
                       <a:r>
                         <a:rPr kumimoji="1" lang="ja-JP" altLang="en-US" sz="900" dirty="0" smtClean="0"/>
-                        <a:t>以内の精度で行えば</a:t>
-                      </a:r>
-                      <a:r>
-                        <a:rPr kumimoji="1" lang="ja-JP" altLang="en-US" sz="900" dirty="0" smtClean="0"/>
-                        <a:t>十分であると考えた</a:t>
-                      </a:r>
-                      <a:r>
-                        <a:rPr kumimoji="1" lang="ja-JP" altLang="en-US" sz="900" dirty="0" smtClean="0"/>
-                        <a:t>．</a:t>
+                        <a:t>以内の精度で行えば十分であると考えた．</a:t>
                       </a:r>
                       <a:endParaRPr kumimoji="1" lang="ja-JP" altLang="en-US" sz="900" dirty="0"/>
                     </a:p>
@@ -44674,7 +43827,7 @@
         </p:nvSpPr>
         <p:spPr>
           <a:xfrm>
-            <a:off x="7191818" y="1594800"/>
+            <a:off x="671439" y="1594800"/>
             <a:ext cx="4509482" cy="1261884"/>
           </a:xfrm>
           <a:prstGeom prst="rect">
@@ -44913,7 +44066,7 @@
         </p:nvSpPr>
         <p:spPr>
           <a:xfrm>
-            <a:off x="9312399" y="4152528"/>
+            <a:off x="815455" y="4152528"/>
             <a:ext cx="4165364" cy="504056"/>
           </a:xfrm>
           <a:prstGeom prst="wedgeRoundRectCallout">
@@ -45007,7 +44160,15 @@
                   <a:schemeClr val="tx1"/>
                 </a:solidFill>
               </a:rPr>
-              <a:t>距離</a:t>
+              <a:t>距離をトリガーとし</a:t>
+            </a:r>
+            <a:r>
+              <a:rPr lang="ja-JP" altLang="en-US" sz="800" dirty="0">
+                <a:solidFill>
+                  <a:schemeClr val="tx1"/>
+                </a:solidFill>
+              </a:rPr>
+              <a:t>て</a:t>
             </a:r>
             <a:r>
               <a:rPr lang="ja-JP" altLang="en-US" sz="800" dirty="0" smtClean="0">
@@ -45015,7 +44176,7 @@
                   <a:schemeClr val="tx1"/>
                 </a:solidFill>
               </a:rPr>
-              <a:t>をトリガーとし</a:t>
+              <a:t>区間</a:t>
             </a:r>
             <a:r>
               <a:rPr lang="ja-JP" altLang="en-US" sz="800" dirty="0">
@@ -45023,7 +44184,7 @@
                   <a:schemeClr val="tx1"/>
                 </a:solidFill>
               </a:rPr>
-              <a:t>て</a:t>
+              <a:t>を</a:t>
             </a:r>
             <a:r>
               <a:rPr lang="ja-JP" altLang="en-US" sz="800" dirty="0" smtClean="0">
@@ -45031,22 +44192,6 @@
                   <a:schemeClr val="tx1"/>
                 </a:solidFill>
               </a:rPr>
-              <a:t>区間</a:t>
-            </a:r>
-            <a:r>
-              <a:rPr lang="ja-JP" altLang="en-US" sz="800" dirty="0">
-                <a:solidFill>
-                  <a:schemeClr val="tx1"/>
-                </a:solidFill>
-              </a:rPr>
-              <a:t>を</a:t>
-            </a:r>
-            <a:r>
-              <a:rPr lang="ja-JP" altLang="en-US" sz="800" dirty="0" smtClean="0">
-                <a:solidFill>
-                  <a:schemeClr val="tx1"/>
-                </a:solidFill>
-              </a:rPr>
               <a:t>切り替える</a:t>
             </a:r>
             <a:r>
@@ -45055,7 +44200,15 @@
                   <a:schemeClr val="tx1"/>
                 </a:solidFill>
               </a:rPr>
-              <a:t>場合，最大</a:t>
+              <a:t>場合，最大で</a:t>
+            </a:r>
+            <a:r>
+              <a:rPr kumimoji="1" lang="en-US" altLang="ja-JP" sz="800" dirty="0" smtClean="0">
+                <a:solidFill>
+                  <a:schemeClr val="tx1"/>
+                </a:solidFill>
+              </a:rPr>
+              <a:t>0.6cm</a:t>
             </a:r>
             <a:r>
               <a:rPr kumimoji="1" lang="ja-JP" altLang="en-US" sz="800" dirty="0" smtClean="0">
@@ -45063,7 +44216,7 @@
                   <a:schemeClr val="tx1"/>
                 </a:solidFill>
               </a:rPr>
-              <a:t>で</a:t>
+              <a:t>移動する間での区間切替が可能なので，</a:t>
             </a:r>
             <a:r>
               <a:rPr kumimoji="1" lang="en-US" altLang="ja-JP" sz="800" dirty="0" smtClean="0">
@@ -45071,7 +44224,7 @@
                   <a:schemeClr val="tx1"/>
                 </a:solidFill>
               </a:rPr>
-              <a:t>0.6cm</a:t>
+              <a:t>10ms</a:t>
             </a:r>
             <a:r>
               <a:rPr kumimoji="1" lang="ja-JP" altLang="en-US" sz="800" dirty="0" smtClean="0">
@@ -45079,31 +44232,7 @@
                   <a:schemeClr val="tx1"/>
                 </a:solidFill>
               </a:rPr>
-              <a:t>移動する間での区間切替が可能なので，</a:t>
-            </a:r>
-            <a:r>
-              <a:rPr kumimoji="1" lang="en-US" altLang="ja-JP" sz="800" dirty="0" smtClean="0">
-                <a:solidFill>
-                  <a:schemeClr val="tx1"/>
-                </a:solidFill>
-              </a:rPr>
-              <a:t>10ms</a:t>
-            </a:r>
-            <a:r>
-              <a:rPr kumimoji="1" lang="ja-JP" altLang="en-US" sz="800" dirty="0" smtClean="0">
-                <a:solidFill>
-                  <a:schemeClr val="tx1"/>
-                </a:solidFill>
-              </a:rPr>
-              <a:t>の周期は妥当であると判断した</a:t>
-            </a:r>
-            <a:r>
-              <a:rPr kumimoji="1" lang="ja-JP" altLang="en-US" sz="800" dirty="0" smtClean="0">
-                <a:solidFill>
-                  <a:schemeClr val="tx1"/>
-                </a:solidFill>
-              </a:rPr>
-              <a:t>．</a:t>
+              <a:t>の周期は妥当であると判断した．</a:t>
             </a:r>
             <a:r>
               <a:rPr kumimoji="1" lang="en-US" altLang="ja-JP" sz="800" dirty="0" smtClean="0">
@@ -45126,15 +44255,7 @@
                   <a:schemeClr val="tx1"/>
                 </a:solidFill>
               </a:rPr>
-              <a:t>また</a:t>
-            </a:r>
-            <a:r>
-              <a:rPr kumimoji="1" lang="ja-JP" altLang="en-US" sz="800" dirty="0" smtClean="0">
-                <a:solidFill>
-                  <a:schemeClr val="tx1"/>
-                </a:solidFill>
-              </a:rPr>
-              <a:t>，他のセンサをトリガーに区間</a:t>
+              <a:t>また，他のセンサをトリガーに区間</a:t>
             </a:r>
             <a:r>
               <a:rPr lang="ja-JP" altLang="en-US" sz="800" dirty="0" smtClean="0">
@@ -45160,7 +44281,7 @@
         </p:nvSpPr>
         <p:spPr>
           <a:xfrm>
-            <a:off x="7368183" y="3993704"/>
+            <a:off x="774908" y="3922520"/>
             <a:ext cx="1716027" cy="230832"/>
           </a:xfrm>
           <a:prstGeom prst="rect">
@@ -45194,8 +44315,8 @@
         </p:nvSpPr>
         <p:spPr>
           <a:xfrm>
-            <a:off x="7191818" y="4800600"/>
-            <a:ext cx="6384519" cy="553998"/>
+            <a:off x="684666" y="4783106"/>
+            <a:ext cx="6381722" cy="553998"/>
           </a:xfrm>
           <a:prstGeom prst="rect">
             <a:avLst/>
@@ -45251,55 +44372,177 @@
           </a:p>
         </p:txBody>
       </p:sp>
+      <p:pic>
+        <p:nvPicPr>
+          <p:cNvPr id="3" name="Picture 2"/>
+          <p:cNvPicPr>
+            <a:picLocks noChangeAspect="1" noChangeArrowheads="1"/>
+          </p:cNvPicPr>
+          <p:nvPr/>
+        </p:nvPicPr>
+        <p:blipFill>
+          <a:blip r:embed="rId3">
+            <a:extLst>
+              <a:ext uri="{28A0092B-C50C-407E-A947-70E740481C1C}">
+                <a14:useLocalDpi xmlns:a14="http://schemas.microsoft.com/office/drawing/2010/main" val="0"/>
+              </a:ext>
+            </a:extLst>
+          </a:blip>
+          <a:srcRect/>
+          <a:stretch>
+            <a:fillRect/>
+          </a:stretch>
+        </p:blipFill>
+        <p:spPr bwMode="auto">
+          <a:xfrm>
+            <a:off x="7143038" y="2168339"/>
+            <a:ext cx="6448177" cy="2776278"/>
+          </a:xfrm>
+          <a:prstGeom prst="rect">
+            <a:avLst/>
+          </a:prstGeom>
+          <a:noFill/>
+          <a:ln>
+            <a:noFill/>
+          </a:ln>
+          <a:effectLst/>
+          <a:extLst>
+            <a:ext uri="{909E8E84-426E-40DD-AFC4-6F175D3DCCD1}">
+              <a14:hiddenFill xmlns:a14="http://schemas.microsoft.com/office/drawing/2010/main">
+                <a:solidFill>
+                  <a:schemeClr val="accent1"/>
+                </a:solidFill>
+              </a14:hiddenFill>
+            </a:ext>
+            <a:ext uri="{91240B29-F687-4F45-9708-019B960494DF}">
+              <a14:hiddenLine xmlns:a14="http://schemas.microsoft.com/office/drawing/2010/main" w="9525">
+                <a:solidFill>
+                  <a:schemeClr val="tx1"/>
+                </a:solidFill>
+                <a:miter lim="800000"/>
+                <a:headEnd/>
+                <a:tailEnd/>
+              </a14:hiddenLine>
+            </a:ext>
+            <a:ext uri="{AF507438-7753-43E0-B8FC-AC1667EBCBE1}">
+              <a14:hiddenEffects xmlns:a14="http://schemas.microsoft.com/office/drawing/2010/main">
+                <a:effectLst>
+                  <a:outerShdw dist="35921" dir="2700000" algn="ctr" rotWithShape="0">
+                    <a:schemeClr val="bg2"/>
+                  </a:outerShdw>
+                </a:effectLst>
+              </a14:hiddenEffects>
+            </a:ext>
+          </a:extLst>
+        </p:spPr>
+      </p:pic>
       <p:sp>
         <p:nvSpPr>
-          <p:cNvPr id="46" name="正方形/長方形 45"/>
-          <p:cNvSpPr/>
+          <p:cNvPr id="20" name="テキスト ボックス 19"/>
+          <p:cNvSpPr txBox="1"/>
           <p:nvPr/>
         </p:nvSpPr>
         <p:spPr>
           <a:xfrm>
-            <a:off x="9749837" y="5736704"/>
-            <a:ext cx="4267998" cy="415498"/>
+            <a:off x="7071254" y="1594802"/>
+            <a:ext cx="6498907" cy="415498"/>
           </a:xfrm>
           <a:prstGeom prst="rect">
             <a:avLst/>
           </a:prstGeom>
+          <a:noFill/>
+          <a:ln>
+            <a:noFill/>
+          </a:ln>
         </p:spPr>
+        <p:style>
+          <a:lnRef idx="2">
+            <a:schemeClr val="accent6"/>
+          </a:lnRef>
+          <a:fillRef idx="1">
+            <a:schemeClr val="lt1"/>
+          </a:fillRef>
+          <a:effectRef idx="0">
+            <a:schemeClr val="accent6"/>
+          </a:effectRef>
+          <a:fontRef idx="minor">
+            <a:schemeClr val="dk1"/>
+          </a:fontRef>
+        </p:style>
         <p:txBody>
-          <a:bodyPr wrap="square">
+          <a:bodyPr wrap="square" rtlCol="0">
             <a:spAutoFit/>
           </a:bodyPr>
           <a:lstStyle/>
           <a:p>
             <a:r>
-              <a:rPr lang="ja-JP" altLang="en-US" sz="1050" dirty="0"/>
-              <a:t>別タスクで起動する２つの振る舞い</a:t>
-            </a:r>
-            <a:r>
-              <a:rPr lang="ja-JP" altLang="en-US" sz="1050" dirty="0" smtClean="0"/>
-              <a:t>から</a:t>
-            </a:r>
-            <a:r>
-              <a:rPr lang="en-US" altLang="ja-JP" sz="1050" dirty="0" smtClean="0"/>
+              <a:rPr lang="ja-JP" altLang="en-US" sz="1050" dirty="0" smtClean="0">
+                <a:latin typeface="メイリオ" pitchFamily="50" charset="-128"/>
+                <a:ea typeface="メイリオ" pitchFamily="50" charset="-128"/>
+                <a:cs typeface="メイリオ" pitchFamily="50" charset="-128"/>
+              </a:rPr>
+              <a:t>走行中の振る舞い．区間切替時に設定されるパラメータを用いて旋回量を</a:t>
+            </a:r>
+            <a:r>
+              <a:rPr lang="ja-JP" altLang="en-US" sz="1050" dirty="0">
+                <a:latin typeface="メイリオ" pitchFamily="50" charset="-128"/>
+                <a:ea typeface="メイリオ" pitchFamily="50" charset="-128"/>
+                <a:cs typeface="メイリオ" pitchFamily="50" charset="-128"/>
+              </a:rPr>
+              <a:t>算出</a:t>
+            </a:r>
+            <a:r>
+              <a:rPr lang="ja-JP" altLang="en-US" sz="1050" dirty="0" smtClean="0">
+                <a:latin typeface="メイリオ" pitchFamily="50" charset="-128"/>
+                <a:ea typeface="メイリオ" pitchFamily="50" charset="-128"/>
+                <a:cs typeface="メイリオ" pitchFamily="50" charset="-128"/>
+              </a:rPr>
+              <a:t>し，モータを駆動する．</a:t>
+            </a:r>
+            <a:r>
+              <a:rPr lang="en-US" altLang="ja-JP" sz="1050" dirty="0" smtClean="0">
+                <a:latin typeface="メイリオ" pitchFamily="50" charset="-128"/>
+                <a:ea typeface="メイリオ" pitchFamily="50" charset="-128"/>
+                <a:cs typeface="メイリオ" pitchFamily="50" charset="-128"/>
+              </a:rPr>
               <a:t/>
             </a:r>
             <a:br>
-              <a:rPr lang="en-US" altLang="ja-JP" sz="1050" dirty="0" smtClean="0"/>
+              <a:rPr lang="en-US" altLang="ja-JP" sz="1050" dirty="0" smtClean="0">
+                <a:latin typeface="メイリオ" pitchFamily="50" charset="-128"/>
+                <a:ea typeface="メイリオ" pitchFamily="50" charset="-128"/>
+                <a:cs typeface="メイリオ" pitchFamily="50" charset="-128"/>
+              </a:rPr>
             </a:br>
             <a:r>
-              <a:rPr lang="ja-JP" altLang="en-US" sz="1050" dirty="0" smtClean="0"/>
-              <a:t>走行</a:t>
-            </a:r>
-            <a:r>
-              <a:rPr lang="ja-JP" altLang="en-US" sz="1050" dirty="0"/>
-              <a:t>システムが構成</a:t>
-            </a:r>
-            <a:r>
-              <a:rPr lang="ja-JP" altLang="en-US" sz="1050" dirty="0" smtClean="0"/>
-              <a:t>される．</a:t>
-            </a:r>
-            <a:endParaRPr lang="ja-JP" altLang="en-US" sz="1050" dirty="0"/>
+              <a:rPr lang="ja-JP" altLang="en-US" sz="1050" dirty="0" smtClean="0">
+                <a:latin typeface="メイリオ" pitchFamily="50" charset="-128"/>
+                <a:ea typeface="メイリオ" pitchFamily="50" charset="-128"/>
+                <a:cs typeface="メイリオ" pitchFamily="50" charset="-128"/>
+              </a:rPr>
+              <a:t>どの区間でも同様</a:t>
+            </a:r>
+            <a:r>
+              <a:rPr lang="ja-JP" altLang="en-US" sz="1050" dirty="0">
+                <a:latin typeface="メイリオ" pitchFamily="50" charset="-128"/>
+                <a:ea typeface="メイリオ" pitchFamily="50" charset="-128"/>
+                <a:cs typeface="メイリオ" pitchFamily="50" charset="-128"/>
+              </a:rPr>
+              <a:t>に</a:t>
+            </a:r>
+            <a:r>
+              <a:rPr lang="ja-JP" altLang="en-US" sz="1050" dirty="0" smtClean="0">
+                <a:latin typeface="メイリオ" pitchFamily="50" charset="-128"/>
+                <a:ea typeface="メイリオ" pitchFamily="50" charset="-128"/>
+                <a:cs typeface="メイリオ" pitchFamily="50" charset="-128"/>
+              </a:rPr>
+              <a:t>振る舞い，走行することが可能．</a:t>
+            </a:r>
+            <a:endParaRPr lang="en-US" altLang="ja-JP" sz="1000" dirty="0" smtClean="0">
+              <a:latin typeface="メイリオ" pitchFamily="50" charset="-128"/>
+              <a:ea typeface="メイリオ" pitchFamily="50" charset="-128"/>
+              <a:cs typeface="メイリオ" pitchFamily="50" charset="-128"/>
+            </a:endParaRPr>
           </a:p>
         </p:txBody>
       </p:sp>
@@ -45311,7 +44554,7 @@
         </p:nvSpPr>
         <p:spPr>
           <a:xfrm>
-            <a:off x="680399" y="1195200"/>
+            <a:off x="7069379" y="1195200"/>
             <a:ext cx="6513293" cy="399600"/>
           </a:xfrm>
           <a:prstGeom prst="rect">
@@ -45393,115 +44636,13 @@
       </p:sp>
       <p:sp>
         <p:nvSpPr>
-          <p:cNvPr id="18" name="テキスト ボックス 17"/>
-          <p:cNvSpPr txBox="1"/>
-          <p:nvPr/>
-        </p:nvSpPr>
-        <p:spPr>
-          <a:xfrm>
-            <a:off x="680400" y="5337104"/>
-            <a:ext cx="6102737" cy="399600"/>
-          </a:xfrm>
-          <a:prstGeom prst="rect">
-            <a:avLst/>
-          </a:prstGeom>
-          <a:gradFill>
-            <a:gsLst>
-              <a:gs pos="0">
-                <a:schemeClr val="accent3"/>
-              </a:gs>
-              <a:gs pos="50000">
-                <a:schemeClr val="accent3">
-                  <a:lumMod val="60000"/>
-                  <a:lumOff val="40000"/>
-                </a:schemeClr>
-              </a:gs>
-              <a:gs pos="100000">
-                <a:schemeClr val="accent3">
-                  <a:lumMod val="40000"/>
-                  <a:lumOff val="60000"/>
-                </a:schemeClr>
-              </a:gs>
-            </a:gsLst>
-            <a:lin ang="0" scaled="1"/>
-          </a:gradFill>
-          <a:ln>
-            <a:noFill/>
-          </a:ln>
-        </p:spPr>
-        <p:style>
-          <a:lnRef idx="2">
-            <a:schemeClr val="accent1">
-              <a:shade val="50000"/>
-            </a:schemeClr>
-          </a:lnRef>
-          <a:fillRef idx="1">
-            <a:schemeClr val="accent1"/>
-          </a:fillRef>
-          <a:effectRef idx="0">
-            <a:schemeClr val="accent1"/>
-          </a:effectRef>
-          <a:fontRef idx="minor">
-            <a:schemeClr val="lt1"/>
-          </a:fontRef>
-        </p:style>
-        <p:txBody>
-          <a:bodyPr wrap="square" rtlCol="0">
-            <a:spAutoFit/>
-          </a:bodyPr>
-          <a:lstStyle/>
-          <a:p>
-            <a:r>
-              <a:rPr lang="ja-JP" altLang="en-US" sz="2000" dirty="0" smtClean="0">
-                <a:effectLst>
-                  <a:outerShdw blurRad="38100" dist="38100" dir="2700000" algn="tl">
-                    <a:srgbClr val="000000">
-                      <a:alpha val="43137"/>
-                    </a:srgbClr>
-                  </a:outerShdw>
-                </a:effectLst>
-                <a:latin typeface="HGP創英角ﾎﾟｯﾌﾟ体" pitchFamily="50" charset="-128"/>
-                <a:ea typeface="HGP創英角ﾎﾟｯﾌﾟ体" pitchFamily="50" charset="-128"/>
-              </a:rPr>
-              <a:t>区間切替</a:t>
-            </a:r>
-            <a:r>
-              <a:rPr lang="ja-JP" altLang="en-US" sz="2000" dirty="0">
-                <a:effectLst>
-                  <a:outerShdw blurRad="38100" dist="38100" dir="2700000" algn="tl">
-                    <a:srgbClr val="000000">
-                      <a:alpha val="43137"/>
-                    </a:srgbClr>
-                  </a:outerShdw>
-                </a:effectLst>
-                <a:latin typeface="HGP創英角ﾎﾟｯﾌﾟ体" pitchFamily="50" charset="-128"/>
-                <a:ea typeface="HGP創英角ﾎﾟｯﾌﾟ体" pitchFamily="50" charset="-128"/>
-              </a:rPr>
-              <a:t>シーケンス</a:t>
-            </a:r>
-            <a:endParaRPr kumimoji="1" lang="ja-JP" altLang="en-US" sz="2000" dirty="0">
-              <a:effectLst>
-                <a:outerShdw blurRad="38100" dist="38100" dir="2700000" algn="tl">
-                  <a:srgbClr val="000000">
-                    <a:alpha val="43137"/>
-                  </a:srgbClr>
-                </a:outerShdw>
-              </a:effectLst>
-              <a:latin typeface="HGP創英角ﾎﾟｯﾌﾟ体" pitchFamily="50" charset="-128"/>
-              <a:ea typeface="HGP創英角ﾎﾟｯﾌﾟ体" pitchFamily="50" charset="-128"/>
-            </a:endParaRPr>
-          </a:p>
-        </p:txBody>
-      </p:sp>
-      <p:sp>
-        <p:nvSpPr>
           <p:cNvPr id="38" name="テキスト ボックス 37"/>
           <p:cNvSpPr txBox="1"/>
           <p:nvPr/>
         </p:nvSpPr>
         <p:spPr>
           <a:xfrm>
-            <a:off x="7193693" y="1195200"/>
+            <a:off x="686679" y="1195200"/>
             <a:ext cx="6382644" cy="399600"/>
           </a:xfrm>
           <a:prstGeom prst="rect">
@@ -45597,272 +44738,14 @@
       </p:sp>
       <p:sp>
         <p:nvSpPr>
-          <p:cNvPr id="47" name="テキスト ボックス 46"/>
-          <p:cNvSpPr txBox="1"/>
-          <p:nvPr/>
-        </p:nvSpPr>
-        <p:spPr>
-          <a:xfrm>
-            <a:off x="6783137" y="5337104"/>
-            <a:ext cx="2955875" cy="399600"/>
-          </a:xfrm>
-          <a:prstGeom prst="rect">
-            <a:avLst/>
-          </a:prstGeom>
-          <a:gradFill>
-            <a:gsLst>
-              <a:gs pos="0">
-                <a:schemeClr val="accent3"/>
-              </a:gs>
-              <a:gs pos="50000">
-                <a:schemeClr val="accent3">
-                  <a:lumMod val="60000"/>
-                  <a:lumOff val="40000"/>
-                </a:schemeClr>
-              </a:gs>
-              <a:gs pos="100000">
-                <a:schemeClr val="accent3">
-                  <a:lumMod val="40000"/>
-                  <a:lumOff val="60000"/>
-                </a:schemeClr>
-              </a:gs>
-            </a:gsLst>
-            <a:lin ang="0" scaled="1"/>
-          </a:gradFill>
-          <a:ln>
-            <a:noFill/>
-          </a:ln>
-        </p:spPr>
-        <p:style>
-          <a:lnRef idx="2">
-            <a:schemeClr val="accent1">
-              <a:shade val="50000"/>
-            </a:schemeClr>
-          </a:lnRef>
-          <a:fillRef idx="1">
-            <a:schemeClr val="accent1"/>
-          </a:fillRef>
-          <a:effectRef idx="0">
-            <a:schemeClr val="accent1"/>
-          </a:effectRef>
-          <a:fontRef idx="minor">
-            <a:schemeClr val="lt1"/>
-          </a:fontRef>
-        </p:style>
-        <p:txBody>
-          <a:bodyPr wrap="square" rtlCol="0">
-            <a:spAutoFit/>
-          </a:bodyPr>
-          <a:lstStyle/>
-          <a:p>
-            <a:r>
-              <a:rPr kumimoji="1" lang="ja-JP" altLang="en-US" sz="2000" dirty="0" smtClean="0">
-                <a:effectLst>
-                  <a:outerShdw blurRad="38100" dist="38100" dir="2700000" algn="tl">
-                    <a:srgbClr val="000000">
-                      <a:alpha val="43137"/>
-                    </a:srgbClr>
-                  </a:outerShdw>
-                </a:effectLst>
-                <a:latin typeface="HGP創英角ﾎﾟｯﾌﾟ体" pitchFamily="50" charset="-128"/>
-                <a:ea typeface="HGP創英角ﾎﾟｯﾌﾟ体" pitchFamily="50" charset="-128"/>
-              </a:rPr>
-              <a:t>構造</a:t>
-            </a:r>
-            <a:endParaRPr kumimoji="1" lang="ja-JP" altLang="en-US" sz="2000" dirty="0">
-              <a:effectLst>
-                <a:outerShdw blurRad="38100" dist="38100" dir="2700000" algn="tl">
-                  <a:srgbClr val="000000">
-                    <a:alpha val="43137"/>
-                  </a:srgbClr>
-                </a:outerShdw>
-              </a:effectLst>
-              <a:latin typeface="HGP創英角ﾎﾟｯﾌﾟ体" pitchFamily="50" charset="-128"/>
-              <a:ea typeface="HGP創英角ﾎﾟｯﾌﾟ体" pitchFamily="50" charset="-128"/>
-            </a:endParaRPr>
-          </a:p>
-        </p:txBody>
-      </p:sp>
-      <p:sp>
-        <p:nvSpPr>
-          <p:cNvPr id="54" name="テキスト ボックス 53"/>
-          <p:cNvSpPr txBox="1"/>
-          <p:nvPr/>
-        </p:nvSpPr>
-        <p:spPr>
-          <a:xfrm>
-            <a:off x="9739012" y="5337104"/>
-            <a:ext cx="3845226" cy="399600"/>
-          </a:xfrm>
-          <a:prstGeom prst="rect">
-            <a:avLst/>
-          </a:prstGeom>
-          <a:gradFill>
-            <a:gsLst>
-              <a:gs pos="0">
-                <a:schemeClr val="accent3"/>
-              </a:gs>
-              <a:gs pos="50000">
-                <a:schemeClr val="accent3">
-                  <a:lumMod val="60000"/>
-                  <a:lumOff val="40000"/>
-                </a:schemeClr>
-              </a:gs>
-              <a:gs pos="100000">
-                <a:schemeClr val="accent3">
-                  <a:lumMod val="40000"/>
-                  <a:lumOff val="60000"/>
-                </a:schemeClr>
-              </a:gs>
-            </a:gsLst>
-            <a:lin ang="0" scaled="1"/>
-          </a:gradFill>
-          <a:ln>
-            <a:noFill/>
-          </a:ln>
-        </p:spPr>
-        <p:style>
-          <a:lnRef idx="2">
-            <a:schemeClr val="accent1">
-              <a:shade val="50000"/>
-            </a:schemeClr>
-          </a:lnRef>
-          <a:fillRef idx="1">
-            <a:schemeClr val="accent1"/>
-          </a:fillRef>
-          <a:effectRef idx="0">
-            <a:schemeClr val="accent1"/>
-          </a:effectRef>
-          <a:fontRef idx="minor">
-            <a:schemeClr val="lt1"/>
-          </a:fontRef>
-        </p:style>
-        <p:txBody>
-          <a:bodyPr wrap="square" rtlCol="0">
-            <a:spAutoFit/>
-          </a:bodyPr>
-          <a:lstStyle/>
-          <a:p>
-            <a:r>
-              <a:rPr kumimoji="1" lang="ja-JP" altLang="en-US" sz="2000" dirty="0" smtClean="0">
-                <a:effectLst>
-                  <a:outerShdw blurRad="38100" dist="38100" dir="2700000" algn="tl">
-                    <a:srgbClr val="000000">
-                      <a:alpha val="43137"/>
-                    </a:srgbClr>
-                  </a:outerShdw>
-                </a:effectLst>
-                <a:latin typeface="HGP創英角ﾎﾟｯﾌﾟ体" pitchFamily="50" charset="-128"/>
-                <a:ea typeface="HGP創英角ﾎﾟｯﾌﾟ体" pitchFamily="50" charset="-128"/>
-              </a:rPr>
-              <a:t>振る舞い</a:t>
-            </a:r>
-            <a:endParaRPr kumimoji="1" lang="ja-JP" altLang="en-US" sz="2000" dirty="0">
-              <a:effectLst>
-                <a:outerShdw blurRad="38100" dist="38100" dir="2700000" algn="tl">
-                  <a:srgbClr val="000000">
-                    <a:alpha val="43137"/>
-                  </a:srgbClr>
-                </a:outerShdw>
-              </a:effectLst>
-              <a:latin typeface="HGP創英角ﾎﾟｯﾌﾟ体" pitchFamily="50" charset="-128"/>
-              <a:ea typeface="HGP創英角ﾎﾟｯﾌﾟ体" pitchFamily="50" charset="-128"/>
-            </a:endParaRPr>
-          </a:p>
-        </p:txBody>
-      </p:sp>
-      <p:sp>
-        <p:nvSpPr>
-          <p:cNvPr id="56" name="正方形/長方形 55"/>
-          <p:cNvSpPr/>
-          <p:nvPr/>
-        </p:nvSpPr>
-        <p:spPr>
-          <a:xfrm>
-            <a:off x="6706147" y="7979987"/>
-            <a:ext cx="950068" cy="276999"/>
-          </a:xfrm>
-          <a:prstGeom prst="rect">
-            <a:avLst/>
-          </a:prstGeom>
-        </p:spPr>
-        <p:txBody>
-          <a:bodyPr wrap="none">
-            <a:spAutoFit/>
-          </a:bodyPr>
-          <a:lstStyle/>
-          <a:p>
-            <a:r>
-              <a:rPr lang="ja-JP" altLang="en-US" sz="1200" dirty="0" smtClean="0">
-                <a:solidFill>
-                  <a:schemeClr val="accent6"/>
-                </a:solidFill>
-              </a:rPr>
-              <a:t>■</a:t>
-            </a:r>
-            <a:r>
-              <a:rPr lang="ja-JP" altLang="en-US" sz="1200" dirty="0" smtClean="0"/>
-              <a:t>駆動</a:t>
-            </a:r>
-            <a:r>
-              <a:rPr lang="en-US" altLang="ja-JP" sz="1200" dirty="0"/>
-              <a:t>TASK</a:t>
-            </a:r>
-            <a:endParaRPr lang="ja-JP" altLang="en-US" sz="1600" dirty="0"/>
-          </a:p>
-        </p:txBody>
-      </p:sp>
-      <p:sp>
-        <p:nvSpPr>
-          <p:cNvPr id="61" name="正方形/長方形 60"/>
-          <p:cNvSpPr/>
-          <p:nvPr/>
-        </p:nvSpPr>
-        <p:spPr>
-          <a:xfrm>
-            <a:off x="8178827" y="7979987"/>
-            <a:ext cx="1565621" cy="276999"/>
-          </a:xfrm>
-          <a:prstGeom prst="rect">
-            <a:avLst/>
-          </a:prstGeom>
-        </p:spPr>
-        <p:txBody>
-          <a:bodyPr wrap="none">
-            <a:spAutoFit/>
-          </a:bodyPr>
-          <a:lstStyle/>
-          <a:p>
-            <a:r>
-              <a:rPr lang="ja-JP" altLang="en-US" sz="1200" dirty="0" smtClean="0">
-                <a:solidFill>
-                  <a:schemeClr val="accent6"/>
-                </a:solidFill>
-              </a:rPr>
-              <a:t>■</a:t>
-            </a:r>
-            <a:r>
-              <a:rPr lang="ja-JP" altLang="en-US" sz="1200" dirty="0" smtClean="0"/>
-              <a:t>区間切替監視</a:t>
-            </a:r>
-            <a:r>
-              <a:rPr lang="en-US" altLang="ja-JP" sz="1200" dirty="0" smtClean="0"/>
-              <a:t>TASK</a:t>
-            </a:r>
-            <a:endParaRPr lang="ja-JP" altLang="en-US" sz="1600" dirty="0"/>
-          </a:p>
-        </p:txBody>
-      </p:sp>
-      <p:sp>
-        <p:nvSpPr>
           <p:cNvPr id="58" name="正方形/長方形 57"/>
           <p:cNvSpPr/>
           <p:nvPr/>
         </p:nvSpPr>
         <p:spPr>
           <a:xfrm>
-            <a:off x="12048704" y="7698657"/>
-            <a:ext cx="1467389" cy="1422423"/>
+            <a:off x="11987870" y="7824208"/>
+            <a:ext cx="1454696" cy="1078301"/>
           </a:xfrm>
           <a:prstGeom prst="rect">
             <a:avLst/>
@@ -45936,21 +44819,21 @@
           </a:p>
           <a:p>
             <a:pPr algn="r"/>
-            <a:endParaRPr lang="en-US" altLang="ja-JP" sz="1050" dirty="0">
-              <a:solidFill>
-                <a:schemeClr val="tx1"/>
-              </a:solidFill>
-            </a:endParaRPr>
-          </a:p>
-          <a:p>
-            <a:pPr algn="r"/>
             <a:r>
               <a:rPr lang="ja-JP" altLang="en-US" sz="1050" dirty="0" smtClean="0">
                 <a:solidFill>
                   <a:schemeClr val="tx1"/>
                 </a:solidFill>
               </a:rPr>
-              <a:t>外部状況監視</a:t>
+              <a:t>区間切替</a:t>
+            </a:r>
+            <a:r>
+              <a:rPr lang="ja-JP" altLang="en-US" sz="1050" dirty="0" smtClean="0">
+                <a:solidFill>
+                  <a:schemeClr val="tx1"/>
+                </a:solidFill>
+              </a:rPr>
+              <a:t>監視</a:t>
             </a:r>
             <a:r>
               <a:rPr lang="en-US" altLang="ja-JP" sz="1050" dirty="0" smtClean="0">
@@ -45976,13 +44859,13 @@
         </p:nvSpPr>
         <p:spPr>
           <a:xfrm>
-            <a:off x="5639991" y="3144416"/>
+            <a:off x="12048703" y="2911305"/>
             <a:ext cx="1152127" cy="432048"/>
           </a:xfrm>
           <a:prstGeom prst="wedgeRoundRectCallout">
             <a:avLst>
-              <a:gd name="adj1" fmla="val -176019"/>
-              <a:gd name="adj2" fmla="val 35364"/>
+              <a:gd name="adj1" fmla="val -188586"/>
+              <a:gd name="adj2" fmla="val 54764"/>
               <a:gd name="adj3" fmla="val 16667"/>
             </a:avLst>
           </a:prstGeom>
@@ -46055,70 +44938,42 @@
           </a:p>
         </p:txBody>
       </p:sp>
-      <p:pic>
-        <p:nvPicPr>
-          <p:cNvPr id="1026" name="Picture 2"/>
-          <p:cNvPicPr>
-            <a:picLocks noChangeAspect="1" noChangeArrowheads="1"/>
-          </p:cNvPicPr>
+      <p:cxnSp>
+        <p:nvCxnSpPr>
+          <p:cNvPr id="42" name="直線コネクタ 41"/>
+          <p:cNvCxnSpPr/>
           <p:nvPr/>
-        </p:nvPicPr>
-        <p:blipFill>
-          <a:blip r:embed="rId5" cstate="print">
-            <a:extLst>
-              <a:ext uri="{28A0092B-C50C-407E-A947-70E740481C1C}">
-                <a14:useLocalDpi xmlns:a14="http://schemas.microsoft.com/office/drawing/2010/main" val="0"/>
-              </a:ext>
-            </a:extLst>
-          </a:blip>
-          <a:srcRect/>
-          <a:stretch>
-            <a:fillRect/>
-          </a:stretch>
-        </p:blipFill>
-        <p:spPr bwMode="auto">
+        </p:nvCxnSpPr>
+        <p:spPr>
           <a:xfrm>
-            <a:off x="6854501" y="8256986"/>
-            <a:ext cx="1406573" cy="1273456"/>
+            <a:off x="7489209" y="5337104"/>
+            <a:ext cx="8982" cy="4264096"/>
           </a:xfrm>
-          <a:prstGeom prst="rect">
+          <a:prstGeom prst="line">
             <a:avLst/>
           </a:prstGeom>
-          <a:noFill/>
-          <a:ln>
-            <a:noFill/>
+          <a:ln w="25400">
+            <a:solidFill>
+              <a:schemeClr val="tx2"/>
+            </a:solidFill>
+            <a:prstDash val="dash"/>
           </a:ln>
-          <a:effectLst/>
-          <a:extLst>
-            <a:ext uri="{909E8E84-426E-40DD-AFC4-6F175D3DCCD1}">
-              <a14:hiddenFill xmlns:a14="http://schemas.microsoft.com/office/drawing/2010/main">
-                <a:solidFill>
-                  <a:schemeClr val="accent1"/>
-                </a:solidFill>
-              </a14:hiddenFill>
-            </a:ext>
-            <a:ext uri="{91240B29-F687-4F45-9708-019B960494DF}">
-              <a14:hiddenLine xmlns:a14="http://schemas.microsoft.com/office/drawing/2010/main" w="9525">
-                <a:solidFill>
-                  <a:schemeClr val="tx1"/>
-                </a:solidFill>
-                <a:miter lim="800000"/>
-                <a:headEnd/>
-                <a:tailEnd/>
-              </a14:hiddenLine>
-            </a:ext>
-            <a:ext uri="{AF507438-7753-43E0-B8FC-AC1667EBCBE1}">
-              <a14:hiddenEffects xmlns:a14="http://schemas.microsoft.com/office/drawing/2010/main">
-                <a:effectLst>
-                  <a:outerShdw dist="35921" dir="2700000" algn="ctr" rotWithShape="0">
-                    <a:schemeClr val="bg2"/>
-                  </a:outerShdw>
-                </a:effectLst>
-              </a14:hiddenEffects>
-            </a:ext>
-          </a:extLst>
         </p:spPr>
-      </p:pic>
+        <p:style>
+          <a:lnRef idx="1">
+            <a:schemeClr val="accent1"/>
+          </a:lnRef>
+          <a:fillRef idx="0">
+            <a:schemeClr val="accent1"/>
+          </a:fillRef>
+          <a:effectRef idx="0">
+            <a:schemeClr val="accent1"/>
+          </a:effectRef>
+          <a:fontRef idx="minor">
+            <a:schemeClr val="tx1"/>
+          </a:fontRef>
+        </p:style>
+      </p:cxnSp>
       <p:sp>
         <p:nvSpPr>
           <p:cNvPr id="79" name="角丸四角形吹き出し 78"/>
@@ -46127,13 +44982,13 @@
         </p:nvSpPr>
         <p:spPr>
           <a:xfrm>
-            <a:off x="4820544" y="7392888"/>
+            <a:off x="11556963" y="7102576"/>
             <a:ext cx="1885603" cy="543952"/>
           </a:xfrm>
           <a:prstGeom prst="wedgeRoundRectCallout">
             <a:avLst>
-              <a:gd name="adj1" fmla="val -11294"/>
-              <a:gd name="adj2" fmla="val 107614"/>
+              <a:gd name="adj1" fmla="val -9678"/>
+              <a:gd name="adj2" fmla="val 131429"/>
               <a:gd name="adj3" fmla="val 16667"/>
             </a:avLst>
           </a:prstGeom>
@@ -46165,31 +45020,7 @@
                 <a:ea typeface="メイリオ" pitchFamily="50" charset="-128"/>
                 <a:cs typeface="メイリオ" pitchFamily="50" charset="-128"/>
               </a:rPr>
-              <a:t>目標駆動パラメータシーケンスで</a:t>
-            </a:r>
-            <a:r>
-              <a:rPr lang="ja-JP" altLang="en-US" sz="800" dirty="0" smtClean="0">
-                <a:latin typeface="メイリオ" pitchFamily="50" charset="-128"/>
-                <a:ea typeface="メイリオ" pitchFamily="50" charset="-128"/>
-                <a:cs typeface="メイリオ" pitchFamily="50" charset="-128"/>
-              </a:rPr>
-              <a:t>は，駆動部</a:t>
-            </a:r>
-            <a:r>
-              <a:rPr lang="ja-JP" altLang="en-US" sz="800" dirty="0" smtClean="0">
-                <a:latin typeface="メイリオ" pitchFamily="50" charset="-128"/>
-                <a:ea typeface="メイリオ" pitchFamily="50" charset="-128"/>
-                <a:cs typeface="メイリオ" pitchFamily="50" charset="-128"/>
-              </a:rPr>
-              <a:t>の目標値を保持するクラスへの目標値の設定を</a:t>
-            </a:r>
-            <a:r>
-              <a:rPr lang="ja-JP" altLang="en-US" sz="800" dirty="0" smtClean="0">
-                <a:latin typeface="メイリオ" pitchFamily="50" charset="-128"/>
-                <a:ea typeface="メイリオ" pitchFamily="50" charset="-128"/>
-                <a:cs typeface="メイリオ" pitchFamily="50" charset="-128"/>
-              </a:rPr>
-              <a:t>行う．</a:t>
+              <a:t>目標駆動パラメータシーケンスでは，駆動部の目標値を保持するクラスへの目標値の設定を行う．</a:t>
             </a:r>
             <a:endParaRPr lang="ja-JP" altLang="en-US" sz="800" dirty="0">
               <a:latin typeface="メイリオ" pitchFamily="50" charset="-128"/>
@@ -46199,70 +45030,6 @@
           </a:p>
         </p:txBody>
       </p:sp>
-      <p:pic>
-        <p:nvPicPr>
-          <p:cNvPr id="1033" name="Picture 9"/>
-          <p:cNvPicPr>
-            <a:picLocks noChangeAspect="1" noChangeArrowheads="1"/>
-          </p:cNvPicPr>
-          <p:nvPr/>
-        </p:nvPicPr>
-        <p:blipFill>
-          <a:blip r:embed="rId6" cstate="print">
-            <a:extLst>
-              <a:ext uri="{28A0092B-C50C-407E-A947-70E740481C1C}">
-                <a14:useLocalDpi xmlns:a14="http://schemas.microsoft.com/office/drawing/2010/main" val="0"/>
-              </a:ext>
-            </a:extLst>
-          </a:blip>
-          <a:srcRect/>
-          <a:stretch>
-            <a:fillRect/>
-          </a:stretch>
-        </p:blipFill>
-        <p:spPr bwMode="auto">
-          <a:xfrm>
-            <a:off x="8281341" y="8256986"/>
-            <a:ext cx="1513074" cy="1172958"/>
-          </a:xfrm>
-          <a:prstGeom prst="rect">
-            <a:avLst/>
-          </a:prstGeom>
-          <a:noFill/>
-          <a:ln>
-            <a:noFill/>
-          </a:ln>
-          <a:effectLst/>
-          <a:extLst>
-            <a:ext uri="{909E8E84-426E-40DD-AFC4-6F175D3DCCD1}">
-              <a14:hiddenFill xmlns:a14="http://schemas.microsoft.com/office/drawing/2010/main">
-                <a:solidFill>
-                  <a:schemeClr val="accent1"/>
-                </a:solidFill>
-              </a14:hiddenFill>
-            </a:ext>
-            <a:ext uri="{91240B29-F687-4F45-9708-019B960494DF}">
-              <a14:hiddenLine xmlns:a14="http://schemas.microsoft.com/office/drawing/2010/main" w="9525">
-                <a:solidFill>
-                  <a:schemeClr val="tx1"/>
-                </a:solidFill>
-                <a:miter lim="800000"/>
-                <a:headEnd/>
-                <a:tailEnd/>
-              </a14:hiddenLine>
-            </a:ext>
-            <a:ext uri="{AF507438-7753-43E0-B8FC-AC1667EBCBE1}">
-              <a14:hiddenEffects xmlns:a14="http://schemas.microsoft.com/office/drawing/2010/main">
-                <a:effectLst>
-                  <a:outerShdw dist="35921" dir="2700000" algn="ctr" rotWithShape="0">
-                    <a:schemeClr val="bg2"/>
-                  </a:outerShdw>
-                </a:effectLst>
-              </a14:hiddenEffects>
-            </a:ext>
-          </a:extLst>
-        </p:spPr>
-      </p:pic>
       <p:sp>
         <p:nvSpPr>
           <p:cNvPr id="33" name="角丸四角形吹き出し 32"/>
@@ -46271,13 +45038,13 @@
         </p:nvSpPr>
         <p:spPr>
           <a:xfrm>
-            <a:off x="774908" y="8460704"/>
+            <a:off x="7548361" y="8391532"/>
             <a:ext cx="1768740" cy="660376"/>
           </a:xfrm>
           <a:prstGeom prst="wedgeRoundRectCallout">
             <a:avLst>
-              <a:gd name="adj1" fmla="val 63297"/>
-              <a:gd name="adj2" fmla="val -53420"/>
+              <a:gd name="adj1" fmla="val 46926"/>
+              <a:gd name="adj2" fmla="val -78806"/>
               <a:gd name="adj3" fmla="val 16667"/>
             </a:avLst>
           </a:prstGeom>
@@ -46319,70 +45086,539 @@
           </a:p>
         </p:txBody>
       </p:sp>
-      <p:pic>
-        <p:nvPicPr>
-          <p:cNvPr id="3077" name="Picture 5"/>
-          <p:cNvPicPr>
-            <a:picLocks noChangeAspect="1" noChangeArrowheads="1"/>
-          </p:cNvPicPr>
+      <p:grpSp>
+        <p:nvGrpSpPr>
+          <p:cNvPr id="11" name="グループ化 10"/>
+          <p:cNvGrpSpPr/>
           <p:nvPr/>
-        </p:nvPicPr>
-        <p:blipFill>
-          <a:blip r:embed="rId7">
+        </p:nvGrpSpPr>
+        <p:grpSpPr>
+          <a:xfrm>
+            <a:off x="686679" y="5318768"/>
+            <a:ext cx="7234698" cy="4083978"/>
+            <a:chOff x="6783137" y="5337104"/>
+            <a:chExt cx="7234698" cy="4083978"/>
+          </a:xfrm>
+        </p:grpSpPr>
+        <p:pic>
+          <p:nvPicPr>
+            <p:cNvPr id="1031" name="Picture 7"/>
+            <p:cNvPicPr>
+              <a:picLocks noChangeAspect="1" noChangeArrowheads="1"/>
+            </p:cNvPicPr>
+            <p:nvPr/>
+          </p:nvPicPr>
+          <p:blipFill>
+            <a:blip r:embed="rId4">
+              <a:extLst>
+                <a:ext uri="{28A0092B-C50C-407E-A947-70E740481C1C}">
+                  <a14:useLocalDpi xmlns:a14="http://schemas.microsoft.com/office/drawing/2010/main" val="0"/>
+                </a:ext>
+              </a:extLst>
+            </a:blip>
+            <a:srcRect/>
+            <a:stretch>
+              <a:fillRect/>
+            </a:stretch>
+          </p:blipFill>
+          <p:spPr bwMode="auto">
+            <a:xfrm>
+              <a:off x="9833998" y="6408882"/>
+              <a:ext cx="3575788" cy="2511963"/>
+            </a:xfrm>
+            <a:prstGeom prst="rect">
+              <a:avLst/>
+            </a:prstGeom>
+            <a:noFill/>
+            <a:ln>
+              <a:noFill/>
+            </a:ln>
+            <a:effectLst/>
             <a:extLst>
-              <a:ext uri="{28A0092B-C50C-407E-A947-70E740481C1C}">
-                <a14:useLocalDpi xmlns:a14="http://schemas.microsoft.com/office/drawing/2010/main" val="0"/>
+              <a:ext uri="{909E8E84-426E-40DD-AFC4-6F175D3DCCD1}">
+                <a14:hiddenFill xmlns:a14="http://schemas.microsoft.com/office/drawing/2010/main">
+                  <a:solidFill>
+                    <a:schemeClr val="accent1"/>
+                  </a:solidFill>
+                </a14:hiddenFill>
+              </a:ext>
+              <a:ext uri="{91240B29-F687-4F45-9708-019B960494DF}">
+                <a14:hiddenLine xmlns:a14="http://schemas.microsoft.com/office/drawing/2010/main" w="9525">
+                  <a:solidFill>
+                    <a:schemeClr val="tx1"/>
+                  </a:solidFill>
+                  <a:miter lim="800000"/>
+                  <a:headEnd/>
+                  <a:tailEnd/>
+                </a14:hiddenLine>
+              </a:ext>
+              <a:ext uri="{AF507438-7753-43E0-B8FC-AC1667EBCBE1}">
+                <a14:hiddenEffects xmlns:a14="http://schemas.microsoft.com/office/drawing/2010/main">
+                  <a:effectLst>
+                    <a:outerShdw dist="35921" dir="2700000" algn="ctr" rotWithShape="0">
+                      <a:schemeClr val="bg2"/>
+                    </a:outerShdw>
+                  </a:effectLst>
+                </a14:hiddenEffects>
               </a:ext>
             </a:extLst>
-          </a:blip>
-          <a:srcRect/>
-          <a:stretch>
-            <a:fillRect/>
-          </a:stretch>
-        </p:blipFill>
-        <p:spPr bwMode="auto">
+          </p:spPr>
+        </p:pic>
+        <p:sp>
+          <p:nvSpPr>
+            <p:cNvPr id="46" name="正方形/長方形 45"/>
+            <p:cNvSpPr/>
+            <p:nvPr/>
+          </p:nvSpPr>
+          <p:spPr>
+            <a:xfrm>
+              <a:off x="9749837" y="5736704"/>
+              <a:ext cx="4267998" cy="415498"/>
+            </a:xfrm>
+            <a:prstGeom prst="rect">
+              <a:avLst/>
+            </a:prstGeom>
+          </p:spPr>
+          <p:txBody>
+            <a:bodyPr wrap="square">
+              <a:spAutoFit/>
+            </a:bodyPr>
+            <a:lstStyle/>
+            <a:p>
+              <a:r>
+                <a:rPr lang="ja-JP" altLang="en-US" sz="1050" dirty="0"/>
+                <a:t>別タスクで起動する２つの振る舞い</a:t>
+              </a:r>
+              <a:r>
+                <a:rPr lang="ja-JP" altLang="en-US" sz="1050" dirty="0" smtClean="0"/>
+                <a:t>から</a:t>
+              </a:r>
+              <a:r>
+                <a:rPr lang="en-US" altLang="ja-JP" sz="1050" dirty="0" smtClean="0"/>
+                <a:t/>
+              </a:r>
+              <a:br>
+                <a:rPr lang="en-US" altLang="ja-JP" sz="1050" dirty="0" smtClean="0"/>
+              </a:br>
+              <a:r>
+                <a:rPr lang="ja-JP" altLang="en-US" sz="1050" dirty="0" smtClean="0"/>
+                <a:t>走行</a:t>
+              </a:r>
+              <a:r>
+                <a:rPr lang="ja-JP" altLang="en-US" sz="1050" dirty="0"/>
+                <a:t>システムが構成</a:t>
+              </a:r>
+              <a:r>
+                <a:rPr lang="ja-JP" altLang="en-US" sz="1050" dirty="0" smtClean="0"/>
+                <a:t>される．</a:t>
+              </a:r>
+              <a:endParaRPr lang="ja-JP" altLang="en-US" sz="1050" dirty="0"/>
+            </a:p>
+          </p:txBody>
+        </p:sp>
+        <p:sp>
+          <p:nvSpPr>
+            <p:cNvPr id="54" name="テキスト ボックス 53"/>
+            <p:cNvSpPr txBox="1"/>
+            <p:nvPr/>
+          </p:nvSpPr>
+          <p:spPr>
+            <a:xfrm>
+              <a:off x="9739012" y="5337104"/>
+              <a:ext cx="3845226" cy="399600"/>
+            </a:xfrm>
+            <a:prstGeom prst="rect">
+              <a:avLst/>
+            </a:prstGeom>
+            <a:gradFill>
+              <a:gsLst>
+                <a:gs pos="0">
+                  <a:schemeClr val="accent3"/>
+                </a:gs>
+                <a:gs pos="50000">
+                  <a:schemeClr val="accent3">
+                    <a:lumMod val="60000"/>
+                    <a:lumOff val="40000"/>
+                  </a:schemeClr>
+                </a:gs>
+                <a:gs pos="100000">
+                  <a:schemeClr val="accent3">
+                    <a:lumMod val="40000"/>
+                    <a:lumOff val="60000"/>
+                  </a:schemeClr>
+                </a:gs>
+              </a:gsLst>
+              <a:lin ang="0" scaled="1"/>
+            </a:gradFill>
+            <a:ln>
+              <a:noFill/>
+            </a:ln>
+          </p:spPr>
+          <p:style>
+            <a:lnRef idx="2">
+              <a:schemeClr val="accent1">
+                <a:shade val="50000"/>
+              </a:schemeClr>
+            </a:lnRef>
+            <a:fillRef idx="1">
+              <a:schemeClr val="accent1"/>
+            </a:fillRef>
+            <a:effectRef idx="0">
+              <a:schemeClr val="accent1"/>
+            </a:effectRef>
+            <a:fontRef idx="minor">
+              <a:schemeClr val="lt1"/>
+            </a:fontRef>
+          </p:style>
+          <p:txBody>
+            <a:bodyPr wrap="square" rtlCol="0">
+              <a:spAutoFit/>
+            </a:bodyPr>
+            <a:lstStyle/>
+            <a:p>
+              <a:r>
+                <a:rPr kumimoji="1" lang="ja-JP" altLang="en-US" sz="2000" dirty="0" smtClean="0">
+                  <a:effectLst>
+                    <a:outerShdw blurRad="38100" dist="38100" dir="2700000" algn="tl">
+                      <a:srgbClr val="000000">
+                        <a:alpha val="43137"/>
+                      </a:srgbClr>
+                    </a:outerShdw>
+                  </a:effectLst>
+                  <a:latin typeface="HGP創英角ﾎﾟｯﾌﾟ体" pitchFamily="50" charset="-128"/>
+                  <a:ea typeface="HGP創英角ﾎﾟｯﾌﾟ体" pitchFamily="50" charset="-128"/>
+                </a:rPr>
+                <a:t>振る舞い</a:t>
+              </a:r>
+              <a:endParaRPr kumimoji="1" lang="ja-JP" altLang="en-US" sz="2000" dirty="0">
+                <a:effectLst>
+                  <a:outerShdw blurRad="38100" dist="38100" dir="2700000" algn="tl">
+                    <a:srgbClr val="000000">
+                      <a:alpha val="43137"/>
+                    </a:srgbClr>
+                  </a:outerShdw>
+                </a:effectLst>
+                <a:latin typeface="HGP創英角ﾎﾟｯﾌﾟ体" pitchFamily="50" charset="-128"/>
+                <a:ea typeface="HGP創英角ﾎﾟｯﾌﾟ体" pitchFamily="50" charset="-128"/>
+              </a:endParaRPr>
+            </a:p>
+          </p:txBody>
+        </p:sp>
+        <p:grpSp>
+          <p:nvGrpSpPr>
+            <p:cNvPr id="9" name="グループ化 8"/>
+            <p:cNvGrpSpPr/>
+            <p:nvPr/>
+          </p:nvGrpSpPr>
+          <p:grpSpPr>
+            <a:xfrm>
+              <a:off x="6783137" y="5337104"/>
+              <a:ext cx="2955875" cy="4083978"/>
+              <a:chOff x="6783137" y="5337104"/>
+              <a:chExt cx="2955875" cy="4083978"/>
+            </a:xfrm>
+          </p:grpSpPr>
+          <p:sp>
+            <p:nvSpPr>
+              <p:cNvPr id="47" name="テキスト ボックス 46"/>
+              <p:cNvSpPr txBox="1"/>
+              <p:nvPr/>
+            </p:nvSpPr>
+            <p:spPr>
+              <a:xfrm>
+                <a:off x="6783137" y="5337104"/>
+                <a:ext cx="2955875" cy="399600"/>
+              </a:xfrm>
+              <a:prstGeom prst="rect">
+                <a:avLst/>
+              </a:prstGeom>
+              <a:gradFill>
+                <a:gsLst>
+                  <a:gs pos="0">
+                    <a:schemeClr val="accent3"/>
+                  </a:gs>
+                  <a:gs pos="50000">
+                    <a:schemeClr val="accent3">
+                      <a:lumMod val="60000"/>
+                      <a:lumOff val="40000"/>
+                    </a:schemeClr>
+                  </a:gs>
+                  <a:gs pos="100000">
+                    <a:schemeClr val="accent3">
+                      <a:lumMod val="40000"/>
+                      <a:lumOff val="60000"/>
+                    </a:schemeClr>
+                  </a:gs>
+                </a:gsLst>
+                <a:lin ang="0" scaled="1"/>
+              </a:gradFill>
+              <a:ln>
+                <a:noFill/>
+              </a:ln>
+            </p:spPr>
+            <p:style>
+              <a:lnRef idx="2">
+                <a:schemeClr val="accent1">
+                  <a:shade val="50000"/>
+                </a:schemeClr>
+              </a:lnRef>
+              <a:fillRef idx="1">
+                <a:schemeClr val="accent1"/>
+              </a:fillRef>
+              <a:effectRef idx="0">
+                <a:schemeClr val="accent1"/>
+              </a:effectRef>
+              <a:fontRef idx="minor">
+                <a:schemeClr val="lt1"/>
+              </a:fontRef>
+            </p:style>
+            <p:txBody>
+              <a:bodyPr wrap="square" rtlCol="0">
+                <a:spAutoFit/>
+              </a:bodyPr>
+              <a:lstStyle/>
+              <a:p>
+                <a:r>
+                  <a:rPr kumimoji="1" lang="ja-JP" altLang="en-US" sz="2000" dirty="0" smtClean="0">
+                    <a:effectLst>
+                      <a:outerShdw blurRad="38100" dist="38100" dir="2700000" algn="tl">
+                        <a:srgbClr val="000000">
+                          <a:alpha val="43137"/>
+                        </a:srgbClr>
+                      </a:outerShdw>
+                    </a:effectLst>
+                    <a:latin typeface="HGP創英角ﾎﾟｯﾌﾟ体" pitchFamily="50" charset="-128"/>
+                    <a:ea typeface="HGP創英角ﾎﾟｯﾌﾟ体" pitchFamily="50" charset="-128"/>
+                  </a:rPr>
+                  <a:t>構造</a:t>
+                </a:r>
+                <a:endParaRPr kumimoji="1" lang="ja-JP" altLang="en-US" sz="2000" dirty="0">
+                  <a:effectLst>
+                    <a:outerShdw blurRad="38100" dist="38100" dir="2700000" algn="tl">
+                      <a:srgbClr val="000000">
+                        <a:alpha val="43137"/>
+                      </a:srgbClr>
+                    </a:outerShdw>
+                  </a:effectLst>
+                  <a:latin typeface="HGP創英角ﾎﾟｯﾌﾟ体" pitchFamily="50" charset="-128"/>
+                  <a:ea typeface="HGP創英角ﾎﾟｯﾌﾟ体" pitchFamily="50" charset="-128"/>
+                </a:endParaRPr>
+              </a:p>
+            </p:txBody>
+          </p:sp>
+          <p:pic>
+            <p:nvPicPr>
+              <p:cNvPr id="1034" name="Picture 10"/>
+              <p:cNvPicPr>
+                <a:picLocks noChangeAspect="1" noChangeArrowheads="1"/>
+              </p:cNvPicPr>
+              <p:nvPr/>
+            </p:nvPicPr>
+            <p:blipFill>
+              <a:blip r:embed="rId5">
+                <a:extLst>
+                  <a:ext uri="{28A0092B-C50C-407E-A947-70E740481C1C}">
+                    <a14:useLocalDpi xmlns:a14="http://schemas.microsoft.com/office/drawing/2010/main" val="0"/>
+                  </a:ext>
+                </a:extLst>
+              </a:blip>
+              <a:srcRect/>
+              <a:stretch>
+                <a:fillRect/>
+              </a:stretch>
+            </p:blipFill>
+            <p:spPr bwMode="auto">
+              <a:xfrm>
+                <a:off x="6898272" y="6152202"/>
+                <a:ext cx="2655845" cy="3268880"/>
+              </a:xfrm>
+              <a:prstGeom prst="rect">
+                <a:avLst/>
+              </a:prstGeom>
+              <a:noFill/>
+              <a:ln>
+                <a:noFill/>
+              </a:ln>
+              <a:effectLst/>
+              <a:extLst>
+                <a:ext uri="{909E8E84-426E-40DD-AFC4-6F175D3DCCD1}">
+                  <a14:hiddenFill xmlns:a14="http://schemas.microsoft.com/office/drawing/2010/main">
+                    <a:solidFill>
+                      <a:schemeClr val="accent1"/>
+                    </a:solidFill>
+                  </a14:hiddenFill>
+                </a:ext>
+                <a:ext uri="{91240B29-F687-4F45-9708-019B960494DF}">
+                  <a14:hiddenLine xmlns:a14="http://schemas.microsoft.com/office/drawing/2010/main" w="9525">
+                    <a:solidFill>
+                      <a:schemeClr val="tx1"/>
+                    </a:solidFill>
+                    <a:miter lim="800000"/>
+                    <a:headEnd/>
+                    <a:tailEnd/>
+                  </a14:hiddenLine>
+                </a:ext>
+                <a:ext uri="{AF507438-7753-43E0-B8FC-AC1667EBCBE1}">
+                  <a14:hiddenEffects xmlns:a14="http://schemas.microsoft.com/office/drawing/2010/main">
+                    <a:effectLst>
+                      <a:outerShdw dist="35921" dir="2700000" algn="ctr" rotWithShape="0">
+                        <a:schemeClr val="bg2"/>
+                      </a:outerShdw>
+                    </a:effectLst>
+                  </a14:hiddenEffects>
+                </a:ext>
+              </a:extLst>
+            </p:spPr>
+          </p:pic>
+          <p:sp>
+            <p:nvSpPr>
+              <p:cNvPr id="45" name="テキスト ボックス 44"/>
+              <p:cNvSpPr txBox="1"/>
+              <p:nvPr/>
+            </p:nvSpPr>
+            <p:spPr>
+              <a:xfrm>
+                <a:off x="6952050" y="5805914"/>
+                <a:ext cx="2494509" cy="369332"/>
+              </a:xfrm>
+              <a:prstGeom prst="rect">
+                <a:avLst/>
+              </a:prstGeom>
+              <a:noFill/>
+            </p:spPr>
+            <p:txBody>
+              <a:bodyPr wrap="square" rtlCol="0">
+                <a:spAutoFit/>
+              </a:bodyPr>
+              <a:lstStyle/>
+              <a:p>
+                <a:r>
+                  <a:rPr lang="ja-JP" altLang="en-US" sz="900" dirty="0" smtClean="0"/>
+                  <a:t>導出した２つのタスクの構造と</a:t>
+                </a:r>
+                <a:r>
+                  <a:rPr lang="en-US" altLang="ja-JP" sz="900" dirty="0" smtClean="0"/>
+                  <a:t/>
+                </a:r>
+                <a:br>
+                  <a:rPr lang="en-US" altLang="ja-JP" sz="900" dirty="0" smtClean="0"/>
+                </a:br>
+                <a:r>
+                  <a:rPr lang="ja-JP" altLang="en-US" sz="900" dirty="0" smtClean="0"/>
+                  <a:t>呼び出し関係を示した</a:t>
+                </a:r>
+                <a:r>
+                  <a:rPr lang="en-US" altLang="ja-JP" sz="900" dirty="0" smtClean="0"/>
+                  <a:t>.</a:t>
+                </a:r>
+                <a:endParaRPr kumimoji="1" lang="ja-JP" altLang="en-US" sz="900" dirty="0"/>
+              </a:p>
+            </p:txBody>
+          </p:sp>
+        </p:grpSp>
+      </p:grpSp>
+      <p:sp>
+        <p:nvSpPr>
+          <p:cNvPr id="18" name="テキスト ボックス 17"/>
+          <p:cNvSpPr txBox="1"/>
+          <p:nvPr/>
+        </p:nvSpPr>
+        <p:spPr>
           <a:xfrm>
-            <a:off x="6938183" y="5760000"/>
-            <a:ext cx="2639167" cy="2107445"/>
+            <a:off x="7491953" y="5318768"/>
+            <a:ext cx="6102737" cy="399600"/>
           </a:xfrm>
           <a:prstGeom prst="rect">
             <a:avLst/>
           </a:prstGeom>
-          <a:noFill/>
+          <a:gradFill>
+            <a:gsLst>
+              <a:gs pos="0">
+                <a:schemeClr val="accent3"/>
+              </a:gs>
+              <a:gs pos="50000">
+                <a:schemeClr val="accent3">
+                  <a:lumMod val="60000"/>
+                  <a:lumOff val="40000"/>
+                </a:schemeClr>
+              </a:gs>
+              <a:gs pos="100000">
+                <a:schemeClr val="accent3">
+                  <a:lumMod val="40000"/>
+                  <a:lumOff val="60000"/>
+                </a:schemeClr>
+              </a:gs>
+            </a:gsLst>
+            <a:lin ang="0" scaled="1"/>
+          </a:gradFill>
           <a:ln>
             <a:noFill/>
           </a:ln>
-          <a:effectLst/>
-          <a:extLst>
-            <a:ext uri="{909E8E84-426E-40DD-AFC4-6F175D3DCCD1}">
-              <a14:hiddenFill xmlns:a14="http://schemas.microsoft.com/office/drawing/2010/main">
-                <a:solidFill>
-                  <a:schemeClr val="accent1"/>
-                </a:solidFill>
-              </a14:hiddenFill>
-            </a:ext>
-            <a:ext uri="{91240B29-F687-4F45-9708-019B960494DF}">
-              <a14:hiddenLine xmlns:a14="http://schemas.microsoft.com/office/drawing/2010/main" w="9525">
-                <a:solidFill>
-                  <a:schemeClr val="tx1"/>
-                </a:solidFill>
-                <a:miter lim="800000"/>
-                <a:headEnd/>
-                <a:tailEnd/>
-              </a14:hiddenLine>
-            </a:ext>
-            <a:ext uri="{AF507438-7753-43E0-B8FC-AC1667EBCBE1}">
-              <a14:hiddenEffects xmlns:a14="http://schemas.microsoft.com/office/drawing/2010/main">
+        </p:spPr>
+        <p:style>
+          <a:lnRef idx="2">
+            <a:schemeClr val="accent1">
+              <a:shade val="50000"/>
+            </a:schemeClr>
+          </a:lnRef>
+          <a:fillRef idx="1">
+            <a:schemeClr val="accent1"/>
+          </a:fillRef>
+          <a:effectRef idx="0">
+            <a:schemeClr val="accent1"/>
+          </a:effectRef>
+          <a:fontRef idx="minor">
+            <a:schemeClr val="lt1"/>
+          </a:fontRef>
+        </p:style>
+        <p:txBody>
+          <a:bodyPr wrap="square" rtlCol="0">
+            <a:spAutoFit/>
+          </a:bodyPr>
+          <a:lstStyle/>
+          <a:p>
+            <a:r>
+              <a:rPr lang="ja-JP" altLang="en-US" sz="2000" dirty="0" smtClean="0">
                 <a:effectLst>
-                  <a:outerShdw dist="35921" dir="2700000" algn="ctr" rotWithShape="0">
-                    <a:schemeClr val="bg2"/>
+                  <a:outerShdw blurRad="38100" dist="38100" dir="2700000" algn="tl">
+                    <a:srgbClr val="000000">
+                      <a:alpha val="43137"/>
+                    </a:srgbClr>
                   </a:outerShdw>
                 </a:effectLst>
-              </a14:hiddenEffects>
-            </a:ext>
-          </a:extLst>
-        </p:spPr>
-      </p:pic>
+                <a:latin typeface="HGP創英角ﾎﾟｯﾌﾟ体" pitchFamily="50" charset="-128"/>
+                <a:ea typeface="HGP創英角ﾎﾟｯﾌﾟ体" pitchFamily="50" charset="-128"/>
+              </a:rPr>
+              <a:t>区間切替</a:t>
+            </a:r>
+            <a:r>
+              <a:rPr lang="ja-JP" altLang="en-US" sz="2000" dirty="0">
+                <a:effectLst>
+                  <a:outerShdw blurRad="38100" dist="38100" dir="2700000" algn="tl">
+                    <a:srgbClr val="000000">
+                      <a:alpha val="43137"/>
+                    </a:srgbClr>
+                  </a:outerShdw>
+                </a:effectLst>
+                <a:latin typeface="HGP創英角ﾎﾟｯﾌﾟ体" pitchFamily="50" charset="-128"/>
+                <a:ea typeface="HGP創英角ﾎﾟｯﾌﾟ体" pitchFamily="50" charset="-128"/>
+              </a:rPr>
+              <a:t>シーケンス</a:t>
+            </a:r>
+            <a:endParaRPr kumimoji="1" lang="ja-JP" altLang="en-US" sz="2000" dirty="0">
+              <a:effectLst>
+                <a:outerShdw blurRad="38100" dist="38100" dir="2700000" algn="tl">
+                  <a:srgbClr val="000000">
+                    <a:alpha val="43137"/>
+                  </a:srgbClr>
+                </a:outerShdw>
+              </a:effectLst>
+              <a:latin typeface="HGP創英角ﾎﾟｯﾌﾟ体" pitchFamily="50" charset="-128"/>
+              <a:ea typeface="HGP創英角ﾎﾟｯﾌﾟ体" pitchFamily="50" charset="-128"/>
+            </a:endParaRPr>
+          </a:p>
+        </p:txBody>
+      </p:sp>
     </p:spTree>
     <p:extLst>
       <p:ext uri="{BB962C8B-B14F-4D97-AF65-F5344CB8AC3E}">
@@ -47729,19 +46965,7 @@
               <a:rPr lang="ja-JP" altLang="en-US" sz="1050" dirty="0" smtClean="0">
                 <a:latin typeface="+mn-ea"/>
               </a:rPr>
-              <a:t>走行体が落下した際に走行体が後傾姿勢になる傾向が</a:t>
-            </a:r>
-            <a:r>
-              <a:rPr lang="ja-JP" altLang="en-US" sz="1050" dirty="0" smtClean="0">
-                <a:latin typeface="+mn-ea"/>
-              </a:rPr>
-              <a:t>ある．そこで，落下</a:t>
-            </a:r>
-            <a:r>
-              <a:rPr lang="ja-JP" altLang="en-US" sz="1050" dirty="0" smtClean="0">
-                <a:latin typeface="+mn-ea"/>
-              </a:rPr>
-              <a:t>時の衝撃を検知した際に</a:t>
+              <a:t>走行体が落下した際に走行体が後傾姿勢になる傾向がある．そこで，落下時の衝撃を検知した際に</a:t>
             </a:r>
             <a:r>
               <a:rPr lang="en-US" altLang="ja-JP" sz="1050" dirty="0" smtClean="0">
@@ -48040,19 +47264,7 @@
               <a:rPr lang="ja-JP" altLang="en-US" sz="1050" dirty="0" smtClean="0">
                 <a:latin typeface="+mn-ea"/>
               </a:rPr>
-              <a:t>シーソーの角度によって走行体が姿勢を維持することが難しく</a:t>
-            </a:r>
-            <a:r>
-              <a:rPr lang="ja-JP" altLang="en-US" sz="1050" dirty="0" smtClean="0">
-                <a:latin typeface="+mn-ea"/>
-              </a:rPr>
-              <a:t>なる．また，シーソー</a:t>
-            </a:r>
-            <a:r>
-              <a:rPr lang="ja-JP" altLang="en-US" sz="1050" dirty="0" smtClean="0">
-                <a:latin typeface="+mn-ea"/>
-              </a:rPr>
-              <a:t>が降下した際に</a:t>
+              <a:t>シーソーの角度によって走行体が姿勢を維持することが難しくなる．また，シーソーが降下した際に</a:t>
             </a:r>
             <a:endParaRPr lang="en-US" altLang="ja-JP" sz="1050" dirty="0" smtClean="0">
               <a:latin typeface="+mn-ea"/>
@@ -48734,19 +47946,7 @@
               <a:rPr lang="ja-JP" altLang="en-US" sz="1050" dirty="0" smtClean="0">
                 <a:latin typeface="+mn-ea"/>
               </a:rPr>
-              <a:t>そこ</a:t>
-            </a:r>
-            <a:r>
-              <a:rPr lang="ja-JP" altLang="en-US" sz="1050" dirty="0" smtClean="0">
-                <a:latin typeface="+mn-ea"/>
-              </a:rPr>
-              <a:t>で，輝度値</a:t>
-            </a:r>
-            <a:r>
-              <a:rPr lang="ja-JP" altLang="en-US" sz="1050" dirty="0" smtClean="0">
-                <a:latin typeface="+mn-ea"/>
-              </a:rPr>
-              <a:t>変化が発生した瞬間の傾向を調べ</a:t>
+              <a:t>そこで，輝度値変化が発生した瞬間の傾向を調べ</a:t>
             </a:r>
             <a:r>
               <a:rPr lang="en-US" altLang="ja-JP" sz="1050" dirty="0" smtClean="0">
@@ -50920,15 +50120,7 @@
                 <a:ea typeface="メイリオ" pitchFamily="50" charset="-128"/>
                 <a:cs typeface="メイリオ" pitchFamily="50" charset="-128"/>
               </a:rPr>
-              <a:t>階段，シーソクリア後</a:t>
-            </a:r>
-            <a:r>
-              <a:rPr lang="ja-JP" altLang="en-US" sz="1050" dirty="0" smtClean="0">
-                <a:latin typeface="メイリオ" pitchFamily="50" charset="-128"/>
-                <a:ea typeface="メイリオ" pitchFamily="50" charset="-128"/>
-                <a:cs typeface="メイリオ" pitchFamily="50" charset="-128"/>
-              </a:rPr>
-              <a:t>はラインを見失うことがある</a:t>
+              <a:t>階段，シーソクリア後はラインを見失うことがある</a:t>
             </a:r>
             <a:r>
               <a:rPr lang="en-US" altLang="ja-JP" sz="1050" dirty="0" smtClean="0">
@@ -58775,7 +57967,15 @@
                 <a:ea typeface="メイリオ" pitchFamily="50" charset="-128"/>
                 <a:cs typeface="メイリオ" pitchFamily="50" charset="-128"/>
               </a:rPr>
-              <a:t>エッジ上に落下した場合</a:t>
+              <a:t>エッジ上に落下した場合でも，エッジ検出回数は</a:t>
+            </a:r>
+            <a:r>
+              <a:rPr lang="en-US" altLang="ja-JP" sz="900" b="1" dirty="0" smtClean="0">
+                <a:latin typeface="メイリオ" pitchFamily="50" charset="-128"/>
+                <a:ea typeface="メイリオ" pitchFamily="50" charset="-128"/>
+                <a:cs typeface="メイリオ" pitchFamily="50" charset="-128"/>
+              </a:rPr>
+              <a:t>2</a:t>
             </a:r>
             <a:r>
               <a:rPr lang="ja-JP" altLang="en-US" sz="900" b="1" dirty="0" smtClean="0">
@@ -58783,47 +57983,7 @@
                 <a:ea typeface="メイリオ" pitchFamily="50" charset="-128"/>
                 <a:cs typeface="メイリオ" pitchFamily="50" charset="-128"/>
               </a:rPr>
-              <a:t>でも，エッジ</a:t>
-            </a:r>
-            <a:r>
-              <a:rPr lang="ja-JP" altLang="en-US" sz="900" b="1" dirty="0" smtClean="0">
-                <a:latin typeface="メイリオ" pitchFamily="50" charset="-128"/>
-                <a:ea typeface="メイリオ" pitchFamily="50" charset="-128"/>
-                <a:cs typeface="メイリオ" pitchFamily="50" charset="-128"/>
-              </a:rPr>
-              <a:t>検出回数は</a:t>
-            </a:r>
-            <a:r>
-              <a:rPr lang="en-US" altLang="ja-JP" sz="900" b="1" dirty="0" smtClean="0">
-                <a:latin typeface="メイリオ" pitchFamily="50" charset="-128"/>
-                <a:ea typeface="メイリオ" pitchFamily="50" charset="-128"/>
-                <a:cs typeface="メイリオ" pitchFamily="50" charset="-128"/>
-              </a:rPr>
-              <a:t>2</a:t>
-            </a:r>
-            <a:r>
-              <a:rPr lang="ja-JP" altLang="en-US" sz="900" b="1" dirty="0" smtClean="0">
-                <a:latin typeface="メイリオ" pitchFamily="50" charset="-128"/>
-                <a:ea typeface="メイリオ" pitchFamily="50" charset="-128"/>
-                <a:cs typeface="メイリオ" pitchFamily="50" charset="-128"/>
-              </a:rPr>
-              <a:t>回未満になる</a:t>
-            </a:r>
-            <a:r>
-              <a:rPr lang="ja-JP" altLang="en-US" sz="900" b="1" dirty="0" smtClean="0">
-                <a:latin typeface="メイリオ" pitchFamily="50" charset="-128"/>
-                <a:ea typeface="メイリオ" pitchFamily="50" charset="-128"/>
-                <a:cs typeface="メイリオ" pitchFamily="50" charset="-128"/>
-              </a:rPr>
-              <a:t>ので，右</a:t>
-            </a:r>
-            <a:r>
-              <a:rPr lang="ja-JP" altLang="en-US" sz="900" b="1" dirty="0" smtClean="0">
-                <a:latin typeface="メイリオ" pitchFamily="50" charset="-128"/>
-                <a:ea typeface="メイリオ" pitchFamily="50" charset="-128"/>
-                <a:cs typeface="メイリオ" pitchFamily="50" charset="-128"/>
-              </a:rPr>
-              <a:t>エッジに復帰することが可能である</a:t>
+              <a:t>回未満になるので，右エッジに復帰することが可能である</a:t>
             </a:r>
             <a:endParaRPr kumimoji="1" lang="ja-JP" altLang="en-US" sz="900" b="1" dirty="0">
               <a:latin typeface="メイリオ" pitchFamily="50" charset="-128"/>

--- a/models/モデルシートHOMMAv3.pptx
+++ b/models/モデルシートHOMMAv3.pptx
@@ -12,7 +12,7 @@
     <p:sldId id="267" r:id="rId3"/>
     <p:sldId id="266" r:id="rId4"/>
     <p:sldId id="263" r:id="rId5"/>
-    <p:sldId id="271" r:id="rId6"/>
+    <p:sldId id="272" r:id="rId6"/>
     <p:sldId id="265" r:id="rId7"/>
   </p:sldIdLst>
   <p:sldSz cx="13584238" cy="9601200"/>
@@ -27668,11 +27668,11 @@
           <c:showPercent val="0"/>
           <c:showBubbleSize val="0"/>
         </c:dLbls>
-        <c:axId val="67107008"/>
-        <c:axId val="93233152"/>
+        <c:axId val="38009024"/>
+        <c:axId val="38133760"/>
       </c:scatterChart>
       <c:valAx>
-        <c:axId val="67107008"/>
+        <c:axId val="38009024"/>
         <c:scaling>
           <c:orientation val="minMax"/>
         </c:scaling>
@@ -27682,12 +27682,12 @@
         <c:majorTickMark val="out"/>
         <c:minorTickMark val="none"/>
         <c:tickLblPos val="nextTo"/>
-        <c:crossAx val="93233152"/>
+        <c:crossAx val="38133760"/>
         <c:crosses val="autoZero"/>
         <c:crossBetween val="midCat"/>
       </c:valAx>
       <c:valAx>
-        <c:axId val="93233152"/>
+        <c:axId val="38133760"/>
         <c:scaling>
           <c:orientation val="minMax"/>
         </c:scaling>
@@ -27697,7 +27697,7 @@
         <c:majorTickMark val="out"/>
         <c:minorTickMark val="none"/>
         <c:tickLblPos val="nextTo"/>
-        <c:crossAx val="67107008"/>
+        <c:crossAx val="38009024"/>
         <c:crosses val="autoZero"/>
         <c:crossBetween val="midCat"/>
       </c:valAx>
@@ -27920,11 +27920,11 @@
         </c:dLbls>
         <c:marker val="1"/>
         <c:smooth val="0"/>
-        <c:axId val="131629056"/>
-        <c:axId val="93237184"/>
+        <c:axId val="117997568"/>
+        <c:axId val="38137792"/>
       </c:lineChart>
       <c:catAx>
-        <c:axId val="131629056"/>
+        <c:axId val="117997568"/>
         <c:scaling>
           <c:orientation val="minMax"/>
         </c:scaling>
@@ -27933,7 +27933,7 @@
         <c:majorTickMark val="out"/>
         <c:minorTickMark val="none"/>
         <c:tickLblPos val="nextTo"/>
-        <c:crossAx val="93237184"/>
+        <c:crossAx val="38137792"/>
         <c:crosses val="autoZero"/>
         <c:auto val="1"/>
         <c:lblAlgn val="ctr"/>
@@ -27941,7 +27941,7 @@
         <c:noMultiLvlLbl val="0"/>
       </c:catAx>
       <c:valAx>
-        <c:axId val="93237184"/>
+        <c:axId val="38137792"/>
         <c:scaling>
           <c:orientation val="minMax"/>
         </c:scaling>
@@ -27952,7 +27952,7 @@
         <c:majorTickMark val="out"/>
         <c:minorTickMark val="none"/>
         <c:tickLblPos val="nextTo"/>
-        <c:crossAx val="131629056"/>
+        <c:crossAx val="117997568"/>
         <c:crosses val="autoZero"/>
         <c:crossBetween val="between"/>
       </c:valAx>
@@ -28646,7 +28646,7 @@
           <a:p>
             <a:fld id="{813C8227-C5FA-4F90-9691-3E218BF9FA91}" type="datetimeFigureOut">
               <a:rPr kumimoji="1" lang="ja-JP" altLang="en-US" smtClean="0"/>
-              <a:t>2012/9/10</a:t>
+              <a:t>2012/9/11</a:t>
             </a:fld>
             <a:endParaRPr kumimoji="1" lang="ja-JP" altLang="en-US"/>
           </a:p>
@@ -29402,7 +29402,7 @@
           <a:p>
             <a:fld id="{C474B4CA-5347-4033-9CF6-D10F59E92A5D}" type="datetimeFigureOut">
               <a:rPr kumimoji="1" lang="ja-JP" altLang="en-US" smtClean="0"/>
-              <a:t>2012/9/10</a:t>
+              <a:t>2012/9/11</a:t>
             </a:fld>
             <a:endParaRPr kumimoji="1" lang="ja-JP" altLang="en-US"/>
           </a:p>
@@ -30302,7 +30302,7 @@
           <a:p>
             <a:fld id="{C474B4CA-5347-4033-9CF6-D10F59E92A5D}" type="datetimeFigureOut">
               <a:rPr kumimoji="1" lang="ja-JP" altLang="en-US" smtClean="0"/>
-              <a:t>2012/9/10</a:t>
+              <a:t>2012/9/11</a:t>
             </a:fld>
             <a:endParaRPr kumimoji="1" lang="ja-JP" altLang="en-US"/>
           </a:p>
@@ -30517,7 +30517,7 @@
           <a:p>
             <a:fld id="{C474B4CA-5347-4033-9CF6-D10F59E92A5D}" type="datetimeFigureOut">
               <a:rPr kumimoji="1" lang="ja-JP" altLang="en-US" smtClean="0"/>
-              <a:t>2012/9/10</a:t>
+              <a:t>2012/9/11</a:t>
             </a:fld>
             <a:endParaRPr kumimoji="1" lang="ja-JP" altLang="en-US"/>
           </a:p>
@@ -30727,7 +30727,7 @@
           <a:p>
             <a:fld id="{C474B4CA-5347-4033-9CF6-D10F59E92A5D}" type="datetimeFigureOut">
               <a:rPr kumimoji="1" lang="ja-JP" altLang="en-US" smtClean="0"/>
-              <a:t>2012/9/10</a:t>
+              <a:t>2012/9/11</a:t>
             </a:fld>
             <a:endParaRPr kumimoji="1" lang="ja-JP" altLang="en-US"/>
           </a:p>
@@ -30976,7 +30976,7 @@
           <a:p>
             <a:fld id="{C474B4CA-5347-4033-9CF6-D10F59E92A5D}" type="datetimeFigureOut">
               <a:rPr kumimoji="1" lang="ja-JP" altLang="en-US" smtClean="0"/>
-              <a:t>2012/9/10</a:t>
+              <a:t>2012/9/11</a:t>
             </a:fld>
             <a:endParaRPr kumimoji="1" lang="ja-JP" altLang="en-US"/>
           </a:p>
@@ -31336,7 +31336,7 @@
           <a:p>
             <a:fld id="{C474B4CA-5347-4033-9CF6-D10F59E92A5D}" type="datetimeFigureOut">
               <a:rPr kumimoji="1" lang="ja-JP" altLang="en-US" smtClean="0"/>
-              <a:t>2012/9/10</a:t>
+              <a:t>2012/9/11</a:t>
             </a:fld>
             <a:endParaRPr kumimoji="1" lang="ja-JP" altLang="en-US"/>
           </a:p>
@@ -31830,7 +31830,7 @@
           <a:p>
             <a:fld id="{C474B4CA-5347-4033-9CF6-D10F59E92A5D}" type="datetimeFigureOut">
               <a:rPr kumimoji="1" lang="ja-JP" altLang="en-US" smtClean="0"/>
-              <a:t>2012/9/10</a:t>
+              <a:t>2012/9/11</a:t>
             </a:fld>
             <a:endParaRPr kumimoji="1" lang="ja-JP" altLang="en-US"/>
           </a:p>
@@ -31956,7 +31956,7 @@
           <a:p>
             <a:fld id="{C474B4CA-5347-4033-9CF6-D10F59E92A5D}" type="datetimeFigureOut">
               <a:rPr kumimoji="1" lang="ja-JP" altLang="en-US" smtClean="0"/>
-              <a:t>2012/9/10</a:t>
+              <a:t>2012/9/11</a:t>
             </a:fld>
             <a:endParaRPr kumimoji="1" lang="ja-JP" altLang="en-US"/>
           </a:p>
@@ -32058,7 +32058,7 @@
           <a:p>
             <a:fld id="{C474B4CA-5347-4033-9CF6-D10F59E92A5D}" type="datetimeFigureOut">
               <a:rPr kumimoji="1" lang="ja-JP" altLang="en-US" smtClean="0"/>
-              <a:t>2012/9/10</a:t>
+              <a:t>2012/9/11</a:t>
             </a:fld>
             <a:endParaRPr kumimoji="1" lang="ja-JP" altLang="en-US"/>
           </a:p>
@@ -32370,7 +32370,7 @@
           <a:p>
             <a:fld id="{C474B4CA-5347-4033-9CF6-D10F59E92A5D}" type="datetimeFigureOut">
               <a:rPr kumimoji="1" lang="ja-JP" altLang="en-US" smtClean="0"/>
-              <a:t>2012/9/10</a:t>
+              <a:t>2012/9/11</a:t>
             </a:fld>
             <a:endParaRPr kumimoji="1" lang="ja-JP" altLang="en-US"/>
           </a:p>
@@ -32626,7 +32626,7 @@
           <a:p>
             <a:fld id="{C474B4CA-5347-4033-9CF6-D10F59E92A5D}" type="datetimeFigureOut">
               <a:rPr kumimoji="1" lang="ja-JP" altLang="en-US" smtClean="0"/>
-              <a:t>2012/9/10</a:t>
+              <a:t>2012/9/11</a:t>
             </a:fld>
             <a:endParaRPr kumimoji="1" lang="ja-JP" altLang="en-US"/>
           </a:p>
@@ -32838,7 +32838,7 @@
           <a:p>
             <a:fld id="{C474B4CA-5347-4033-9CF6-D10F59E92A5D}" type="datetimeFigureOut">
               <a:rPr kumimoji="1" lang="ja-JP" altLang="en-US" smtClean="0"/>
-              <a:t>2012/9/10</a:t>
+              <a:t>2012/9/11</a:t>
             </a:fld>
             <a:endParaRPr kumimoji="1" lang="ja-JP" altLang="en-US"/>
           </a:p>
@@ -44825,15 +44825,7 @@
                   <a:schemeClr val="tx1"/>
                 </a:solidFill>
               </a:rPr>
-              <a:t>区間切替</a:t>
-            </a:r>
-            <a:r>
-              <a:rPr lang="ja-JP" altLang="en-US" sz="1050" dirty="0" smtClean="0">
-                <a:solidFill>
-                  <a:schemeClr val="tx1"/>
-                </a:solidFill>
-              </a:rPr>
-              <a:t>監視</a:t>
+              <a:t>区間切替監視</a:t>
             </a:r>
             <a:r>
               <a:rPr lang="en-US" altLang="ja-JP" sz="1050" dirty="0" smtClean="0">
@@ -45656,6 +45648,130 @@
           <a:chExt cx="0" cy="0"/>
         </a:xfrm>
       </p:grpSpPr>
+      <p:pic>
+        <p:nvPicPr>
+          <p:cNvPr id="13" name="図 12"/>
+          <p:cNvPicPr>
+            <a:picLocks noChangeAspect="1"/>
+          </p:cNvPicPr>
+          <p:nvPr/>
+        </p:nvPicPr>
+        <p:blipFill>
+          <a:blip r:embed="rId2" cstate="print">
+            <a:extLst>
+              <a:ext uri="{28A0092B-C50C-407E-A947-70E740481C1C}">
+                <a14:useLocalDpi xmlns:a14="http://schemas.microsoft.com/office/drawing/2010/main" val="0"/>
+              </a:ext>
+            </a:extLst>
+          </a:blip>
+          <a:stretch>
+            <a:fillRect/>
+          </a:stretch>
+        </p:blipFill>
+        <p:spPr>
+          <a:xfrm>
+            <a:off x="8236039" y="2784376"/>
+            <a:ext cx="2826648" cy="823446"/>
+          </a:xfrm>
+          <a:prstGeom prst="rect">
+            <a:avLst/>
+          </a:prstGeom>
+        </p:spPr>
+      </p:pic>
+      <p:pic>
+        <p:nvPicPr>
+          <p:cNvPr id="11" name="Picture 6"/>
+          <p:cNvPicPr>
+            <a:picLocks noChangeAspect="1" noChangeArrowheads="1"/>
+          </p:cNvPicPr>
+          <p:nvPr/>
+        </p:nvPicPr>
+        <p:blipFill>
+          <a:blip r:embed="rId3">
+            <a:extLst>
+              <a:ext uri="{28A0092B-C50C-407E-A947-70E740481C1C}">
+                <a14:useLocalDpi xmlns:a14="http://schemas.microsoft.com/office/drawing/2010/main" val="0"/>
+              </a:ext>
+            </a:extLst>
+          </a:blip>
+          <a:srcRect/>
+          <a:stretch>
+            <a:fillRect/>
+          </a:stretch>
+        </p:blipFill>
+        <p:spPr bwMode="auto">
+          <a:xfrm>
+            <a:off x="5161316" y="3229940"/>
+            <a:ext cx="2552991" cy="2453401"/>
+          </a:xfrm>
+          <a:prstGeom prst="rect">
+            <a:avLst/>
+          </a:prstGeom>
+          <a:noFill/>
+          <a:ln>
+            <a:noFill/>
+          </a:ln>
+          <a:effectLst/>
+          <a:extLst>
+            <a:ext uri="{909E8E84-426E-40DD-AFC4-6F175D3DCCD1}">
+              <a14:hiddenFill xmlns:a14="http://schemas.microsoft.com/office/drawing/2010/main">
+                <a:solidFill>
+                  <a:schemeClr val="accent1"/>
+                </a:solidFill>
+              </a14:hiddenFill>
+            </a:ext>
+            <a:ext uri="{91240B29-F687-4F45-9708-019B960494DF}">
+              <a14:hiddenLine xmlns:a14="http://schemas.microsoft.com/office/drawing/2010/main" w="9525">
+                <a:solidFill>
+                  <a:schemeClr val="tx1"/>
+                </a:solidFill>
+                <a:miter lim="800000"/>
+                <a:headEnd/>
+                <a:tailEnd/>
+              </a14:hiddenLine>
+            </a:ext>
+            <a:ext uri="{AF507438-7753-43E0-B8FC-AC1667EBCBE1}">
+              <a14:hiddenEffects xmlns:a14="http://schemas.microsoft.com/office/drawing/2010/main">
+                <a:effectLst>
+                  <a:outerShdw dist="35921" dir="2700000" algn="ctr" rotWithShape="0">
+                    <a:schemeClr val="bg2"/>
+                  </a:outerShdw>
+                </a:effectLst>
+              </a14:hiddenEffects>
+            </a:ext>
+          </a:extLst>
+        </p:spPr>
+      </p:pic>
+      <p:pic>
+        <p:nvPicPr>
+          <p:cNvPr id="8" name="図 7"/>
+          <p:cNvPicPr>
+            <a:picLocks noChangeAspect="1"/>
+          </p:cNvPicPr>
+          <p:nvPr/>
+        </p:nvPicPr>
+        <p:blipFill>
+          <a:blip r:embed="rId4" cstate="print">
+            <a:extLst>
+              <a:ext uri="{28A0092B-C50C-407E-A947-70E740481C1C}">
+                <a14:useLocalDpi xmlns:a14="http://schemas.microsoft.com/office/drawing/2010/main" val="0"/>
+              </a:ext>
+            </a:extLst>
+          </a:blip>
+          <a:stretch>
+            <a:fillRect/>
+          </a:stretch>
+        </p:blipFill>
+        <p:spPr>
+          <a:xfrm>
+            <a:off x="743447" y="6494939"/>
+            <a:ext cx="3509733" cy="969957"/>
+          </a:xfrm>
+          <a:prstGeom prst="rect">
+            <a:avLst/>
+          </a:prstGeom>
+        </p:spPr>
+      </p:pic>
       <p:sp>
         <p:nvSpPr>
           <p:cNvPr id="2" name="タイトル 1"/>
@@ -46204,8 +46320,8 @@
         </p:nvSpPr>
         <p:spPr>
           <a:xfrm>
-            <a:off x="743448" y="2372174"/>
-            <a:ext cx="3270077" cy="844250"/>
+            <a:off x="743448" y="2299033"/>
+            <a:ext cx="3270077" cy="917391"/>
           </a:xfrm>
           <a:prstGeom prst="wedgeRoundRectCallout">
             <a:avLst>
@@ -46235,141 +46351,153 @@
           </a:fontRef>
         </p:style>
         <p:txBody>
-          <a:bodyPr lIns="0" tIns="0" rIns="0" bIns="0" rtlCol="0" anchor="ctr"/>
+          <a:bodyPr lIns="36000" tIns="36000" rIns="36000" bIns="36000" rtlCol="0" anchor="ctr"/>
           <a:lstStyle/>
           <a:p>
             <a:r>
-              <a:rPr lang="ja-JP" altLang="en-US" sz="1100" dirty="0">
+              <a:rPr lang="ja-JP" altLang="en-US" sz="1050" dirty="0">
                 <a:latin typeface="+mn-ea"/>
               </a:rPr>
               <a:t>・</a:t>
             </a:r>
             <a:r>
-              <a:rPr lang="ja-JP" altLang="en-US" sz="1100" u="sng" dirty="0">
+              <a:rPr lang="ja-JP" altLang="en-US" sz="1050" u="sng" dirty="0">
                 <a:latin typeface="+mn-ea"/>
               </a:rPr>
               <a:t>段差進入時の速度不足</a:t>
             </a:r>
-            <a:endParaRPr lang="en-US" altLang="ja-JP" sz="1100" u="sng" dirty="0">
+            <a:endParaRPr lang="en-US" altLang="ja-JP" sz="1050" u="sng" dirty="0">
               <a:latin typeface="+mn-ea"/>
             </a:endParaRPr>
           </a:p>
           <a:p>
             <a:r>
-              <a:rPr lang="ja-JP" altLang="en-US" sz="1050" dirty="0">
+              <a:rPr lang="ja-JP" altLang="en-US" sz="1000" dirty="0">
                 <a:latin typeface="+mn-ea"/>
               </a:rPr>
               <a:t>段差を上るために</a:t>
             </a:r>
             <a:r>
-              <a:rPr lang="ja-JP" altLang="en-US" sz="1050" dirty="0" smtClean="0">
+              <a:rPr lang="ja-JP" altLang="en-US" sz="1000" dirty="0" smtClean="0">
                 <a:latin typeface="+mn-ea"/>
               </a:rPr>
-              <a:t>は加速により勢いをつける必要</a:t>
-            </a:r>
-            <a:r>
-              <a:rPr lang="ja-JP" altLang="en-US" sz="1050" dirty="0">
+              <a:t>は加速</a:t>
+            </a:r>
+            <a:r>
+              <a:rPr lang="ja-JP" altLang="en-US" sz="1000" dirty="0">
                 <a:latin typeface="+mn-ea"/>
               </a:rPr>
+              <a:t>し</a:t>
+            </a:r>
+            <a:r>
+              <a:rPr lang="ja-JP" altLang="en-US" sz="1000" dirty="0" smtClean="0">
+                <a:latin typeface="+mn-ea"/>
+              </a:rPr>
+              <a:t>勢いをつける必要</a:t>
+            </a:r>
+            <a:r>
+              <a:rPr lang="ja-JP" altLang="en-US" sz="1000" dirty="0">
+                <a:latin typeface="+mn-ea"/>
+              </a:rPr>
               <a:t>が</a:t>
             </a:r>
             <a:r>
-              <a:rPr lang="ja-JP" altLang="en-US" sz="1050" dirty="0" smtClean="0">
+              <a:rPr lang="ja-JP" altLang="en-US" sz="1000" dirty="0" smtClean="0">
                 <a:latin typeface="+mn-ea"/>
               </a:rPr>
               <a:t>ある</a:t>
             </a:r>
             <a:r>
-              <a:rPr lang="en-US" altLang="ja-JP" sz="1050" dirty="0" smtClean="0">
+              <a:rPr lang="en-US" altLang="ja-JP" sz="1000" dirty="0" smtClean="0">
                 <a:latin typeface="+mn-ea"/>
               </a:rPr>
               <a:t>.</a:t>
             </a:r>
             <a:r>
-              <a:rPr lang="ja-JP" altLang="en-US" sz="1050" dirty="0" smtClean="0">
+              <a:rPr lang="ja-JP" altLang="en-US" sz="1000" dirty="0" smtClean="0">
                 <a:latin typeface="+mn-ea"/>
               </a:rPr>
               <a:t>そこ</a:t>
             </a:r>
             <a:r>
-              <a:rPr lang="ja-JP" altLang="en-US" sz="1050" dirty="0">
+              <a:rPr lang="ja-JP" altLang="en-US" sz="1000" dirty="0">
                 <a:latin typeface="+mn-ea"/>
               </a:rPr>
               <a:t>で倒立</a:t>
             </a:r>
             <a:r>
-              <a:rPr lang="ja-JP" altLang="en-US" sz="1050" dirty="0" smtClean="0">
+              <a:rPr lang="ja-JP" altLang="en-US" sz="1000" dirty="0" smtClean="0">
                 <a:latin typeface="+mn-ea"/>
               </a:rPr>
               <a:t>制御</a:t>
             </a:r>
             <a:r>
-              <a:rPr lang="en-US" altLang="ja-JP" sz="1050" dirty="0" smtClean="0">
+              <a:rPr lang="en-US" altLang="ja-JP" sz="1000" dirty="0" smtClean="0">
                 <a:latin typeface="+mn-ea"/>
               </a:rPr>
               <a:t>API</a:t>
             </a:r>
             <a:r>
-              <a:rPr lang="ja-JP" altLang="en-US" sz="1050" dirty="0" smtClean="0">
+              <a:rPr lang="ja-JP" altLang="en-US" sz="1000" dirty="0" smtClean="0">
                 <a:latin typeface="+mn-ea"/>
               </a:rPr>
               <a:t>で</a:t>
             </a:r>
             <a:r>
-              <a:rPr lang="ja-JP" altLang="en-US" sz="1050" dirty="0">
+              <a:rPr lang="ja-JP" altLang="en-US" sz="1000" dirty="0">
                 <a:latin typeface="+mn-ea"/>
               </a:rPr>
               <a:t>用いるジャイロセンサのオフセット値を調節</a:t>
             </a:r>
             <a:r>
-              <a:rPr lang="ja-JP" altLang="en-US" sz="1050" dirty="0" smtClean="0">
+              <a:rPr lang="ja-JP" altLang="en-US" sz="1000" dirty="0" smtClean="0">
                 <a:latin typeface="+mn-ea"/>
               </a:rPr>
               <a:t>し</a:t>
             </a:r>
             <a:r>
-              <a:rPr lang="en-US" altLang="ja-JP" sz="1050" dirty="0" smtClean="0">
+              <a:rPr lang="en-US" altLang="ja-JP" sz="1000" dirty="0" smtClean="0">
                 <a:latin typeface="+mn-ea"/>
               </a:rPr>
               <a:t>,</a:t>
             </a:r>
             <a:r>
-              <a:rPr lang="ja-JP" altLang="en-US" sz="1050" dirty="0" smtClean="0">
+              <a:rPr lang="ja-JP" altLang="en-US" sz="1000" dirty="0" smtClean="0">
                 <a:latin typeface="+mn-ea"/>
               </a:rPr>
               <a:t>走行体を強制的に前傾</a:t>
             </a:r>
             <a:r>
-              <a:rPr lang="ja-JP" altLang="en-US" sz="1050" dirty="0">
+              <a:rPr lang="ja-JP" altLang="en-US" sz="1000" dirty="0">
                 <a:latin typeface="+mn-ea"/>
               </a:rPr>
               <a:t>させることで短距離で</a:t>
             </a:r>
             <a:r>
-              <a:rPr lang="ja-JP" altLang="en-US" sz="1050" dirty="0" smtClean="0">
+              <a:rPr lang="ja-JP" altLang="en-US" sz="1000" dirty="0" smtClean="0">
                 <a:latin typeface="+mn-ea"/>
               </a:rPr>
               <a:t>の急加速</a:t>
             </a:r>
             <a:r>
-              <a:rPr lang="ja-JP" altLang="en-US" sz="1050" dirty="0">
+              <a:rPr lang="ja-JP" altLang="en-US" sz="1000" dirty="0">
                 <a:latin typeface="+mn-ea"/>
               </a:rPr>
               <a:t>を</a:t>
             </a:r>
             <a:r>
-              <a:rPr lang="ja-JP" altLang="en-US" sz="1050" dirty="0" smtClean="0">
+              <a:rPr lang="ja-JP" altLang="en-US" sz="1000" dirty="0" smtClean="0">
                 <a:latin typeface="+mn-ea"/>
               </a:rPr>
               <a:t>実現</a:t>
             </a:r>
             <a:r>
-              <a:rPr lang="en-US" altLang="ja-JP" sz="1050" dirty="0" smtClean="0">
+              <a:rPr lang="en-US" altLang="ja-JP" sz="1000" dirty="0" smtClean="0">
                 <a:latin typeface="+mn-ea"/>
               </a:rPr>
               <a:t>.</a:t>
             </a:r>
-            <a:endParaRPr lang="ja-JP" altLang="en-US" sz="1050" dirty="0">
+            <a:endParaRPr lang="ja-JP" altLang="en-US" sz="1000" dirty="0">
               <a:latin typeface="+mn-ea"/>
             </a:endParaRPr>
           </a:p>
@@ -46383,7 +46511,7 @@
         </p:nvSpPr>
         <p:spPr>
           <a:xfrm>
-            <a:off x="3119712" y="4656584"/>
+            <a:off x="3191719" y="4656584"/>
             <a:ext cx="1656184" cy="936104"/>
           </a:xfrm>
           <a:prstGeom prst="wedgeRoundRectCallout">
@@ -46414,45 +46542,45 @@
           </a:fontRef>
         </p:style>
         <p:txBody>
-          <a:bodyPr lIns="0" tIns="0" rIns="0" bIns="0" rtlCol="0" anchor="ctr"/>
+          <a:bodyPr lIns="36000" tIns="36000" rIns="36000" bIns="36000" rtlCol="0" anchor="ctr"/>
           <a:lstStyle/>
           <a:p>
             <a:r>
-              <a:rPr lang="ja-JP" altLang="en-US" sz="1100" dirty="0" smtClean="0">
+              <a:rPr lang="ja-JP" altLang="en-US" sz="1050" dirty="0" smtClean="0">
                 <a:latin typeface="+mn-ea"/>
               </a:rPr>
               <a:t>・</a:t>
             </a:r>
             <a:r>
-              <a:rPr lang="ja-JP" altLang="en-US" sz="1100" u="sng" dirty="0" smtClean="0">
+              <a:rPr lang="ja-JP" altLang="en-US" sz="1050" u="sng" dirty="0" smtClean="0">
                 <a:latin typeface="+mn-ea"/>
               </a:rPr>
               <a:t>落下時に走行体が</a:t>
             </a:r>
             <a:r>
-              <a:rPr lang="en-US" altLang="ja-JP" sz="1100" u="sng" dirty="0" smtClean="0">
+              <a:rPr lang="en-US" altLang="ja-JP" sz="1050" u="sng" dirty="0" smtClean="0">
                 <a:latin typeface="+mn-ea"/>
               </a:rPr>
               <a:t/>
             </a:r>
             <a:br>
-              <a:rPr lang="en-US" altLang="ja-JP" sz="1100" u="sng" dirty="0" smtClean="0">
+              <a:rPr lang="en-US" altLang="ja-JP" sz="1050" u="sng" dirty="0" smtClean="0">
                 <a:latin typeface="+mn-ea"/>
               </a:rPr>
             </a:br>
             <a:r>
-              <a:rPr lang="ja-JP" altLang="en-US" sz="1100" u="sng" dirty="0" smtClean="0">
+              <a:rPr lang="ja-JP" altLang="en-US" sz="1050" u="sng" dirty="0" smtClean="0">
                 <a:latin typeface="+mn-ea"/>
               </a:rPr>
               <a:t>ラインから外れている</a:t>
             </a:r>
-            <a:endParaRPr lang="en-US" altLang="ja-JP" sz="1100" u="sng" dirty="0" smtClean="0">
+            <a:endParaRPr lang="en-US" altLang="ja-JP" sz="1050" u="sng" dirty="0" smtClean="0">
               <a:latin typeface="+mn-ea"/>
             </a:endParaRPr>
           </a:p>
           <a:p>
             <a:r>
-              <a:rPr lang="ja-JP" altLang="en-US" sz="1050" dirty="0">
+              <a:rPr lang="ja-JP" altLang="en-US" sz="1000" dirty="0">
                 <a:solidFill>
                   <a:srgbClr val="FF0000"/>
                 </a:solidFill>
@@ -46461,7 +46589,7 @@
               <a:t>ライン</a:t>
             </a:r>
             <a:r>
-              <a:rPr lang="ja-JP" altLang="en-US" sz="1050" dirty="0" smtClean="0">
+              <a:rPr lang="ja-JP" altLang="en-US" sz="1000" dirty="0" smtClean="0">
                 <a:solidFill>
                   <a:srgbClr val="FF0000"/>
                 </a:solidFill>
@@ -46470,163 +46598,35 @@
               <a:t>復帰動作</a:t>
             </a:r>
             <a:r>
-              <a:rPr lang="ja-JP" altLang="en-US" sz="1050" dirty="0" smtClean="0">
+              <a:rPr lang="ja-JP" altLang="en-US" sz="1000" dirty="0" smtClean="0">
                 <a:latin typeface="+mn-ea"/>
               </a:rPr>
               <a:t>（</a:t>
             </a:r>
             <a:r>
-              <a:rPr lang="en-US" altLang="ja-JP" sz="1050" dirty="0" smtClean="0">
+              <a:rPr lang="en-US" altLang="ja-JP" sz="1000" dirty="0" smtClean="0">
                 <a:latin typeface="+mn-ea"/>
               </a:rPr>
               <a:t>p.5 </a:t>
             </a:r>
             <a:r>
-              <a:rPr lang="ja-JP" altLang="en-US" sz="1050" dirty="0" smtClean="0">
+              <a:rPr lang="ja-JP" altLang="en-US" sz="1000" dirty="0" smtClean="0">
                 <a:latin typeface="+mn-ea"/>
               </a:rPr>
               <a:t>要素技術参照）によってラインへの復帰を実現</a:t>
             </a:r>
             <a:r>
-              <a:rPr lang="en-US" altLang="ja-JP" sz="1050" dirty="0" smtClean="0">
+              <a:rPr lang="en-US" altLang="ja-JP" sz="1000" dirty="0" smtClean="0">
                 <a:latin typeface="+mn-ea"/>
               </a:rPr>
               <a:t>.</a:t>
             </a:r>
-            <a:endParaRPr lang="ja-JP" altLang="en-US" sz="1050" dirty="0">
+            <a:endParaRPr lang="ja-JP" altLang="en-US" sz="1000" dirty="0">
               <a:latin typeface="+mn-ea"/>
             </a:endParaRPr>
           </a:p>
         </p:txBody>
       </p:sp>
-      <p:pic>
-        <p:nvPicPr>
-          <p:cNvPr id="1028" name="Picture 4"/>
-          <p:cNvPicPr>
-            <a:picLocks noChangeAspect="1" noChangeArrowheads="1"/>
-          </p:cNvPicPr>
-          <p:nvPr/>
-        </p:nvPicPr>
-        <p:blipFill>
-          <a:blip r:embed="rId2">
-            <a:extLst>
-              <a:ext uri="{28A0092B-C50C-407E-A947-70E740481C1C}">
-                <a14:useLocalDpi xmlns:a14="http://schemas.microsoft.com/office/drawing/2010/main" val="0"/>
-              </a:ext>
-            </a:extLst>
-          </a:blip>
-          <a:srcRect/>
-          <a:stretch>
-            <a:fillRect/>
-          </a:stretch>
-        </p:blipFill>
-        <p:spPr bwMode="auto">
-          <a:xfrm>
-            <a:off x="4919912" y="3438421"/>
-            <a:ext cx="3021040" cy="2226277"/>
-          </a:xfrm>
-          <a:prstGeom prst="rect">
-            <a:avLst/>
-          </a:prstGeom>
-          <a:noFill/>
-          <a:ln>
-            <a:noFill/>
-          </a:ln>
-          <a:effectLst/>
-          <a:extLst>
-            <a:ext uri="{909E8E84-426E-40DD-AFC4-6F175D3DCCD1}">
-              <a14:hiddenFill xmlns:a14="http://schemas.microsoft.com/office/drawing/2010/main">
-                <a:solidFill>
-                  <a:schemeClr val="accent1"/>
-                </a:solidFill>
-              </a14:hiddenFill>
-            </a:ext>
-            <a:ext uri="{91240B29-F687-4F45-9708-019B960494DF}">
-              <a14:hiddenLine xmlns:a14="http://schemas.microsoft.com/office/drawing/2010/main" w="9525">
-                <a:solidFill>
-                  <a:schemeClr val="tx1"/>
-                </a:solidFill>
-                <a:miter lim="800000"/>
-                <a:headEnd/>
-                <a:tailEnd/>
-              </a14:hiddenLine>
-            </a:ext>
-            <a:ext uri="{AF507438-7753-43E0-B8FC-AC1667EBCBE1}">
-              <a14:hiddenEffects xmlns:a14="http://schemas.microsoft.com/office/drawing/2010/main">
-                <a:effectLst>
-                  <a:outerShdw dist="35921" dir="2700000" algn="ctr" rotWithShape="0">
-                    <a:schemeClr val="bg2"/>
-                  </a:outerShdw>
-                </a:effectLst>
-              </a14:hiddenEffects>
-            </a:ext>
-          </a:extLst>
-        </p:spPr>
-      </p:pic>
-      <p:pic>
-        <p:nvPicPr>
-          <p:cNvPr id="1029" name="Picture 5"/>
-          <p:cNvPicPr>
-            <a:picLocks noChangeAspect="1" noChangeArrowheads="1"/>
-          </p:cNvPicPr>
-          <p:nvPr/>
-        </p:nvPicPr>
-        <p:blipFill>
-          <a:blip r:embed="rId3">
-            <a:extLst>
-              <a:ext uri="{28A0092B-C50C-407E-A947-70E740481C1C}">
-                <a14:useLocalDpi xmlns:a14="http://schemas.microsoft.com/office/drawing/2010/main" val="0"/>
-              </a:ext>
-            </a:extLst>
-          </a:blip>
-          <a:srcRect/>
-          <a:stretch>
-            <a:fillRect/>
-          </a:stretch>
-        </p:blipFill>
-        <p:spPr bwMode="auto">
-          <a:xfrm>
-            <a:off x="10760129" y="3576467"/>
-            <a:ext cx="2872751" cy="1944215"/>
-          </a:xfrm>
-          <a:prstGeom prst="rect">
-            <a:avLst/>
-          </a:prstGeom>
-          <a:noFill/>
-          <a:ln>
-            <a:noFill/>
-          </a:ln>
-          <a:effectLst/>
-          <a:extLst>
-            <a:ext uri="{909E8E84-426E-40DD-AFC4-6F175D3DCCD1}">
-              <a14:hiddenFill xmlns:a14="http://schemas.microsoft.com/office/drawing/2010/main">
-                <a:solidFill>
-                  <a:schemeClr val="accent1"/>
-                </a:solidFill>
-              </a14:hiddenFill>
-            </a:ext>
-            <a:ext uri="{91240B29-F687-4F45-9708-019B960494DF}">
-              <a14:hiddenLine xmlns:a14="http://schemas.microsoft.com/office/drawing/2010/main" w="9525">
-                <a:solidFill>
-                  <a:schemeClr val="tx1"/>
-                </a:solidFill>
-                <a:miter lim="800000"/>
-                <a:headEnd/>
-                <a:tailEnd/>
-              </a14:hiddenLine>
-            </a:ext>
-            <a:ext uri="{AF507438-7753-43E0-B8FC-AC1667EBCBE1}">
-              <a14:hiddenEffects xmlns:a14="http://schemas.microsoft.com/office/drawing/2010/main">
-                <a:effectLst>
-                  <a:outerShdw dist="35921" dir="2700000" algn="ctr" rotWithShape="0">
-                    <a:schemeClr val="bg2"/>
-                  </a:outerShdw>
-                </a:effectLst>
-              </a14:hiddenEffects>
-            </a:ext>
-          </a:extLst>
-        </p:spPr>
-      </p:pic>
       <p:sp>
         <p:nvSpPr>
           <p:cNvPr id="15" name="右矢印 14"/>
@@ -46676,7 +46676,7 @@
           <p:nvPr/>
         </p:nvPicPr>
         <p:blipFill>
-          <a:blip r:embed="rId4">
+          <a:blip r:embed="rId5">
             <a:extLst>
               <a:ext uri="{28A0092B-C50C-407E-A947-70E740481C1C}">
                 <a14:useLocalDpi xmlns:a14="http://schemas.microsoft.com/office/drawing/2010/main" val="0"/>
@@ -46690,7 +46690,7 @@
         </p:blipFill>
         <p:spPr bwMode="auto">
           <a:xfrm>
-            <a:off x="10718918" y="7666439"/>
+            <a:off x="10680551" y="7608912"/>
             <a:ext cx="2860577" cy="1958698"/>
           </a:xfrm>
           <a:prstGeom prst="rect">
@@ -46740,7 +46740,7 @@
         <p:spPr>
           <a:xfrm>
             <a:off x="8091596" y="1560242"/>
-            <a:ext cx="5541284" cy="461665"/>
+            <a:ext cx="5541284" cy="646331"/>
           </a:xfrm>
           <a:prstGeom prst="rect">
             <a:avLst/>
@@ -46775,15 +46775,11 @@
             </a:r>
             <a:r>
               <a:rPr lang="ja-JP" altLang="en-US" sz="1200" dirty="0" smtClean="0"/>
-              <a:t>シーソーの</a:t>
-            </a:r>
-            <a:r>
-              <a:rPr lang="ja-JP" altLang="en-US" sz="1200" dirty="0"/>
-              <a:t>動き</a:t>
-            </a:r>
-            <a:r>
-              <a:rPr lang="ja-JP" altLang="en-US" sz="1200" dirty="0" smtClean="0"/>
-              <a:t>に対して</a:t>
+              <a:t>シーソーの動きに対応出来なければならない。しかし、階段での戦略を使いまわすことで対応が可能である</a:t>
+            </a:r>
+            <a:r>
+              <a:rPr lang="en-US" altLang="ja-JP" sz="1200" dirty="0" smtClean="0"/>
+              <a:t>.</a:t>
             </a:r>
             <a:endParaRPr kumimoji="1" lang="en-US" altLang="ja-JP" sz="1200" dirty="0" smtClean="0"/>
           </a:p>
@@ -46798,7 +46794,7 @@
           <p:nvPr/>
         </p:nvPicPr>
         <p:blipFill>
-          <a:blip r:embed="rId5" cstate="print">
+          <a:blip r:embed="rId6" cstate="print">
             <a:extLst>
               <a:ext uri="{28A0092B-C50C-407E-A947-70E740481C1C}">
                 <a14:useLocalDpi xmlns:a14="http://schemas.microsoft.com/office/drawing/2010/main" val="0"/>
@@ -46811,7 +46807,7 @@
         </p:blipFill>
         <p:spPr>
           <a:xfrm>
-            <a:off x="728196" y="3225408"/>
+            <a:off x="728195" y="3225408"/>
             <a:ext cx="3543644" cy="1215152"/>
           </a:xfrm>
           <a:prstGeom prst="rect">
@@ -46827,13 +46823,13 @@
         </p:nvSpPr>
         <p:spPr>
           <a:xfrm>
-            <a:off x="8249315" y="2136306"/>
+            <a:off x="8249315" y="2208312"/>
             <a:ext cx="2071196" cy="426943"/>
           </a:xfrm>
           <a:prstGeom prst="wedgeRoundRectCallout">
             <a:avLst>
-              <a:gd name="adj1" fmla="val -22471"/>
-              <a:gd name="adj2" fmla="val 97455"/>
+              <a:gd name="adj1" fmla="val -30381"/>
+              <a:gd name="adj2" fmla="val 108164"/>
               <a:gd name="adj3" fmla="val 16667"/>
             </a:avLst>
           </a:prstGeom>
@@ -46858,7 +46854,7 @@
           </a:fontRef>
         </p:style>
         <p:txBody>
-          <a:bodyPr lIns="0" tIns="0" rIns="0" bIns="0" rtlCol="0" anchor="ctr"/>
+          <a:bodyPr lIns="36000" tIns="36000" rIns="36000" bIns="36000" rtlCol="0" anchor="ctr"/>
           <a:lstStyle/>
           <a:p>
             <a:r>
@@ -46941,86 +46937,56 @@
           </a:fontRef>
         </p:style>
         <p:txBody>
-          <a:bodyPr lIns="0" tIns="0" rIns="0" bIns="0" rtlCol="0" anchor="ctr"/>
+          <a:bodyPr lIns="36000" tIns="36000" rIns="36000" bIns="36000" rtlCol="0" anchor="ctr"/>
           <a:lstStyle/>
           <a:p>
             <a:r>
-              <a:rPr lang="ja-JP" altLang="en-US" sz="1050" dirty="0" smtClean="0">
+              <a:rPr lang="ja-JP" altLang="en-US" sz="1000" dirty="0" smtClean="0">
                 <a:latin typeface="+mn-ea"/>
               </a:rPr>
               <a:t>・</a:t>
             </a:r>
             <a:r>
-              <a:rPr lang="ja-JP" altLang="en-US" sz="1100" u="sng" dirty="0" smtClean="0">
+              <a:rPr lang="ja-JP" altLang="en-US" sz="1050" u="sng" dirty="0" smtClean="0">
                 <a:latin typeface="+mn-ea"/>
               </a:rPr>
               <a:t>落下時に走行体が不安定になる</a:t>
             </a:r>
-            <a:endParaRPr lang="en-US" altLang="ja-JP" sz="1100" u="sng" dirty="0" smtClean="0">
+            <a:endParaRPr lang="en-US" altLang="ja-JP" sz="1050" u="sng" dirty="0" smtClean="0">
               <a:latin typeface="+mn-ea"/>
             </a:endParaRPr>
           </a:p>
           <a:p>
             <a:r>
-              <a:rPr lang="ja-JP" altLang="en-US" sz="1050" dirty="0" smtClean="0">
+              <a:rPr lang="ja-JP" altLang="en-US" sz="1000" dirty="0" smtClean="0">
                 <a:latin typeface="+mn-ea"/>
               </a:rPr>
-              <a:t>走行体が落下した際に走行体が後傾姿勢になる傾向がある．そこで，落下時の衝撃を検知した際に</a:t>
-            </a:r>
-            <a:r>
-              <a:rPr lang="en-US" altLang="ja-JP" sz="1050" dirty="0" smtClean="0">
+              <a:t>走行体が落下した際に走行体が後傾姿勢になる傾向がある。そこで、落下の衝撃を検知した際に</a:t>
+            </a:r>
+            <a:r>
+              <a:rPr lang="en-US" altLang="ja-JP" sz="1000" dirty="0" smtClean="0">
                 <a:latin typeface="+mn-ea"/>
               </a:rPr>
               <a:t>,</a:t>
             </a:r>
             <a:r>
-              <a:rPr lang="ja-JP" altLang="en-US" sz="1050" dirty="0" smtClean="0">
+              <a:rPr lang="ja-JP" altLang="en-US" sz="1000" dirty="0" smtClean="0">
                 <a:latin typeface="+mn-ea"/>
               </a:rPr>
               <a:t>ジャイロオフセットの値を調節し補正を行うことで倒立制御の安定化を実現</a:t>
             </a:r>
             <a:r>
-              <a:rPr lang="en-US" altLang="ja-JP" sz="1050" dirty="0" smtClean="0">
+              <a:rPr lang="en-US" altLang="ja-JP" sz="1000" dirty="0" smtClean="0">
                 <a:latin typeface="+mn-ea"/>
               </a:rPr>
               <a:t>.</a:t>
             </a:r>
-            <a:endParaRPr lang="ja-JP" altLang="en-US" sz="1050" dirty="0">
+            <a:endParaRPr lang="ja-JP" altLang="en-US" sz="1000" dirty="0">
               <a:latin typeface="+mn-ea"/>
             </a:endParaRPr>
           </a:p>
         </p:txBody>
       </p:sp>
-      <p:pic>
-        <p:nvPicPr>
-          <p:cNvPr id="17" name="図 16"/>
-          <p:cNvPicPr>
-            <a:picLocks noChangeAspect="1"/>
-          </p:cNvPicPr>
-          <p:nvPr/>
-        </p:nvPicPr>
-        <p:blipFill>
-          <a:blip r:embed="rId6" cstate="print">
-            <a:extLst>
-              <a:ext uri="{28A0092B-C50C-407E-A947-70E740481C1C}">
-                <a14:useLocalDpi xmlns:a14="http://schemas.microsoft.com/office/drawing/2010/main" val="0"/>
-              </a:ext>
-            </a:extLst>
-          </a:blip>
-          <a:stretch>
-            <a:fillRect/>
-          </a:stretch>
-        </p:blipFill>
-        <p:spPr>
-          <a:xfrm>
-            <a:off x="8318157" y="2622752"/>
-            <a:ext cx="2532266" cy="737688"/>
-          </a:xfrm>
-          <a:prstGeom prst="rect">
-            <a:avLst/>
-          </a:prstGeom>
-        </p:spPr>
-      </p:pic>
       <p:sp>
         <p:nvSpPr>
           <p:cNvPr id="62" name="角丸四角形吹き出し 61"/>
@@ -47029,13 +46995,13 @@
         </p:nvSpPr>
         <p:spPr>
           <a:xfrm>
-            <a:off x="10464527" y="2136304"/>
+            <a:off x="10464527" y="2213128"/>
             <a:ext cx="2231023" cy="427232"/>
           </a:xfrm>
           <a:prstGeom prst="wedgeRoundRectCallout">
             <a:avLst>
-              <a:gd name="adj1" fmla="val -40637"/>
-              <a:gd name="adj2" fmla="val 88152"/>
+              <a:gd name="adj1" fmla="val -37137"/>
+              <a:gd name="adj2" fmla="val 114460"/>
               <a:gd name="adj3" fmla="val 16667"/>
             </a:avLst>
           </a:prstGeom>
@@ -47060,7 +47026,7 @@
           </a:fontRef>
         </p:style>
         <p:txBody>
-          <a:bodyPr lIns="0" tIns="0" rIns="0" bIns="0" rtlCol="0" anchor="ctr"/>
+          <a:bodyPr lIns="36000" tIns="36000" rIns="36000" bIns="36000" rtlCol="0" anchor="ctr"/>
           <a:lstStyle/>
           <a:p>
             <a:r>
@@ -47106,13 +47072,13 @@
         </p:nvSpPr>
         <p:spPr>
           <a:xfrm>
-            <a:off x="11413589" y="2706399"/>
+            <a:off x="11413589" y="2789507"/>
             <a:ext cx="2075275" cy="582035"/>
           </a:xfrm>
           <a:prstGeom prst="wedgeRoundRectCallout">
             <a:avLst>
-              <a:gd name="adj1" fmla="val -89230"/>
-              <a:gd name="adj2" fmla="val 48304"/>
+              <a:gd name="adj1" fmla="val -83079"/>
+              <a:gd name="adj2" fmla="val 70233"/>
               <a:gd name="adj3" fmla="val 16667"/>
             </a:avLst>
           </a:prstGeom>
@@ -47137,7 +47103,7 @@
           </a:fontRef>
         </p:style>
         <p:txBody>
-          <a:bodyPr lIns="0" tIns="0" rIns="0" bIns="0" rtlCol="0" anchor="ctr"/>
+          <a:bodyPr lIns="36000" tIns="36000" rIns="36000" bIns="36000" rtlCol="0" anchor="ctr"/>
           <a:lstStyle/>
           <a:p>
             <a:r>
@@ -47183,13 +47149,13 @@
         </p:nvSpPr>
         <p:spPr>
           <a:xfrm>
-            <a:off x="8249315" y="3504456"/>
-            <a:ext cx="2545297" cy="1800200"/>
+            <a:off x="8249316" y="3900500"/>
+            <a:ext cx="2215211" cy="1404156"/>
           </a:xfrm>
           <a:prstGeom prst="wedgeRoundRectCallout">
             <a:avLst>
-              <a:gd name="adj1" fmla="val -9698"/>
-              <a:gd name="adj2" fmla="val -66588"/>
+              <a:gd name="adj1" fmla="val 27131"/>
+              <a:gd name="adj2" fmla="val -81891"/>
               <a:gd name="adj3" fmla="val 16667"/>
             </a:avLst>
           </a:prstGeom>
@@ -47216,99 +47182,86 @@
           </a:fontRef>
         </p:style>
         <p:txBody>
-          <a:bodyPr lIns="0" tIns="0" rIns="0" bIns="0" rtlCol="0" anchor="ctr"/>
+          <a:bodyPr lIns="36000" tIns="36000" rIns="36000" bIns="36000" rtlCol="0" anchor="ctr"/>
           <a:lstStyle/>
           <a:p>
             <a:r>
-              <a:rPr lang="ja-JP" altLang="en-US" sz="1050" dirty="0" smtClean="0">
+              <a:rPr lang="ja-JP" altLang="en-US" sz="1000" dirty="0" smtClean="0">
                 <a:latin typeface="+mn-ea"/>
               </a:rPr>
               <a:t>・</a:t>
             </a:r>
             <a:r>
-              <a:rPr lang="ja-JP" altLang="en-US" sz="1100" u="sng" dirty="0" smtClean="0">
+              <a:rPr lang="ja-JP" altLang="en-US" sz="1050" u="sng" dirty="0" smtClean="0">
                 <a:latin typeface="+mn-ea"/>
               </a:rPr>
-              <a:t>シーソーの動きと角度</a:t>
-            </a:r>
-            <a:r>
-              <a:rPr lang="ja-JP" altLang="en-US" sz="1100" u="sng" dirty="0">
+              <a:t>シーソーの動きに</a:t>
+            </a:r>
+            <a:r>
+              <a:rPr lang="ja-JP" altLang="en-US" sz="1050" u="sng" dirty="0">
                 <a:latin typeface="+mn-ea"/>
               </a:rPr>
-              <a:t>によって</a:t>
-            </a:r>
-            <a:r>
-              <a:rPr lang="ja-JP" altLang="en-US" sz="1100" u="sng" dirty="0" smtClean="0">
+              <a:t>よって</a:t>
+            </a:r>
+            <a:r>
+              <a:rPr lang="ja-JP" altLang="en-US" sz="1050" u="sng" dirty="0" smtClean="0">
                 <a:latin typeface="+mn-ea"/>
               </a:rPr>
               <a:t>走行が不安定になる</a:t>
             </a:r>
-            <a:endParaRPr lang="en-US" altLang="ja-JP" sz="1100" u="sng" dirty="0" smtClean="0">
+            <a:endParaRPr lang="en-US" altLang="ja-JP" sz="1050" u="sng" dirty="0" smtClean="0">
               <a:latin typeface="+mn-ea"/>
             </a:endParaRPr>
           </a:p>
           <a:p>
             <a:r>
-              <a:rPr lang="ja-JP" altLang="en-US" sz="1050" dirty="0" smtClean="0">
+              <a:rPr lang="ja-JP" altLang="en-US" sz="1000" dirty="0" smtClean="0">
                 <a:latin typeface="+mn-ea"/>
               </a:rPr>
-              <a:t>シーソー上走行中</a:t>
-            </a:r>
-            <a:r>
-              <a:rPr lang="en-US" altLang="ja-JP" sz="1050" dirty="0" smtClean="0">
+              <a:t>シーソーが降下した際に走行体が大きく前傾してしまう。そこで</a:t>
+            </a:r>
+            <a:r>
+              <a:rPr lang="en-US" altLang="ja-JP" sz="1000" dirty="0" smtClean="0">
                 <a:latin typeface="+mn-ea"/>
               </a:rPr>
               <a:t>,</a:t>
             </a:r>
             <a:r>
-              <a:rPr lang="ja-JP" altLang="en-US" sz="1050" dirty="0" smtClean="0">
+              <a:rPr lang="ja-JP" altLang="en-US" sz="1000" dirty="0" smtClean="0">
                 <a:latin typeface="+mn-ea"/>
               </a:rPr>
-              <a:t>シーソーの角度によって走行体が姿勢を維持することが難しくなる．また，シーソーが降下した際に</a:t>
-            </a:r>
-            <a:endParaRPr lang="en-US" altLang="ja-JP" sz="1050" dirty="0" smtClean="0">
-              <a:latin typeface="+mn-ea"/>
-            </a:endParaRPr>
-          </a:p>
-        </p:txBody>
-      </p:sp>
-      <p:sp>
-        <p:nvSpPr>
-          <p:cNvPr id="19" name="下矢印 18"/>
-          <p:cNvSpPr/>
-          <p:nvPr/>
-        </p:nvSpPr>
-        <p:spPr>
-          <a:xfrm rot="20020687">
-            <a:off x="10834708" y="3387044"/>
-            <a:ext cx="482847" cy="162821"/>
-          </a:xfrm>
-          <a:prstGeom prst="downArrow">
-            <a:avLst/>
-          </a:prstGeom>
-        </p:spPr>
-        <p:style>
-          <a:lnRef idx="2">
-            <a:schemeClr val="accent1">
-              <a:shade val="50000"/>
-            </a:schemeClr>
-          </a:lnRef>
-          <a:fillRef idx="1">
-            <a:schemeClr val="accent1"/>
-          </a:fillRef>
-          <a:effectRef idx="0">
-            <a:schemeClr val="accent1"/>
-          </a:effectRef>
-          <a:fontRef idx="minor">
-            <a:schemeClr val="lt1"/>
-          </a:fontRef>
-        </p:style>
-        <p:txBody>
-          <a:bodyPr rtlCol="0" anchor="ctr"/>
-          <a:lstStyle/>
-          <a:p>
-            <a:pPr algn="ctr"/>
-            <a:endParaRPr kumimoji="1" lang="ja-JP" altLang="en-US"/>
+              <a:t>階段落下時と同様に</a:t>
+            </a:r>
+            <a:r>
+              <a:rPr lang="en-US" altLang="ja-JP" sz="1000" dirty="0" smtClean="0">
+                <a:latin typeface="+mn-ea"/>
+              </a:rPr>
+              <a:t>,</a:t>
+            </a:r>
+            <a:r>
+              <a:rPr lang="ja-JP" altLang="en-US" sz="1000" dirty="0" smtClean="0">
+                <a:latin typeface="+mn-ea"/>
+              </a:rPr>
+              <a:t>シーソーの降下に合わせて走行体を後傾させることによって</a:t>
+            </a:r>
+            <a:r>
+              <a:rPr lang="en-US" altLang="ja-JP" sz="1000" dirty="0" smtClean="0">
+                <a:latin typeface="+mn-ea"/>
+              </a:rPr>
+              <a:t>,</a:t>
+            </a:r>
+            <a:r>
+              <a:rPr lang="ja-JP" altLang="en-US" sz="1000" dirty="0" smtClean="0">
+                <a:latin typeface="+mn-ea"/>
+              </a:rPr>
+              <a:t>シーソー上での倒立制御の安定化を実現</a:t>
+            </a:r>
+            <a:r>
+              <a:rPr lang="en-US" altLang="ja-JP" sz="1000" dirty="0" smtClean="0">
+                <a:latin typeface="+mn-ea"/>
+              </a:rPr>
+              <a:t>.</a:t>
+            </a:r>
           </a:p>
         </p:txBody>
       </p:sp>
@@ -47335,12 +47288,16 @@
           <a:lstStyle/>
           <a:p>
             <a:r>
+              <a:rPr lang="ja-JP" altLang="en-US" sz="1200" dirty="0" smtClean="0"/>
+              <a:t>　ドリフトターン</a:t>
+            </a:r>
+            <a:r>
               <a:rPr lang="ja-JP" altLang="en-US" sz="1200" dirty="0"/>
-              <a:t>　ドリフトターン突破のために</a:t>
+              <a:t>突破のために</a:t>
             </a:r>
             <a:r>
               <a:rPr lang="ja-JP" altLang="en-US" sz="1200" dirty="0" smtClean="0"/>
-              <a:t>はペットボトルの誤検知を防ぎ</a:t>
+              <a:t>は経路選択用ペットボトルの誤検知を防ぎ</a:t>
             </a:r>
             <a:r>
               <a:rPr lang="en-US" altLang="ja-JP" sz="1200" dirty="0" smtClean="0"/>
@@ -47348,7 +47305,7 @@
             </a:r>
             <a:r>
               <a:rPr lang="ja-JP" altLang="en-US" sz="1200" dirty="0" smtClean="0"/>
-              <a:t>ラインの無い区間を走行しなければならない</a:t>
+              <a:t>ラインの無いエリアを走行する必要がある</a:t>
             </a:r>
             <a:r>
               <a:rPr lang="en-US" altLang="ja-JP" sz="1200" dirty="0" smtClean="0"/>
@@ -47433,7 +47390,7 @@
         </p:blipFill>
         <p:spPr>
           <a:xfrm>
-            <a:off x="8423808" y="6758511"/>
+            <a:off x="8423808" y="6600800"/>
             <a:ext cx="2400759" cy="922411"/>
           </a:xfrm>
           <a:prstGeom prst="rect">
@@ -47454,8 +47411,8 @@
           </a:xfrm>
           <a:prstGeom prst="wedgeRoundRectCallout">
             <a:avLst>
-              <a:gd name="adj1" fmla="val -96631"/>
-              <a:gd name="adj2" fmla="val -5733"/>
+              <a:gd name="adj1" fmla="val -94410"/>
+              <a:gd name="adj2" fmla="val -29220"/>
               <a:gd name="adj3" fmla="val 16667"/>
             </a:avLst>
           </a:prstGeom>
@@ -47482,28 +47439,28 @@
           </a:fontRef>
         </p:style>
         <p:txBody>
-          <a:bodyPr lIns="0" tIns="0" rIns="0" bIns="0" rtlCol="0" anchor="ctr"/>
+          <a:bodyPr lIns="36000" tIns="36000" rIns="36000" bIns="36000" rtlCol="0" anchor="ctr"/>
           <a:lstStyle/>
           <a:p>
             <a:r>
-              <a:rPr lang="ja-JP" altLang="en-US" sz="1050" dirty="0" smtClean="0">
+              <a:rPr lang="ja-JP" altLang="en-US" sz="1000" dirty="0" smtClean="0">
                 <a:latin typeface="+mn-ea"/>
               </a:rPr>
               <a:t>・</a:t>
             </a:r>
             <a:r>
-              <a:rPr lang="ja-JP" altLang="en-US" sz="1100" u="sng" dirty="0" smtClean="0">
+              <a:rPr lang="ja-JP" altLang="en-US" sz="1050" u="sng" dirty="0" smtClean="0">
                 <a:latin typeface="+mn-ea"/>
               </a:rPr>
               <a:t>目標尻尾角度への制御失敗</a:t>
             </a:r>
-            <a:endParaRPr lang="en-US" altLang="ja-JP" sz="1100" u="sng" dirty="0" smtClean="0">
+            <a:endParaRPr lang="en-US" altLang="ja-JP" sz="1050" u="sng" dirty="0" smtClean="0">
               <a:latin typeface="+mn-ea"/>
             </a:endParaRPr>
           </a:p>
           <a:p>
             <a:r>
-              <a:rPr lang="ja-JP" altLang="en-US" sz="1050" dirty="0" smtClean="0">
+              <a:rPr lang="ja-JP" altLang="en-US" sz="1000" dirty="0" smtClean="0">
                 <a:solidFill>
                   <a:srgbClr val="FF0000"/>
                 </a:solidFill>
@@ -47512,42 +47469,42 @@
               <a:t>走行体仰角制御</a:t>
             </a:r>
             <a:r>
-              <a:rPr lang="ja-JP" altLang="en-US" sz="1050" dirty="0" smtClean="0">
+              <a:rPr lang="ja-JP" altLang="en-US" sz="1000" dirty="0" smtClean="0">
                 <a:latin typeface="+mn-ea"/>
               </a:rPr>
               <a:t>（</a:t>
             </a:r>
             <a:r>
-              <a:rPr lang="en-US" altLang="ja-JP" sz="1050" dirty="0" smtClean="0">
+              <a:rPr lang="en-US" altLang="ja-JP" sz="1000" dirty="0" smtClean="0">
                 <a:latin typeface="+mn-ea"/>
               </a:rPr>
               <a:t>p.5 </a:t>
             </a:r>
             <a:r>
-              <a:rPr lang="ja-JP" altLang="en-US" sz="1050" dirty="0" smtClean="0">
+              <a:rPr lang="ja-JP" altLang="en-US" sz="1000" dirty="0" smtClean="0">
                 <a:latin typeface="+mn-ea"/>
               </a:rPr>
               <a:t>要素技術参照）によって</a:t>
             </a:r>
             <a:r>
-              <a:rPr lang="en-US" altLang="ja-JP" sz="1050" dirty="0" smtClean="0">
+              <a:rPr lang="en-US" altLang="ja-JP" sz="1000" dirty="0" smtClean="0">
                 <a:latin typeface="+mn-ea"/>
               </a:rPr>
               <a:t>,</a:t>
             </a:r>
             <a:r>
-              <a:rPr lang="ja-JP" altLang="en-US" sz="1050" dirty="0" smtClean="0">
+              <a:rPr lang="ja-JP" altLang="en-US" sz="1000" dirty="0" smtClean="0">
                 <a:latin typeface="+mn-ea"/>
               </a:rPr>
               <a:t>安定した尻尾角度制御を実現</a:t>
             </a:r>
             <a:r>
-              <a:rPr lang="en-US" altLang="ja-JP" sz="1050" dirty="0" smtClean="0">
+              <a:rPr lang="en-US" altLang="ja-JP" sz="1000" dirty="0" smtClean="0">
                 <a:latin typeface="+mn-ea"/>
               </a:rPr>
               <a:t>.</a:t>
             </a:r>
-            <a:endParaRPr lang="en-US" altLang="ja-JP" sz="1000" dirty="0" smtClean="0">
+            <a:endParaRPr lang="en-US" altLang="ja-JP" sz="900" dirty="0" smtClean="0">
               <a:latin typeface="+mn-ea"/>
             </a:endParaRPr>
           </a:p>
@@ -47561,7 +47518,7 @@
         </p:nvSpPr>
         <p:spPr>
           <a:xfrm rot="20020687">
-            <a:off x="10726831" y="7574289"/>
+            <a:off x="10616456" y="7511772"/>
             <a:ext cx="576064" cy="170391"/>
           </a:xfrm>
           <a:prstGeom prst="downArrow">
@@ -47600,9 +47557,9 @@
           <p:nvPr/>
         </p:nvSpPr>
         <p:spPr>
-          <a:xfrm rot="16200000">
-            <a:off x="3658096" y="7749130"/>
-            <a:ext cx="710857" cy="160835"/>
+          <a:xfrm rot="8055799" flipV="1">
+            <a:off x="3906619" y="7311214"/>
+            <a:ext cx="448967" cy="174892"/>
           </a:xfrm>
           <a:prstGeom prst="downArrow">
             <a:avLst/>
@@ -47641,13 +47598,13 @@
         </p:nvSpPr>
         <p:spPr>
           <a:xfrm>
-            <a:off x="8325623" y="8007578"/>
-            <a:ext cx="2210912" cy="1545550"/>
+            <a:off x="8325623" y="7896944"/>
+            <a:ext cx="2138904" cy="1368152"/>
           </a:xfrm>
           <a:prstGeom prst="wedgeRoundRectCallout">
             <a:avLst>
-              <a:gd name="adj1" fmla="val -17770"/>
-              <a:gd name="adj2" fmla="val -72889"/>
+              <a:gd name="adj1" fmla="val -28110"/>
+              <a:gd name="adj2" fmla="val -69522"/>
               <a:gd name="adj3" fmla="val 16667"/>
             </a:avLst>
           </a:prstGeom>
@@ -47672,17 +47629,17 @@
           </a:fontRef>
         </p:style>
         <p:txBody>
-          <a:bodyPr lIns="0" tIns="0" rIns="0" bIns="0" rtlCol="0" anchor="ctr"/>
+          <a:bodyPr lIns="36000" tIns="36000" rIns="36000" bIns="36000" rtlCol="0" anchor="ctr"/>
           <a:lstStyle/>
           <a:p>
             <a:r>
-              <a:rPr lang="ja-JP" altLang="en-US" sz="1050" dirty="0">
+              <a:rPr lang="ja-JP" altLang="en-US" sz="1000" dirty="0">
                 <a:latin typeface="+mn-ea"/>
               </a:rPr>
               <a:t>・</a:t>
             </a:r>
             <a:r>
-              <a:rPr lang="ja-JP" altLang="en-US" sz="1100" u="sng" dirty="0">
+              <a:rPr lang="ja-JP" altLang="en-US" sz="1050" u="sng" dirty="0">
                 <a:latin typeface="+mn-ea"/>
               </a:rPr>
               <a:t>ゲート検知の失敗</a:t>
@@ -47690,156 +47647,84 @@
           </a:p>
           <a:p>
             <a:r>
-              <a:rPr lang="ja-JP" altLang="en-US" sz="1050" dirty="0">
+              <a:rPr lang="ja-JP" altLang="en-US" sz="1000" dirty="0" smtClean="0">
                 <a:latin typeface="+mn-ea"/>
               </a:rPr>
-              <a:t>ゲート</a:t>
-            </a:r>
-            <a:r>
-              <a:rPr lang="ja-JP" altLang="en-US" sz="1050" dirty="0" smtClean="0">
+              <a:t>ゲート検知に</a:t>
+            </a:r>
+            <a:r>
+              <a:rPr lang="ja-JP" altLang="en-US" sz="1000" dirty="0">
                 <a:latin typeface="+mn-ea"/>
               </a:rPr>
-              <a:t>の検知には</a:t>
-            </a:r>
-            <a:r>
-              <a:rPr lang="ja-JP" altLang="en-US" sz="1050" dirty="0">
+              <a:t>用いる</a:t>
+            </a:r>
+            <a:r>
+              <a:rPr lang="ja-JP" altLang="en-US" sz="1000" dirty="0" smtClean="0">
                 <a:latin typeface="+mn-ea"/>
               </a:rPr>
-              <a:t>超音波センサを</a:t>
-            </a:r>
-            <a:r>
-              <a:rPr lang="ja-JP" altLang="en-US" sz="1050" dirty="0" smtClean="0">
+              <a:t>超音波センサの</a:t>
+            </a:r>
+            <a:r>
+              <a:rPr lang="en-US" altLang="ja-JP" sz="1000" dirty="0" smtClean="0">
                 <a:latin typeface="+mn-ea"/>
               </a:rPr>
-              <a:t>用いる</a:t>
-            </a:r>
-            <a:r>
-              <a:rPr lang="ja-JP" altLang="en-US" sz="1050" dirty="0">
+              <a:t>API</a:t>
+            </a:r>
+            <a:r>
+              <a:rPr lang="ja-JP" altLang="en-US" sz="1000" dirty="0">
                 <a:latin typeface="+mn-ea"/>
               </a:rPr>
-              <a:t>が</a:t>
-            </a:r>
-            <a:r>
-              <a:rPr lang="en-US" altLang="ja-JP" sz="1050" dirty="0" smtClean="0">
+              <a:t>は</a:t>
+            </a:r>
+            <a:r>
+              <a:rPr lang="ja-JP" altLang="en-US" sz="1000" dirty="0" smtClean="0">
                 <a:latin typeface="+mn-ea"/>
               </a:rPr>
-              <a:t>,</a:t>
-            </a:r>
-            <a:r>
-              <a:rPr lang="ja-JP" altLang="en-US" sz="1050" dirty="0" smtClean="0">
+              <a:t>仕様上</a:t>
+            </a:r>
+            <a:r>
+              <a:rPr lang="en-US" altLang="ja-JP" sz="1000" dirty="0" smtClean="0">
                 <a:latin typeface="+mn-ea"/>
               </a:rPr>
-              <a:t>値の取得</a:t>
-            </a:r>
-            <a:r>
-              <a:rPr lang="ja-JP" altLang="en-US" sz="1050" dirty="0">
+              <a:t>50ms</a:t>
+            </a:r>
+            <a:r>
+              <a:rPr lang="ja-JP" altLang="en-US" sz="1000" dirty="0">
                 <a:latin typeface="+mn-ea"/>
               </a:rPr>
-              <a:t>は</a:t>
-            </a:r>
-            <a:r>
-              <a:rPr lang="ja-JP" altLang="en-US" sz="1050" dirty="0" smtClean="0">
+              <a:t>周期</a:t>
+            </a:r>
+            <a:r>
+              <a:rPr lang="ja-JP" altLang="en-US" sz="1000" dirty="0" smtClean="0">
                 <a:latin typeface="+mn-ea"/>
               </a:rPr>
-              <a:t>超音波センサ</a:t>
-            </a:r>
-            <a:r>
-              <a:rPr lang="en-US" altLang="ja-JP" sz="1050" dirty="0" smtClean="0">
+              <a:t>で使用しなければならない． </a:t>
+            </a:r>
+            <a:r>
+              <a:rPr lang="ja-JP" altLang="en-US" sz="1000" dirty="0">
                 <a:latin typeface="+mn-ea"/>
               </a:rPr>
-              <a:t>API</a:t>
-            </a:r>
-            <a:r>
-              <a:rPr lang="ja-JP" altLang="en-US" sz="1050" dirty="0" smtClean="0">
+              <a:t>よって</a:t>
+            </a:r>
+            <a:r>
+              <a:rPr lang="ja-JP" altLang="en-US" sz="1000" dirty="0" smtClean="0">
                 <a:latin typeface="+mn-ea"/>
               </a:rPr>
-              <a:t>の仕様上</a:t>
-            </a:r>
-            <a:r>
-              <a:rPr lang="en-US" altLang="ja-JP" sz="1050" dirty="0" smtClean="0">
+              <a:t>ゲートに接近する際の速度が</a:t>
+            </a:r>
+            <a:r>
+              <a:rPr lang="ja-JP" altLang="en-US" sz="1000" dirty="0">
                 <a:latin typeface="+mn-ea"/>
               </a:rPr>
-              <a:t>50ms</a:t>
-            </a:r>
-            <a:r>
-              <a:rPr lang="ja-JP" altLang="en-US" sz="1050" dirty="0">
+              <a:t>速すぎる</a:t>
+            </a:r>
+            <a:r>
+              <a:rPr lang="ja-JP" altLang="en-US" sz="1000" dirty="0" smtClean="0">
                 <a:latin typeface="+mn-ea"/>
               </a:rPr>
-              <a:t>周期で行わなければならない</a:t>
-            </a:r>
-            <a:r>
-              <a:rPr lang="en-US" altLang="ja-JP" sz="1050" dirty="0" smtClean="0">
-                <a:latin typeface="+mn-ea"/>
-              </a:rPr>
-              <a:t>.</a:t>
-            </a:r>
-            <a:r>
-              <a:rPr lang="ja-JP" altLang="en-US" sz="1050" dirty="0">
-                <a:latin typeface="+mn-ea"/>
-              </a:rPr>
-              <a:t>よって</a:t>
-            </a:r>
-            <a:r>
-              <a:rPr lang="ja-JP" altLang="en-US" sz="1050" dirty="0" smtClean="0">
-                <a:latin typeface="+mn-ea"/>
-              </a:rPr>
-              <a:t>ゲート</a:t>
-            </a:r>
-            <a:r>
-              <a:rPr lang="ja-JP" altLang="en-US" sz="1050" dirty="0">
-                <a:latin typeface="+mn-ea"/>
-              </a:rPr>
-              <a:t>検知をする際</a:t>
-            </a:r>
-            <a:r>
-              <a:rPr lang="ja-JP" altLang="en-US" sz="1050" dirty="0" smtClean="0">
-                <a:latin typeface="+mn-ea"/>
-              </a:rPr>
-              <a:t>の速度</a:t>
-            </a:r>
-            <a:r>
-              <a:rPr lang="ja-JP" altLang="en-US" sz="1050" dirty="0">
-                <a:latin typeface="+mn-ea"/>
-              </a:rPr>
-              <a:t>が速すぎる</a:t>
-            </a:r>
-            <a:r>
-              <a:rPr lang="ja-JP" altLang="en-US" sz="1050" dirty="0" smtClean="0">
-                <a:latin typeface="+mn-ea"/>
-              </a:rPr>
-              <a:t>と検知をする前にゲートを衝突してしまうため</a:t>
-            </a:r>
-            <a:r>
-              <a:rPr lang="en-US" altLang="ja-JP" sz="1050" dirty="0" smtClean="0">
-                <a:latin typeface="+mn-ea"/>
-              </a:rPr>
-              <a:t>,</a:t>
-            </a:r>
-            <a:r>
-              <a:rPr lang="ja-JP" altLang="en-US" sz="1050" dirty="0" smtClean="0">
-                <a:latin typeface="+mn-ea"/>
-              </a:rPr>
-              <a:t>ゲート前</a:t>
-            </a:r>
-            <a:r>
-              <a:rPr lang="ja-JP" altLang="en-US" sz="1050" dirty="0">
-                <a:latin typeface="+mn-ea"/>
-              </a:rPr>
-              <a:t>の区間で速度を下げることで正確な検知を</a:t>
-            </a:r>
-            <a:r>
-              <a:rPr lang="ja-JP" altLang="en-US" sz="1050" dirty="0" smtClean="0">
-                <a:latin typeface="+mn-ea"/>
-              </a:rPr>
-              <a:t>実現</a:t>
-            </a:r>
-            <a:r>
-              <a:rPr lang="en-US" altLang="ja-JP" sz="1050" dirty="0">
-                <a:latin typeface="+mn-ea"/>
-              </a:rPr>
-              <a:t>.</a:t>
-            </a:r>
-            <a:endParaRPr lang="ja-JP" altLang="en-US" sz="1050" dirty="0">
+              <a:t>と検知が出来ないためゲート接近前に減速することで精度の高い検知を実現．</a:t>
+            </a:r>
+            <a:endParaRPr lang="ja-JP" altLang="en-US" sz="1000" dirty="0">
               <a:latin typeface="+mn-ea"/>
             </a:endParaRPr>
           </a:p>
@@ -47853,8 +47738,8 @@
         </p:nvSpPr>
         <p:spPr>
           <a:xfrm>
-            <a:off x="4271839" y="2299033"/>
-            <a:ext cx="3683415" cy="1061409"/>
+            <a:off x="4271839" y="2280320"/>
+            <a:ext cx="3683415" cy="933698"/>
           </a:xfrm>
           <a:prstGeom prst="wedgeRoundRectCallout">
             <a:avLst>
@@ -47880,93 +47765,117 @@
           </a:fontRef>
         </p:style>
         <p:txBody>
-          <a:bodyPr lIns="0" tIns="0" rIns="0" bIns="0" rtlCol="0" anchor="ctr"/>
+          <a:bodyPr lIns="36000" tIns="36000" rIns="36000" bIns="36000" rtlCol="0" anchor="ctr"/>
           <a:lstStyle/>
           <a:p>
             <a:r>
-              <a:rPr lang="ja-JP" altLang="en-US" sz="1050" dirty="0">
+              <a:rPr lang="ja-JP" altLang="en-US" sz="1000" dirty="0">
                 <a:latin typeface="+mn-ea"/>
               </a:rPr>
               <a:t>・</a:t>
             </a:r>
             <a:r>
-              <a:rPr lang="ja-JP" altLang="en-US" sz="1100" u="sng" dirty="0" smtClean="0">
+              <a:rPr lang="ja-JP" altLang="en-US" sz="1050" u="sng" dirty="0" smtClean="0">
                 <a:latin typeface="+mn-ea"/>
               </a:rPr>
               <a:t>直角部分を曲がりきることが出来ない</a:t>
             </a:r>
-            <a:endParaRPr lang="en-US" altLang="ja-JP" sz="1100" u="sng" dirty="0" smtClean="0">
+            <a:endParaRPr lang="en-US" altLang="ja-JP" sz="1050" u="sng" dirty="0" smtClean="0">
               <a:latin typeface="+mn-ea"/>
             </a:endParaRPr>
           </a:p>
           <a:p>
             <a:r>
-              <a:rPr lang="ja-JP" altLang="en-US" sz="1050" dirty="0">
+              <a:rPr lang="ja-JP" altLang="en-US" sz="1000" dirty="0">
                 <a:latin typeface="+mn-ea"/>
               </a:rPr>
               <a:t>直角</a:t>
             </a:r>
             <a:r>
-              <a:rPr lang="ja-JP" altLang="en-US" sz="1050" dirty="0" smtClean="0">
+              <a:rPr lang="ja-JP" altLang="en-US" sz="1000" dirty="0" smtClean="0">
                 <a:latin typeface="+mn-ea"/>
               </a:rPr>
-              <a:t>部分では輝度値の変化を検知すると停止して転回する</a:t>
-            </a:r>
-            <a:r>
-              <a:rPr lang="en-US" altLang="ja-JP" sz="1050" dirty="0" smtClean="0">
+              <a:t>部分の検知が遅れると走行体がラインを見失い</a:t>
+            </a:r>
+            <a:r>
+              <a:rPr lang="en-US" altLang="ja-JP" sz="1000" dirty="0" smtClean="0">
                 <a:latin typeface="+mn-ea"/>
               </a:rPr>
+              <a:t>,</a:t>
+            </a:r>
+            <a:r>
+              <a:rPr lang="ja-JP" altLang="en-US" sz="1000" dirty="0" smtClean="0">
+                <a:latin typeface="+mn-ea"/>
+              </a:rPr>
+              <a:t>転回後にライントレースを</a:t>
+            </a:r>
+            <a:r>
+              <a:rPr lang="ja-JP" altLang="en-US" sz="1000" dirty="0">
+                <a:latin typeface="+mn-ea"/>
+              </a:rPr>
+              <a:t>継続</a:t>
+            </a:r>
+            <a:r>
+              <a:rPr lang="ja-JP" altLang="en-US" sz="1000" dirty="0" smtClean="0">
+                <a:latin typeface="+mn-ea"/>
+              </a:rPr>
+              <a:t>出来なくなる</a:t>
+            </a:r>
+            <a:r>
+              <a:rPr lang="en-US" altLang="ja-JP" sz="1000" dirty="0" smtClean="0">
+                <a:latin typeface="+mn-ea"/>
+              </a:rPr>
               <a:t>.</a:t>
             </a:r>
             <a:r>
-              <a:rPr lang="ja-JP" altLang="en-US" sz="1050" dirty="0" smtClean="0">
+              <a:rPr lang="ja-JP" altLang="en-US" sz="1000" dirty="0">
                 <a:latin typeface="+mn-ea"/>
               </a:rPr>
-              <a:t>この時</a:t>
-            </a:r>
-            <a:r>
-              <a:rPr lang="en-US" altLang="ja-JP" sz="1050" dirty="0" smtClean="0">
+              <a:t>そこ</a:t>
+            </a:r>
+            <a:r>
+              <a:rPr lang="ja-JP" altLang="en-US" sz="1000" dirty="0" smtClean="0">
                 <a:latin typeface="+mn-ea"/>
               </a:rPr>
+              <a:t>で</a:t>
+            </a:r>
+            <a:r>
+              <a:rPr lang="en-US" altLang="ja-JP" sz="1000" dirty="0" smtClean="0">
+                <a:latin typeface="+mn-ea"/>
+              </a:rPr>
               <a:t>,</a:t>
             </a:r>
             <a:r>
-              <a:rPr lang="ja-JP" altLang="en-US" sz="1050" dirty="0" smtClean="0">
+              <a:rPr lang="ja-JP" altLang="en-US" sz="1000" dirty="0" smtClean="0">
                 <a:latin typeface="+mn-ea"/>
               </a:rPr>
-              <a:t>検知が遅れるとラインから外れた位置で転回するためライントレースを続行出来ない</a:t>
-            </a:r>
-            <a:r>
-              <a:rPr lang="en-US" altLang="ja-JP" sz="1050" dirty="0" smtClean="0">
+              <a:t>光センサの値の目標値を走行体が完全にラインを見失う前の値に設定することで</a:t>
+            </a:r>
+            <a:r>
+              <a:rPr lang="en-US" altLang="ja-JP" sz="1000" dirty="0" smtClean="0">
                 <a:latin typeface="+mn-ea"/>
               </a:rPr>
+              <a:t>,</a:t>
+            </a:r>
+            <a:r>
+              <a:rPr lang="ja-JP" altLang="en-US" sz="1000" dirty="0">
+                <a:latin typeface="+mn-ea"/>
+              </a:rPr>
+              <a:t>転回</a:t>
+            </a:r>
+            <a:r>
+              <a:rPr lang="ja-JP" altLang="en-US" sz="1000" dirty="0" smtClean="0">
+                <a:latin typeface="+mn-ea"/>
+              </a:rPr>
+              <a:t>後のライントレース継続を実現</a:t>
+            </a:r>
+            <a:r>
+              <a:rPr lang="en-US" altLang="ja-JP" sz="1000" dirty="0" smtClean="0">
+                <a:latin typeface="+mn-ea"/>
+              </a:rPr>
               <a:t>.</a:t>
             </a:r>
-            <a:r>
-              <a:rPr lang="ja-JP" altLang="en-US" sz="1050" dirty="0" smtClean="0">
-                <a:latin typeface="+mn-ea"/>
-              </a:rPr>
-              <a:t>そこで，輝度値変化が発生した瞬間の傾向を調べ</a:t>
-            </a:r>
-            <a:r>
-              <a:rPr lang="en-US" altLang="ja-JP" sz="1050" dirty="0" smtClean="0">
-                <a:latin typeface="+mn-ea"/>
-              </a:rPr>
-              <a:t>,</a:t>
-            </a:r>
-            <a:r>
-              <a:rPr lang="ja-JP" altLang="en-US" sz="1050" dirty="0" smtClean="0">
-                <a:latin typeface="+mn-ea"/>
-              </a:rPr>
-              <a:t>その傾向が見られた瞬間に停止することでラインを見失わない転回を実現</a:t>
-            </a:r>
-            <a:r>
-              <a:rPr lang="en-US" altLang="ja-JP" sz="1050" dirty="0" smtClean="0">
-                <a:latin typeface="+mn-ea"/>
-              </a:rPr>
-              <a:t>.</a:t>
-            </a:r>
-            <a:endParaRPr lang="ja-JP" altLang="en-US" sz="1050" dirty="0">
+            <a:endParaRPr lang="ja-JP" altLang="en-US" sz="1000" dirty="0">
               <a:latin typeface="+mn-ea"/>
             </a:endParaRPr>
           </a:p>
@@ -48008,16 +47917,1007 @@
           </a:fontRef>
         </p:style>
       </p:cxnSp>
+      <p:sp>
+        <p:nvSpPr>
+          <p:cNvPr id="77" name="角丸四角形吹き出し 76"/>
+          <p:cNvSpPr/>
+          <p:nvPr/>
+        </p:nvSpPr>
+        <p:spPr>
+          <a:xfrm>
+            <a:off x="2396519" y="7479269"/>
+            <a:ext cx="1515280" cy="1929843"/>
+          </a:xfrm>
+          <a:prstGeom prst="wedgeRoundRectCallout">
+            <a:avLst>
+              <a:gd name="adj1" fmla="val -9661"/>
+              <a:gd name="adj2" fmla="val -60593"/>
+              <a:gd name="adj3" fmla="val 16667"/>
+            </a:avLst>
+          </a:prstGeom>
+          <a:ln w="12700">
+            <a:solidFill>
+              <a:schemeClr val="accent6">
+                <a:lumMod val="75000"/>
+              </a:schemeClr>
+            </a:solidFill>
+          </a:ln>
+        </p:spPr>
+        <p:style>
+          <a:lnRef idx="2">
+            <a:schemeClr val="accent6"/>
+          </a:lnRef>
+          <a:fillRef idx="1">
+            <a:schemeClr val="lt1"/>
+          </a:fillRef>
+          <a:effectRef idx="0">
+            <a:schemeClr val="accent6"/>
+          </a:effectRef>
+          <a:fontRef idx="minor">
+            <a:schemeClr val="dk1"/>
+          </a:fontRef>
+        </p:style>
+        <p:txBody>
+          <a:bodyPr lIns="36000" tIns="36000" rIns="36000" bIns="36000" rtlCol="0" anchor="ctr"/>
+          <a:lstStyle/>
+          <a:p>
+            <a:r>
+              <a:rPr lang="ja-JP" altLang="en-US" sz="1000" dirty="0" smtClean="0">
+                <a:latin typeface="+mn-ea"/>
+              </a:rPr>
+              <a:t>・</a:t>
+            </a:r>
+            <a:r>
+              <a:rPr lang="ja-JP" altLang="en-US" sz="1050" u="sng" dirty="0" smtClean="0">
+                <a:latin typeface="+mn-ea"/>
+              </a:rPr>
+              <a:t>ラインの無いエリアでの走行</a:t>
+            </a:r>
+            <a:endParaRPr lang="en-US" altLang="ja-JP" sz="1050" u="sng" dirty="0" smtClean="0">
+              <a:latin typeface="+mn-ea"/>
+            </a:endParaRPr>
+          </a:p>
+          <a:p>
+            <a:r>
+              <a:rPr lang="ja-JP" altLang="en-US" sz="1000" dirty="0">
+                <a:solidFill>
+                  <a:srgbClr val="FF0000"/>
+                </a:solidFill>
+                <a:latin typeface="+mn-ea"/>
+              </a:rPr>
+              <a:t>曲率半径</a:t>
+            </a:r>
+            <a:r>
+              <a:rPr lang="en-US" altLang="ja-JP" sz="1000" dirty="0">
+                <a:solidFill>
+                  <a:srgbClr val="FF0000"/>
+                </a:solidFill>
+                <a:latin typeface="+mn-ea"/>
+              </a:rPr>
+              <a:t>PID</a:t>
+            </a:r>
+            <a:r>
+              <a:rPr lang="ja-JP" altLang="en-US" sz="1000" dirty="0">
+                <a:solidFill>
+                  <a:srgbClr val="FF0000"/>
+                </a:solidFill>
+                <a:latin typeface="+mn-ea"/>
+              </a:rPr>
+              <a:t>制御</a:t>
+            </a:r>
+            <a:r>
+              <a:rPr lang="ja-JP" altLang="en-US" sz="1000" dirty="0">
+                <a:latin typeface="+mn-ea"/>
+              </a:rPr>
+              <a:t>（</a:t>
+            </a:r>
+            <a:r>
+              <a:rPr lang="en-US" altLang="ja-JP" sz="1000" dirty="0">
+                <a:latin typeface="+mn-ea"/>
+              </a:rPr>
+              <a:t>p.5 </a:t>
+            </a:r>
+            <a:r>
+              <a:rPr lang="ja-JP" altLang="en-US" sz="1000" dirty="0">
+                <a:latin typeface="+mn-ea"/>
+              </a:rPr>
+              <a:t>要素技術参照</a:t>
+            </a:r>
+            <a:r>
+              <a:rPr lang="ja-JP" altLang="en-US" sz="1000" dirty="0" smtClean="0">
+                <a:latin typeface="+mn-ea"/>
+              </a:rPr>
+              <a:t>）を利用し，定義した仮想ラインを</a:t>
+            </a:r>
+            <a:r>
+              <a:rPr lang="en-US" altLang="ja-JP" sz="1000" dirty="0" smtClean="0">
+                <a:latin typeface="+mn-ea"/>
+              </a:rPr>
+              <a:t>2</a:t>
+            </a:r>
+            <a:r>
+              <a:rPr lang="ja-JP" altLang="en-US" sz="1000" dirty="0" smtClean="0">
+                <a:latin typeface="+mn-ea"/>
+              </a:rPr>
+              <a:t>つ用意することにより規定された走行を実現．</a:t>
+            </a:r>
+            <a:endParaRPr lang="en-US" altLang="ja-JP" sz="900" dirty="0" smtClean="0">
+              <a:latin typeface="+mn-ea"/>
+            </a:endParaRPr>
+          </a:p>
+        </p:txBody>
+      </p:sp>
+      <p:sp>
+        <p:nvSpPr>
+          <p:cNvPr id="76" name="角丸四角形吹き出し 75"/>
+          <p:cNvSpPr/>
+          <p:nvPr/>
+        </p:nvSpPr>
+        <p:spPr>
+          <a:xfrm>
+            <a:off x="813597" y="7464896"/>
+            <a:ext cx="1442019" cy="1918991"/>
+          </a:xfrm>
+          <a:prstGeom prst="wedgeRoundRectCallout">
+            <a:avLst>
+              <a:gd name="adj1" fmla="val -19612"/>
+              <a:gd name="adj2" fmla="val -55502"/>
+              <a:gd name="adj3" fmla="val 16667"/>
+            </a:avLst>
+          </a:prstGeom>
+          <a:ln w="12700">
+            <a:solidFill>
+              <a:srgbClr val="FFC000"/>
+            </a:solidFill>
+          </a:ln>
+        </p:spPr>
+        <p:style>
+          <a:lnRef idx="2">
+            <a:schemeClr val="accent6"/>
+          </a:lnRef>
+          <a:fillRef idx="1">
+            <a:schemeClr val="lt1"/>
+          </a:fillRef>
+          <a:effectRef idx="0">
+            <a:schemeClr val="accent6"/>
+          </a:effectRef>
+          <a:fontRef idx="minor">
+            <a:schemeClr val="dk1"/>
+          </a:fontRef>
+        </p:style>
+        <p:txBody>
+          <a:bodyPr lIns="36000" tIns="36000" rIns="36000" bIns="36000" rtlCol="0" anchor="ctr"/>
+          <a:lstStyle/>
+          <a:p>
+            <a:r>
+              <a:rPr lang="ja-JP" altLang="en-US" sz="1050" u="sng" dirty="0">
+                <a:latin typeface="+mn-ea"/>
+              </a:rPr>
+              <a:t>・</a:t>
+            </a:r>
+            <a:r>
+              <a:rPr lang="ja-JP" altLang="en-US" sz="1050" u="sng" dirty="0" smtClean="0">
+                <a:latin typeface="+mn-ea"/>
+              </a:rPr>
+              <a:t>ペットボトルの誤検知</a:t>
+            </a:r>
+            <a:r>
+              <a:rPr lang="ja-JP" altLang="en-US" sz="1000" dirty="0">
+                <a:latin typeface="+mn-ea"/>
+              </a:rPr>
+              <a:t/>
+            </a:r>
+            <a:br>
+              <a:rPr lang="ja-JP" altLang="en-US" sz="1000" dirty="0">
+                <a:latin typeface="+mn-ea"/>
+              </a:rPr>
+            </a:br>
+            <a:r>
+              <a:rPr lang="ja-JP" altLang="en-US" sz="1000" dirty="0">
+                <a:latin typeface="+mn-ea"/>
+              </a:rPr>
+              <a:t>大会の</a:t>
+            </a:r>
+            <a:r>
+              <a:rPr lang="ja-JP" altLang="en-US" sz="1000" dirty="0" smtClean="0">
+                <a:latin typeface="+mn-ea"/>
+              </a:rPr>
+              <a:t>コース上ではペットボトル付近にもオブジェ</a:t>
+            </a:r>
+            <a:r>
+              <a:rPr lang="ja-JP" altLang="en-US" sz="1000" dirty="0">
+                <a:latin typeface="+mn-ea"/>
+              </a:rPr>
+              <a:t>が置いて</a:t>
+            </a:r>
+            <a:r>
+              <a:rPr lang="ja-JP" altLang="en-US" sz="1000" dirty="0" smtClean="0">
+                <a:latin typeface="+mn-ea"/>
+              </a:rPr>
+              <a:t>ありそれを</a:t>
+            </a:r>
+            <a:r>
+              <a:rPr lang="ja-JP" altLang="en-US" sz="1000" dirty="0">
+                <a:latin typeface="+mn-ea"/>
+              </a:rPr>
+              <a:t>誤</a:t>
+            </a:r>
+            <a:r>
+              <a:rPr lang="ja-JP" altLang="en-US" sz="1000" dirty="0" smtClean="0">
+                <a:latin typeface="+mn-ea"/>
+              </a:rPr>
+              <a:t>検知する可能性がある</a:t>
+            </a:r>
+            <a:r>
+              <a:rPr lang="en-US" altLang="ja-JP" sz="1000" dirty="0" smtClean="0">
+                <a:latin typeface="+mn-ea"/>
+              </a:rPr>
+              <a:t>.</a:t>
+            </a:r>
+            <a:r>
+              <a:rPr lang="ja-JP" altLang="en-US" sz="1000" dirty="0" smtClean="0">
+                <a:latin typeface="+mn-ea"/>
+              </a:rPr>
+              <a:t>そこで検知位置をライン上でペットボトル</a:t>
+            </a:r>
+            <a:r>
+              <a:rPr lang="ja-JP" altLang="en-US" sz="1000" dirty="0">
+                <a:latin typeface="+mn-ea"/>
+              </a:rPr>
+              <a:t>に最も近い</a:t>
+            </a:r>
+            <a:r>
+              <a:rPr lang="ja-JP" altLang="en-US" sz="1000" dirty="0" smtClean="0">
+                <a:latin typeface="+mn-ea"/>
+              </a:rPr>
+              <a:t>位置にすることで精度の高い検知を実現</a:t>
+            </a:r>
+            <a:r>
+              <a:rPr lang="en-US" altLang="ja-JP" sz="1000" dirty="0" smtClean="0">
+                <a:latin typeface="+mn-ea"/>
+              </a:rPr>
+              <a:t>.</a:t>
+            </a:r>
+            <a:endParaRPr lang="ja-JP" altLang="en-US" sz="1000" dirty="0">
+              <a:latin typeface="+mn-ea"/>
+            </a:endParaRPr>
+          </a:p>
+        </p:txBody>
+      </p:sp>
+      <p:sp>
+        <p:nvSpPr>
+          <p:cNvPr id="7" name="正方形/長方形 6"/>
+          <p:cNvSpPr/>
+          <p:nvPr/>
+        </p:nvSpPr>
+        <p:spPr>
+          <a:xfrm>
+            <a:off x="1100281" y="3351148"/>
+            <a:ext cx="308098" cy="369332"/>
+          </a:xfrm>
+          <a:prstGeom prst="rect">
+            <a:avLst/>
+          </a:prstGeom>
+          <a:noFill/>
+        </p:spPr>
+        <p:txBody>
+          <a:bodyPr wrap="none" lIns="91440" tIns="45720" rIns="91440" bIns="45720">
+            <a:spAutoFit/>
+          </a:bodyPr>
+          <a:lstStyle/>
+          <a:p>
+            <a:pPr algn="ctr"/>
+            <a:r>
+              <a:rPr lang="en-US" altLang="ja-JP" sz="1800" b="1" dirty="0" smtClean="0">
+                <a:ln w="12700">
+                  <a:solidFill>
+                    <a:schemeClr val="tx2">
+                      <a:satMod val="155000"/>
+                    </a:schemeClr>
+                  </a:solidFill>
+                  <a:prstDash val="solid"/>
+                </a:ln>
+                <a:solidFill>
+                  <a:schemeClr val="bg2">
+                    <a:tint val="85000"/>
+                    <a:satMod val="155000"/>
+                  </a:schemeClr>
+                </a:solidFill>
+                <a:effectLst>
+                  <a:outerShdw blurRad="41275" dist="20320" dir="1800000" algn="tl" rotWithShape="0">
+                    <a:srgbClr val="000000">
+                      <a:alpha val="40000"/>
+                    </a:srgbClr>
+                  </a:outerShdw>
+                </a:effectLst>
+              </a:rPr>
+              <a:t>1</a:t>
+            </a:r>
+            <a:endParaRPr lang="ja-JP" altLang="en-US" sz="1800" b="1" dirty="0">
+              <a:ln w="12700">
+                <a:solidFill>
+                  <a:schemeClr val="tx2">
+                    <a:satMod val="155000"/>
+                  </a:schemeClr>
+                </a:solidFill>
+                <a:prstDash val="solid"/>
+              </a:ln>
+              <a:solidFill>
+                <a:schemeClr val="bg2">
+                  <a:tint val="85000"/>
+                  <a:satMod val="155000"/>
+                </a:schemeClr>
+              </a:solidFill>
+              <a:effectLst>
+                <a:outerShdw blurRad="41275" dist="20320" dir="1800000" algn="tl" rotWithShape="0">
+                  <a:srgbClr val="000000">
+                    <a:alpha val="40000"/>
+                  </a:srgbClr>
+                </a:outerShdw>
+              </a:effectLst>
+            </a:endParaRPr>
+          </a:p>
+        </p:txBody>
+      </p:sp>
+      <p:sp>
+        <p:nvSpPr>
+          <p:cNvPr id="44" name="正方形/長方形 43"/>
+          <p:cNvSpPr/>
+          <p:nvPr/>
+        </p:nvSpPr>
+        <p:spPr>
+          <a:xfrm>
+            <a:off x="5410313" y="3576464"/>
+            <a:ext cx="301686" cy="369332"/>
+          </a:xfrm>
+          <a:prstGeom prst="rect">
+            <a:avLst/>
+          </a:prstGeom>
+          <a:noFill/>
+        </p:spPr>
+        <p:txBody>
+          <a:bodyPr wrap="none" lIns="91440" tIns="45720" rIns="91440" bIns="45720">
+            <a:spAutoFit/>
+          </a:bodyPr>
+          <a:lstStyle/>
+          <a:p>
+            <a:pPr algn="ctr"/>
+            <a:r>
+              <a:rPr lang="en-US" altLang="ja-JP" sz="1800" b="1" cap="none" spc="0" dirty="0" smtClean="0">
+                <a:ln w="12700">
+                  <a:solidFill>
+                    <a:schemeClr val="tx2">
+                      <a:satMod val="155000"/>
+                    </a:schemeClr>
+                  </a:solidFill>
+                  <a:prstDash val="solid"/>
+                </a:ln>
+                <a:solidFill>
+                  <a:schemeClr val="bg2">
+                    <a:tint val="85000"/>
+                    <a:satMod val="155000"/>
+                  </a:schemeClr>
+                </a:solidFill>
+                <a:effectLst>
+                  <a:outerShdw blurRad="41275" dist="20320" dir="1800000" algn="tl" rotWithShape="0">
+                    <a:srgbClr val="000000">
+                      <a:alpha val="40000"/>
+                    </a:srgbClr>
+                  </a:outerShdw>
+                </a:effectLst>
+              </a:rPr>
+              <a:t>1</a:t>
+            </a:r>
+            <a:endParaRPr lang="ja-JP" altLang="en-US" sz="1800" b="1" cap="none" spc="0" dirty="0">
+              <a:ln w="12700">
+                <a:solidFill>
+                  <a:schemeClr val="tx2">
+                    <a:satMod val="155000"/>
+                  </a:schemeClr>
+                </a:solidFill>
+                <a:prstDash val="solid"/>
+              </a:ln>
+              <a:solidFill>
+                <a:schemeClr val="bg2">
+                  <a:tint val="85000"/>
+                  <a:satMod val="155000"/>
+                </a:schemeClr>
+              </a:solidFill>
+              <a:effectLst>
+                <a:outerShdw blurRad="41275" dist="20320" dir="1800000" algn="tl" rotWithShape="0">
+                  <a:srgbClr val="000000">
+                    <a:alpha val="40000"/>
+                  </a:srgbClr>
+                </a:outerShdw>
+              </a:effectLst>
+            </a:endParaRPr>
+          </a:p>
+        </p:txBody>
+      </p:sp>
+      <p:sp>
+        <p:nvSpPr>
+          <p:cNvPr id="45" name="正方形/長方形 44"/>
+          <p:cNvSpPr/>
+          <p:nvPr/>
+        </p:nvSpPr>
+        <p:spPr>
+          <a:xfrm>
+            <a:off x="4199831" y="3324850"/>
+            <a:ext cx="301686" cy="369332"/>
+          </a:xfrm>
+          <a:prstGeom prst="rect">
+            <a:avLst/>
+          </a:prstGeom>
+          <a:noFill/>
+        </p:spPr>
+        <p:txBody>
+          <a:bodyPr wrap="none" lIns="91440" tIns="45720" rIns="91440" bIns="45720">
+            <a:spAutoFit/>
+          </a:bodyPr>
+          <a:lstStyle/>
+          <a:p>
+            <a:pPr algn="ctr"/>
+            <a:r>
+              <a:rPr lang="en-US" altLang="ja-JP" sz="1800" b="1" dirty="0">
+                <a:ln w="12700">
+                  <a:solidFill>
+                    <a:schemeClr val="tx2">
+                      <a:satMod val="155000"/>
+                    </a:schemeClr>
+                  </a:solidFill>
+                  <a:prstDash val="solid"/>
+                </a:ln>
+                <a:solidFill>
+                  <a:schemeClr val="bg2">
+                    <a:tint val="85000"/>
+                    <a:satMod val="155000"/>
+                  </a:schemeClr>
+                </a:solidFill>
+                <a:effectLst>
+                  <a:outerShdw blurRad="41275" dist="20320" dir="1800000" algn="tl" rotWithShape="0">
+                    <a:srgbClr val="000000">
+                      <a:alpha val="40000"/>
+                    </a:srgbClr>
+                  </a:outerShdw>
+                </a:effectLst>
+              </a:rPr>
+              <a:t>2</a:t>
+            </a:r>
+            <a:endParaRPr lang="ja-JP" altLang="en-US" sz="1800" b="1" cap="none" spc="0" dirty="0">
+              <a:ln w="12700">
+                <a:solidFill>
+                  <a:schemeClr val="tx2">
+                    <a:satMod val="155000"/>
+                  </a:schemeClr>
+                </a:solidFill>
+                <a:prstDash val="solid"/>
+              </a:ln>
+              <a:solidFill>
+                <a:schemeClr val="bg2">
+                  <a:tint val="85000"/>
+                  <a:satMod val="155000"/>
+                </a:schemeClr>
+              </a:solidFill>
+              <a:effectLst>
+                <a:outerShdw blurRad="41275" dist="20320" dir="1800000" algn="tl" rotWithShape="0">
+                  <a:srgbClr val="000000">
+                    <a:alpha val="40000"/>
+                  </a:srgbClr>
+                </a:outerShdw>
+              </a:effectLst>
+            </a:endParaRPr>
+          </a:p>
+        </p:txBody>
+      </p:sp>
+      <p:sp>
+        <p:nvSpPr>
+          <p:cNvPr id="46" name="正方形/長方形 45"/>
+          <p:cNvSpPr/>
+          <p:nvPr/>
+        </p:nvSpPr>
+        <p:spPr>
+          <a:xfrm>
+            <a:off x="5279951" y="5090554"/>
+            <a:ext cx="301686" cy="369332"/>
+          </a:xfrm>
+          <a:prstGeom prst="rect">
+            <a:avLst/>
+          </a:prstGeom>
+          <a:noFill/>
+        </p:spPr>
+        <p:txBody>
+          <a:bodyPr wrap="none" lIns="91440" tIns="45720" rIns="91440" bIns="45720">
+            <a:spAutoFit/>
+          </a:bodyPr>
+          <a:lstStyle/>
+          <a:p>
+            <a:pPr algn="ctr"/>
+            <a:r>
+              <a:rPr lang="en-US" altLang="ja-JP" sz="1800" b="1" dirty="0">
+                <a:ln w="12700">
+                  <a:solidFill>
+                    <a:schemeClr val="tx2">
+                      <a:satMod val="155000"/>
+                    </a:schemeClr>
+                  </a:solidFill>
+                  <a:prstDash val="solid"/>
+                </a:ln>
+                <a:solidFill>
+                  <a:schemeClr val="bg2">
+                    <a:tint val="85000"/>
+                    <a:satMod val="155000"/>
+                  </a:schemeClr>
+                </a:solidFill>
+                <a:effectLst>
+                  <a:outerShdw blurRad="41275" dist="20320" dir="1800000" algn="tl" rotWithShape="0">
+                    <a:srgbClr val="000000">
+                      <a:alpha val="40000"/>
+                    </a:srgbClr>
+                  </a:outerShdw>
+                </a:effectLst>
+              </a:rPr>
+              <a:t>2</a:t>
+            </a:r>
+            <a:endParaRPr lang="ja-JP" altLang="en-US" sz="1800" b="1" cap="none" spc="0" dirty="0">
+              <a:ln w="12700">
+                <a:solidFill>
+                  <a:schemeClr val="tx2">
+                    <a:satMod val="155000"/>
+                  </a:schemeClr>
+                </a:solidFill>
+                <a:prstDash val="solid"/>
+              </a:ln>
+              <a:solidFill>
+                <a:schemeClr val="bg2">
+                  <a:tint val="85000"/>
+                  <a:satMod val="155000"/>
+                </a:schemeClr>
+              </a:solidFill>
+              <a:effectLst>
+                <a:outerShdw blurRad="41275" dist="20320" dir="1800000" algn="tl" rotWithShape="0">
+                  <a:srgbClr val="000000">
+                    <a:alpha val="40000"/>
+                  </a:srgbClr>
+                </a:outerShdw>
+              </a:effectLst>
+            </a:endParaRPr>
+          </a:p>
+        </p:txBody>
+      </p:sp>
+      <p:sp>
+        <p:nvSpPr>
+          <p:cNvPr id="48" name="正方形/長方形 47"/>
+          <p:cNvSpPr/>
+          <p:nvPr/>
+        </p:nvSpPr>
+        <p:spPr>
+          <a:xfrm>
+            <a:off x="2975695" y="3495164"/>
+            <a:ext cx="301686" cy="369332"/>
+          </a:xfrm>
+          <a:prstGeom prst="rect">
+            <a:avLst/>
+          </a:prstGeom>
+          <a:noFill/>
+        </p:spPr>
+        <p:txBody>
+          <a:bodyPr wrap="none" lIns="91440" tIns="45720" rIns="91440" bIns="45720">
+            <a:spAutoFit/>
+          </a:bodyPr>
+          <a:lstStyle/>
+          <a:p>
+            <a:pPr algn="ctr"/>
+            <a:r>
+              <a:rPr lang="en-US" altLang="ja-JP" sz="1800" b="1" dirty="0">
+                <a:ln w="12700">
+                  <a:solidFill>
+                    <a:schemeClr val="tx2">
+                      <a:satMod val="155000"/>
+                    </a:schemeClr>
+                  </a:solidFill>
+                  <a:prstDash val="solid"/>
+                </a:ln>
+                <a:solidFill>
+                  <a:schemeClr val="bg2">
+                    <a:tint val="85000"/>
+                    <a:satMod val="155000"/>
+                  </a:schemeClr>
+                </a:solidFill>
+                <a:effectLst>
+                  <a:outerShdw blurRad="41275" dist="20320" dir="1800000" algn="tl" rotWithShape="0">
+                    <a:srgbClr val="000000">
+                      <a:alpha val="40000"/>
+                    </a:srgbClr>
+                  </a:outerShdw>
+                </a:effectLst>
+              </a:rPr>
+              <a:t>3</a:t>
+            </a:r>
+            <a:endParaRPr lang="ja-JP" altLang="en-US" sz="1800" b="1" cap="none" spc="0" dirty="0">
+              <a:ln w="12700">
+                <a:solidFill>
+                  <a:schemeClr val="tx2">
+                    <a:satMod val="155000"/>
+                  </a:schemeClr>
+                </a:solidFill>
+                <a:prstDash val="solid"/>
+              </a:ln>
+              <a:solidFill>
+                <a:schemeClr val="bg2">
+                  <a:tint val="85000"/>
+                  <a:satMod val="155000"/>
+                </a:schemeClr>
+              </a:solidFill>
+              <a:effectLst>
+                <a:outerShdw blurRad="41275" dist="20320" dir="1800000" algn="tl" rotWithShape="0">
+                  <a:srgbClr val="000000">
+                    <a:alpha val="40000"/>
+                  </a:srgbClr>
+                </a:outerShdw>
+              </a:effectLst>
+            </a:endParaRPr>
+          </a:p>
+        </p:txBody>
+      </p:sp>
+      <p:sp>
+        <p:nvSpPr>
+          <p:cNvPr id="49" name="正方形/長方形 48"/>
+          <p:cNvSpPr/>
+          <p:nvPr/>
+        </p:nvSpPr>
+        <p:spPr>
+          <a:xfrm>
+            <a:off x="6648103" y="4071228"/>
+            <a:ext cx="301686" cy="369332"/>
+          </a:xfrm>
+          <a:prstGeom prst="rect">
+            <a:avLst/>
+          </a:prstGeom>
+          <a:noFill/>
+        </p:spPr>
+        <p:txBody>
+          <a:bodyPr wrap="none" lIns="91440" tIns="45720" rIns="91440" bIns="45720">
+            <a:spAutoFit/>
+          </a:bodyPr>
+          <a:lstStyle/>
+          <a:p>
+            <a:pPr algn="ctr"/>
+            <a:r>
+              <a:rPr lang="en-US" altLang="ja-JP" sz="1800" b="1" dirty="0">
+                <a:ln w="12700">
+                  <a:solidFill>
+                    <a:schemeClr val="tx2">
+                      <a:satMod val="155000"/>
+                    </a:schemeClr>
+                  </a:solidFill>
+                  <a:prstDash val="solid"/>
+                </a:ln>
+                <a:solidFill>
+                  <a:schemeClr val="bg2">
+                    <a:tint val="85000"/>
+                    <a:satMod val="155000"/>
+                  </a:schemeClr>
+                </a:solidFill>
+                <a:effectLst>
+                  <a:outerShdw blurRad="41275" dist="20320" dir="1800000" algn="tl" rotWithShape="0">
+                    <a:srgbClr val="000000">
+                      <a:alpha val="40000"/>
+                    </a:srgbClr>
+                  </a:outerShdw>
+                </a:effectLst>
+              </a:rPr>
+              <a:t>3</a:t>
+            </a:r>
+            <a:endParaRPr lang="ja-JP" altLang="en-US" sz="1800" b="1" cap="none" spc="0" dirty="0">
+              <a:ln w="12700">
+                <a:solidFill>
+                  <a:schemeClr val="tx2">
+                    <a:satMod val="155000"/>
+                  </a:schemeClr>
+                </a:solidFill>
+                <a:prstDash val="solid"/>
+              </a:ln>
+              <a:solidFill>
+                <a:schemeClr val="bg2">
+                  <a:tint val="85000"/>
+                  <a:satMod val="155000"/>
+                </a:schemeClr>
+              </a:solidFill>
+              <a:effectLst>
+                <a:outerShdw blurRad="41275" dist="20320" dir="1800000" algn="tl" rotWithShape="0">
+                  <a:srgbClr val="000000">
+                    <a:alpha val="40000"/>
+                  </a:srgbClr>
+                </a:outerShdw>
+              </a:effectLst>
+            </a:endParaRPr>
+          </a:p>
+        </p:txBody>
+      </p:sp>
+      <p:sp>
+        <p:nvSpPr>
+          <p:cNvPr id="50" name="正方形/長方形 49"/>
+          <p:cNvSpPr/>
+          <p:nvPr/>
+        </p:nvSpPr>
+        <p:spPr>
+          <a:xfrm>
+            <a:off x="3119711" y="4215244"/>
+            <a:ext cx="301686" cy="369332"/>
+          </a:xfrm>
+          <a:prstGeom prst="rect">
+            <a:avLst/>
+          </a:prstGeom>
+          <a:noFill/>
+        </p:spPr>
+        <p:txBody>
+          <a:bodyPr wrap="none" lIns="91440" tIns="45720" rIns="91440" bIns="45720">
+            <a:spAutoFit/>
+          </a:bodyPr>
+          <a:lstStyle/>
+          <a:p>
+            <a:pPr algn="ctr"/>
+            <a:r>
+              <a:rPr lang="en-US" altLang="ja-JP" sz="1800" b="1" dirty="0" smtClean="0">
+                <a:ln w="12700">
+                  <a:solidFill>
+                    <a:schemeClr val="tx2">
+                      <a:satMod val="155000"/>
+                    </a:schemeClr>
+                  </a:solidFill>
+                  <a:prstDash val="solid"/>
+                </a:ln>
+                <a:solidFill>
+                  <a:schemeClr val="bg2">
+                    <a:tint val="85000"/>
+                    <a:satMod val="155000"/>
+                  </a:schemeClr>
+                </a:solidFill>
+                <a:effectLst>
+                  <a:outerShdw blurRad="41275" dist="20320" dir="1800000" algn="tl" rotWithShape="0">
+                    <a:srgbClr val="000000">
+                      <a:alpha val="40000"/>
+                    </a:srgbClr>
+                  </a:outerShdw>
+                </a:effectLst>
+              </a:rPr>
+              <a:t>4</a:t>
+            </a:r>
+            <a:endParaRPr lang="ja-JP" altLang="en-US" sz="1800" b="1" cap="none" spc="0" dirty="0">
+              <a:ln w="12700">
+                <a:solidFill>
+                  <a:schemeClr val="tx2">
+                    <a:satMod val="155000"/>
+                  </a:schemeClr>
+                </a:solidFill>
+                <a:prstDash val="solid"/>
+              </a:ln>
+              <a:solidFill>
+                <a:schemeClr val="bg2">
+                  <a:tint val="85000"/>
+                  <a:satMod val="155000"/>
+                </a:schemeClr>
+              </a:solidFill>
+              <a:effectLst>
+                <a:outerShdw blurRad="41275" dist="20320" dir="1800000" algn="tl" rotWithShape="0">
+                  <a:srgbClr val="000000">
+                    <a:alpha val="40000"/>
+                  </a:srgbClr>
+                </a:outerShdw>
+              </a:effectLst>
+            </a:endParaRPr>
+          </a:p>
+        </p:txBody>
+      </p:sp>
+      <p:sp>
+        <p:nvSpPr>
+          <p:cNvPr id="52" name="正方形/長方形 51"/>
+          <p:cNvSpPr/>
+          <p:nvPr/>
+        </p:nvSpPr>
+        <p:spPr>
+          <a:xfrm>
+            <a:off x="6648103" y="4440560"/>
+            <a:ext cx="301686" cy="369332"/>
+          </a:xfrm>
+          <a:prstGeom prst="rect">
+            <a:avLst/>
+          </a:prstGeom>
+          <a:noFill/>
+        </p:spPr>
+        <p:txBody>
+          <a:bodyPr wrap="none" lIns="91440" tIns="45720" rIns="91440" bIns="45720">
+            <a:spAutoFit/>
+          </a:bodyPr>
+          <a:lstStyle/>
+          <a:p>
+            <a:pPr algn="ctr"/>
+            <a:r>
+              <a:rPr lang="en-US" altLang="ja-JP" sz="1800" b="1" dirty="0" smtClean="0">
+                <a:ln w="12700">
+                  <a:solidFill>
+                    <a:schemeClr val="tx2">
+                      <a:satMod val="155000"/>
+                    </a:schemeClr>
+                  </a:solidFill>
+                  <a:prstDash val="solid"/>
+                </a:ln>
+                <a:solidFill>
+                  <a:schemeClr val="bg2">
+                    <a:tint val="85000"/>
+                    <a:satMod val="155000"/>
+                  </a:schemeClr>
+                </a:solidFill>
+                <a:effectLst>
+                  <a:outerShdw blurRad="41275" dist="20320" dir="1800000" algn="tl" rotWithShape="0">
+                    <a:srgbClr val="000000">
+                      <a:alpha val="40000"/>
+                    </a:srgbClr>
+                  </a:outerShdw>
+                </a:effectLst>
+              </a:rPr>
+              <a:t>4</a:t>
+            </a:r>
+            <a:endParaRPr lang="ja-JP" altLang="en-US" sz="1800" b="1" cap="none" spc="0" dirty="0">
+              <a:ln w="12700">
+                <a:solidFill>
+                  <a:schemeClr val="tx2">
+                    <a:satMod val="155000"/>
+                  </a:schemeClr>
+                </a:solidFill>
+                <a:prstDash val="solid"/>
+              </a:ln>
+              <a:solidFill>
+                <a:schemeClr val="bg2">
+                  <a:tint val="85000"/>
+                  <a:satMod val="155000"/>
+                </a:schemeClr>
+              </a:solidFill>
+              <a:effectLst>
+                <a:outerShdw blurRad="41275" dist="20320" dir="1800000" algn="tl" rotWithShape="0">
+                  <a:srgbClr val="000000">
+                    <a:alpha val="40000"/>
+                  </a:srgbClr>
+                </a:outerShdw>
+              </a:effectLst>
+            </a:endParaRPr>
+          </a:p>
+        </p:txBody>
+      </p:sp>
+      <p:sp>
+        <p:nvSpPr>
+          <p:cNvPr id="56" name="角丸四角形吹き出し 55"/>
+          <p:cNvSpPr/>
+          <p:nvPr/>
+        </p:nvSpPr>
+        <p:spPr>
+          <a:xfrm>
+            <a:off x="4705535" y="6312768"/>
+            <a:ext cx="3166704" cy="792089"/>
+          </a:xfrm>
+          <a:prstGeom prst="wedgeRoundRectCallout">
+            <a:avLst>
+              <a:gd name="adj1" fmla="val -68477"/>
+              <a:gd name="adj2" fmla="val 13624"/>
+              <a:gd name="adj3" fmla="val 16667"/>
+            </a:avLst>
+          </a:prstGeom>
+          <a:ln w="12700">
+            <a:solidFill>
+              <a:schemeClr val="accent2"/>
+            </a:solidFill>
+          </a:ln>
+        </p:spPr>
+        <p:style>
+          <a:lnRef idx="2">
+            <a:schemeClr val="accent6"/>
+          </a:lnRef>
+          <a:fillRef idx="1">
+            <a:schemeClr val="lt1"/>
+          </a:fillRef>
+          <a:effectRef idx="0">
+            <a:schemeClr val="accent6"/>
+          </a:effectRef>
+          <a:fontRef idx="minor">
+            <a:schemeClr val="dk1"/>
+          </a:fontRef>
+        </p:style>
+        <p:txBody>
+          <a:bodyPr lIns="36000" tIns="36000" rIns="36000" bIns="36000" rtlCol="0" anchor="ctr"/>
+          <a:lstStyle/>
+          <a:p>
+            <a:r>
+              <a:rPr lang="ja-JP" altLang="en-US" sz="1000" dirty="0" smtClean="0">
+                <a:latin typeface="+mn-ea"/>
+              </a:rPr>
+              <a:t>・</a:t>
+            </a:r>
+            <a:r>
+              <a:rPr lang="ja-JP" altLang="en-US" sz="1050" u="sng" dirty="0" smtClean="0">
+                <a:latin typeface="+mn-ea"/>
+              </a:rPr>
+              <a:t>ターンエリア終了後に走行体が</a:t>
+            </a:r>
+            <a:r>
+              <a:rPr lang="ja-JP" altLang="en-US" sz="1050" u="sng" dirty="0" smtClean="0">
+                <a:latin typeface="+mn-ea"/>
+              </a:rPr>
+              <a:t>ライン</a:t>
+            </a:r>
+            <a:r>
+              <a:rPr lang="ja-JP" altLang="en-US" sz="1050" u="sng" dirty="0" smtClean="0">
+                <a:latin typeface="+mn-ea"/>
+              </a:rPr>
+              <a:t>に復帰する必要がある</a:t>
+            </a:r>
+            <a:r>
+              <a:rPr lang="en-US" altLang="ja-JP" sz="1050" u="sng" dirty="0" smtClean="0">
+                <a:latin typeface="+mn-ea"/>
+              </a:rPr>
+              <a:t/>
+            </a:r>
+            <a:br>
+              <a:rPr lang="en-US" altLang="ja-JP" sz="1050" u="sng" dirty="0" smtClean="0">
+                <a:latin typeface="+mn-ea"/>
+              </a:rPr>
+            </a:br>
+            <a:r>
+              <a:rPr lang="ja-JP" altLang="en-US" sz="1050" dirty="0" smtClean="0">
+                <a:latin typeface="+mn-ea"/>
+              </a:rPr>
+              <a:t>ラインへ斜めに進入しラインエッジを検出後</a:t>
+            </a:r>
+            <a:r>
+              <a:rPr lang="en-US" altLang="ja-JP" sz="1050" dirty="0" smtClean="0">
+                <a:latin typeface="+mn-ea"/>
+              </a:rPr>
+              <a:t>,</a:t>
+            </a:r>
+            <a:endParaRPr lang="en-US" altLang="ja-JP" sz="1050" dirty="0" smtClean="0">
+              <a:latin typeface="+mn-ea"/>
+            </a:endParaRPr>
+          </a:p>
+          <a:p>
+            <a:r>
+              <a:rPr lang="ja-JP" altLang="en-US" sz="1000" dirty="0" smtClean="0">
+                <a:latin typeface="+mn-ea"/>
+              </a:rPr>
+              <a:t>輝度値</a:t>
+            </a:r>
+            <a:r>
+              <a:rPr lang="en-US" altLang="ja-JP" sz="1000" dirty="0" smtClean="0">
+                <a:latin typeface="+mn-ea"/>
+              </a:rPr>
+              <a:t>PID</a:t>
+            </a:r>
+            <a:r>
+              <a:rPr lang="ja-JP" altLang="en-US" sz="1000" dirty="0" smtClean="0">
+                <a:latin typeface="+mn-ea"/>
+              </a:rPr>
+              <a:t>制御に切り替えることでラインへ復帰</a:t>
+            </a:r>
+            <a:r>
+              <a:rPr lang="en-US" altLang="ja-JP" sz="1000" dirty="0" smtClean="0">
+                <a:latin typeface="+mn-ea"/>
+              </a:rPr>
+              <a:t>.</a:t>
+            </a:r>
+            <a:endParaRPr lang="en-US" altLang="ja-JP" sz="1000" dirty="0" smtClean="0">
+              <a:latin typeface="+mn-ea"/>
+            </a:endParaRPr>
+          </a:p>
+        </p:txBody>
+      </p:sp>
       <p:pic>
         <p:nvPicPr>
-          <p:cNvPr id="1026" name="Picture 2"/>
+          <p:cNvPr id="9" name="Picture 5"/>
           <p:cNvPicPr>
             <a:picLocks noChangeAspect="1" noChangeArrowheads="1"/>
           </p:cNvPicPr>
           <p:nvPr/>
         </p:nvPicPr>
         <p:blipFill>
-          <a:blip r:embed="rId8" cstate="print">
+          <a:blip r:embed="rId8">
             <a:extLst>
               <a:ext uri="{28A0092B-C50C-407E-A947-70E740481C1C}">
                 <a14:useLocalDpi xmlns:a14="http://schemas.microsoft.com/office/drawing/2010/main" val="0"/>
@@ -48031,8 +48931,8 @@
         </p:blipFill>
         <p:spPr bwMode="auto">
           <a:xfrm>
-            <a:off x="743447" y="6528792"/>
-            <a:ext cx="3253457" cy="899354"/>
+            <a:off x="4559870" y="7131420"/>
+            <a:ext cx="3395383" cy="2436189"/>
           </a:xfrm>
           <a:prstGeom prst="rect">
             <a:avLst/>
@@ -48074,7 +48974,7 @@
       </p:pic>
       <p:pic>
         <p:nvPicPr>
-          <p:cNvPr id="1027" name="Picture 3"/>
+          <p:cNvPr id="12" name="Picture 7"/>
           <p:cNvPicPr>
             <a:picLocks noChangeAspect="1" noChangeArrowheads="1"/>
           </p:cNvPicPr>
@@ -48095,8 +48995,8 @@
         </p:blipFill>
         <p:spPr bwMode="auto">
           <a:xfrm>
-            <a:off x="4038436" y="6473388"/>
-            <a:ext cx="4074210" cy="2935724"/>
+            <a:off x="10862233" y="3512944"/>
+            <a:ext cx="2550790" cy="2074357"/>
           </a:xfrm>
           <a:prstGeom prst="rect">
             <a:avLst/>
@@ -48138,321 +49038,1575 @@
       </p:pic>
       <p:sp>
         <p:nvSpPr>
-          <p:cNvPr id="77" name="角丸四角形吹き出し 76"/>
+          <p:cNvPr id="57" name="正方形/長方形 56"/>
           <p:cNvSpPr/>
           <p:nvPr/>
         </p:nvSpPr>
         <p:spPr>
           <a:xfrm>
-            <a:off x="2327623" y="7407261"/>
-            <a:ext cx="1515280" cy="2145869"/>
+            <a:off x="8376295" y="2775084"/>
+            <a:ext cx="301686" cy="369332"/>
           </a:xfrm>
-          <a:prstGeom prst="wedgeRoundRectCallout">
-            <a:avLst>
-              <a:gd name="adj1" fmla="val -9661"/>
-              <a:gd name="adj2" fmla="val -60593"/>
-              <a:gd name="adj3" fmla="val 16667"/>
-            </a:avLst>
+          <a:prstGeom prst="rect">
+            <a:avLst/>
           </a:prstGeom>
-          <a:ln w="12700">
-            <a:solidFill>
-              <a:schemeClr val="accent6">
-                <a:lumMod val="75000"/>
-              </a:schemeClr>
-            </a:solidFill>
-          </a:ln>
+          <a:noFill/>
         </p:spPr>
-        <p:style>
-          <a:lnRef idx="2">
-            <a:schemeClr val="accent6"/>
-          </a:lnRef>
-          <a:fillRef idx="1">
-            <a:schemeClr val="lt1"/>
-          </a:fillRef>
-          <a:effectRef idx="0">
-            <a:schemeClr val="accent6"/>
-          </a:effectRef>
-          <a:fontRef idx="minor">
-            <a:schemeClr val="dk1"/>
-          </a:fontRef>
-        </p:style>
         <p:txBody>
-          <a:bodyPr lIns="0" tIns="0" rIns="0" bIns="0" rtlCol="0" anchor="ctr"/>
+          <a:bodyPr wrap="none" lIns="91440" tIns="45720" rIns="91440" bIns="45720">
+            <a:spAutoFit/>
+          </a:bodyPr>
           <a:lstStyle/>
           <a:p>
-            <a:r>
-              <a:rPr lang="ja-JP" altLang="en-US" sz="1050" dirty="0" smtClean="0">
-                <a:latin typeface="+mn-ea"/>
-              </a:rPr>
-              <a:t>・</a:t>
-            </a:r>
-            <a:r>
-              <a:rPr lang="ja-JP" altLang="en-US" sz="1100" u="sng" dirty="0" smtClean="0">
-                <a:latin typeface="+mn-ea"/>
-              </a:rPr>
-              <a:t>ターンエリアでの走行失敗</a:t>
-            </a:r>
-            <a:endParaRPr lang="en-US" altLang="ja-JP" sz="1100" u="sng" dirty="0" smtClean="0">
-              <a:latin typeface="+mn-ea"/>
-            </a:endParaRPr>
-          </a:p>
-          <a:p>
-            <a:r>
-              <a:rPr lang="ja-JP" altLang="en-US" sz="1050" dirty="0" smtClean="0">
-                <a:latin typeface="+mn-ea"/>
-              </a:rPr>
-              <a:t>ターンエリア上にはラインが無いため</a:t>
-            </a:r>
-            <a:r>
-              <a:rPr lang="en-US" altLang="ja-JP" sz="1050" dirty="0" smtClean="0">
-                <a:latin typeface="+mn-ea"/>
-              </a:rPr>
-              <a:t>,</a:t>
-            </a:r>
-            <a:r>
-              <a:rPr lang="ja-JP" altLang="en-US" sz="1050" dirty="0" smtClean="0">
-                <a:latin typeface="+mn-ea"/>
-              </a:rPr>
-              <a:t>仮想ラインを定義し</a:t>
-            </a:r>
-            <a:r>
-              <a:rPr lang="en-US" altLang="ja-JP" sz="1050" dirty="0" smtClean="0">
-                <a:latin typeface="+mn-ea"/>
-              </a:rPr>
-              <a:t>,</a:t>
-            </a:r>
-            <a:r>
-              <a:rPr lang="ja-JP" altLang="en-US" sz="1050" dirty="0" smtClean="0">
-                <a:latin typeface="+mn-ea"/>
-              </a:rPr>
-              <a:t>輝度値によるライントレースを行わず</a:t>
-            </a:r>
-            <a:r>
-              <a:rPr lang="ja-JP" altLang="en-US" sz="1050" dirty="0" smtClean="0">
+            <a:pPr algn="ctr"/>
+            <a:r>
+              <a:rPr lang="en-US" altLang="ja-JP" sz="1800" b="1" cap="none" spc="0" dirty="0" smtClean="0">
+                <a:ln w="12700">
+                  <a:solidFill>
+                    <a:schemeClr val="tx2">
+                      <a:satMod val="155000"/>
+                    </a:schemeClr>
+                  </a:solidFill>
+                  <a:prstDash val="solid"/>
+                </a:ln>
                 <a:solidFill>
-                  <a:srgbClr val="FF0000"/>
+                  <a:schemeClr val="bg2">
+                    <a:tint val="85000"/>
+                    <a:satMod val="155000"/>
+                  </a:schemeClr>
                 </a:solidFill>
-                <a:latin typeface="+mn-ea"/>
-              </a:rPr>
-              <a:t>曲率半径</a:t>
-            </a:r>
-            <a:r>
-              <a:rPr lang="en-US" altLang="ja-JP" sz="1050" dirty="0" smtClean="0">
+                <a:effectLst>
+                  <a:outerShdw blurRad="41275" dist="20320" dir="1800000" algn="tl" rotWithShape="0">
+                    <a:srgbClr val="000000">
+                      <a:alpha val="40000"/>
+                    </a:srgbClr>
+                  </a:outerShdw>
+                </a:effectLst>
+              </a:rPr>
+              <a:t>1</a:t>
+            </a:r>
+            <a:endParaRPr lang="ja-JP" altLang="en-US" sz="1800" b="1" cap="none" spc="0" dirty="0">
+              <a:ln w="12700">
                 <a:solidFill>
-                  <a:srgbClr val="FF0000"/>
+                  <a:schemeClr val="tx2">
+                    <a:satMod val="155000"/>
+                  </a:schemeClr>
                 </a:solidFill>
-                <a:latin typeface="+mn-ea"/>
-              </a:rPr>
-              <a:t>PID</a:t>
-            </a:r>
-            <a:r>
-              <a:rPr lang="ja-JP" altLang="en-US" sz="1050" dirty="0" smtClean="0">
-                <a:solidFill>
-                  <a:srgbClr val="FF0000"/>
-                </a:solidFill>
-                <a:latin typeface="+mn-ea"/>
-              </a:rPr>
-              <a:t>制御</a:t>
-            </a:r>
-            <a:r>
-              <a:rPr lang="ja-JP" altLang="en-US" sz="1050" dirty="0" smtClean="0">
-                <a:latin typeface="+mn-ea"/>
-              </a:rPr>
-              <a:t>（</a:t>
-            </a:r>
-            <a:r>
-              <a:rPr lang="en-US" altLang="ja-JP" sz="1050" dirty="0" smtClean="0">
-                <a:latin typeface="+mn-ea"/>
-              </a:rPr>
-              <a:t>p.5 </a:t>
-            </a:r>
-            <a:r>
-              <a:rPr lang="ja-JP" altLang="en-US" sz="1050" dirty="0" smtClean="0">
-                <a:latin typeface="+mn-ea"/>
-              </a:rPr>
-              <a:t>要素技術参照）のみを利用して走行することで</a:t>
-            </a:r>
-            <a:r>
-              <a:rPr lang="en-US" altLang="ja-JP" sz="1050" dirty="0" smtClean="0">
-                <a:latin typeface="+mn-ea"/>
-              </a:rPr>
-              <a:t>,</a:t>
-            </a:r>
-            <a:r>
-              <a:rPr lang="ja-JP" altLang="en-US" sz="1050" dirty="0" smtClean="0">
-                <a:latin typeface="+mn-ea"/>
-              </a:rPr>
-              <a:t>ラインの無い区間での走行を実現</a:t>
-            </a:r>
-            <a:r>
-              <a:rPr lang="en-US" altLang="ja-JP" sz="1050" dirty="0" smtClean="0">
-                <a:latin typeface="+mn-ea"/>
-              </a:rPr>
-              <a:t>.</a:t>
-            </a:r>
-            <a:endParaRPr lang="en-US" altLang="ja-JP" sz="1000" dirty="0" smtClean="0">
-              <a:latin typeface="+mn-ea"/>
+                <a:prstDash val="solid"/>
+              </a:ln>
+              <a:solidFill>
+                <a:schemeClr val="bg2">
+                  <a:tint val="85000"/>
+                  <a:satMod val="155000"/>
+                </a:schemeClr>
+              </a:solidFill>
+              <a:effectLst>
+                <a:outerShdw blurRad="41275" dist="20320" dir="1800000" algn="tl" rotWithShape="0">
+                  <a:srgbClr val="000000">
+                    <a:alpha val="40000"/>
+                  </a:srgbClr>
+                </a:outerShdw>
+              </a:effectLst>
             </a:endParaRPr>
           </a:p>
         </p:txBody>
       </p:sp>
       <p:sp>
         <p:nvSpPr>
-          <p:cNvPr id="76" name="角丸四角形吹き出し 75"/>
+          <p:cNvPr id="60" name="正方形/長方形 59"/>
           <p:cNvSpPr/>
           <p:nvPr/>
         </p:nvSpPr>
         <p:spPr>
           <a:xfrm>
-            <a:off x="813597" y="7418113"/>
-            <a:ext cx="1442019" cy="2135016"/>
+            <a:off x="10802134" y="4152528"/>
+            <a:ext cx="301686" cy="369332"/>
           </a:xfrm>
-          <a:prstGeom prst="wedgeRoundRectCallout">
-            <a:avLst>
-              <a:gd name="adj1" fmla="val -19612"/>
-              <a:gd name="adj2" fmla="val -55502"/>
-              <a:gd name="adj3" fmla="val 16667"/>
-            </a:avLst>
+          <a:prstGeom prst="rect">
+            <a:avLst/>
           </a:prstGeom>
-          <a:ln w="12700">
-            <a:solidFill>
-              <a:srgbClr val="FFC000"/>
-            </a:solidFill>
-          </a:ln>
+          <a:noFill/>
         </p:spPr>
-        <p:style>
-          <a:lnRef idx="2">
-            <a:schemeClr val="accent6"/>
-          </a:lnRef>
-          <a:fillRef idx="1">
-            <a:schemeClr val="lt1"/>
-          </a:fillRef>
-          <a:effectRef idx="0">
-            <a:schemeClr val="accent6"/>
-          </a:effectRef>
-          <a:fontRef idx="minor">
-            <a:schemeClr val="dk1"/>
-          </a:fontRef>
-        </p:style>
         <p:txBody>
-          <a:bodyPr lIns="0" tIns="0" rIns="0" bIns="0" rtlCol="0" anchor="ctr"/>
+          <a:bodyPr wrap="none" lIns="91440" tIns="45720" rIns="91440" bIns="45720">
+            <a:spAutoFit/>
+          </a:bodyPr>
           <a:lstStyle/>
           <a:p>
-            <a:r>
-              <a:rPr lang="ja-JP" altLang="en-US" sz="1100" u="sng" dirty="0">
-                <a:latin typeface="+mn-ea"/>
-              </a:rPr>
-              <a:t>・</a:t>
-            </a:r>
-            <a:r>
-              <a:rPr lang="ja-JP" altLang="en-US" sz="1100" u="sng" dirty="0" smtClean="0">
-                <a:latin typeface="+mn-ea"/>
-              </a:rPr>
-              <a:t>ペットボトルの誤検知</a:t>
-            </a:r>
-            <a:r>
-              <a:rPr lang="ja-JP" altLang="en-US" sz="1050" dirty="0">
-                <a:latin typeface="+mn-ea"/>
-              </a:rPr>
-              <a:t/>
-            </a:r>
-            <a:br>
-              <a:rPr lang="ja-JP" altLang="en-US" sz="1050" dirty="0">
-                <a:latin typeface="+mn-ea"/>
-              </a:rPr>
-            </a:br>
-            <a:r>
-              <a:rPr lang="ja-JP" altLang="en-US" sz="1050" dirty="0">
-                <a:latin typeface="+mn-ea"/>
-              </a:rPr>
-              <a:t>大会のコース上にはいくつかのオブジェが置いて</a:t>
-            </a:r>
-            <a:r>
-              <a:rPr lang="ja-JP" altLang="en-US" sz="1050" dirty="0" smtClean="0">
-                <a:latin typeface="+mn-ea"/>
-              </a:rPr>
-              <a:t>あり</a:t>
-            </a:r>
-            <a:r>
-              <a:rPr lang="en-US" altLang="ja-JP" sz="1050" dirty="0">
-                <a:latin typeface="+mn-ea"/>
-              </a:rPr>
-              <a:t>,</a:t>
-            </a:r>
-            <a:r>
-              <a:rPr lang="ja-JP" altLang="en-US" sz="1050" dirty="0" smtClean="0">
-                <a:latin typeface="+mn-ea"/>
-              </a:rPr>
-              <a:t>それら</a:t>
-            </a:r>
-            <a:r>
-              <a:rPr lang="ja-JP" altLang="en-US" sz="1050" dirty="0">
-                <a:latin typeface="+mn-ea"/>
-              </a:rPr>
-              <a:t>を誤って検知する可能性が</a:t>
-            </a:r>
-            <a:r>
-              <a:rPr lang="ja-JP" altLang="en-US" sz="1050" dirty="0" smtClean="0">
-                <a:latin typeface="+mn-ea"/>
-              </a:rPr>
-              <a:t>ある</a:t>
-            </a:r>
-            <a:r>
-              <a:rPr lang="en-US" altLang="ja-JP" sz="1050" dirty="0" smtClean="0">
-                <a:latin typeface="+mn-ea"/>
-              </a:rPr>
-              <a:t>.</a:t>
-            </a:r>
-            <a:r>
-              <a:rPr lang="ja-JP" altLang="en-US" sz="1050" dirty="0" smtClean="0">
-                <a:latin typeface="+mn-ea"/>
-              </a:rPr>
-              <a:t>そこでライン上</a:t>
-            </a:r>
-            <a:r>
-              <a:rPr lang="ja-JP" altLang="en-US" sz="1050" dirty="0">
-                <a:latin typeface="+mn-ea"/>
-              </a:rPr>
-              <a:t>かつペットボトルに最も近い位置で</a:t>
-            </a:r>
-            <a:r>
-              <a:rPr lang="ja-JP" altLang="en-US" sz="1050" dirty="0" smtClean="0">
-                <a:latin typeface="+mn-ea"/>
-              </a:rPr>
-              <a:t>停止</a:t>
-            </a:r>
-            <a:r>
-              <a:rPr lang="en-US" altLang="ja-JP" sz="1050" dirty="0" smtClean="0">
-                <a:latin typeface="+mn-ea"/>
-              </a:rPr>
-              <a:t>,</a:t>
-            </a:r>
-            <a:r>
-              <a:rPr lang="ja-JP" altLang="en-US" sz="1050" dirty="0" smtClean="0">
-                <a:latin typeface="+mn-ea"/>
-              </a:rPr>
-              <a:t>転回し検知</a:t>
-            </a:r>
-            <a:r>
-              <a:rPr lang="ja-JP" altLang="en-US" sz="1050" dirty="0">
-                <a:latin typeface="+mn-ea"/>
-              </a:rPr>
-              <a:t>を行うことで誤検知防止を</a:t>
-            </a:r>
-            <a:r>
-              <a:rPr lang="ja-JP" altLang="en-US" sz="1050" dirty="0" smtClean="0">
-                <a:latin typeface="+mn-ea"/>
-              </a:rPr>
-              <a:t>実現</a:t>
-            </a:r>
-            <a:r>
-              <a:rPr lang="en-US" altLang="ja-JP" sz="1050" dirty="0">
-                <a:latin typeface="+mn-ea"/>
-              </a:rPr>
-              <a:t>.</a:t>
-            </a:r>
-            <a:endParaRPr lang="ja-JP" altLang="en-US" sz="1050" dirty="0">
-              <a:latin typeface="+mn-ea"/>
+            <a:pPr algn="ctr"/>
+            <a:r>
+              <a:rPr lang="en-US" altLang="ja-JP" sz="1800" b="1" cap="none" spc="0" dirty="0" smtClean="0">
+                <a:ln w="12700">
+                  <a:solidFill>
+                    <a:schemeClr val="tx2">
+                      <a:satMod val="155000"/>
+                    </a:schemeClr>
+                  </a:solidFill>
+                  <a:prstDash val="solid"/>
+                </a:ln>
+                <a:solidFill>
+                  <a:schemeClr val="bg2">
+                    <a:tint val="85000"/>
+                    <a:satMod val="155000"/>
+                  </a:schemeClr>
+                </a:solidFill>
+                <a:effectLst>
+                  <a:outerShdw blurRad="41275" dist="20320" dir="1800000" algn="tl" rotWithShape="0">
+                    <a:srgbClr val="000000">
+                      <a:alpha val="40000"/>
+                    </a:srgbClr>
+                  </a:outerShdw>
+                </a:effectLst>
+              </a:rPr>
+              <a:t>1</a:t>
+            </a:r>
+            <a:endParaRPr lang="ja-JP" altLang="en-US" sz="1800" b="1" cap="none" spc="0" dirty="0">
+              <a:ln w="12700">
+                <a:solidFill>
+                  <a:schemeClr val="tx2">
+                    <a:satMod val="155000"/>
+                  </a:schemeClr>
+                </a:solidFill>
+                <a:prstDash val="solid"/>
+              </a:ln>
+              <a:solidFill>
+                <a:schemeClr val="bg2">
+                  <a:tint val="85000"/>
+                  <a:satMod val="155000"/>
+                </a:schemeClr>
+              </a:solidFill>
+              <a:effectLst>
+                <a:outerShdw blurRad="41275" dist="20320" dir="1800000" algn="tl" rotWithShape="0">
+                  <a:srgbClr val="000000">
+                    <a:alpha val="40000"/>
+                  </a:srgbClr>
+                </a:outerShdw>
+              </a:effectLst>
+            </a:endParaRPr>
+          </a:p>
+        </p:txBody>
+      </p:sp>
+      <p:sp>
+        <p:nvSpPr>
+          <p:cNvPr id="61" name="正方形/長方形 60"/>
+          <p:cNvSpPr/>
+          <p:nvPr/>
+        </p:nvSpPr>
+        <p:spPr>
+          <a:xfrm>
+            <a:off x="9874809" y="2635255"/>
+            <a:ext cx="301686" cy="369332"/>
+          </a:xfrm>
+          <a:prstGeom prst="rect">
+            <a:avLst/>
+          </a:prstGeom>
+          <a:noFill/>
+        </p:spPr>
+        <p:txBody>
+          <a:bodyPr wrap="none" lIns="91440" tIns="45720" rIns="91440" bIns="45720">
+            <a:spAutoFit/>
+          </a:bodyPr>
+          <a:lstStyle/>
+          <a:p>
+            <a:pPr algn="ctr"/>
+            <a:r>
+              <a:rPr lang="en-US" altLang="ja-JP" sz="1800" b="1" dirty="0">
+                <a:ln w="12700">
+                  <a:solidFill>
+                    <a:schemeClr val="tx2">
+                      <a:satMod val="155000"/>
+                    </a:schemeClr>
+                  </a:solidFill>
+                  <a:prstDash val="solid"/>
+                </a:ln>
+                <a:solidFill>
+                  <a:schemeClr val="bg2">
+                    <a:tint val="85000"/>
+                    <a:satMod val="155000"/>
+                  </a:schemeClr>
+                </a:solidFill>
+                <a:effectLst>
+                  <a:outerShdw blurRad="41275" dist="20320" dir="1800000" algn="tl" rotWithShape="0">
+                    <a:srgbClr val="000000">
+                      <a:alpha val="40000"/>
+                    </a:srgbClr>
+                  </a:outerShdw>
+                </a:effectLst>
+              </a:rPr>
+              <a:t>2</a:t>
+            </a:r>
+            <a:endParaRPr lang="ja-JP" altLang="en-US" sz="1800" b="1" cap="none" spc="0" dirty="0">
+              <a:ln w="12700">
+                <a:solidFill>
+                  <a:schemeClr val="tx2">
+                    <a:satMod val="155000"/>
+                  </a:schemeClr>
+                </a:solidFill>
+                <a:prstDash val="solid"/>
+              </a:ln>
+              <a:solidFill>
+                <a:schemeClr val="bg2">
+                  <a:tint val="85000"/>
+                  <a:satMod val="155000"/>
+                </a:schemeClr>
+              </a:solidFill>
+              <a:effectLst>
+                <a:outerShdw blurRad="41275" dist="20320" dir="1800000" algn="tl" rotWithShape="0">
+                  <a:srgbClr val="000000">
+                    <a:alpha val="40000"/>
+                  </a:srgbClr>
+                </a:outerShdw>
+              </a:effectLst>
+            </a:endParaRPr>
+          </a:p>
+        </p:txBody>
+      </p:sp>
+      <p:sp>
+        <p:nvSpPr>
+          <p:cNvPr id="66" name="正方形/長方形 65"/>
+          <p:cNvSpPr/>
+          <p:nvPr/>
+        </p:nvSpPr>
+        <p:spPr>
+          <a:xfrm>
+            <a:off x="11963041" y="3423156"/>
+            <a:ext cx="301686" cy="369332"/>
+          </a:xfrm>
+          <a:prstGeom prst="rect">
+            <a:avLst/>
+          </a:prstGeom>
+          <a:noFill/>
+        </p:spPr>
+        <p:txBody>
+          <a:bodyPr wrap="none" lIns="91440" tIns="45720" rIns="91440" bIns="45720">
+            <a:spAutoFit/>
+          </a:bodyPr>
+          <a:lstStyle/>
+          <a:p>
+            <a:pPr algn="ctr"/>
+            <a:r>
+              <a:rPr lang="en-US" altLang="ja-JP" sz="1800" b="1" dirty="0">
+                <a:ln w="12700">
+                  <a:solidFill>
+                    <a:schemeClr val="tx2">
+                      <a:satMod val="155000"/>
+                    </a:schemeClr>
+                  </a:solidFill>
+                  <a:prstDash val="solid"/>
+                </a:ln>
+                <a:solidFill>
+                  <a:schemeClr val="bg2">
+                    <a:tint val="85000"/>
+                    <a:satMod val="155000"/>
+                  </a:schemeClr>
+                </a:solidFill>
+                <a:effectLst>
+                  <a:outerShdw blurRad="41275" dist="20320" dir="1800000" algn="tl" rotWithShape="0">
+                    <a:srgbClr val="000000">
+                      <a:alpha val="40000"/>
+                    </a:srgbClr>
+                  </a:outerShdw>
+                </a:effectLst>
+              </a:rPr>
+              <a:t>2</a:t>
+            </a:r>
+            <a:endParaRPr lang="ja-JP" altLang="en-US" sz="1800" b="1" cap="none" spc="0" dirty="0">
+              <a:ln w="12700">
+                <a:solidFill>
+                  <a:schemeClr val="tx2">
+                    <a:satMod val="155000"/>
+                  </a:schemeClr>
+                </a:solidFill>
+                <a:prstDash val="solid"/>
+              </a:ln>
+              <a:solidFill>
+                <a:schemeClr val="bg2">
+                  <a:tint val="85000"/>
+                  <a:satMod val="155000"/>
+                </a:schemeClr>
+              </a:solidFill>
+              <a:effectLst>
+                <a:outerShdw blurRad="41275" dist="20320" dir="1800000" algn="tl" rotWithShape="0">
+                  <a:srgbClr val="000000">
+                    <a:alpha val="40000"/>
+                  </a:srgbClr>
+                </a:outerShdw>
+              </a:effectLst>
+            </a:endParaRPr>
+          </a:p>
+        </p:txBody>
+      </p:sp>
+      <p:sp>
+        <p:nvSpPr>
+          <p:cNvPr id="68" name="正方形/長方形 67"/>
+          <p:cNvSpPr/>
+          <p:nvPr/>
+        </p:nvSpPr>
+        <p:spPr>
+          <a:xfrm>
+            <a:off x="10522881" y="2776415"/>
+            <a:ext cx="301686" cy="369332"/>
+          </a:xfrm>
+          <a:prstGeom prst="rect">
+            <a:avLst/>
+          </a:prstGeom>
+          <a:noFill/>
+        </p:spPr>
+        <p:txBody>
+          <a:bodyPr wrap="none" lIns="91440" tIns="45720" rIns="91440" bIns="45720">
+            <a:spAutoFit/>
+          </a:bodyPr>
+          <a:lstStyle/>
+          <a:p>
+            <a:pPr algn="ctr"/>
+            <a:r>
+              <a:rPr lang="en-US" altLang="ja-JP" sz="1800" b="1" dirty="0">
+                <a:ln w="12700">
+                  <a:solidFill>
+                    <a:schemeClr val="tx2">
+                      <a:satMod val="155000"/>
+                    </a:schemeClr>
+                  </a:solidFill>
+                  <a:prstDash val="solid"/>
+                </a:ln>
+                <a:solidFill>
+                  <a:schemeClr val="bg2">
+                    <a:tint val="85000"/>
+                    <a:satMod val="155000"/>
+                  </a:schemeClr>
+                </a:solidFill>
+                <a:effectLst>
+                  <a:outerShdw blurRad="41275" dist="20320" dir="1800000" algn="tl" rotWithShape="0">
+                    <a:srgbClr val="000000">
+                      <a:alpha val="40000"/>
+                    </a:srgbClr>
+                  </a:outerShdw>
+                </a:effectLst>
+              </a:rPr>
+              <a:t>3</a:t>
+            </a:r>
+            <a:endParaRPr lang="ja-JP" altLang="en-US" sz="1800" b="1" cap="none" spc="0" dirty="0">
+              <a:ln w="12700">
+                <a:solidFill>
+                  <a:schemeClr val="tx2">
+                    <a:satMod val="155000"/>
+                  </a:schemeClr>
+                </a:solidFill>
+                <a:prstDash val="solid"/>
+              </a:ln>
+              <a:solidFill>
+                <a:schemeClr val="bg2">
+                  <a:tint val="85000"/>
+                  <a:satMod val="155000"/>
+                </a:schemeClr>
+              </a:solidFill>
+              <a:effectLst>
+                <a:outerShdw blurRad="41275" dist="20320" dir="1800000" algn="tl" rotWithShape="0">
+                  <a:srgbClr val="000000">
+                    <a:alpha val="40000"/>
+                  </a:srgbClr>
+                </a:outerShdw>
+              </a:effectLst>
+            </a:endParaRPr>
+          </a:p>
+        </p:txBody>
+      </p:sp>
+      <p:sp>
+        <p:nvSpPr>
+          <p:cNvPr id="71" name="正方形/長方形 70"/>
+          <p:cNvSpPr/>
+          <p:nvPr/>
+        </p:nvSpPr>
+        <p:spPr>
+          <a:xfrm>
+            <a:off x="12007175" y="4233246"/>
+            <a:ext cx="301686" cy="369332"/>
+          </a:xfrm>
+          <a:prstGeom prst="rect">
+            <a:avLst/>
+          </a:prstGeom>
+          <a:noFill/>
+        </p:spPr>
+        <p:txBody>
+          <a:bodyPr wrap="none" lIns="91440" tIns="45720" rIns="91440" bIns="45720">
+            <a:spAutoFit/>
+          </a:bodyPr>
+          <a:lstStyle/>
+          <a:p>
+            <a:pPr algn="ctr"/>
+            <a:r>
+              <a:rPr lang="en-US" altLang="ja-JP" sz="1800" b="1" dirty="0">
+                <a:ln w="12700">
+                  <a:solidFill>
+                    <a:schemeClr val="tx2">
+                      <a:satMod val="155000"/>
+                    </a:schemeClr>
+                  </a:solidFill>
+                  <a:prstDash val="solid"/>
+                </a:ln>
+                <a:solidFill>
+                  <a:schemeClr val="bg2">
+                    <a:tint val="85000"/>
+                    <a:satMod val="155000"/>
+                  </a:schemeClr>
+                </a:solidFill>
+                <a:effectLst>
+                  <a:outerShdw blurRad="41275" dist="20320" dir="1800000" algn="tl" rotWithShape="0">
+                    <a:srgbClr val="000000">
+                      <a:alpha val="40000"/>
+                    </a:srgbClr>
+                  </a:outerShdw>
+                </a:effectLst>
+              </a:rPr>
+              <a:t>3</a:t>
+            </a:r>
+            <a:endParaRPr lang="ja-JP" altLang="en-US" sz="1800" b="1" cap="none" spc="0" dirty="0">
+              <a:ln w="12700">
+                <a:solidFill>
+                  <a:schemeClr val="tx2">
+                    <a:satMod val="155000"/>
+                  </a:schemeClr>
+                </a:solidFill>
+                <a:prstDash val="solid"/>
+              </a:ln>
+              <a:solidFill>
+                <a:schemeClr val="bg2">
+                  <a:tint val="85000"/>
+                  <a:satMod val="155000"/>
+                </a:schemeClr>
+              </a:solidFill>
+              <a:effectLst>
+                <a:outerShdw blurRad="41275" dist="20320" dir="1800000" algn="tl" rotWithShape="0">
+                  <a:srgbClr val="000000">
+                    <a:alpha val="40000"/>
+                  </a:srgbClr>
+                </a:outerShdw>
+              </a:effectLst>
+            </a:endParaRPr>
+          </a:p>
+        </p:txBody>
+      </p:sp>
+      <p:sp>
+        <p:nvSpPr>
+          <p:cNvPr id="72" name="正方形/長方形 71"/>
+          <p:cNvSpPr/>
+          <p:nvPr/>
+        </p:nvSpPr>
+        <p:spPr>
+          <a:xfrm>
+            <a:off x="10522881" y="3495164"/>
+            <a:ext cx="301686" cy="369332"/>
+          </a:xfrm>
+          <a:prstGeom prst="rect">
+            <a:avLst/>
+          </a:prstGeom>
+          <a:noFill/>
+        </p:spPr>
+        <p:txBody>
+          <a:bodyPr wrap="none" lIns="91440" tIns="45720" rIns="91440" bIns="45720">
+            <a:spAutoFit/>
+          </a:bodyPr>
+          <a:lstStyle/>
+          <a:p>
+            <a:pPr algn="ctr"/>
+            <a:r>
+              <a:rPr lang="en-US" altLang="ja-JP" sz="1800" b="1" dirty="0" smtClean="0">
+                <a:ln w="12700">
+                  <a:solidFill>
+                    <a:schemeClr val="tx2">
+                      <a:satMod val="155000"/>
+                    </a:schemeClr>
+                  </a:solidFill>
+                  <a:prstDash val="solid"/>
+                </a:ln>
+                <a:solidFill>
+                  <a:schemeClr val="bg2">
+                    <a:tint val="85000"/>
+                    <a:satMod val="155000"/>
+                  </a:schemeClr>
+                </a:solidFill>
+                <a:effectLst>
+                  <a:outerShdw blurRad="41275" dist="20320" dir="1800000" algn="tl" rotWithShape="0">
+                    <a:srgbClr val="000000">
+                      <a:alpha val="40000"/>
+                    </a:srgbClr>
+                  </a:outerShdw>
+                </a:effectLst>
+              </a:rPr>
+              <a:t>4</a:t>
+            </a:r>
+            <a:endParaRPr lang="ja-JP" altLang="en-US" sz="1800" b="1" cap="none" spc="0" dirty="0">
+              <a:ln w="12700">
+                <a:solidFill>
+                  <a:schemeClr val="tx2">
+                    <a:satMod val="155000"/>
+                  </a:schemeClr>
+                </a:solidFill>
+                <a:prstDash val="solid"/>
+              </a:ln>
+              <a:solidFill>
+                <a:schemeClr val="bg2">
+                  <a:tint val="85000"/>
+                  <a:satMod val="155000"/>
+                </a:schemeClr>
+              </a:solidFill>
+              <a:effectLst>
+                <a:outerShdw blurRad="41275" dist="20320" dir="1800000" algn="tl" rotWithShape="0">
+                  <a:srgbClr val="000000">
+                    <a:alpha val="40000"/>
+                  </a:srgbClr>
+                </a:outerShdw>
+              </a:effectLst>
+            </a:endParaRPr>
+          </a:p>
+        </p:txBody>
+      </p:sp>
+      <p:sp>
+        <p:nvSpPr>
+          <p:cNvPr id="79" name="正方形/長方形 78"/>
+          <p:cNvSpPr/>
+          <p:nvPr/>
+        </p:nvSpPr>
+        <p:spPr>
+          <a:xfrm>
+            <a:off x="12265047" y="4717402"/>
+            <a:ext cx="301686" cy="369332"/>
+          </a:xfrm>
+          <a:prstGeom prst="rect">
+            <a:avLst/>
+          </a:prstGeom>
+          <a:noFill/>
+        </p:spPr>
+        <p:txBody>
+          <a:bodyPr wrap="none" lIns="91440" tIns="45720" rIns="91440" bIns="45720">
+            <a:spAutoFit/>
+          </a:bodyPr>
+          <a:lstStyle/>
+          <a:p>
+            <a:pPr algn="ctr"/>
+            <a:r>
+              <a:rPr lang="en-US" altLang="ja-JP" sz="1800" b="1" dirty="0" smtClean="0">
+                <a:ln w="12700">
+                  <a:solidFill>
+                    <a:schemeClr val="tx2">
+                      <a:satMod val="155000"/>
+                    </a:schemeClr>
+                  </a:solidFill>
+                  <a:prstDash val="solid"/>
+                </a:ln>
+                <a:solidFill>
+                  <a:schemeClr val="bg2">
+                    <a:tint val="85000"/>
+                    <a:satMod val="155000"/>
+                  </a:schemeClr>
+                </a:solidFill>
+                <a:effectLst>
+                  <a:outerShdw blurRad="41275" dist="20320" dir="1800000" algn="tl" rotWithShape="0">
+                    <a:srgbClr val="000000">
+                      <a:alpha val="40000"/>
+                    </a:srgbClr>
+                  </a:outerShdw>
+                </a:effectLst>
+              </a:rPr>
+              <a:t>4</a:t>
+            </a:r>
+            <a:endParaRPr lang="ja-JP" altLang="en-US" sz="1800" b="1" cap="none" spc="0" dirty="0">
+              <a:ln w="12700">
+                <a:solidFill>
+                  <a:schemeClr val="tx2">
+                    <a:satMod val="155000"/>
+                  </a:schemeClr>
+                </a:solidFill>
+                <a:prstDash val="solid"/>
+              </a:ln>
+              <a:solidFill>
+                <a:schemeClr val="bg2">
+                  <a:tint val="85000"/>
+                  <a:satMod val="155000"/>
+                </a:schemeClr>
+              </a:solidFill>
+              <a:effectLst>
+                <a:outerShdw blurRad="41275" dist="20320" dir="1800000" algn="tl" rotWithShape="0">
+                  <a:srgbClr val="000000">
+                    <a:alpha val="40000"/>
+                  </a:srgbClr>
+                </a:outerShdw>
+              </a:effectLst>
+            </a:endParaRPr>
+          </a:p>
+        </p:txBody>
+      </p:sp>
+      <p:sp>
+        <p:nvSpPr>
+          <p:cNvPr id="80" name="正方形/長方形 79"/>
+          <p:cNvSpPr/>
+          <p:nvPr/>
+        </p:nvSpPr>
+        <p:spPr>
+          <a:xfrm>
+            <a:off x="1011413" y="6591508"/>
+            <a:ext cx="308098" cy="369332"/>
+          </a:xfrm>
+          <a:prstGeom prst="rect">
+            <a:avLst/>
+          </a:prstGeom>
+          <a:noFill/>
+        </p:spPr>
+        <p:txBody>
+          <a:bodyPr wrap="none" lIns="91440" tIns="45720" rIns="91440" bIns="45720">
+            <a:spAutoFit/>
+          </a:bodyPr>
+          <a:lstStyle/>
+          <a:p>
+            <a:pPr algn="ctr"/>
+            <a:r>
+              <a:rPr lang="en-US" altLang="ja-JP" sz="1800" b="1" dirty="0" smtClean="0">
+                <a:ln w="12700">
+                  <a:solidFill>
+                    <a:schemeClr val="tx2">
+                      <a:satMod val="155000"/>
+                    </a:schemeClr>
+                  </a:solidFill>
+                  <a:prstDash val="solid"/>
+                </a:ln>
+                <a:solidFill>
+                  <a:schemeClr val="bg2">
+                    <a:tint val="85000"/>
+                    <a:satMod val="155000"/>
+                  </a:schemeClr>
+                </a:solidFill>
+                <a:effectLst>
+                  <a:outerShdw blurRad="41275" dist="20320" dir="1800000" algn="tl" rotWithShape="0">
+                    <a:srgbClr val="000000">
+                      <a:alpha val="40000"/>
+                    </a:srgbClr>
+                  </a:outerShdw>
+                </a:effectLst>
+              </a:rPr>
+              <a:t>1</a:t>
+            </a:r>
+            <a:endParaRPr lang="ja-JP" altLang="en-US" sz="1800" b="1" dirty="0">
+              <a:ln w="12700">
+                <a:solidFill>
+                  <a:schemeClr val="tx2">
+                    <a:satMod val="155000"/>
+                  </a:schemeClr>
+                </a:solidFill>
+                <a:prstDash val="solid"/>
+              </a:ln>
+              <a:solidFill>
+                <a:schemeClr val="bg2">
+                  <a:tint val="85000"/>
+                  <a:satMod val="155000"/>
+                </a:schemeClr>
+              </a:solidFill>
+              <a:effectLst>
+                <a:outerShdw blurRad="41275" dist="20320" dir="1800000" algn="tl" rotWithShape="0">
+                  <a:srgbClr val="000000">
+                    <a:alpha val="40000"/>
+                  </a:srgbClr>
+                </a:outerShdw>
+              </a:effectLst>
+            </a:endParaRPr>
+          </a:p>
+        </p:txBody>
+      </p:sp>
+      <p:sp>
+        <p:nvSpPr>
+          <p:cNvPr id="81" name="正方形/長方形 80"/>
+          <p:cNvSpPr/>
+          <p:nvPr/>
+        </p:nvSpPr>
+        <p:spPr>
+          <a:xfrm>
+            <a:off x="4755829" y="7968952"/>
+            <a:ext cx="308098" cy="369332"/>
+          </a:xfrm>
+          <a:prstGeom prst="rect">
+            <a:avLst/>
+          </a:prstGeom>
+          <a:noFill/>
+        </p:spPr>
+        <p:txBody>
+          <a:bodyPr wrap="none" lIns="91440" tIns="45720" rIns="91440" bIns="45720">
+            <a:spAutoFit/>
+          </a:bodyPr>
+          <a:lstStyle/>
+          <a:p>
+            <a:pPr algn="ctr"/>
+            <a:r>
+              <a:rPr lang="en-US" altLang="ja-JP" sz="1800" b="1" dirty="0" smtClean="0">
+                <a:ln w="12700">
+                  <a:solidFill>
+                    <a:schemeClr val="tx2">
+                      <a:satMod val="155000"/>
+                    </a:schemeClr>
+                  </a:solidFill>
+                  <a:prstDash val="solid"/>
+                </a:ln>
+                <a:solidFill>
+                  <a:schemeClr val="bg2">
+                    <a:tint val="85000"/>
+                    <a:satMod val="155000"/>
+                  </a:schemeClr>
+                </a:solidFill>
+                <a:effectLst>
+                  <a:outerShdw blurRad="41275" dist="20320" dir="1800000" algn="tl" rotWithShape="0">
+                    <a:srgbClr val="000000">
+                      <a:alpha val="40000"/>
+                    </a:srgbClr>
+                  </a:outerShdw>
+                </a:effectLst>
+              </a:rPr>
+              <a:t>1</a:t>
+            </a:r>
+            <a:endParaRPr lang="ja-JP" altLang="en-US" sz="1800" b="1" dirty="0">
+              <a:ln w="12700">
+                <a:solidFill>
+                  <a:schemeClr val="tx2">
+                    <a:satMod val="155000"/>
+                  </a:schemeClr>
+                </a:solidFill>
+                <a:prstDash val="solid"/>
+              </a:ln>
+              <a:solidFill>
+                <a:schemeClr val="bg2">
+                  <a:tint val="85000"/>
+                  <a:satMod val="155000"/>
+                </a:schemeClr>
+              </a:solidFill>
+              <a:effectLst>
+                <a:outerShdw blurRad="41275" dist="20320" dir="1800000" algn="tl" rotWithShape="0">
+                  <a:srgbClr val="000000">
+                    <a:alpha val="40000"/>
+                  </a:srgbClr>
+                </a:outerShdw>
+              </a:effectLst>
+            </a:endParaRPr>
+          </a:p>
+        </p:txBody>
+      </p:sp>
+      <p:sp>
+        <p:nvSpPr>
+          <p:cNvPr id="82" name="正方形/長方形 81"/>
+          <p:cNvSpPr/>
+          <p:nvPr/>
+        </p:nvSpPr>
+        <p:spPr>
+          <a:xfrm>
+            <a:off x="2104773" y="6591508"/>
+            <a:ext cx="301686" cy="369332"/>
+          </a:xfrm>
+          <a:prstGeom prst="rect">
+            <a:avLst/>
+          </a:prstGeom>
+          <a:noFill/>
+        </p:spPr>
+        <p:txBody>
+          <a:bodyPr wrap="none" lIns="91440" tIns="45720" rIns="91440" bIns="45720">
+            <a:spAutoFit/>
+          </a:bodyPr>
+          <a:lstStyle/>
+          <a:p>
+            <a:pPr algn="ctr"/>
+            <a:r>
+              <a:rPr lang="en-US" altLang="ja-JP" sz="1800" b="1" dirty="0" smtClean="0">
+                <a:ln w="12700">
+                  <a:solidFill>
+                    <a:schemeClr val="tx2">
+                      <a:satMod val="155000"/>
+                    </a:schemeClr>
+                  </a:solidFill>
+                  <a:prstDash val="solid"/>
+                </a:ln>
+                <a:solidFill>
+                  <a:schemeClr val="bg2">
+                    <a:tint val="85000"/>
+                    <a:satMod val="155000"/>
+                  </a:schemeClr>
+                </a:solidFill>
+                <a:effectLst>
+                  <a:outerShdw blurRad="41275" dist="20320" dir="1800000" algn="tl" rotWithShape="0">
+                    <a:srgbClr val="000000">
+                      <a:alpha val="40000"/>
+                    </a:srgbClr>
+                  </a:outerShdw>
+                </a:effectLst>
+              </a:rPr>
+              <a:t>2</a:t>
+            </a:r>
+            <a:endParaRPr lang="ja-JP" altLang="en-US" sz="1800" b="1" dirty="0">
+              <a:ln w="12700">
+                <a:solidFill>
+                  <a:schemeClr val="tx2">
+                    <a:satMod val="155000"/>
+                  </a:schemeClr>
+                </a:solidFill>
+                <a:prstDash val="solid"/>
+              </a:ln>
+              <a:solidFill>
+                <a:schemeClr val="bg2">
+                  <a:tint val="85000"/>
+                  <a:satMod val="155000"/>
+                </a:schemeClr>
+              </a:solidFill>
+              <a:effectLst>
+                <a:outerShdw blurRad="41275" dist="20320" dir="1800000" algn="tl" rotWithShape="0">
+                  <a:srgbClr val="000000">
+                    <a:alpha val="40000"/>
+                  </a:srgbClr>
+                </a:outerShdw>
+              </a:effectLst>
+            </a:endParaRPr>
+          </a:p>
+        </p:txBody>
+      </p:sp>
+      <p:sp>
+        <p:nvSpPr>
+          <p:cNvPr id="83" name="正方形/長方形 82"/>
+          <p:cNvSpPr/>
+          <p:nvPr/>
+        </p:nvSpPr>
+        <p:spPr>
+          <a:xfrm>
+            <a:off x="5711999" y="7599620"/>
+            <a:ext cx="301686" cy="369332"/>
+          </a:xfrm>
+          <a:prstGeom prst="rect">
+            <a:avLst/>
+          </a:prstGeom>
+          <a:noFill/>
+        </p:spPr>
+        <p:txBody>
+          <a:bodyPr wrap="none" lIns="91440" tIns="45720" rIns="91440" bIns="45720">
+            <a:spAutoFit/>
+          </a:bodyPr>
+          <a:lstStyle/>
+          <a:p>
+            <a:pPr algn="ctr"/>
+            <a:r>
+              <a:rPr lang="en-US" altLang="ja-JP" sz="1800" b="1" dirty="0" smtClean="0">
+                <a:ln w="12700">
+                  <a:solidFill>
+                    <a:schemeClr val="tx2">
+                      <a:satMod val="155000"/>
+                    </a:schemeClr>
+                  </a:solidFill>
+                  <a:prstDash val="solid"/>
+                </a:ln>
+                <a:solidFill>
+                  <a:schemeClr val="bg2">
+                    <a:tint val="85000"/>
+                    <a:satMod val="155000"/>
+                  </a:schemeClr>
+                </a:solidFill>
+                <a:effectLst>
+                  <a:outerShdw blurRad="41275" dist="20320" dir="1800000" algn="tl" rotWithShape="0">
+                    <a:srgbClr val="000000">
+                      <a:alpha val="40000"/>
+                    </a:srgbClr>
+                  </a:outerShdw>
+                </a:effectLst>
+              </a:rPr>
+              <a:t>2</a:t>
+            </a:r>
+            <a:endParaRPr lang="ja-JP" altLang="en-US" sz="1800" b="1" dirty="0">
+              <a:ln w="12700">
+                <a:solidFill>
+                  <a:schemeClr val="tx2">
+                    <a:satMod val="155000"/>
+                  </a:schemeClr>
+                </a:solidFill>
+                <a:prstDash val="solid"/>
+              </a:ln>
+              <a:solidFill>
+                <a:schemeClr val="bg2">
+                  <a:tint val="85000"/>
+                  <a:satMod val="155000"/>
+                </a:schemeClr>
+              </a:solidFill>
+              <a:effectLst>
+                <a:outerShdw blurRad="41275" dist="20320" dir="1800000" algn="tl" rotWithShape="0">
+                  <a:srgbClr val="000000">
+                    <a:alpha val="40000"/>
+                  </a:srgbClr>
+                </a:outerShdw>
+              </a:effectLst>
+            </a:endParaRPr>
+          </a:p>
+        </p:txBody>
+      </p:sp>
+      <p:sp>
+        <p:nvSpPr>
+          <p:cNvPr id="84" name="正方形/長方形 83"/>
+          <p:cNvSpPr/>
+          <p:nvPr/>
+        </p:nvSpPr>
+        <p:spPr>
+          <a:xfrm>
+            <a:off x="3724698" y="6567222"/>
+            <a:ext cx="301686" cy="369332"/>
+          </a:xfrm>
+          <a:prstGeom prst="rect">
+            <a:avLst/>
+          </a:prstGeom>
+          <a:noFill/>
+        </p:spPr>
+        <p:txBody>
+          <a:bodyPr wrap="none" lIns="91440" tIns="45720" rIns="91440" bIns="45720">
+            <a:spAutoFit/>
+          </a:bodyPr>
+          <a:lstStyle/>
+          <a:p>
+            <a:pPr algn="ctr"/>
+            <a:r>
+              <a:rPr lang="en-US" altLang="ja-JP" sz="1800" b="1" dirty="0" smtClean="0">
+                <a:ln w="12700">
+                  <a:solidFill>
+                    <a:schemeClr val="tx2">
+                      <a:satMod val="155000"/>
+                    </a:schemeClr>
+                  </a:solidFill>
+                  <a:prstDash val="solid"/>
+                </a:ln>
+                <a:solidFill>
+                  <a:schemeClr val="bg2">
+                    <a:tint val="85000"/>
+                    <a:satMod val="155000"/>
+                  </a:schemeClr>
+                </a:solidFill>
+                <a:effectLst>
+                  <a:outerShdw blurRad="41275" dist="20320" dir="1800000" algn="tl" rotWithShape="0">
+                    <a:srgbClr val="000000">
+                      <a:alpha val="40000"/>
+                    </a:srgbClr>
+                  </a:outerShdw>
+                </a:effectLst>
+              </a:rPr>
+              <a:t>3</a:t>
+            </a:r>
+            <a:endParaRPr lang="ja-JP" altLang="en-US" sz="1800" b="1" dirty="0">
+              <a:ln w="12700">
+                <a:solidFill>
+                  <a:schemeClr val="tx2">
+                    <a:satMod val="155000"/>
+                  </a:schemeClr>
+                </a:solidFill>
+                <a:prstDash val="solid"/>
+              </a:ln>
+              <a:solidFill>
+                <a:schemeClr val="bg2">
+                  <a:tint val="85000"/>
+                  <a:satMod val="155000"/>
+                </a:schemeClr>
+              </a:solidFill>
+              <a:effectLst>
+                <a:outerShdw blurRad="41275" dist="20320" dir="1800000" algn="tl" rotWithShape="0">
+                  <a:srgbClr val="000000">
+                    <a:alpha val="40000"/>
+                  </a:srgbClr>
+                </a:outerShdw>
+              </a:effectLst>
+            </a:endParaRPr>
+          </a:p>
+        </p:txBody>
+      </p:sp>
+      <p:sp>
+        <p:nvSpPr>
+          <p:cNvPr id="85" name="正方形/長方形 84"/>
+          <p:cNvSpPr/>
+          <p:nvPr/>
+        </p:nvSpPr>
+        <p:spPr>
+          <a:xfrm>
+            <a:off x="5914369" y="8679740"/>
+            <a:ext cx="301686" cy="369332"/>
+          </a:xfrm>
+          <a:prstGeom prst="rect">
+            <a:avLst/>
+          </a:prstGeom>
+          <a:noFill/>
+        </p:spPr>
+        <p:txBody>
+          <a:bodyPr wrap="none" lIns="91440" tIns="45720" rIns="91440" bIns="45720">
+            <a:spAutoFit/>
+          </a:bodyPr>
+          <a:lstStyle/>
+          <a:p>
+            <a:pPr algn="ctr"/>
+            <a:r>
+              <a:rPr lang="en-US" altLang="ja-JP" sz="1800" b="1" dirty="0">
+                <a:ln w="12700">
+                  <a:solidFill>
+                    <a:schemeClr val="tx2">
+                      <a:satMod val="155000"/>
+                    </a:schemeClr>
+                  </a:solidFill>
+                  <a:prstDash val="solid"/>
+                </a:ln>
+                <a:solidFill>
+                  <a:schemeClr val="bg2">
+                    <a:tint val="85000"/>
+                    <a:satMod val="155000"/>
+                  </a:schemeClr>
+                </a:solidFill>
+                <a:effectLst>
+                  <a:outerShdw blurRad="41275" dist="20320" dir="1800000" algn="tl" rotWithShape="0">
+                    <a:srgbClr val="000000">
+                      <a:alpha val="40000"/>
+                    </a:srgbClr>
+                  </a:outerShdw>
+                </a:effectLst>
+              </a:rPr>
+              <a:t>3</a:t>
+            </a:r>
+            <a:endParaRPr lang="ja-JP" altLang="en-US" sz="1800" b="1" dirty="0">
+              <a:ln w="12700">
+                <a:solidFill>
+                  <a:schemeClr val="tx2">
+                    <a:satMod val="155000"/>
+                  </a:schemeClr>
+                </a:solidFill>
+                <a:prstDash val="solid"/>
+              </a:ln>
+              <a:solidFill>
+                <a:schemeClr val="bg2">
+                  <a:tint val="85000"/>
+                  <a:satMod val="155000"/>
+                </a:schemeClr>
+              </a:solidFill>
+              <a:effectLst>
+                <a:outerShdw blurRad="41275" dist="20320" dir="1800000" algn="tl" rotWithShape="0">
+                  <a:srgbClr val="000000">
+                    <a:alpha val="40000"/>
+                  </a:srgbClr>
+                </a:outerShdw>
+              </a:effectLst>
+            </a:endParaRPr>
+          </a:p>
+        </p:txBody>
+      </p:sp>
+      <p:sp>
+        <p:nvSpPr>
+          <p:cNvPr id="86" name="正方形/長方形 85"/>
+          <p:cNvSpPr/>
+          <p:nvPr/>
+        </p:nvSpPr>
+        <p:spPr>
+          <a:xfrm>
+            <a:off x="8880351" y="6456784"/>
+            <a:ext cx="301686" cy="369332"/>
+          </a:xfrm>
+          <a:prstGeom prst="rect">
+            <a:avLst/>
+          </a:prstGeom>
+          <a:noFill/>
+        </p:spPr>
+        <p:txBody>
+          <a:bodyPr wrap="none" lIns="91440" tIns="45720" rIns="91440" bIns="45720">
+            <a:spAutoFit/>
+          </a:bodyPr>
+          <a:lstStyle/>
+          <a:p>
+            <a:pPr algn="ctr"/>
+            <a:r>
+              <a:rPr lang="en-US" altLang="ja-JP" sz="1800" b="1" dirty="0">
+                <a:ln w="12700">
+                  <a:solidFill>
+                    <a:schemeClr val="tx2">
+                      <a:satMod val="155000"/>
+                    </a:schemeClr>
+                  </a:solidFill>
+                  <a:prstDash val="solid"/>
+                </a:ln>
+                <a:solidFill>
+                  <a:schemeClr val="bg2">
+                    <a:tint val="85000"/>
+                    <a:satMod val="155000"/>
+                  </a:schemeClr>
+                </a:solidFill>
+                <a:effectLst>
+                  <a:outerShdw blurRad="41275" dist="20320" dir="1800000" algn="tl" rotWithShape="0">
+                    <a:srgbClr val="000000">
+                      <a:alpha val="40000"/>
+                    </a:srgbClr>
+                  </a:outerShdw>
+                </a:effectLst>
+              </a:rPr>
+              <a:t>1</a:t>
+            </a:r>
+            <a:endParaRPr lang="ja-JP" altLang="en-US" sz="1800" b="1" dirty="0">
+              <a:ln w="12700">
+                <a:solidFill>
+                  <a:schemeClr val="tx2">
+                    <a:satMod val="155000"/>
+                  </a:schemeClr>
+                </a:solidFill>
+                <a:prstDash val="solid"/>
+              </a:ln>
+              <a:solidFill>
+                <a:schemeClr val="bg2">
+                  <a:tint val="85000"/>
+                  <a:satMod val="155000"/>
+                </a:schemeClr>
+              </a:solidFill>
+              <a:effectLst>
+                <a:outerShdw blurRad="41275" dist="20320" dir="1800000" algn="tl" rotWithShape="0">
+                  <a:srgbClr val="000000">
+                    <a:alpha val="40000"/>
+                  </a:srgbClr>
+                </a:outerShdw>
+              </a:effectLst>
+            </a:endParaRPr>
+          </a:p>
+        </p:txBody>
+      </p:sp>
+      <p:sp>
+        <p:nvSpPr>
+          <p:cNvPr id="87" name="正方形/長方形 86"/>
+          <p:cNvSpPr/>
+          <p:nvPr/>
+        </p:nvSpPr>
+        <p:spPr>
+          <a:xfrm>
+            <a:off x="10752559" y="7968952"/>
+            <a:ext cx="301686" cy="369332"/>
+          </a:xfrm>
+          <a:prstGeom prst="rect">
+            <a:avLst/>
+          </a:prstGeom>
+          <a:noFill/>
+        </p:spPr>
+        <p:txBody>
+          <a:bodyPr wrap="none" lIns="91440" tIns="45720" rIns="91440" bIns="45720">
+            <a:spAutoFit/>
+          </a:bodyPr>
+          <a:lstStyle/>
+          <a:p>
+            <a:pPr algn="ctr"/>
+            <a:r>
+              <a:rPr lang="en-US" altLang="ja-JP" sz="1800" b="1" dirty="0">
+                <a:ln w="12700">
+                  <a:solidFill>
+                    <a:schemeClr val="tx2">
+                      <a:satMod val="155000"/>
+                    </a:schemeClr>
+                  </a:solidFill>
+                  <a:prstDash val="solid"/>
+                </a:ln>
+                <a:solidFill>
+                  <a:schemeClr val="bg2">
+                    <a:tint val="85000"/>
+                    <a:satMod val="155000"/>
+                  </a:schemeClr>
+                </a:solidFill>
+                <a:effectLst>
+                  <a:outerShdw blurRad="41275" dist="20320" dir="1800000" algn="tl" rotWithShape="0">
+                    <a:srgbClr val="000000">
+                      <a:alpha val="40000"/>
+                    </a:srgbClr>
+                  </a:outerShdw>
+                </a:effectLst>
+              </a:rPr>
+              <a:t>1</a:t>
+            </a:r>
+            <a:endParaRPr lang="ja-JP" altLang="en-US" sz="1800" b="1" dirty="0">
+              <a:ln w="12700">
+                <a:solidFill>
+                  <a:schemeClr val="tx2">
+                    <a:satMod val="155000"/>
+                  </a:schemeClr>
+                </a:solidFill>
+                <a:prstDash val="solid"/>
+              </a:ln>
+              <a:solidFill>
+                <a:schemeClr val="bg2">
+                  <a:tint val="85000"/>
+                  <a:satMod val="155000"/>
+                </a:schemeClr>
+              </a:solidFill>
+              <a:effectLst>
+                <a:outerShdw blurRad="41275" dist="20320" dir="1800000" algn="tl" rotWithShape="0">
+                  <a:srgbClr val="000000">
+                    <a:alpha val="40000"/>
+                  </a:srgbClr>
+                </a:outerShdw>
+              </a:effectLst>
+            </a:endParaRPr>
+          </a:p>
+        </p:txBody>
+      </p:sp>
+      <p:sp>
+        <p:nvSpPr>
+          <p:cNvPr id="88" name="正方形/長方形 87"/>
+          <p:cNvSpPr/>
+          <p:nvPr/>
+        </p:nvSpPr>
+        <p:spPr>
+          <a:xfrm>
+            <a:off x="8363564" y="7197082"/>
+            <a:ext cx="301686" cy="369332"/>
+          </a:xfrm>
+          <a:prstGeom prst="rect">
+            <a:avLst/>
+          </a:prstGeom>
+          <a:noFill/>
+        </p:spPr>
+        <p:txBody>
+          <a:bodyPr wrap="none" lIns="91440" tIns="45720" rIns="91440" bIns="45720">
+            <a:spAutoFit/>
+          </a:bodyPr>
+          <a:lstStyle/>
+          <a:p>
+            <a:pPr algn="ctr"/>
+            <a:r>
+              <a:rPr lang="en-US" altLang="ja-JP" sz="1800" b="1" dirty="0" smtClean="0">
+                <a:ln w="12700">
+                  <a:solidFill>
+                    <a:schemeClr val="tx2">
+                      <a:satMod val="155000"/>
+                    </a:schemeClr>
+                  </a:solidFill>
+                  <a:prstDash val="solid"/>
+                </a:ln>
+                <a:solidFill>
+                  <a:schemeClr val="bg2">
+                    <a:tint val="85000"/>
+                    <a:satMod val="155000"/>
+                  </a:schemeClr>
+                </a:solidFill>
+                <a:effectLst>
+                  <a:outerShdw blurRad="41275" dist="20320" dir="1800000" algn="tl" rotWithShape="0">
+                    <a:srgbClr val="000000">
+                      <a:alpha val="40000"/>
+                    </a:srgbClr>
+                  </a:outerShdw>
+                </a:effectLst>
+              </a:rPr>
+              <a:t>2</a:t>
+            </a:r>
+            <a:endParaRPr lang="ja-JP" altLang="en-US" sz="1800" b="1" dirty="0">
+              <a:ln w="12700">
+                <a:solidFill>
+                  <a:schemeClr val="tx2">
+                    <a:satMod val="155000"/>
+                  </a:schemeClr>
+                </a:solidFill>
+                <a:prstDash val="solid"/>
+              </a:ln>
+              <a:solidFill>
+                <a:schemeClr val="bg2">
+                  <a:tint val="85000"/>
+                  <a:satMod val="155000"/>
+                </a:schemeClr>
+              </a:solidFill>
+              <a:effectLst>
+                <a:outerShdw blurRad="41275" dist="20320" dir="1800000" algn="tl" rotWithShape="0">
+                  <a:srgbClr val="000000">
+                    <a:alpha val="40000"/>
+                  </a:srgbClr>
+                </a:outerShdw>
+              </a:effectLst>
+            </a:endParaRPr>
+          </a:p>
+        </p:txBody>
+      </p:sp>
+      <p:sp>
+        <p:nvSpPr>
+          <p:cNvPr id="89" name="正方形/長方形 88"/>
+          <p:cNvSpPr/>
+          <p:nvPr/>
+        </p:nvSpPr>
+        <p:spPr>
+          <a:xfrm>
+            <a:off x="9573123" y="7213994"/>
+            <a:ext cx="301686" cy="369332"/>
+          </a:xfrm>
+          <a:prstGeom prst="rect">
+            <a:avLst/>
+          </a:prstGeom>
+          <a:noFill/>
+        </p:spPr>
+        <p:txBody>
+          <a:bodyPr wrap="none" lIns="91440" tIns="45720" rIns="91440" bIns="45720">
+            <a:spAutoFit/>
+          </a:bodyPr>
+          <a:lstStyle/>
+          <a:p>
+            <a:pPr algn="ctr"/>
+            <a:r>
+              <a:rPr lang="en-US" altLang="ja-JP" sz="1800" b="1" dirty="0" smtClean="0">
+                <a:ln w="12700">
+                  <a:solidFill>
+                    <a:schemeClr val="tx2">
+                      <a:satMod val="155000"/>
+                    </a:schemeClr>
+                  </a:solidFill>
+                  <a:prstDash val="solid"/>
+                </a:ln>
+                <a:solidFill>
+                  <a:schemeClr val="bg2">
+                    <a:tint val="85000"/>
+                    <a:satMod val="155000"/>
+                  </a:schemeClr>
+                </a:solidFill>
+                <a:effectLst>
+                  <a:outerShdw blurRad="41275" dist="20320" dir="1800000" algn="tl" rotWithShape="0">
+                    <a:srgbClr val="000000">
+                      <a:alpha val="40000"/>
+                    </a:srgbClr>
+                  </a:outerShdw>
+                </a:effectLst>
+              </a:rPr>
+              <a:t>2</a:t>
+            </a:r>
+            <a:endParaRPr lang="ja-JP" altLang="en-US" sz="1800" b="1" dirty="0">
+              <a:ln w="12700">
+                <a:solidFill>
+                  <a:schemeClr val="tx2">
+                    <a:satMod val="155000"/>
+                  </a:schemeClr>
+                </a:solidFill>
+                <a:prstDash val="solid"/>
+              </a:ln>
+              <a:solidFill>
+                <a:schemeClr val="bg2">
+                  <a:tint val="85000"/>
+                  <a:satMod val="155000"/>
+                </a:schemeClr>
+              </a:solidFill>
+              <a:effectLst>
+                <a:outerShdw blurRad="41275" dist="20320" dir="1800000" algn="tl" rotWithShape="0">
+                  <a:srgbClr val="000000">
+                    <a:alpha val="40000"/>
+                  </a:srgbClr>
+                </a:outerShdw>
+              </a:effectLst>
+            </a:endParaRPr>
+          </a:p>
+        </p:txBody>
+      </p:sp>
+      <p:sp>
+        <p:nvSpPr>
+          <p:cNvPr id="90" name="正方形/長方形 89"/>
+          <p:cNvSpPr/>
+          <p:nvPr/>
+        </p:nvSpPr>
+        <p:spPr>
+          <a:xfrm>
+            <a:off x="12048703" y="7534148"/>
+            <a:ext cx="301686" cy="369332"/>
+          </a:xfrm>
+          <a:prstGeom prst="rect">
+            <a:avLst/>
+          </a:prstGeom>
+          <a:noFill/>
+        </p:spPr>
+        <p:txBody>
+          <a:bodyPr wrap="none" lIns="91440" tIns="45720" rIns="91440" bIns="45720">
+            <a:spAutoFit/>
+          </a:bodyPr>
+          <a:lstStyle/>
+          <a:p>
+            <a:pPr algn="ctr"/>
+            <a:r>
+              <a:rPr lang="en-US" altLang="ja-JP" sz="1800" b="1" dirty="0" smtClean="0">
+                <a:ln w="12700">
+                  <a:solidFill>
+                    <a:schemeClr val="tx2">
+                      <a:satMod val="155000"/>
+                    </a:schemeClr>
+                  </a:solidFill>
+                  <a:prstDash val="solid"/>
+                </a:ln>
+                <a:solidFill>
+                  <a:schemeClr val="bg2">
+                    <a:tint val="85000"/>
+                    <a:satMod val="155000"/>
+                  </a:schemeClr>
+                </a:solidFill>
+                <a:effectLst>
+                  <a:outerShdw blurRad="41275" dist="20320" dir="1800000" algn="tl" rotWithShape="0">
+                    <a:srgbClr val="000000">
+                      <a:alpha val="40000"/>
+                    </a:srgbClr>
+                  </a:outerShdw>
+                </a:effectLst>
+              </a:rPr>
+              <a:t>2</a:t>
+            </a:r>
+            <a:endParaRPr lang="ja-JP" altLang="en-US" sz="1800" b="1" dirty="0">
+              <a:ln w="12700">
+                <a:solidFill>
+                  <a:schemeClr val="tx2">
+                    <a:satMod val="155000"/>
+                  </a:schemeClr>
+                </a:solidFill>
+                <a:prstDash val="solid"/>
+              </a:ln>
+              <a:solidFill>
+                <a:schemeClr val="bg2">
+                  <a:tint val="85000"/>
+                  <a:satMod val="155000"/>
+                </a:schemeClr>
+              </a:solidFill>
+              <a:effectLst>
+                <a:outerShdw blurRad="41275" dist="20320" dir="1800000" algn="tl" rotWithShape="0">
+                  <a:srgbClr val="000000">
+                    <a:alpha val="40000"/>
+                  </a:srgbClr>
+                </a:outerShdw>
+              </a:effectLst>
+            </a:endParaRPr>
+          </a:p>
+        </p:txBody>
+      </p:sp>
+      <p:sp>
+        <p:nvSpPr>
+          <p:cNvPr id="91" name="正方形/長方形 90"/>
+          <p:cNvSpPr/>
+          <p:nvPr/>
+        </p:nvSpPr>
+        <p:spPr>
+          <a:xfrm>
+            <a:off x="12048703" y="8581020"/>
+            <a:ext cx="301686" cy="369332"/>
+          </a:xfrm>
+          <a:prstGeom prst="rect">
+            <a:avLst/>
+          </a:prstGeom>
+          <a:noFill/>
+        </p:spPr>
+        <p:txBody>
+          <a:bodyPr wrap="none" lIns="91440" tIns="45720" rIns="91440" bIns="45720">
+            <a:spAutoFit/>
+          </a:bodyPr>
+          <a:lstStyle/>
+          <a:p>
+            <a:pPr algn="ctr"/>
+            <a:r>
+              <a:rPr lang="en-US" altLang="ja-JP" sz="1800" b="1" dirty="0" smtClean="0">
+                <a:ln w="12700">
+                  <a:solidFill>
+                    <a:schemeClr val="tx2">
+                      <a:satMod val="155000"/>
+                    </a:schemeClr>
+                  </a:solidFill>
+                  <a:prstDash val="solid"/>
+                </a:ln>
+                <a:solidFill>
+                  <a:schemeClr val="bg2">
+                    <a:tint val="85000"/>
+                    <a:satMod val="155000"/>
+                  </a:schemeClr>
+                </a:solidFill>
+                <a:effectLst>
+                  <a:outerShdw blurRad="41275" dist="20320" dir="1800000" algn="tl" rotWithShape="0">
+                    <a:srgbClr val="000000">
+                      <a:alpha val="40000"/>
+                    </a:srgbClr>
+                  </a:outerShdw>
+                </a:effectLst>
+              </a:rPr>
+              <a:t>2</a:t>
+            </a:r>
+            <a:endParaRPr lang="ja-JP" altLang="en-US" sz="1800" b="1" dirty="0">
+              <a:ln w="12700">
+                <a:solidFill>
+                  <a:schemeClr val="tx2">
+                    <a:satMod val="155000"/>
+                  </a:schemeClr>
+                </a:solidFill>
+                <a:prstDash val="solid"/>
+              </a:ln>
+              <a:solidFill>
+                <a:schemeClr val="bg2">
+                  <a:tint val="85000"/>
+                  <a:satMod val="155000"/>
+                </a:schemeClr>
+              </a:solidFill>
+              <a:effectLst>
+                <a:outerShdw blurRad="41275" dist="20320" dir="1800000" algn="tl" rotWithShape="0">
+                  <a:srgbClr val="000000">
+                    <a:alpha val="40000"/>
+                  </a:srgbClr>
+                </a:outerShdw>
+              </a:effectLst>
+            </a:endParaRPr>
+          </a:p>
+        </p:txBody>
+      </p:sp>
+      <p:sp>
+        <p:nvSpPr>
+          <p:cNvPr id="92" name="正方形/長方形 91"/>
+          <p:cNvSpPr/>
+          <p:nvPr/>
+        </p:nvSpPr>
+        <p:spPr>
+          <a:xfrm>
+            <a:off x="1534606" y="3216424"/>
+            <a:ext cx="308098" cy="369332"/>
+          </a:xfrm>
+          <a:prstGeom prst="rect">
+            <a:avLst/>
+          </a:prstGeom>
+          <a:noFill/>
+        </p:spPr>
+        <p:txBody>
+          <a:bodyPr wrap="none" lIns="91440" tIns="45720" rIns="91440" bIns="45720">
+            <a:spAutoFit/>
+          </a:bodyPr>
+          <a:lstStyle/>
+          <a:p>
+            <a:pPr algn="ctr"/>
+            <a:r>
+              <a:rPr lang="en-US" altLang="ja-JP" sz="1800" b="1" dirty="0" smtClean="0">
+                <a:ln w="12700">
+                  <a:solidFill>
+                    <a:schemeClr val="tx2">
+                      <a:satMod val="155000"/>
+                    </a:schemeClr>
+                  </a:solidFill>
+                  <a:prstDash val="solid"/>
+                </a:ln>
+                <a:solidFill>
+                  <a:schemeClr val="bg2">
+                    <a:tint val="85000"/>
+                    <a:satMod val="155000"/>
+                  </a:schemeClr>
+                </a:solidFill>
+                <a:effectLst>
+                  <a:outerShdw blurRad="41275" dist="20320" dir="1800000" algn="tl" rotWithShape="0">
+                    <a:srgbClr val="000000">
+                      <a:alpha val="40000"/>
+                    </a:srgbClr>
+                  </a:outerShdw>
+                </a:effectLst>
+              </a:rPr>
+              <a:t>1</a:t>
+            </a:r>
+            <a:endParaRPr lang="ja-JP" altLang="en-US" sz="1800" b="1" dirty="0">
+              <a:ln w="12700">
+                <a:solidFill>
+                  <a:schemeClr val="tx2">
+                    <a:satMod val="155000"/>
+                  </a:schemeClr>
+                </a:solidFill>
+                <a:prstDash val="solid"/>
+              </a:ln>
+              <a:solidFill>
+                <a:schemeClr val="bg2">
+                  <a:tint val="85000"/>
+                  <a:satMod val="155000"/>
+                </a:schemeClr>
+              </a:solidFill>
+              <a:effectLst>
+                <a:outerShdw blurRad="41275" dist="20320" dir="1800000" algn="tl" rotWithShape="0">
+                  <a:srgbClr val="000000">
+                    <a:alpha val="40000"/>
+                  </a:srgbClr>
+                </a:outerShdw>
+              </a:effectLst>
             </a:endParaRPr>
           </a:p>
         </p:txBody>
@@ -48460,7 +50614,7 @@
     </p:spTree>
     <p:extLst>
       <p:ext uri="{BB962C8B-B14F-4D97-AF65-F5344CB8AC3E}">
-        <p14:creationId xmlns:p14="http://schemas.microsoft.com/office/powerpoint/2010/main" val="1405732959"/>
+        <p14:creationId xmlns:p14="http://schemas.microsoft.com/office/powerpoint/2010/main" val="3800328560"/>
       </p:ext>
     </p:extLst>
   </p:cSld>
@@ -48494,6 +50648,134 @@
           <a:chExt cx="0" cy="0"/>
         </a:xfrm>
       </p:grpSpPr>
+      <p:pic>
+        <p:nvPicPr>
+          <p:cNvPr id="269" name="Picture 2"/>
+          <p:cNvPicPr>
+            <a:picLocks noChangeAspect="1" noChangeArrowheads="1"/>
+          </p:cNvPicPr>
+          <p:nvPr/>
+        </p:nvPicPr>
+        <p:blipFill>
+          <a:blip r:embed="rId2">
+            <a:extLst>
+              <a:ext uri="{28A0092B-C50C-407E-A947-70E740481C1C}">
+                <a14:useLocalDpi xmlns:a14="http://schemas.microsoft.com/office/drawing/2010/main" val="0"/>
+              </a:ext>
+            </a:extLst>
+          </a:blip>
+          <a:srcRect/>
+          <a:stretch>
+            <a:fillRect/>
+          </a:stretch>
+        </p:blipFill>
+        <p:spPr bwMode="auto">
+          <a:xfrm>
+            <a:off x="11616654" y="8073562"/>
+            <a:ext cx="1184009" cy="1114471"/>
+          </a:xfrm>
+          <a:prstGeom prst="rect">
+            <a:avLst/>
+          </a:prstGeom>
+          <a:noFill/>
+          <a:ln>
+            <a:noFill/>
+          </a:ln>
+          <a:effectLst/>
+          <a:extLst>
+            <a:ext uri="{909E8E84-426E-40DD-AFC4-6F175D3DCCD1}">
+              <a14:hiddenFill xmlns:a14="http://schemas.microsoft.com/office/drawing/2010/main">
+                <a:solidFill>
+                  <a:schemeClr val="accent1"/>
+                </a:solidFill>
+              </a14:hiddenFill>
+            </a:ext>
+            <a:ext uri="{91240B29-F687-4F45-9708-019B960494DF}">
+              <a14:hiddenLine xmlns:a14="http://schemas.microsoft.com/office/drawing/2010/main" w="9525">
+                <a:solidFill>
+                  <a:schemeClr val="tx1"/>
+                </a:solidFill>
+                <a:miter lim="800000"/>
+                <a:headEnd/>
+                <a:tailEnd/>
+              </a14:hiddenLine>
+            </a:ext>
+            <a:ext uri="{AF507438-7753-43E0-B8FC-AC1667EBCBE1}">
+              <a14:hiddenEffects xmlns:a14="http://schemas.microsoft.com/office/drawing/2010/main">
+                <a:effectLst>
+                  <a:outerShdw dist="35921" dir="2700000" algn="ctr" rotWithShape="0">
+                    <a:schemeClr val="bg2"/>
+                  </a:outerShdw>
+                </a:effectLst>
+              </a14:hiddenEffects>
+            </a:ext>
+          </a:extLst>
+        </p:spPr>
+      </p:pic>
+      <p:pic>
+        <p:nvPicPr>
+          <p:cNvPr id="267" name="Picture 2"/>
+          <p:cNvPicPr>
+            <a:picLocks noChangeAspect="1" noChangeArrowheads="1"/>
+          </p:cNvPicPr>
+          <p:nvPr/>
+        </p:nvPicPr>
+        <p:blipFill>
+          <a:blip r:embed="rId2">
+            <a:extLst>
+              <a:ext uri="{28A0092B-C50C-407E-A947-70E740481C1C}">
+                <a14:useLocalDpi xmlns:a14="http://schemas.microsoft.com/office/drawing/2010/main" val="0"/>
+              </a:ext>
+            </a:extLst>
+          </a:blip>
+          <a:srcRect/>
+          <a:stretch>
+            <a:fillRect/>
+          </a:stretch>
+        </p:blipFill>
+        <p:spPr bwMode="auto">
+          <a:xfrm>
+            <a:off x="9810670" y="8049767"/>
+            <a:ext cx="1212486" cy="1106764"/>
+          </a:xfrm>
+          <a:prstGeom prst="rect">
+            <a:avLst/>
+          </a:prstGeom>
+          <a:noFill/>
+          <a:ln>
+            <a:noFill/>
+          </a:ln>
+          <a:effectLst/>
+          <a:extLst>
+            <a:ext uri="{909E8E84-426E-40DD-AFC4-6F175D3DCCD1}">
+              <a14:hiddenFill xmlns:a14="http://schemas.microsoft.com/office/drawing/2010/main">
+                <a:solidFill>
+                  <a:schemeClr val="accent1"/>
+                </a:solidFill>
+              </a14:hiddenFill>
+            </a:ext>
+            <a:ext uri="{91240B29-F687-4F45-9708-019B960494DF}">
+              <a14:hiddenLine xmlns:a14="http://schemas.microsoft.com/office/drawing/2010/main" w="9525">
+                <a:solidFill>
+                  <a:schemeClr val="tx1"/>
+                </a:solidFill>
+                <a:miter lim="800000"/>
+                <a:headEnd/>
+                <a:tailEnd/>
+              </a14:hiddenLine>
+            </a:ext>
+            <a:ext uri="{AF507438-7753-43E0-B8FC-AC1667EBCBE1}">
+              <a14:hiddenEffects xmlns:a14="http://schemas.microsoft.com/office/drawing/2010/main">
+                <a:effectLst>
+                  <a:outerShdw dist="35921" dir="2700000" algn="ctr" rotWithShape="0">
+                    <a:schemeClr val="bg2"/>
+                  </a:outerShdw>
+                </a:effectLst>
+              </a14:hiddenEffects>
+            </a:ext>
+          </a:extLst>
+        </p:spPr>
+      </p:pic>
       <p:graphicFrame>
         <p:nvGraphicFramePr>
           <p:cNvPr id="215" name="コンテンツ プレースホルダー 7"/>
@@ -48514,7 +50796,7 @@
         </p:xfrm>
         <a:graphic>
           <a:graphicData uri="http://schemas.openxmlformats.org/drawingml/2006/chart">
-            <c:chart xmlns:c="http://schemas.openxmlformats.org/drawingml/2006/chart" xmlns:r="http://schemas.openxmlformats.org/officeDocument/2006/relationships" r:id="rId2"/>
+            <c:chart xmlns:c="http://schemas.openxmlformats.org/drawingml/2006/chart" xmlns:r="http://schemas.openxmlformats.org/officeDocument/2006/relationships" r:id="rId3"/>
           </a:graphicData>
         </a:graphic>
       </p:graphicFrame>
@@ -48673,7 +50955,7 @@
         <p:spPr>
           <a:xfrm>
             <a:off x="680400" y="5200200"/>
-            <a:ext cx="4328547" cy="900246"/>
+            <a:ext cx="4328547" cy="738664"/>
           </a:xfrm>
           <a:prstGeom prst="rect">
             <a:avLst/>
@@ -48740,7 +51022,55 @@
                 <a:ea typeface="メイリオ" pitchFamily="50" charset="-128"/>
                 <a:cs typeface="メイリオ" pitchFamily="50" charset="-128"/>
               </a:rPr>
-              <a:t>超えることがある．その結果を単純に入力範囲に収まるよう値を調整すると，旋回量が不足し曲がり切れない．そこで，モータの</a:t>
+              <a:t>超え</a:t>
+            </a:r>
+            <a:r>
+              <a:rPr lang="en-US" altLang="ja-JP" sz="1050" dirty="0" smtClean="0">
+                <a:latin typeface="メイリオ" pitchFamily="50" charset="-128"/>
+                <a:ea typeface="メイリオ" pitchFamily="50" charset="-128"/>
+                <a:cs typeface="メイリオ" pitchFamily="50" charset="-128"/>
+              </a:rPr>
+              <a:t>,</a:t>
+            </a:r>
+            <a:r>
+              <a:rPr lang="ja-JP" altLang="en-US" sz="1050" dirty="0" smtClean="0">
+                <a:latin typeface="メイリオ" pitchFamily="50" charset="-128"/>
+                <a:ea typeface="メイリオ" pitchFamily="50" charset="-128"/>
+                <a:cs typeface="メイリオ" pitchFamily="50" charset="-128"/>
+              </a:rPr>
+              <a:t>旋回量</a:t>
+            </a:r>
+            <a:r>
+              <a:rPr lang="ja-JP" altLang="en-US" sz="1050" dirty="0">
+                <a:latin typeface="メイリオ" pitchFamily="50" charset="-128"/>
+                <a:ea typeface="メイリオ" pitchFamily="50" charset="-128"/>
+                <a:cs typeface="メイリオ" pitchFamily="50" charset="-128"/>
+              </a:rPr>
+              <a:t>が</a:t>
+            </a:r>
+            <a:r>
+              <a:rPr lang="ja-JP" altLang="en-US" sz="1050" dirty="0" smtClean="0">
+                <a:latin typeface="メイリオ" pitchFamily="50" charset="-128"/>
+                <a:ea typeface="メイリオ" pitchFamily="50" charset="-128"/>
+                <a:cs typeface="メイリオ" pitchFamily="50" charset="-128"/>
+              </a:rPr>
+              <a:t>飽和し曲がり切れないことがある．</a:t>
+            </a:r>
+            <a:r>
+              <a:rPr lang="ja-JP" altLang="en-US" sz="1050" dirty="0" smtClean="0">
+                <a:latin typeface="メイリオ" pitchFamily="50" charset="-128"/>
+                <a:ea typeface="メイリオ" pitchFamily="50" charset="-128"/>
+                <a:cs typeface="メイリオ" pitchFamily="50" charset="-128"/>
+              </a:rPr>
+              <a:t>そこで</a:t>
+            </a:r>
+            <a:r>
+              <a:rPr lang="ja-JP" altLang="en-US" sz="1050" dirty="0" smtClean="0">
+                <a:latin typeface="メイリオ" pitchFamily="50" charset="-128"/>
+                <a:ea typeface="メイリオ" pitchFamily="50" charset="-128"/>
+                <a:cs typeface="メイリオ" pitchFamily="50" charset="-128"/>
+              </a:rPr>
+              <a:t>，</a:t>
             </a:r>
             <a:r>
               <a:rPr lang="en-US" altLang="ja-JP" sz="1050" dirty="0" smtClean="0">
@@ -50088,7 +52418,7 @@
         </p:xfrm>
         <a:graphic>
           <a:graphicData uri="http://schemas.openxmlformats.org/drawingml/2006/chart">
-            <c:chart xmlns:c="http://schemas.openxmlformats.org/drawingml/2006/chart" xmlns:r="http://schemas.openxmlformats.org/officeDocument/2006/relationships" r:id="rId3"/>
+            <c:chart xmlns:c="http://schemas.openxmlformats.org/drawingml/2006/chart" xmlns:r="http://schemas.openxmlformats.org/officeDocument/2006/relationships" r:id="rId4"/>
           </a:graphicData>
         </a:graphic>
       </p:graphicFrame>
@@ -50101,7 +52431,7 @@
         <p:spPr>
           <a:xfrm>
             <a:off x="9329490" y="5200198"/>
-            <a:ext cx="4254748" cy="1223412"/>
+            <a:ext cx="4254748" cy="1061829"/>
           </a:xfrm>
           <a:prstGeom prst="rect">
             <a:avLst/>
@@ -50115,12 +52445,28 @@
           <a:lstStyle/>
           <a:p>
             <a:r>
+              <a:rPr lang="ja-JP" altLang="en-US" sz="1050" dirty="0">
+                <a:latin typeface="メイリオ" pitchFamily="50" charset="-128"/>
+                <a:ea typeface="メイリオ" pitchFamily="50" charset="-128"/>
+                <a:cs typeface="メイリオ" pitchFamily="50" charset="-128"/>
+              </a:rPr>
+              <a:t>　</a:t>
+            </a:r>
+            <a:r>
               <a:rPr lang="ja-JP" altLang="en-US" sz="1050" dirty="0" smtClean="0">
                 <a:latin typeface="メイリオ" pitchFamily="50" charset="-128"/>
                 <a:ea typeface="メイリオ" pitchFamily="50" charset="-128"/>
                 <a:cs typeface="メイリオ" pitchFamily="50" charset="-128"/>
               </a:rPr>
-              <a:t>階段，シーソクリア後はラインを見失うことがある</a:t>
+              <a:t>階段</a:t>
+            </a:r>
+            <a:r>
+              <a:rPr lang="ja-JP" altLang="en-US" sz="1050" dirty="0" smtClean="0">
+                <a:latin typeface="メイリオ" pitchFamily="50" charset="-128"/>
+                <a:ea typeface="メイリオ" pitchFamily="50" charset="-128"/>
+                <a:cs typeface="メイリオ" pitchFamily="50" charset="-128"/>
+              </a:rPr>
+              <a:t>，シーソクリア後はラインを見失うことがある</a:t>
             </a:r>
             <a:r>
               <a:rPr lang="en-US" altLang="ja-JP" sz="1050" dirty="0" smtClean="0">
@@ -50136,7 +52482,39 @@
                 <a:ea typeface="メイリオ" pitchFamily="50" charset="-128"/>
                 <a:cs typeface="メイリオ" pitchFamily="50" charset="-128"/>
               </a:rPr>
-              <a:t>そこで，ラインを探し出しライントレースを再開</a:t>
+              <a:t>そこで</a:t>
+            </a:r>
+            <a:r>
+              <a:rPr lang="ja-JP" altLang="en-US" sz="1050" dirty="0" smtClean="0">
+                <a:latin typeface="メイリオ" pitchFamily="50" charset="-128"/>
+                <a:ea typeface="メイリオ" pitchFamily="50" charset="-128"/>
+                <a:cs typeface="メイリオ" pitchFamily="50" charset="-128"/>
+              </a:rPr>
+              <a:t>，</a:t>
+            </a:r>
+            <a:r>
+              <a:rPr lang="ja-JP" altLang="en-US" sz="1050" dirty="0" smtClean="0">
+                <a:latin typeface="メイリオ" pitchFamily="50" charset="-128"/>
+                <a:ea typeface="メイリオ" pitchFamily="50" charset="-128"/>
+                <a:cs typeface="メイリオ" pitchFamily="50" charset="-128"/>
+              </a:rPr>
+              <a:t>クリア後に</a:t>
+            </a:r>
+            <a:r>
+              <a:rPr lang="ja-JP" altLang="en-US" sz="1050" dirty="0" smtClean="0">
+                <a:latin typeface="メイリオ" pitchFamily="50" charset="-128"/>
+                <a:ea typeface="メイリオ" pitchFamily="50" charset="-128"/>
+                <a:cs typeface="メイリオ" pitchFamily="50" charset="-128"/>
+              </a:rPr>
+              <a:t>ライン</a:t>
+            </a:r>
+            <a:r>
+              <a:rPr lang="ja-JP" altLang="en-US" sz="1050" dirty="0" smtClean="0">
+                <a:latin typeface="メイリオ" pitchFamily="50" charset="-128"/>
+                <a:ea typeface="メイリオ" pitchFamily="50" charset="-128"/>
+                <a:cs typeface="メイリオ" pitchFamily="50" charset="-128"/>
+              </a:rPr>
+              <a:t>を探し出しライントレースを再開</a:t>
             </a:r>
             <a:r>
               <a:rPr lang="ja-JP" altLang="en-US" sz="1050" dirty="0">
@@ -50168,10 +52546,66 @@
                 <a:ea typeface="メイリオ" pitchFamily="50" charset="-128"/>
                 <a:cs typeface="メイリオ" pitchFamily="50" charset="-128"/>
               </a:rPr>
-              <a:t>ログから自己位置推定するには誤差が多く意図しない動作をする可能性がある．自己位置推定に頼らずラインの左右どちらに外れてしまっても復帰できるようにする必要がある．ラインの存在はラインエッジの検出回数により判断する</a:t>
-            </a:r>
-            <a:r>
-              <a:rPr lang="en-US" altLang="ja-JP" sz="1050" dirty="0" smtClean="0">
+              <a:t>ログから自己位置</a:t>
+            </a:r>
+            <a:r>
+              <a:rPr lang="ja-JP" altLang="en-US" sz="1050" dirty="0" smtClean="0">
+                <a:latin typeface="メイリオ" pitchFamily="50" charset="-128"/>
+                <a:ea typeface="メイリオ" pitchFamily="50" charset="-128"/>
+                <a:cs typeface="メイリオ" pitchFamily="50" charset="-128"/>
+              </a:rPr>
+              <a:t>推定をする</a:t>
+            </a:r>
+            <a:r>
+              <a:rPr lang="ja-JP" altLang="en-US" sz="1050" dirty="0" smtClean="0">
+                <a:latin typeface="メイリオ" pitchFamily="50" charset="-128"/>
+                <a:ea typeface="メイリオ" pitchFamily="50" charset="-128"/>
+                <a:cs typeface="メイリオ" pitchFamily="50" charset="-128"/>
+              </a:rPr>
+              <a:t>には誤差が</a:t>
+            </a:r>
+            <a:r>
+              <a:rPr lang="ja-JP" altLang="en-US" sz="1050" dirty="0" smtClean="0">
+                <a:latin typeface="メイリオ" pitchFamily="50" charset="-128"/>
+                <a:ea typeface="メイリオ" pitchFamily="50" charset="-128"/>
+                <a:cs typeface="メイリオ" pitchFamily="50" charset="-128"/>
+              </a:rPr>
+              <a:t>多く</a:t>
+            </a:r>
+            <a:r>
+              <a:rPr lang="ja-JP" altLang="en-US" sz="1050" dirty="0" smtClean="0">
+                <a:latin typeface="メイリオ" pitchFamily="50" charset="-128"/>
+                <a:ea typeface="メイリオ" pitchFamily="50" charset="-128"/>
+                <a:cs typeface="メイリオ" pitchFamily="50" charset="-128"/>
+              </a:rPr>
+              <a:t>信頼できない</a:t>
+            </a:r>
+            <a:r>
+              <a:rPr lang="ja-JP" altLang="en-US" sz="1050" dirty="0" smtClean="0">
+                <a:latin typeface="メイリオ" pitchFamily="50" charset="-128"/>
+                <a:ea typeface="メイリオ" pitchFamily="50" charset="-128"/>
+                <a:cs typeface="メイリオ" pitchFamily="50" charset="-128"/>
+              </a:rPr>
+              <a:t>．よって自己</a:t>
+            </a:r>
+            <a:r>
+              <a:rPr lang="ja-JP" altLang="en-US" sz="1050" dirty="0" smtClean="0">
+                <a:latin typeface="メイリオ" pitchFamily="50" charset="-128"/>
+                <a:ea typeface="メイリオ" pitchFamily="50" charset="-128"/>
+                <a:cs typeface="メイリオ" pitchFamily="50" charset="-128"/>
+              </a:rPr>
+              <a:t>位置推定に頼らずラインの左右どちらに外れてしまっても復帰できるように</a:t>
+            </a:r>
+            <a:r>
+              <a:rPr lang="ja-JP" altLang="en-US" sz="1050" dirty="0" smtClean="0">
+                <a:latin typeface="メイリオ" pitchFamily="50" charset="-128"/>
+                <a:ea typeface="メイリオ" pitchFamily="50" charset="-128"/>
+                <a:cs typeface="メイリオ" pitchFamily="50" charset="-128"/>
+              </a:rPr>
+              <a:t>する</a:t>
+            </a:r>
+            <a:r>
+              <a:rPr lang="en-US" altLang="ja-JP" sz="1050" dirty="0">
                 <a:latin typeface="メイリオ" pitchFamily="50" charset="-128"/>
                 <a:ea typeface="メイリオ" pitchFamily="50" charset="-128"/>
                 <a:cs typeface="メイリオ" pitchFamily="50" charset="-128"/>
@@ -50689,7 +53123,7 @@
           <p:nvPr/>
         </p:nvPicPr>
         <p:blipFill>
-          <a:blip r:embed="rId4" cstate="print">
+          <a:blip r:embed="rId5" cstate="print">
             <a:extLst>
               <a:ext uri="{28A0092B-C50C-407E-A947-70E740481C1C}">
                 <a14:useLocalDpi xmlns:a14="http://schemas.microsoft.com/office/drawing/2010/main" val="0"/>
@@ -50753,7 +53187,7 @@
           <p:nvPr/>
         </p:nvPicPr>
         <p:blipFill>
-          <a:blip r:embed="rId5" cstate="print">
+          <a:blip r:embed="rId6" cstate="print">
             <a:extLst>
               <a:ext uri="{28A0092B-C50C-407E-A947-70E740481C1C}">
                 <a14:useLocalDpi xmlns:a14="http://schemas.microsoft.com/office/drawing/2010/main" val="0"/>
@@ -51440,7 +53874,7 @@
                 <a:avLst/>
               </a:prstGeom>
               <a:blipFill rotWithShape="1">
-                <a:blip r:embed="rId6"/>
+                <a:blip r:embed="rId7"/>
                 <a:stretch>
                   <a:fillRect/>
                 </a:stretch>
@@ -51715,7 +54149,7 @@
                 <a:avLst/>
               </a:prstGeom>
               <a:blipFill rotWithShape="1">
-                <a:blip r:embed="rId7"/>
+                <a:blip r:embed="rId8"/>
                 <a:stretch>
                   <a:fillRect/>
                 </a:stretch>
@@ -51991,7 +54425,7 @@
                 <a:avLst/>
               </a:prstGeom>
               <a:blipFill rotWithShape="1">
-                <a:blip r:embed="rId8"/>
+                <a:blip r:embed="rId9"/>
                 <a:stretch>
                   <a:fillRect/>
                 </a:stretch>
@@ -52533,7 +54967,7 @@
                 <a:avLst/>
               </a:prstGeom>
               <a:blipFill rotWithShape="1">
-                <a:blip r:embed="rId9"/>
+                <a:blip r:embed="rId10"/>
                 <a:stretch>
                   <a:fillRect l="-20290" t="-143077" b="-210769"/>
                 </a:stretch>
@@ -52791,7 +55225,7 @@
                 <a:avLst/>
               </a:prstGeom>
               <a:blipFill rotWithShape="1">
-                <a:blip r:embed="rId10"/>
+                <a:blip r:embed="rId11"/>
                 <a:stretch>
                   <a:fillRect/>
                 </a:stretch>
@@ -52940,7 +55374,7 @@
                 <a:avLst/>
               </a:prstGeom>
               <a:blipFill rotWithShape="1">
-                <a:blip r:embed="rId11"/>
+                <a:blip r:embed="rId12"/>
                 <a:stretch>
                   <a:fillRect/>
                 </a:stretch>
@@ -53218,7 +55652,7 @@
                 <a:avLst/>
               </a:prstGeom>
               <a:blipFill rotWithShape="1">
-                <a:blip r:embed="rId12"/>
+                <a:blip r:embed="rId13"/>
                 <a:stretch>
                   <a:fillRect l="-25067" t="-175000" b="-251389"/>
                 </a:stretch>
@@ -53640,7 +56074,7 @@
                 <a:avLst/>
               </a:prstGeom>
               <a:blipFill rotWithShape="1">
-                <a:blip r:embed="rId13"/>
+                <a:blip r:embed="rId14"/>
                 <a:stretch>
                   <a:fillRect/>
                 </a:stretch>
@@ -53953,7 +56387,7 @@
                 <a:avLst/>
               </a:prstGeom>
               <a:blipFill rotWithShape="1">
-                <a:blip r:embed="rId14"/>
+                <a:blip r:embed="rId15"/>
                 <a:stretch>
                   <a:fillRect r="-426" b="-3378"/>
                 </a:stretch>
@@ -53974,70 +56408,6 @@
           </p:sp>
         </mc:Fallback>
       </mc:AlternateContent>
-      <p:pic>
-        <p:nvPicPr>
-          <p:cNvPr id="267" name="Picture 2"/>
-          <p:cNvPicPr>
-            <a:picLocks noChangeAspect="1" noChangeArrowheads="1"/>
-          </p:cNvPicPr>
-          <p:nvPr/>
-        </p:nvPicPr>
-        <p:blipFill>
-          <a:blip r:embed="rId15">
-            <a:extLst>
-              <a:ext uri="{28A0092B-C50C-407E-A947-70E740481C1C}">
-                <a14:useLocalDpi xmlns:a14="http://schemas.microsoft.com/office/drawing/2010/main" val="0"/>
-              </a:ext>
-            </a:extLst>
-          </a:blip>
-          <a:srcRect/>
-          <a:stretch>
-            <a:fillRect/>
-          </a:stretch>
-        </p:blipFill>
-        <p:spPr bwMode="auto">
-          <a:xfrm>
-            <a:off x="9833224" y="7791028"/>
-            <a:ext cx="1264840" cy="1106764"/>
-          </a:xfrm>
-          <a:prstGeom prst="rect">
-            <a:avLst/>
-          </a:prstGeom>
-          <a:noFill/>
-          <a:ln>
-            <a:noFill/>
-          </a:ln>
-          <a:effectLst/>
-          <a:extLst>
-            <a:ext uri="{909E8E84-426E-40DD-AFC4-6F175D3DCCD1}">
-              <a14:hiddenFill xmlns:a14="http://schemas.microsoft.com/office/drawing/2010/main">
-                <a:solidFill>
-                  <a:schemeClr val="accent1"/>
-                </a:solidFill>
-              </a14:hiddenFill>
-            </a:ext>
-            <a:ext uri="{91240B29-F687-4F45-9708-019B960494DF}">
-              <a14:hiddenLine xmlns:a14="http://schemas.microsoft.com/office/drawing/2010/main" w="9525">
-                <a:solidFill>
-                  <a:schemeClr val="tx1"/>
-                </a:solidFill>
-                <a:miter lim="800000"/>
-                <a:headEnd/>
-                <a:tailEnd/>
-              </a14:hiddenLine>
-            </a:ext>
-            <a:ext uri="{AF507438-7753-43E0-B8FC-AC1667EBCBE1}">
-              <a14:hiddenEffects xmlns:a14="http://schemas.microsoft.com/office/drawing/2010/main">
-                <a:effectLst>
-                  <a:outerShdw dist="35921" dir="2700000" algn="ctr" rotWithShape="0">
-                    <a:schemeClr val="bg2"/>
-                  </a:outerShdw>
-                </a:effectLst>
-              </a14:hiddenEffects>
-            </a:ext>
-          </a:extLst>
-        </p:spPr>
-      </p:pic>
       <p:sp>
         <p:nvSpPr>
           <p:cNvPr id="268" name="円弧 267"/>
@@ -54046,7 +56416,7 @@
         </p:nvSpPr>
         <p:spPr>
           <a:xfrm rot="16200000">
-            <a:off x="10435319" y="8318573"/>
+            <a:off x="10344905" y="8339484"/>
             <a:ext cx="914400" cy="914400"/>
           </a:xfrm>
           <a:prstGeom prst="arc">
@@ -54085,70 +56455,6 @@
           </a:p>
         </p:txBody>
       </p:sp>
-      <p:pic>
-        <p:nvPicPr>
-          <p:cNvPr id="269" name="Picture 2"/>
-          <p:cNvPicPr>
-            <a:picLocks noChangeAspect="1" noChangeArrowheads="1"/>
-          </p:cNvPicPr>
-          <p:nvPr/>
-        </p:nvPicPr>
-        <p:blipFill>
-          <a:blip r:embed="rId15">
-            <a:extLst>
-              <a:ext uri="{28A0092B-C50C-407E-A947-70E740481C1C}">
-                <a14:useLocalDpi xmlns:a14="http://schemas.microsoft.com/office/drawing/2010/main" val="0"/>
-              </a:ext>
-            </a:extLst>
-          </a:blip>
-          <a:srcRect/>
-          <a:stretch>
-            <a:fillRect/>
-          </a:stretch>
-        </p:blipFill>
-        <p:spPr bwMode="auto">
-          <a:xfrm>
-            <a:off x="11613038" y="7779295"/>
-            <a:ext cx="1239150" cy="1114471"/>
-          </a:xfrm>
-          <a:prstGeom prst="rect">
-            <a:avLst/>
-          </a:prstGeom>
-          <a:noFill/>
-          <a:ln>
-            <a:noFill/>
-          </a:ln>
-          <a:effectLst/>
-          <a:extLst>
-            <a:ext uri="{909E8E84-426E-40DD-AFC4-6F175D3DCCD1}">
-              <a14:hiddenFill xmlns:a14="http://schemas.microsoft.com/office/drawing/2010/main">
-                <a:solidFill>
-                  <a:schemeClr val="accent1"/>
-                </a:solidFill>
-              </a14:hiddenFill>
-            </a:ext>
-            <a:ext uri="{91240B29-F687-4F45-9708-019B960494DF}">
-              <a14:hiddenLine xmlns:a14="http://schemas.microsoft.com/office/drawing/2010/main" w="9525">
-                <a:solidFill>
-                  <a:schemeClr val="tx1"/>
-                </a:solidFill>
-                <a:miter lim="800000"/>
-                <a:headEnd/>
-                <a:tailEnd/>
-              </a14:hiddenLine>
-            </a:ext>
-            <a:ext uri="{AF507438-7753-43E0-B8FC-AC1667EBCBE1}">
-              <a14:hiddenEffects xmlns:a14="http://schemas.microsoft.com/office/drawing/2010/main">
-                <a:effectLst>
-                  <a:outerShdw dist="35921" dir="2700000" algn="ctr" rotWithShape="0">
-                    <a:schemeClr val="bg2"/>
-                  </a:outerShdw>
-                </a:effectLst>
-              </a14:hiddenEffects>
-            </a:ext>
-          </a:extLst>
-        </p:spPr>
-      </p:pic>
       <p:sp>
         <p:nvSpPr>
           <p:cNvPr id="270" name="円/楕円 269"/>
@@ -54157,7 +56463,7 @@
         </p:nvSpPr>
         <p:spPr>
           <a:xfrm>
-            <a:off x="12536427" y="8686631"/>
+            <a:off x="12489815" y="8981017"/>
             <a:ext cx="144016" cy="160735"/>
           </a:xfrm>
           <a:prstGeom prst="ellipse">
@@ -54203,7 +56509,7 @@
         </p:nvSpPr>
         <p:spPr>
           <a:xfrm rot="4063690">
-            <a:off x="11569522" y="8355070"/>
+            <a:off x="11522910" y="8649456"/>
             <a:ext cx="914400" cy="914400"/>
           </a:xfrm>
           <a:prstGeom prst="arc">
@@ -54250,14 +56556,14 @@
           <p:nvPr/>
         </p:nvSpPr>
         <p:spPr>
-          <a:xfrm rot="15059816">
-            <a:off x="11658508" y="8304760"/>
+          <a:xfrm rot="15592464">
+            <a:off x="11528212" y="8615611"/>
             <a:ext cx="934303" cy="914400"/>
           </a:xfrm>
           <a:prstGeom prst="arc">
             <a:avLst>
               <a:gd name="adj1" fmla="val 21324979"/>
-              <a:gd name="adj2" fmla="val 3621745"/>
+              <a:gd name="adj2" fmla="val 4027401"/>
             </a:avLst>
           </a:prstGeom>
           <a:ln w="19050" cap="rnd">
@@ -54299,8 +56605,8 @@
         </p:nvCxnSpPr>
         <p:spPr>
           <a:xfrm flipH="1" flipV="1">
-            <a:off x="12306557" y="8119731"/>
-            <a:ext cx="230231" cy="305490"/>
+            <a:off x="12264819" y="8487615"/>
+            <a:ext cx="132640" cy="309068"/>
           </a:xfrm>
           <a:prstGeom prst="straightConnector1">
             <a:avLst/>
@@ -54335,7 +56641,7 @@
         </p:nvCxnSpPr>
         <p:spPr>
           <a:xfrm flipV="1">
-            <a:off x="12286349" y="7873544"/>
+            <a:off x="12264819" y="8162687"/>
             <a:ext cx="0" cy="305490"/>
           </a:xfrm>
           <a:prstGeom prst="straightConnector1">
@@ -54371,8 +56677,8 @@
         </p:nvSpPr>
         <p:spPr>
           <a:xfrm>
-            <a:off x="10321629" y="8698599"/>
-            <a:ext cx="144016" cy="160735"/>
+            <a:off x="10155999" y="8768673"/>
+            <a:ext cx="144016" cy="164414"/>
           </a:xfrm>
           <a:prstGeom prst="ellipse">
             <a:avLst/>
@@ -54417,7 +56723,7 @@
         </p:nvSpPr>
         <p:spPr>
           <a:xfrm rot="4063690">
-            <a:off x="9492593" y="8393680"/>
+            <a:off x="9351520" y="8435976"/>
             <a:ext cx="914400" cy="914400"/>
           </a:xfrm>
           <a:prstGeom prst="arc">
@@ -54465,7 +56771,7 @@
         </p:nvSpPr>
         <p:spPr>
           <a:xfrm rot="15059816">
-            <a:off x="9530443" y="8326335"/>
+            <a:off x="9391182" y="8413369"/>
             <a:ext cx="934303" cy="914400"/>
           </a:xfrm>
           <a:prstGeom prst="arc">
@@ -54513,7 +56819,7 @@
         </p:nvCxnSpPr>
         <p:spPr>
           <a:xfrm flipV="1">
-            <a:off x="10534492" y="8206754"/>
+            <a:off x="10457364" y="8205845"/>
             <a:ext cx="0" cy="269596"/>
           </a:xfrm>
           <a:prstGeom prst="straightConnector1">
@@ -54543,51 +56849,13 @@
       </p:cxnSp>
       <p:sp>
         <p:nvSpPr>
-          <p:cNvPr id="279" name="テキスト ボックス 278"/>
-          <p:cNvSpPr txBox="1"/>
-          <p:nvPr/>
-        </p:nvSpPr>
-        <p:spPr>
-          <a:xfrm>
-            <a:off x="9529541" y="9141619"/>
-            <a:ext cx="936104" cy="307777"/>
-          </a:xfrm>
-          <a:prstGeom prst="rect">
-            <a:avLst/>
-          </a:prstGeom>
-          <a:noFill/>
-        </p:spPr>
-        <p:txBody>
-          <a:bodyPr wrap="square" rtlCol="0">
-            <a:spAutoFit/>
-          </a:bodyPr>
-          <a:lstStyle/>
-          <a:p>
-            <a:r>
-              <a:rPr lang="ja-JP" altLang="en-US" sz="1400" dirty="0" smtClean="0">
-                <a:latin typeface="メイリオ" pitchFamily="50" charset="-128"/>
-                <a:ea typeface="メイリオ" pitchFamily="50" charset="-128"/>
-                <a:cs typeface="メイリオ" pitchFamily="50" charset="-128"/>
-              </a:rPr>
-              <a:t>落下地点</a:t>
-            </a:r>
-            <a:endParaRPr kumimoji="1" lang="ja-JP" altLang="en-US" sz="1400" dirty="0">
-              <a:latin typeface="メイリオ" pitchFamily="50" charset="-128"/>
-              <a:ea typeface="メイリオ" pitchFamily="50" charset="-128"/>
-              <a:cs typeface="メイリオ" pitchFamily="50" charset="-128"/>
-            </a:endParaRPr>
-          </a:p>
-        </p:txBody>
-      </p:sp>
-      <p:sp>
-        <p:nvSpPr>
           <p:cNvPr id="280" name="テキスト ボックス 279"/>
           <p:cNvSpPr txBox="1"/>
           <p:nvPr/>
         </p:nvSpPr>
         <p:spPr>
           <a:xfrm>
-            <a:off x="10020292" y="8530635"/>
+            <a:off x="9810670" y="8483984"/>
             <a:ext cx="373344" cy="307777"/>
           </a:xfrm>
           <a:prstGeom prst="rect">
@@ -54625,7 +56893,7 @@
         </p:nvSpPr>
         <p:spPr>
           <a:xfrm>
-            <a:off x="12213839" y="8624536"/>
+            <a:off x="12167227" y="8918922"/>
             <a:ext cx="359074" cy="307777"/>
           </a:xfrm>
           <a:prstGeom prst="rect">
@@ -54663,7 +56931,7 @@
         </p:nvSpPr>
         <p:spPr>
           <a:xfrm>
-            <a:off x="10060384" y="8158182"/>
+            <a:off x="9997342" y="8290505"/>
             <a:ext cx="353145" cy="307777"/>
           </a:xfrm>
           <a:prstGeom prst="rect">
@@ -54701,7 +56969,7 @@
         </p:nvSpPr>
         <p:spPr>
           <a:xfrm>
-            <a:off x="11859994" y="8058237"/>
+            <a:off x="11813382" y="8352623"/>
             <a:ext cx="353145" cy="307777"/>
           </a:xfrm>
           <a:prstGeom prst="rect">
@@ -54739,7 +57007,7 @@
         </p:nvSpPr>
         <p:spPr>
           <a:xfrm>
-            <a:off x="12387841" y="8146161"/>
+            <a:off x="12852189" y="8536015"/>
             <a:ext cx="353145" cy="307777"/>
           </a:xfrm>
           <a:prstGeom prst="rect">
@@ -54777,7 +57045,7 @@
         </p:nvSpPr>
         <p:spPr>
           <a:xfrm>
-            <a:off x="10482546" y="8218494"/>
+            <a:off x="10405418" y="8217585"/>
             <a:ext cx="353145" cy="307777"/>
           </a:xfrm>
           <a:prstGeom prst="rect">
@@ -54815,7 +57083,7 @@
         </p:nvSpPr>
         <p:spPr>
           <a:xfrm>
-            <a:off x="12219769" y="7780417"/>
+            <a:off x="12198487" y="8071053"/>
             <a:ext cx="353145" cy="307777"/>
           </a:xfrm>
           <a:prstGeom prst="rect">
@@ -54845,52 +57113,105 @@
           </a:p>
         </p:txBody>
       </p:sp>
-      <p:sp>
-        <p:nvSpPr>
-          <p:cNvPr id="287" name="円/楕円 286"/>
-          <p:cNvSpPr/>
+      <p:grpSp>
+        <p:nvGrpSpPr>
+          <p:cNvPr id="4" name="グループ化 3"/>
+          <p:cNvGrpSpPr/>
           <p:nvPr/>
-        </p:nvSpPr>
-        <p:spPr>
+        </p:nvGrpSpPr>
+        <p:grpSpPr>
           <a:xfrm>
-            <a:off x="10334985" y="9184064"/>
-            <a:ext cx="144016" cy="160735"/>
+            <a:off x="9440423" y="9220212"/>
+            <a:ext cx="976490" cy="307777"/>
+            <a:chOff x="9502511" y="9118070"/>
+            <a:chExt cx="976490" cy="307777"/>
           </a:xfrm>
-          <a:prstGeom prst="ellipse">
-            <a:avLst/>
-          </a:prstGeom>
-          <a:solidFill>
-            <a:schemeClr val="accent2"/>
-          </a:solidFill>
-          <a:ln>
+        </p:grpSpPr>
+        <p:sp>
+          <p:nvSpPr>
+            <p:cNvPr id="279" name="テキスト ボックス 278"/>
+            <p:cNvSpPr txBox="1"/>
+            <p:nvPr/>
+          </p:nvSpPr>
+          <p:spPr>
+            <a:xfrm>
+              <a:off x="9502511" y="9118070"/>
+              <a:ext cx="936104" cy="307777"/>
+            </a:xfrm>
+            <a:prstGeom prst="rect">
+              <a:avLst/>
+            </a:prstGeom>
             <a:noFill/>
-          </a:ln>
-        </p:spPr>
-        <p:style>
-          <a:lnRef idx="2">
-            <a:schemeClr val="accent2">
-              <a:shade val="50000"/>
-            </a:schemeClr>
-          </a:lnRef>
-          <a:fillRef idx="1">
-            <a:schemeClr val="accent2"/>
-          </a:fillRef>
-          <a:effectRef idx="0">
-            <a:schemeClr val="accent2"/>
-          </a:effectRef>
-          <a:fontRef idx="minor">
-            <a:schemeClr val="lt1"/>
-          </a:fontRef>
-        </p:style>
-        <p:txBody>
-          <a:bodyPr rtlCol="0" anchor="ctr"/>
-          <a:lstStyle/>
-          <a:p>
-            <a:pPr algn="ctr"/>
-            <a:endParaRPr kumimoji="1" lang="ja-JP" altLang="en-US" dirty="0"/>
-          </a:p>
-        </p:txBody>
-      </p:sp>
+          </p:spPr>
+          <p:txBody>
+            <a:bodyPr wrap="square" rtlCol="0">
+              <a:spAutoFit/>
+            </a:bodyPr>
+            <a:lstStyle/>
+            <a:p>
+              <a:r>
+                <a:rPr lang="ja-JP" altLang="en-US" sz="1400" dirty="0" smtClean="0">
+                  <a:latin typeface="メイリオ" pitchFamily="50" charset="-128"/>
+                  <a:ea typeface="メイリオ" pitchFamily="50" charset="-128"/>
+                  <a:cs typeface="メイリオ" pitchFamily="50" charset="-128"/>
+                </a:rPr>
+                <a:t>落下地点</a:t>
+              </a:r>
+              <a:endParaRPr kumimoji="1" lang="ja-JP" altLang="en-US" sz="1400" dirty="0">
+                <a:latin typeface="メイリオ" pitchFamily="50" charset="-128"/>
+                <a:ea typeface="メイリオ" pitchFamily="50" charset="-128"/>
+                <a:cs typeface="メイリオ" pitchFamily="50" charset="-128"/>
+              </a:endParaRPr>
+            </a:p>
+          </p:txBody>
+        </p:sp>
+        <p:sp>
+          <p:nvSpPr>
+            <p:cNvPr id="287" name="円/楕円 286"/>
+            <p:cNvSpPr/>
+            <p:nvPr/>
+          </p:nvSpPr>
+          <p:spPr>
+            <a:xfrm>
+              <a:off x="10334985" y="9184064"/>
+              <a:ext cx="144016" cy="160735"/>
+            </a:xfrm>
+            <a:prstGeom prst="ellipse">
+              <a:avLst/>
+            </a:prstGeom>
+            <a:solidFill>
+              <a:schemeClr val="accent2"/>
+            </a:solidFill>
+            <a:ln>
+              <a:noFill/>
+            </a:ln>
+          </p:spPr>
+          <p:style>
+            <a:lnRef idx="2">
+              <a:schemeClr val="accent2">
+                <a:shade val="50000"/>
+              </a:schemeClr>
+            </a:lnRef>
+            <a:fillRef idx="1">
+              <a:schemeClr val="accent2"/>
+            </a:fillRef>
+            <a:effectRef idx="0">
+              <a:schemeClr val="accent2"/>
+            </a:effectRef>
+            <a:fontRef idx="minor">
+              <a:schemeClr val="lt1"/>
+            </a:fontRef>
+          </p:style>
+          <p:txBody>
+            <a:bodyPr rtlCol="0" anchor="ctr"/>
+            <a:lstStyle/>
+            <a:p>
+              <a:pPr algn="ctr"/>
+              <a:endParaRPr kumimoji="1" lang="ja-JP" altLang="en-US" dirty="0"/>
+            </a:p>
+          </p:txBody>
+        </p:sp>
+      </p:grpSp>
       <p:sp>
         <p:nvSpPr>
           <p:cNvPr id="288" name="テキスト ボックス 287"/>
@@ -54899,7 +57220,7 @@
         </p:nvSpPr>
         <p:spPr>
           <a:xfrm>
-            <a:off x="9558657" y="6443429"/>
+            <a:off x="9535742" y="6354926"/>
             <a:ext cx="1813977" cy="261610"/>
           </a:xfrm>
           <a:prstGeom prst="rect">
@@ -54937,7 +57258,7 @@
         </p:nvSpPr>
         <p:spPr>
           <a:xfrm>
-            <a:off x="11426252" y="6437015"/>
+            <a:off x="11454645" y="6354692"/>
             <a:ext cx="1739020" cy="261610"/>
           </a:xfrm>
           <a:prstGeom prst="rect">
@@ -54975,8 +57296,8 @@
         </p:nvSpPr>
         <p:spPr>
           <a:xfrm>
-            <a:off x="9625727" y="6717638"/>
-            <a:ext cx="1758012" cy="1246495"/>
+            <a:off x="9603540" y="6569174"/>
+            <a:ext cx="1758012" cy="1408078"/>
           </a:xfrm>
           <a:prstGeom prst="rect">
             <a:avLst/>
@@ -54995,7 +57316,15 @@
                 <a:ea typeface="メイリオ" pitchFamily="50" charset="-128"/>
                 <a:cs typeface="メイリオ" pitchFamily="50" charset="-128"/>
               </a:rPr>
-              <a:t>①左へ旋回</a:t>
+              <a:t>①左</a:t>
+            </a:r>
+            <a:r>
+              <a:rPr lang="ja-JP" altLang="en-US" sz="1050" dirty="0">
+                <a:latin typeface="メイリオ" pitchFamily="50" charset="-128"/>
+                <a:ea typeface="メイリオ" pitchFamily="50" charset="-128"/>
+                <a:cs typeface="メイリオ" pitchFamily="50" charset="-128"/>
+              </a:rPr>
+              <a:t>へ９０度旋回</a:t>
             </a:r>
             <a:endParaRPr lang="en-US" altLang="ja-JP" sz="1050" dirty="0" smtClean="0">
               <a:latin typeface="メイリオ" pitchFamily="50" charset="-128"/>
@@ -55042,15 +57371,7 @@
                 <a:ea typeface="メイリオ" pitchFamily="50" charset="-128"/>
                 <a:cs typeface="メイリオ" pitchFamily="50" charset="-128"/>
               </a:rPr>
-              <a:t>未満なのでライン</a:t>
-            </a:r>
-            <a:r>
-              <a:rPr lang="ja-JP" altLang="en-US" sz="1050" dirty="0">
-                <a:latin typeface="メイリオ" pitchFamily="50" charset="-128"/>
-                <a:ea typeface="メイリオ" pitchFamily="50" charset="-128"/>
-                <a:cs typeface="メイリオ" pitchFamily="50" charset="-128"/>
-              </a:rPr>
-              <a:t>は左側</a:t>
+              <a:t>未満</a:t>
             </a:r>
             <a:r>
               <a:rPr lang="ja-JP" altLang="en-US" sz="1050" dirty="0" smtClean="0">
@@ -55058,7 +57379,7 @@
                 <a:ea typeface="メイリオ" pitchFamily="50" charset="-128"/>
                 <a:cs typeface="メイリオ" pitchFamily="50" charset="-128"/>
               </a:rPr>
-              <a:t>にはないと判断</a:t>
+              <a:t>落下地点へ戻る</a:t>
             </a:r>
             <a:r>
               <a:rPr lang="en-US" altLang="ja-JP" sz="1050" dirty="0" smtClean="0">
@@ -55066,22 +57387,38 @@
                 <a:ea typeface="メイリオ" pitchFamily="50" charset="-128"/>
                 <a:cs typeface="メイリオ" pitchFamily="50" charset="-128"/>
               </a:rPr>
-              <a:t/>
-            </a:r>
-            <a:br>
+              <a:t>.</a:t>
+            </a:r>
+            <a:endParaRPr lang="en-US" altLang="ja-JP" sz="1050" dirty="0" smtClean="0">
+              <a:latin typeface="メイリオ" pitchFamily="50" charset="-128"/>
+              <a:ea typeface="メイリオ" pitchFamily="50" charset="-128"/>
+              <a:cs typeface="メイリオ" pitchFamily="50" charset="-128"/>
+            </a:endParaRPr>
+          </a:p>
+          <a:p>
+            <a:r>
+              <a:rPr lang="ja-JP" altLang="en-US" sz="1050" dirty="0" smtClean="0">
+                <a:latin typeface="メイリオ" pitchFamily="50" charset="-128"/>
+                <a:ea typeface="メイリオ" pitchFamily="50" charset="-128"/>
+                <a:cs typeface="メイリオ" pitchFamily="50" charset="-128"/>
+              </a:rPr>
+              <a:t>③右へ旋回</a:t>
+            </a:r>
+            <a:r>
               <a:rPr lang="en-US" altLang="ja-JP" sz="1050" dirty="0" smtClean="0">
                 <a:latin typeface="メイリオ" pitchFamily="50" charset="-128"/>
                 <a:ea typeface="メイリオ" pitchFamily="50" charset="-128"/>
                 <a:cs typeface="メイリオ" pitchFamily="50" charset="-128"/>
               </a:rPr>
-            </a:br>
+              <a:t>,</a:t>
+            </a:r>
             <a:r>
               <a:rPr lang="ja-JP" altLang="en-US" sz="1050" dirty="0" smtClean="0">
                 <a:latin typeface="メイリオ" pitchFamily="50" charset="-128"/>
                 <a:ea typeface="メイリオ" pitchFamily="50" charset="-128"/>
                 <a:cs typeface="メイリオ" pitchFamily="50" charset="-128"/>
               </a:rPr>
-              <a:t>③右へ旋回</a:t>
+              <a:t>エッジ検出２回検目でライントレース再開</a:t>
             </a:r>
             <a:r>
               <a:rPr lang="en-US" altLang="ja-JP" sz="1050" dirty="0" smtClean="0">
@@ -55129,7 +57466,7 @@
         </p:nvSpPr>
         <p:spPr>
           <a:xfrm>
-            <a:off x="10482546" y="8455530"/>
+            <a:off x="10401410" y="8585985"/>
             <a:ext cx="353145" cy="307777"/>
           </a:xfrm>
           <a:prstGeom prst="rect">
@@ -55167,8 +57504,8 @@
         </p:nvSpPr>
         <p:spPr>
           <a:xfrm>
-            <a:off x="11397990" y="6688540"/>
-            <a:ext cx="1885679" cy="1246495"/>
+            <a:off x="11408862" y="6559610"/>
+            <a:ext cx="1885679" cy="1569660"/>
           </a:xfrm>
           <a:prstGeom prst="rect">
             <a:avLst/>
@@ -55203,23 +57540,7 @@
                 <a:ea typeface="メイリオ" pitchFamily="50" charset="-128"/>
                 <a:cs typeface="メイリオ" pitchFamily="50" charset="-128"/>
               </a:rPr>
-              <a:t>しエッジ検出　　　  </a:t>
-            </a:r>
-            <a:r>
-              <a:rPr lang="ja-JP" altLang="en-US" sz="1050" dirty="0" err="1" smtClean="0">
-                <a:latin typeface="メイリオ" pitchFamily="50" charset="-128"/>
-                <a:ea typeface="メイリオ" pitchFamily="50" charset="-128"/>
-                <a:cs typeface="メイリオ" pitchFamily="50" charset="-128"/>
-              </a:rPr>
-              <a:t>を</a:t>
-            </a:r>
-            <a:r>
-              <a:rPr lang="en-US" altLang="ja-JP" sz="1050" dirty="0">
-                <a:latin typeface="メイリオ" pitchFamily="50" charset="-128"/>
-                <a:ea typeface="メイリオ" pitchFamily="50" charset="-128"/>
-                <a:cs typeface="メイリオ" pitchFamily="50" charset="-128"/>
-              </a:rPr>
-              <a:t>2</a:t>
+              <a:t>し</a:t>
             </a:r>
             <a:r>
               <a:rPr lang="ja-JP" altLang="en-US" sz="1050" dirty="0" smtClean="0">
@@ -55227,7 +57548,55 @@
                 <a:ea typeface="メイリオ" pitchFamily="50" charset="-128"/>
                 <a:cs typeface="メイリオ" pitchFamily="50" charset="-128"/>
               </a:rPr>
-              <a:t>回するためラインが</a:t>
+              <a:t>エッジ</a:t>
+            </a:r>
+            <a:r>
+              <a:rPr lang="ja-JP" altLang="en-US" sz="1050" dirty="0">
+                <a:latin typeface="メイリオ" pitchFamily="50" charset="-128"/>
+                <a:ea typeface="メイリオ" pitchFamily="50" charset="-128"/>
+                <a:cs typeface="メイリオ" pitchFamily="50" charset="-128"/>
+              </a:rPr>
+              <a:t>を</a:t>
+            </a:r>
+            <a:r>
+              <a:rPr lang="ja-JP" altLang="en-US" sz="1050" dirty="0" smtClean="0">
+                <a:latin typeface="メイリオ" pitchFamily="50" charset="-128"/>
+                <a:ea typeface="メイリオ" pitchFamily="50" charset="-128"/>
+                <a:cs typeface="メイリオ" pitchFamily="50" charset="-128"/>
+              </a:rPr>
+              <a:t>２</a:t>
+            </a:r>
+            <a:r>
+              <a:rPr lang="ja-JP" altLang="en-US" sz="1050" dirty="0" smtClean="0">
+                <a:latin typeface="メイリオ" pitchFamily="50" charset="-128"/>
+                <a:ea typeface="メイリオ" pitchFamily="50" charset="-128"/>
+                <a:cs typeface="メイリオ" pitchFamily="50" charset="-128"/>
+              </a:rPr>
+              <a:t>回検出</a:t>
+            </a:r>
+            <a:r>
+              <a:rPr lang="en-US" altLang="ja-JP" sz="1050" dirty="0" smtClean="0">
+                <a:latin typeface="メイリオ" pitchFamily="50" charset="-128"/>
+                <a:ea typeface="メイリオ" pitchFamily="50" charset="-128"/>
+                <a:cs typeface="メイリオ" pitchFamily="50" charset="-128"/>
+              </a:rPr>
+              <a:t>.</a:t>
+            </a:r>
+            <a:r>
+              <a:rPr lang="ja-JP" altLang="en-US" sz="1050" dirty="0" smtClean="0">
+                <a:latin typeface="メイリオ" pitchFamily="50" charset="-128"/>
+                <a:ea typeface="メイリオ" pitchFamily="50" charset="-128"/>
+                <a:cs typeface="メイリオ" pitchFamily="50" charset="-128"/>
+              </a:rPr>
+              <a:t>ライン</a:t>
+            </a:r>
+            <a:r>
+              <a:rPr lang="ja-JP" altLang="en-US" sz="1050" dirty="0" smtClean="0">
+                <a:latin typeface="メイリオ" pitchFamily="50" charset="-128"/>
+                <a:ea typeface="メイリオ" pitchFamily="50" charset="-128"/>
+                <a:cs typeface="メイリオ" pitchFamily="50" charset="-128"/>
+              </a:rPr>
+              <a:t>が</a:t>
             </a:r>
             <a:r>
               <a:rPr lang="ja-JP" altLang="en-US" sz="1050" dirty="0">
@@ -55245,20 +57614,52 @@
           </a:p>
           <a:p>
             <a:r>
+              <a:rPr lang="ja-JP" altLang="en-US" sz="1050" dirty="0">
+                <a:latin typeface="メイリオ" pitchFamily="50" charset="-128"/>
+                <a:ea typeface="メイリオ" pitchFamily="50" charset="-128"/>
+                <a:cs typeface="メイリオ" pitchFamily="50" charset="-128"/>
+              </a:rPr>
+              <a:t>②右へ</a:t>
+            </a:r>
+            <a:r>
               <a:rPr lang="ja-JP" altLang="en-US" sz="1050" dirty="0" smtClean="0">
                 <a:latin typeface="メイリオ" pitchFamily="50" charset="-128"/>
                 <a:ea typeface="メイリオ" pitchFamily="50" charset="-128"/>
                 <a:cs typeface="メイリオ" pitchFamily="50" charset="-128"/>
               </a:rPr>
-              <a:t>②右</a:t>
-            </a:r>
-            <a:r>
-              <a:rPr lang="ja-JP" altLang="en-US" sz="1050" dirty="0">
+              <a:t>旋回</a:t>
+            </a:r>
+            <a:r>
+              <a:rPr lang="en-US" altLang="ja-JP" sz="1050" dirty="0" smtClean="0">
                 <a:latin typeface="メイリオ" pitchFamily="50" charset="-128"/>
                 <a:ea typeface="メイリオ" pitchFamily="50" charset="-128"/>
                 <a:cs typeface="メイリオ" pitchFamily="50" charset="-128"/>
               </a:rPr>
-              <a:t>へ旋回</a:t>
+              <a:t>.</a:t>
+            </a:r>
+            <a:r>
+              <a:rPr lang="ja-JP" altLang="en-US" sz="1050" dirty="0" smtClean="0">
+                <a:latin typeface="メイリオ" pitchFamily="50" charset="-128"/>
+                <a:ea typeface="メイリオ" pitchFamily="50" charset="-128"/>
+                <a:cs typeface="メイリオ" pitchFamily="50" charset="-128"/>
+              </a:rPr>
+              <a:t>エッジを２回検出後</a:t>
+            </a:r>
+            <a:r>
+              <a:rPr lang="en-US" altLang="ja-JP" sz="1050" dirty="0" smtClean="0">
+                <a:latin typeface="メイリオ" pitchFamily="50" charset="-128"/>
+                <a:ea typeface="メイリオ" pitchFamily="50" charset="-128"/>
+                <a:cs typeface="メイリオ" pitchFamily="50" charset="-128"/>
+              </a:rPr>
+              <a:t>,</a:t>
+            </a:r>
+            <a:r>
+              <a:rPr lang="ja-JP" altLang="en-US" sz="1050" dirty="0" smtClean="0">
+                <a:latin typeface="メイリオ" pitchFamily="50" charset="-128"/>
+                <a:ea typeface="メイリオ" pitchFamily="50" charset="-128"/>
+                <a:cs typeface="メイリオ" pitchFamily="50" charset="-128"/>
+              </a:rPr>
+              <a:t>さらに旋回</a:t>
             </a:r>
             <a:r>
               <a:rPr lang="en-US" altLang="ja-JP" sz="1050" dirty="0" smtClean="0">
@@ -55281,7 +57682,47 @@
                 <a:ea typeface="メイリオ" pitchFamily="50" charset="-128"/>
                 <a:cs typeface="メイリオ" pitchFamily="50" charset="-128"/>
               </a:rPr>
-              <a:t>③ラインに向かって直進</a:t>
+              <a:t>③</a:t>
+            </a:r>
+            <a:r>
+              <a:rPr lang="ja-JP" altLang="en-US" sz="1050" dirty="0" smtClean="0">
+                <a:latin typeface="メイリオ" pitchFamily="50" charset="-128"/>
+                <a:ea typeface="メイリオ" pitchFamily="50" charset="-128"/>
+                <a:cs typeface="メイリオ" pitchFamily="50" charset="-128"/>
+              </a:rPr>
+              <a:t>ライン</a:t>
+            </a:r>
+            <a:r>
+              <a:rPr lang="ja-JP" altLang="en-US" sz="1050" dirty="0">
+                <a:latin typeface="メイリオ" pitchFamily="50" charset="-128"/>
+                <a:ea typeface="メイリオ" pitchFamily="50" charset="-128"/>
+                <a:cs typeface="メイリオ" pitchFamily="50" charset="-128"/>
+              </a:rPr>
+              <a:t>へ</a:t>
+            </a:r>
+            <a:r>
+              <a:rPr lang="ja-JP" altLang="en-US" sz="1050" dirty="0" smtClean="0">
+                <a:latin typeface="メイリオ" pitchFamily="50" charset="-128"/>
+                <a:ea typeface="メイリオ" pitchFamily="50" charset="-128"/>
+                <a:cs typeface="メイリオ" pitchFamily="50" charset="-128"/>
+              </a:rPr>
+              <a:t>直進</a:t>
+            </a:r>
+            <a:r>
+              <a:rPr lang="en-US" altLang="ja-JP" sz="1050" dirty="0" smtClean="0">
+                <a:latin typeface="メイリオ" pitchFamily="50" charset="-128"/>
+                <a:ea typeface="メイリオ" pitchFamily="50" charset="-128"/>
+                <a:cs typeface="メイリオ" pitchFamily="50" charset="-128"/>
+              </a:rPr>
+              <a:t>,</a:t>
+            </a:r>
+            <a:r>
+              <a:rPr lang="ja-JP" altLang="en-US" sz="1050" dirty="0" smtClean="0">
+                <a:latin typeface="メイリオ" pitchFamily="50" charset="-128"/>
+                <a:ea typeface="メイリオ" pitchFamily="50" charset="-128"/>
+                <a:cs typeface="メイリオ" pitchFamily="50" charset="-128"/>
+              </a:rPr>
+              <a:t>エッジ検出後ライントレース再開</a:t>
             </a:r>
             <a:r>
               <a:rPr lang="en-US" altLang="ja-JP" sz="1050" dirty="0" smtClean="0">
@@ -57915,84 +60356,6 @@
           </a:p>
         </p:txBody>
       </p:sp>
-      <p:sp>
-        <p:nvSpPr>
-          <p:cNvPr id="236" name="テキスト ボックス 235"/>
-          <p:cNvSpPr txBox="1"/>
-          <p:nvPr/>
-        </p:nvSpPr>
-        <p:spPr>
-          <a:xfrm>
-            <a:off x="10546164" y="8991897"/>
-            <a:ext cx="2961118" cy="507831"/>
-          </a:xfrm>
-          <a:prstGeom prst="rect">
-            <a:avLst/>
-          </a:prstGeom>
-          <a:noFill/>
-        </p:spPr>
-        <p:txBody>
-          <a:bodyPr wrap="square" rtlCol="0">
-            <a:spAutoFit/>
-          </a:bodyPr>
-          <a:lstStyle/>
-          <a:p>
-            <a:r>
-              <a:rPr lang="en-US" altLang="ja-JP" sz="900" b="1" dirty="0" smtClean="0">
-                <a:latin typeface="メイリオ" pitchFamily="50" charset="-128"/>
-                <a:ea typeface="メイリオ" pitchFamily="50" charset="-128"/>
-                <a:cs typeface="メイリオ" pitchFamily="50" charset="-128"/>
-              </a:rPr>
-              <a:t>※</a:t>
-            </a:r>
-            <a:r>
-              <a:rPr lang="ja-JP" altLang="en-US" sz="900" b="1" dirty="0" smtClean="0">
-                <a:latin typeface="メイリオ" pitchFamily="50" charset="-128"/>
-                <a:ea typeface="メイリオ" pitchFamily="50" charset="-128"/>
-                <a:cs typeface="メイリオ" pitchFamily="50" charset="-128"/>
-              </a:rPr>
-              <a:t>黒ライン上や</a:t>
-            </a:r>
-            <a:r>
-              <a:rPr lang="ja-JP" altLang="en-US" sz="900" b="1" dirty="0">
-                <a:latin typeface="メイリオ" pitchFamily="50" charset="-128"/>
-                <a:ea typeface="メイリオ" pitchFamily="50" charset="-128"/>
-                <a:cs typeface="メイリオ" pitchFamily="50" charset="-128"/>
-              </a:rPr>
-              <a:t>左</a:t>
-            </a:r>
-            <a:r>
-              <a:rPr lang="ja-JP" altLang="en-US" sz="900" b="1" dirty="0" smtClean="0">
-                <a:latin typeface="メイリオ" pitchFamily="50" charset="-128"/>
-                <a:ea typeface="メイリオ" pitchFamily="50" charset="-128"/>
-                <a:cs typeface="メイリオ" pitchFamily="50" charset="-128"/>
-              </a:rPr>
-              <a:t>エッジ上に落下した場合でも，エッジ検出回数は</a:t>
-            </a:r>
-            <a:r>
-              <a:rPr lang="en-US" altLang="ja-JP" sz="900" b="1" dirty="0" smtClean="0">
-                <a:latin typeface="メイリオ" pitchFamily="50" charset="-128"/>
-                <a:ea typeface="メイリオ" pitchFamily="50" charset="-128"/>
-                <a:cs typeface="メイリオ" pitchFamily="50" charset="-128"/>
-              </a:rPr>
-              <a:t>2</a:t>
-            </a:r>
-            <a:r>
-              <a:rPr lang="ja-JP" altLang="en-US" sz="900" b="1" dirty="0" smtClean="0">
-                <a:latin typeface="メイリオ" pitchFamily="50" charset="-128"/>
-                <a:ea typeface="メイリオ" pitchFamily="50" charset="-128"/>
-                <a:cs typeface="メイリオ" pitchFamily="50" charset="-128"/>
-              </a:rPr>
-              <a:t>回未満になるので，右エッジに復帰することが可能である</a:t>
-            </a:r>
-            <a:endParaRPr kumimoji="1" lang="ja-JP" altLang="en-US" sz="900" b="1" dirty="0">
-              <a:latin typeface="メイリオ" pitchFamily="50" charset="-128"/>
-              <a:ea typeface="メイリオ" pitchFamily="50" charset="-128"/>
-              <a:cs typeface="メイリオ" pitchFamily="50" charset="-128"/>
-            </a:endParaRPr>
-          </a:p>
-        </p:txBody>
-      </p:sp>
     </p:spTree>
     <p:extLst>
       <p:ext uri="{BB962C8B-B14F-4D97-AF65-F5344CB8AC3E}">
